--- a/ERC4337.pptx
+++ b/ERC4337.pptx
@@ -275,7 +275,7 @@
           <a:p>
             <a:fld id="{A08D1B0F-02AC-4195-A768-B4986CE95E63}" type="datetimeFigureOut">
               <a:rPr lang="ko-KR" altLang="en-US" smtClean="0"/>
-              <a:t>2024-02-27</a:t>
+              <a:t>2024-02-28</a:t>
             </a:fld>
             <a:endParaRPr lang="ko-KR" altLang="en-US"/>
           </a:p>
@@ -473,7 +473,7 @@
           <a:p>
             <a:fld id="{A08D1B0F-02AC-4195-A768-B4986CE95E63}" type="datetimeFigureOut">
               <a:rPr lang="ko-KR" altLang="en-US" smtClean="0"/>
-              <a:t>2024-02-27</a:t>
+              <a:t>2024-02-28</a:t>
             </a:fld>
             <a:endParaRPr lang="ko-KR" altLang="en-US"/>
           </a:p>
@@ -681,7 +681,7 @@
           <a:p>
             <a:fld id="{A08D1B0F-02AC-4195-A768-B4986CE95E63}" type="datetimeFigureOut">
               <a:rPr lang="ko-KR" altLang="en-US" smtClean="0"/>
-              <a:t>2024-02-27</a:t>
+              <a:t>2024-02-28</a:t>
             </a:fld>
             <a:endParaRPr lang="ko-KR" altLang="en-US"/>
           </a:p>
@@ -879,7 +879,7 @@
           <a:p>
             <a:fld id="{A08D1B0F-02AC-4195-A768-B4986CE95E63}" type="datetimeFigureOut">
               <a:rPr lang="ko-KR" altLang="en-US" smtClean="0"/>
-              <a:t>2024-02-27</a:t>
+              <a:t>2024-02-28</a:t>
             </a:fld>
             <a:endParaRPr lang="ko-KR" altLang="en-US"/>
           </a:p>
@@ -1154,7 +1154,7 @@
           <a:p>
             <a:fld id="{A08D1B0F-02AC-4195-A768-B4986CE95E63}" type="datetimeFigureOut">
               <a:rPr lang="ko-KR" altLang="en-US" smtClean="0"/>
-              <a:t>2024-02-27</a:t>
+              <a:t>2024-02-28</a:t>
             </a:fld>
             <a:endParaRPr lang="ko-KR" altLang="en-US"/>
           </a:p>
@@ -1419,7 +1419,7 @@
           <a:p>
             <a:fld id="{A08D1B0F-02AC-4195-A768-B4986CE95E63}" type="datetimeFigureOut">
               <a:rPr lang="ko-KR" altLang="en-US" smtClean="0"/>
-              <a:t>2024-02-27</a:t>
+              <a:t>2024-02-28</a:t>
             </a:fld>
             <a:endParaRPr lang="ko-KR" altLang="en-US"/>
           </a:p>
@@ -1831,7 +1831,7 @@
           <a:p>
             <a:fld id="{A08D1B0F-02AC-4195-A768-B4986CE95E63}" type="datetimeFigureOut">
               <a:rPr lang="ko-KR" altLang="en-US" smtClean="0"/>
-              <a:t>2024-02-27</a:t>
+              <a:t>2024-02-28</a:t>
             </a:fld>
             <a:endParaRPr lang="ko-KR" altLang="en-US"/>
           </a:p>
@@ -1972,7 +1972,7 @@
           <a:p>
             <a:fld id="{A08D1B0F-02AC-4195-A768-B4986CE95E63}" type="datetimeFigureOut">
               <a:rPr lang="ko-KR" altLang="en-US" smtClean="0"/>
-              <a:t>2024-02-27</a:t>
+              <a:t>2024-02-28</a:t>
             </a:fld>
             <a:endParaRPr lang="ko-KR" altLang="en-US"/>
           </a:p>
@@ -2085,7 +2085,7 @@
           <a:p>
             <a:fld id="{A08D1B0F-02AC-4195-A768-B4986CE95E63}" type="datetimeFigureOut">
               <a:rPr lang="ko-KR" altLang="en-US" smtClean="0"/>
-              <a:t>2024-02-27</a:t>
+              <a:t>2024-02-28</a:t>
             </a:fld>
             <a:endParaRPr lang="ko-KR" altLang="en-US"/>
           </a:p>
@@ -2396,7 +2396,7 @@
           <a:p>
             <a:fld id="{A08D1B0F-02AC-4195-A768-B4986CE95E63}" type="datetimeFigureOut">
               <a:rPr lang="ko-KR" altLang="en-US" smtClean="0"/>
-              <a:t>2024-02-27</a:t>
+              <a:t>2024-02-28</a:t>
             </a:fld>
             <a:endParaRPr lang="ko-KR" altLang="en-US"/>
           </a:p>
@@ -2684,7 +2684,7 @@
           <a:p>
             <a:fld id="{A08D1B0F-02AC-4195-A768-B4986CE95E63}" type="datetimeFigureOut">
               <a:rPr lang="ko-KR" altLang="en-US" smtClean="0"/>
-              <a:t>2024-02-27</a:t>
+              <a:t>2024-02-28</a:t>
             </a:fld>
             <a:endParaRPr lang="ko-KR" altLang="en-US"/>
           </a:p>
@@ -2925,7 +2925,7 @@
           <a:p>
             <a:fld id="{A08D1B0F-02AC-4195-A768-B4986CE95E63}" type="datetimeFigureOut">
               <a:rPr lang="ko-KR" altLang="en-US" smtClean="0"/>
-              <a:t>2024-02-27</a:t>
+              <a:t>2024-02-28</a:t>
             </a:fld>
             <a:endParaRPr lang="ko-KR" altLang="en-US"/>
           </a:p>
@@ -6006,7 +6006,7 @@
                 </a:solidFill>
                 <a:latin typeface="system-ui"/>
               </a:rPr>
-              <a:t>응용방안</a:t>
+              <a:t>응용방안 제안</a:t>
             </a:r>
             <a:endParaRPr lang="en-US" altLang="ko-KR" sz="2800" b="0" i="0" dirty="0">
               <a:solidFill>
@@ -6032,7 +6032,7 @@
         </p:nvSpPr>
         <p:spPr>
           <a:xfrm>
-            <a:off x="2005149" y="307696"/>
+            <a:off x="3328851" y="307696"/>
             <a:ext cx="3775165" cy="369332"/>
           </a:xfrm>
           <a:prstGeom prst="rect">
@@ -6262,7 +6262,7 @@
                 </a:solidFill>
                 <a:latin typeface="system-ui"/>
               </a:rPr>
-              <a:t>응용방안</a:t>
+              <a:t>응용방안 제안</a:t>
             </a:r>
             <a:endParaRPr lang="en-US" altLang="ko-KR" sz="2800" b="0" i="0" dirty="0">
               <a:solidFill>
@@ -6288,7 +6288,7 @@
         </p:nvSpPr>
         <p:spPr>
           <a:xfrm>
-            <a:off x="2005149" y="307696"/>
+            <a:off x="3276601" y="307696"/>
             <a:ext cx="3775165" cy="369332"/>
           </a:xfrm>
           <a:prstGeom prst="rect">

--- a/ERC4337.pptx
+++ b/ERC4337.pptx
@@ -4477,6 +4477,36 @@
           </a:fontRef>
         </p:style>
       </p:cxnSp>
+      <p:pic>
+        <p:nvPicPr>
+          <p:cNvPr id="11" name="그림 10">
+            <a:extLst>
+              <a:ext uri="{FF2B5EF4-FFF2-40B4-BE49-F238E27FC236}">
+                <a16:creationId xmlns:a16="http://schemas.microsoft.com/office/drawing/2014/main" id="{067EBB86-1925-BD74-0864-8F0F1A644E21}"/>
+              </a:ext>
+            </a:extLst>
+          </p:cNvPr>
+          <p:cNvPicPr>
+            <a:picLocks noChangeAspect="1"/>
+          </p:cNvPicPr>
+          <p:nvPr/>
+        </p:nvPicPr>
+        <p:blipFill>
+          <a:blip r:embed="rId4"/>
+          <a:stretch>
+            <a:fillRect/>
+          </a:stretch>
+        </p:blipFill>
+        <p:spPr>
+          <a:xfrm>
+            <a:off x="8356963" y="2422776"/>
+            <a:ext cx="3667252" cy="2901048"/>
+          </a:xfrm>
+          <a:prstGeom prst="rect">
+            <a:avLst/>
+          </a:prstGeom>
+        </p:spPr>
+      </p:pic>
     </p:spTree>
     <p:extLst>
       <p:ext uri="{BB962C8B-B14F-4D97-AF65-F5344CB8AC3E}">
@@ -4757,7 +4787,7 @@
         <p:spPr>
           <a:xfrm>
             <a:off x="2005149" y="307696"/>
-            <a:ext cx="4433751" cy="369332"/>
+            <a:ext cx="4595948" cy="369332"/>
           </a:xfrm>
           <a:prstGeom prst="rect">
             <a:avLst/>
@@ -4820,7 +4850,7 @@
                   <a:schemeClr val="tx1"/>
                 </a:solidFill>
               </a:rPr>
-              <a:t>배제 </a:t>
+              <a:t>요소 배제 </a:t>
             </a:r>
             <a:r>
               <a:rPr lang="en-US" altLang="ko-KR" sz="1600" b="1" dirty="0">
@@ -6429,7 +6459,7 @@
         <p:spPr>
           <a:xfrm>
             <a:off x="0" y="946947"/>
-            <a:ext cx="8740362" cy="2031325"/>
+            <a:ext cx="8740362" cy="2308324"/>
           </a:xfrm>
           <a:prstGeom prst="rect">
             <a:avLst/>
@@ -6641,7 +6671,7 @@
               <a:rPr lang="af-ZA" altLang="ko-KR" dirty="0">
                 <a:hlinkClick r:id="rId5"/>
               </a:rPr>
-              <a:t>UX</a:t>
+              <a:t>Xangle - UX</a:t>
             </a:r>
             <a:r>
               <a:rPr lang="ko-KR" altLang="en-US" dirty="0">
@@ -6679,7 +6709,26 @@
               <a:rPr lang="af-ZA" altLang="ko-KR" dirty="0">
                 <a:hlinkClick r:id="rId7"/>
               </a:rPr>
-              <a:t>UserOp Explorer https://jiffyscan.xyz/</a:t>
+              <a:t>UserOp Explorer</a:t>
+            </a:r>
+            <a:r>
+              <a:rPr lang="af-ZA" altLang="ko-KR" dirty="0">
+                <a:hlinkClick r:id="rId7"/>
+              </a:rPr>
+              <a:t> - https://jiffyscan.xyz/</a:t>
+            </a:r>
+            <a:endParaRPr lang="af-ZA" altLang="ko-KR" dirty="0"/>
+          </a:p>
+          <a:p>
+            <a:pPr marL="342900" indent="-342900" fontAlgn="ctr">
+              <a:buFontTx/>
+              <a:buAutoNum type="arabicPeriod"/>
+            </a:pPr>
+            <a:r>
+              <a:rPr lang="af-ZA" altLang="ko-KR" dirty="0">
+                <a:hlinkClick r:id="rId8"/>
+              </a:rPr>
+              <a:t>Chainlink CCIP – pay in native</a:t>
             </a:r>
             <a:endParaRPr lang="af-ZA" altLang="ko-KR" dirty="0"/>
           </a:p>

--- a/ERC4337.pptx
+++ b/ERC4337.pptx
@@ -21,7 +21,8 @@
     <p:sldId id="274" r:id="rId15"/>
     <p:sldId id="275" r:id="rId16"/>
     <p:sldId id="276" r:id="rId17"/>
-    <p:sldId id="261" r:id="rId18"/>
+    <p:sldId id="277" r:id="rId18"/>
+    <p:sldId id="261" r:id="rId19"/>
   </p:sldIdLst>
   <p:sldSz cx="12192000" cy="6858000"/>
   <p:notesSz cx="6858000" cy="9144000"/>
@@ -275,7 +276,7 @@
           <a:p>
             <a:fld id="{A08D1B0F-02AC-4195-A768-B4986CE95E63}" type="datetimeFigureOut">
               <a:rPr lang="ko-KR" altLang="en-US" smtClean="0"/>
-              <a:t>2024-02-28</a:t>
+              <a:t>2024-03-04</a:t>
             </a:fld>
             <a:endParaRPr lang="ko-KR" altLang="en-US"/>
           </a:p>
@@ -473,7 +474,7 @@
           <a:p>
             <a:fld id="{A08D1B0F-02AC-4195-A768-B4986CE95E63}" type="datetimeFigureOut">
               <a:rPr lang="ko-KR" altLang="en-US" smtClean="0"/>
-              <a:t>2024-02-28</a:t>
+              <a:t>2024-03-04</a:t>
             </a:fld>
             <a:endParaRPr lang="ko-KR" altLang="en-US"/>
           </a:p>
@@ -681,7 +682,7 @@
           <a:p>
             <a:fld id="{A08D1B0F-02AC-4195-A768-B4986CE95E63}" type="datetimeFigureOut">
               <a:rPr lang="ko-KR" altLang="en-US" smtClean="0"/>
-              <a:t>2024-02-28</a:t>
+              <a:t>2024-03-04</a:t>
             </a:fld>
             <a:endParaRPr lang="ko-KR" altLang="en-US"/>
           </a:p>
@@ -879,7 +880,7 @@
           <a:p>
             <a:fld id="{A08D1B0F-02AC-4195-A768-B4986CE95E63}" type="datetimeFigureOut">
               <a:rPr lang="ko-KR" altLang="en-US" smtClean="0"/>
-              <a:t>2024-02-28</a:t>
+              <a:t>2024-03-04</a:t>
             </a:fld>
             <a:endParaRPr lang="ko-KR" altLang="en-US"/>
           </a:p>
@@ -1154,7 +1155,7 @@
           <a:p>
             <a:fld id="{A08D1B0F-02AC-4195-A768-B4986CE95E63}" type="datetimeFigureOut">
               <a:rPr lang="ko-KR" altLang="en-US" smtClean="0"/>
-              <a:t>2024-02-28</a:t>
+              <a:t>2024-03-04</a:t>
             </a:fld>
             <a:endParaRPr lang="ko-KR" altLang="en-US"/>
           </a:p>
@@ -1419,7 +1420,7 @@
           <a:p>
             <a:fld id="{A08D1B0F-02AC-4195-A768-B4986CE95E63}" type="datetimeFigureOut">
               <a:rPr lang="ko-KR" altLang="en-US" smtClean="0"/>
-              <a:t>2024-02-28</a:t>
+              <a:t>2024-03-04</a:t>
             </a:fld>
             <a:endParaRPr lang="ko-KR" altLang="en-US"/>
           </a:p>
@@ -1831,7 +1832,7 @@
           <a:p>
             <a:fld id="{A08D1B0F-02AC-4195-A768-B4986CE95E63}" type="datetimeFigureOut">
               <a:rPr lang="ko-KR" altLang="en-US" smtClean="0"/>
-              <a:t>2024-02-28</a:t>
+              <a:t>2024-03-04</a:t>
             </a:fld>
             <a:endParaRPr lang="ko-KR" altLang="en-US"/>
           </a:p>
@@ -1972,7 +1973,7 @@
           <a:p>
             <a:fld id="{A08D1B0F-02AC-4195-A768-B4986CE95E63}" type="datetimeFigureOut">
               <a:rPr lang="ko-KR" altLang="en-US" smtClean="0"/>
-              <a:t>2024-02-28</a:t>
+              <a:t>2024-03-04</a:t>
             </a:fld>
             <a:endParaRPr lang="ko-KR" altLang="en-US"/>
           </a:p>
@@ -2085,7 +2086,7 @@
           <a:p>
             <a:fld id="{A08D1B0F-02AC-4195-A768-B4986CE95E63}" type="datetimeFigureOut">
               <a:rPr lang="ko-KR" altLang="en-US" smtClean="0"/>
-              <a:t>2024-02-28</a:t>
+              <a:t>2024-03-04</a:t>
             </a:fld>
             <a:endParaRPr lang="ko-KR" altLang="en-US"/>
           </a:p>
@@ -2396,7 +2397,7 @@
           <a:p>
             <a:fld id="{A08D1B0F-02AC-4195-A768-B4986CE95E63}" type="datetimeFigureOut">
               <a:rPr lang="ko-KR" altLang="en-US" smtClean="0"/>
-              <a:t>2024-02-28</a:t>
+              <a:t>2024-03-04</a:t>
             </a:fld>
             <a:endParaRPr lang="ko-KR" altLang="en-US"/>
           </a:p>
@@ -2684,7 +2685,7 @@
           <a:p>
             <a:fld id="{A08D1B0F-02AC-4195-A768-B4986CE95E63}" type="datetimeFigureOut">
               <a:rPr lang="ko-KR" altLang="en-US" smtClean="0"/>
-              <a:t>2024-02-28</a:t>
+              <a:t>2024-03-04</a:t>
             </a:fld>
             <a:endParaRPr lang="ko-KR" altLang="en-US"/>
           </a:p>
@@ -2925,7 +2926,7 @@
           <a:p>
             <a:fld id="{A08D1B0F-02AC-4195-A768-B4986CE95E63}" type="datetimeFigureOut">
               <a:rPr lang="ko-KR" altLang="en-US" smtClean="0"/>
-              <a:t>2024-02-28</a:t>
+              <a:t>2024-03-04</a:t>
             </a:fld>
             <a:endParaRPr lang="ko-KR" altLang="en-US"/>
           </a:p>
@@ -5712,7 +5713,7 @@
         <p:spPr>
           <a:xfrm>
             <a:off x="425147" y="1041439"/>
-            <a:ext cx="9420528" cy="3477875"/>
+            <a:ext cx="9420528" cy="3724096"/>
           </a:xfrm>
           <a:prstGeom prst="rect">
             <a:avLst/>
@@ -5961,6 +5962,19 @@
               <a:t>이 필요함</a:t>
             </a:r>
             <a:endParaRPr lang="en-US" altLang="ko-KR" sz="1600" dirty="0"/>
+          </a:p>
+          <a:p>
+            <a:r>
+              <a:rPr lang="en-US" altLang="ko-KR" sz="1600" dirty="0"/>
+              <a:t>- Alchemy Log, </a:t>
+            </a:r>
+            <a:r>
+              <a:rPr lang="af-ZA" altLang="ko-KR" sz="1600" dirty="0">
+                <a:hlinkClick r:id="rId2"/>
+              </a:rPr>
+              <a:t>https://jiffyscan.xyz/</a:t>
+            </a:r>
+            <a:endParaRPr lang="af-ZA" altLang="ko-KR" sz="1600" dirty="0"/>
           </a:p>
         </p:txBody>
       </p:sp>
@@ -6036,7 +6050,16 @@
                 </a:solidFill>
                 <a:latin typeface="system-ui"/>
               </a:rPr>
-              <a:t>응용방안 제안</a:t>
+              <a:t>응용방안 제안 </a:t>
+            </a:r>
+            <a:r>
+              <a:rPr lang="en-US" altLang="ko-KR" sz="2800" dirty="0">
+                <a:solidFill>
+                  <a:srgbClr val="212529"/>
+                </a:solidFill>
+                <a:latin typeface="system-ui"/>
+              </a:rPr>
+              <a:t>1</a:t>
             </a:r>
             <a:endParaRPr lang="en-US" altLang="ko-KR" sz="2800" b="0" i="0" dirty="0">
               <a:solidFill>
@@ -6102,7 +6125,7 @@
                   <a:schemeClr val="tx1"/>
                 </a:solidFill>
               </a:rPr>
-              <a:t>CCIP – </a:t>
+              <a:t>CCIP fee </a:t>
             </a:r>
             <a:r>
               <a:rPr lang="ko-KR" altLang="en-US" sz="1600" b="1" dirty="0">
@@ -6292,7 +6315,16 @@
                 </a:solidFill>
                 <a:latin typeface="system-ui"/>
               </a:rPr>
-              <a:t>응용방안 제안</a:t>
+              <a:t>응용방안 제안 </a:t>
+            </a:r>
+            <a:r>
+              <a:rPr lang="en-US" altLang="ko-KR" sz="2800" dirty="0">
+                <a:solidFill>
+                  <a:srgbClr val="212529"/>
+                </a:solidFill>
+                <a:latin typeface="system-ui"/>
+              </a:rPr>
+              <a:t>1</a:t>
             </a:r>
             <a:endParaRPr lang="en-US" altLang="ko-KR" sz="2800" b="0" i="0" dirty="0">
               <a:solidFill>
@@ -6304,12 +6336,42 @@
           </a:p>
         </p:txBody>
       </p:sp>
-      <p:sp>
-        <p:nvSpPr>
-          <p:cNvPr id="41" name="직사각형 40">
-            <a:extLst>
-              <a:ext uri="{FF2B5EF4-FFF2-40B4-BE49-F238E27FC236}">
-                <a16:creationId xmlns:a16="http://schemas.microsoft.com/office/drawing/2014/main" id="{C04E6A43-561F-769E-1B34-66726134F8E4}"/>
+      <p:pic>
+        <p:nvPicPr>
+          <p:cNvPr id="11" name="그림 10">
+            <a:extLst>
+              <a:ext uri="{FF2B5EF4-FFF2-40B4-BE49-F238E27FC236}">
+                <a16:creationId xmlns:a16="http://schemas.microsoft.com/office/drawing/2014/main" id="{0FDFFC17-425A-43B6-03C7-2E6FE1512EC4}"/>
+              </a:ext>
+            </a:extLst>
+          </p:cNvPr>
+          <p:cNvPicPr>
+            <a:picLocks noChangeAspect="1"/>
+          </p:cNvPicPr>
+          <p:nvPr/>
+        </p:nvPicPr>
+        <p:blipFill>
+          <a:blip r:embed="rId2"/>
+          <a:stretch>
+            <a:fillRect/>
+          </a:stretch>
+        </p:blipFill>
+        <p:spPr>
+          <a:xfrm>
+            <a:off x="75360" y="1018838"/>
+            <a:ext cx="12041280" cy="4820323"/>
+          </a:xfrm>
+          <a:prstGeom prst="rect">
+            <a:avLst/>
+          </a:prstGeom>
+        </p:spPr>
+      </p:pic>
+      <p:sp>
+        <p:nvSpPr>
+          <p:cNvPr id="7" name="직사각형 6">
+            <a:extLst>
+              <a:ext uri="{FF2B5EF4-FFF2-40B4-BE49-F238E27FC236}">
+                <a16:creationId xmlns:a16="http://schemas.microsoft.com/office/drawing/2014/main" id="{EA4C0793-6B86-7204-34A0-E719760420C5}"/>
               </a:ext>
             </a:extLst>
           </p:cNvPr>
@@ -6318,7 +6380,7 @@
         </p:nvSpPr>
         <p:spPr>
           <a:xfrm>
-            <a:off x="3276601" y="307696"/>
+            <a:off x="3328851" y="307696"/>
             <a:ext cx="3775165" cy="369332"/>
           </a:xfrm>
           <a:prstGeom prst="rect">
@@ -6358,7 +6420,7 @@
                   <a:schemeClr val="tx1"/>
                 </a:solidFill>
               </a:rPr>
-              <a:t>CCIP – </a:t>
+              <a:t>CCIP fee </a:t>
             </a:r>
             <a:r>
               <a:rPr lang="ko-KR" altLang="en-US" sz="1600" b="1" dirty="0">
@@ -6384,36 +6446,6 @@
           </a:p>
         </p:txBody>
       </p:sp>
-      <p:pic>
-        <p:nvPicPr>
-          <p:cNvPr id="11" name="그림 10">
-            <a:extLst>
-              <a:ext uri="{FF2B5EF4-FFF2-40B4-BE49-F238E27FC236}">
-                <a16:creationId xmlns:a16="http://schemas.microsoft.com/office/drawing/2014/main" id="{0FDFFC17-425A-43B6-03C7-2E6FE1512EC4}"/>
-              </a:ext>
-            </a:extLst>
-          </p:cNvPr>
-          <p:cNvPicPr>
-            <a:picLocks noChangeAspect="1"/>
-          </p:cNvPicPr>
-          <p:nvPr/>
-        </p:nvPicPr>
-        <p:blipFill>
-          <a:blip r:embed="rId2"/>
-          <a:stretch>
-            <a:fillRect/>
-          </a:stretch>
-        </p:blipFill>
-        <p:spPr>
-          <a:xfrm>
-            <a:off x="75360" y="1018838"/>
-            <a:ext cx="12041280" cy="4820323"/>
-          </a:xfrm>
-          <a:prstGeom prst="rect">
-            <a:avLst/>
-          </a:prstGeom>
-        </p:spPr>
-      </p:pic>
     </p:spTree>
     <p:extLst>
       <p:ext uri="{BB962C8B-B14F-4D97-AF65-F5344CB8AC3E}">
@@ -6432,6 +6464,179 @@
   <p:cSld>
     <p:spTree>
       <p:nvGrpSpPr>
+        <p:cNvPr id="1" name="">
+          <a:extLst>
+            <a:ext uri="{FF2B5EF4-FFF2-40B4-BE49-F238E27FC236}">
+              <a16:creationId xmlns:a16="http://schemas.microsoft.com/office/drawing/2014/main" id="{0FB2F73D-BBAB-4EA7-8394-D401E8313AF0}"/>
+            </a:ext>
+          </a:extLst>
+        </p:cNvPr>
+        <p:cNvGrpSpPr/>
+        <p:nvPr/>
+      </p:nvGrpSpPr>
+      <p:grpSpPr>
+        <a:xfrm>
+          <a:off x="0" y="0"/>
+          <a:ext cx="0" cy="0"/>
+          <a:chOff x="0" y="0"/>
+          <a:chExt cx="0" cy="0"/>
+        </a:xfrm>
+      </p:grpSpPr>
+      <p:sp>
+        <p:nvSpPr>
+          <p:cNvPr id="6" name="TextBox 5">
+            <a:extLst>
+              <a:ext uri="{FF2B5EF4-FFF2-40B4-BE49-F238E27FC236}">
+                <a16:creationId xmlns:a16="http://schemas.microsoft.com/office/drawing/2014/main" id="{B01BC301-8353-EBFF-E88D-BF50690324C5}"/>
+              </a:ext>
+            </a:extLst>
+          </p:cNvPr>
+          <p:cNvSpPr txBox="1"/>
+          <p:nvPr/>
+        </p:nvSpPr>
+        <p:spPr>
+          <a:xfrm>
+            <a:off x="185923" y="200373"/>
+            <a:ext cx="7590831" cy="523220"/>
+          </a:xfrm>
+          <a:prstGeom prst="rect">
+            <a:avLst/>
+          </a:prstGeom>
+          <a:noFill/>
+        </p:spPr>
+        <p:txBody>
+          <a:bodyPr wrap="square" rtlCol="0">
+            <a:spAutoFit/>
+          </a:bodyPr>
+          <a:lstStyle/>
+          <a:p>
+            <a:pPr algn="l" fontAlgn="ctr"/>
+            <a:r>
+              <a:rPr lang="ko-KR" altLang="en-US" sz="2800" dirty="0">
+                <a:solidFill>
+                  <a:srgbClr val="212529"/>
+                </a:solidFill>
+                <a:latin typeface="system-ui"/>
+              </a:rPr>
+              <a:t>응용방안 제안 </a:t>
+            </a:r>
+            <a:r>
+              <a:rPr lang="en-US" altLang="ko-KR" sz="2800" dirty="0">
+                <a:solidFill>
+                  <a:srgbClr val="212529"/>
+                </a:solidFill>
+                <a:latin typeface="system-ui"/>
+              </a:rPr>
+              <a:t>2</a:t>
+            </a:r>
+            <a:endParaRPr lang="en-US" altLang="ko-KR" sz="2800" b="0" i="0" dirty="0">
+              <a:solidFill>
+                <a:srgbClr val="212529"/>
+              </a:solidFill>
+              <a:effectLst/>
+              <a:latin typeface="system-ui"/>
+            </a:endParaRPr>
+          </a:p>
+        </p:txBody>
+      </p:sp>
+      <p:sp>
+        <p:nvSpPr>
+          <p:cNvPr id="7" name="직사각형 6">
+            <a:extLst>
+              <a:ext uri="{FF2B5EF4-FFF2-40B4-BE49-F238E27FC236}">
+                <a16:creationId xmlns:a16="http://schemas.microsoft.com/office/drawing/2014/main" id="{C30B4A8C-4810-CC99-3F8C-A63FBAEEE0CD}"/>
+              </a:ext>
+            </a:extLst>
+          </p:cNvPr>
+          <p:cNvSpPr/>
+          <p:nvPr/>
+        </p:nvSpPr>
+        <p:spPr>
+          <a:xfrm>
+            <a:off x="3328851" y="307696"/>
+            <a:ext cx="3775165" cy="369332"/>
+          </a:xfrm>
+          <a:prstGeom prst="rect">
+            <a:avLst/>
+          </a:prstGeom>
+          <a:noFill/>
+          <a:ln w="57150">
+            <a:solidFill>
+              <a:srgbClr val="0B76A0"/>
+            </a:solidFill>
+          </a:ln>
+        </p:spPr>
+        <p:style>
+          <a:lnRef idx="2">
+            <a:schemeClr val="accent1">
+              <a:shade val="15000"/>
+            </a:schemeClr>
+          </a:lnRef>
+          <a:fillRef idx="1">
+            <a:schemeClr val="accent1"/>
+          </a:fillRef>
+          <a:effectRef idx="0">
+            <a:schemeClr val="accent1"/>
+          </a:effectRef>
+          <a:fontRef idx="minor">
+            <a:schemeClr val="lt1"/>
+          </a:fontRef>
+        </p:style>
+        <p:txBody>
+          <a:bodyPr rtlCol="0" anchor="ctr"/>
+          <a:lstStyle/>
+          <a:p>
+            <a:pPr algn="ctr"/>
+            <a:r>
+              <a:rPr lang="en-US" altLang="ko-KR" sz="1600" b="1" dirty="0">
+                <a:solidFill>
+                  <a:schemeClr val="tx1"/>
+                </a:solidFill>
+              </a:rPr>
+              <a:t>Non EVM Network</a:t>
+            </a:r>
+            <a:r>
+              <a:rPr lang="ko-KR" altLang="en-US" sz="1600" b="1" dirty="0">
+                <a:solidFill>
+                  <a:schemeClr val="tx1"/>
+                </a:solidFill>
+              </a:rPr>
+              <a:t> </a:t>
+            </a:r>
+            <a:r>
+              <a:rPr lang="en-US" altLang="ko-KR" sz="1600" b="1" dirty="0">
+                <a:solidFill>
+                  <a:schemeClr val="tx1"/>
+                </a:solidFill>
+              </a:rPr>
+              <a:t>Bridge</a:t>
+            </a:r>
+            <a:endParaRPr lang="ko-KR" altLang="en-US" sz="1600" b="1" dirty="0">
+              <a:solidFill>
+                <a:schemeClr val="tx1"/>
+              </a:solidFill>
+            </a:endParaRPr>
+          </a:p>
+        </p:txBody>
+      </p:sp>
+    </p:spTree>
+    <p:extLst>
+      <p:ext uri="{BB962C8B-B14F-4D97-AF65-F5344CB8AC3E}">
+        <p14:creationId xmlns:p14="http://schemas.microsoft.com/office/powerpoint/2010/main" val="3781674704"/>
+      </p:ext>
+    </p:extLst>
+  </p:cSld>
+  <p:clrMapOvr>
+    <a:masterClrMapping/>
+  </p:clrMapOvr>
+</p:sld>
+</file>
+
+<file path=ppt/slides/slide18.xml><?xml version="1.0" encoding="utf-8"?>
+<p:sld xmlns:a="http://schemas.openxmlformats.org/drawingml/2006/main" xmlns:r="http://schemas.openxmlformats.org/officeDocument/2006/relationships" xmlns:p="http://schemas.openxmlformats.org/presentationml/2006/main">
+  <p:cSld>
+    <p:spTree>
+      <p:nvGrpSpPr>
         <p:cNvPr id="1" name=""/>
         <p:cNvGrpSpPr/>
         <p:nvPr/>
@@ -6709,13 +6914,7 @@
               <a:rPr lang="af-ZA" altLang="ko-KR" dirty="0">
                 <a:hlinkClick r:id="rId7"/>
               </a:rPr>
-              <a:t>UserOp Explorer</a:t>
-            </a:r>
-            <a:r>
-              <a:rPr lang="af-ZA" altLang="ko-KR" dirty="0">
-                <a:hlinkClick r:id="rId7"/>
-              </a:rPr>
-              <a:t> - https://jiffyscan.xyz/</a:t>
+              <a:t>UserOp Explorer - https://jiffyscan.xyz/</a:t>
             </a:r>
             <a:endParaRPr lang="af-ZA" altLang="ko-KR" dirty="0"/>
           </a:p>
@@ -8735,6 +8934,75 @@
                 <a:schemeClr val="tx1"/>
               </a:solidFill>
             </a:endParaRPr>
+          </a:p>
+        </p:txBody>
+      </p:sp>
+      <p:sp>
+        <p:nvSpPr>
+          <p:cNvPr id="3" name="TextBox 2">
+            <a:extLst>
+              <a:ext uri="{FF2B5EF4-FFF2-40B4-BE49-F238E27FC236}">
+                <a16:creationId xmlns:a16="http://schemas.microsoft.com/office/drawing/2014/main" id="{36D03FBD-3EED-FCAC-0E82-E8338D816B59}"/>
+              </a:ext>
+            </a:extLst>
+          </p:cNvPr>
+          <p:cNvSpPr txBox="1"/>
+          <p:nvPr/>
+        </p:nvSpPr>
+        <p:spPr>
+          <a:xfrm>
+            <a:off x="9721844" y="930581"/>
+            <a:ext cx="1604927" cy="369332"/>
+          </a:xfrm>
+          <a:prstGeom prst="rect">
+            <a:avLst/>
+          </a:prstGeom>
+          <a:noFill/>
+        </p:spPr>
+        <p:txBody>
+          <a:bodyPr wrap="none" rtlCol="0">
+            <a:spAutoFit/>
+          </a:bodyPr>
+          <a:lstStyle/>
+          <a:p>
+            <a:r>
+              <a:rPr lang="ko-KR" altLang="en-US" sz="1400" b="1" dirty="0">
+                <a:solidFill>
+                  <a:schemeClr val="accent4">
+                    <a:lumMod val="75000"/>
+                  </a:schemeClr>
+                </a:solidFill>
+              </a:rPr>
+              <a:t>커스텀</a:t>
+            </a:r>
+            <a:r>
+              <a:rPr lang="ko-KR" altLang="en-US" dirty="0"/>
+              <a:t> </a:t>
+            </a:r>
+            <a:r>
+              <a:rPr lang="ko-KR" altLang="en-US" sz="1400" b="1" dirty="0">
+                <a:solidFill>
+                  <a:schemeClr val="accent4">
+                    <a:lumMod val="75000"/>
+                  </a:schemeClr>
+                </a:solidFill>
+              </a:rPr>
+              <a:t>가능</a:t>
+            </a:r>
+            <a:r>
+              <a:rPr lang="ko-KR" altLang="en-US" dirty="0"/>
+              <a:t> </a:t>
+            </a:r>
+            <a:r>
+              <a:rPr lang="ko-KR" altLang="en-US" sz="1400" b="1" dirty="0">
+                <a:solidFill>
+                  <a:schemeClr val="accent4">
+                    <a:lumMod val="75000"/>
+                  </a:schemeClr>
+                </a:solidFill>
+              </a:rPr>
+              <a:t>영역</a:t>
+            </a:r>
           </a:p>
         </p:txBody>
       </p:sp>

--- a/ERC4337.pptx
+++ b/ERC4337.pptx
@@ -7,22 +7,23 @@
   <p:sldIdLst>
     <p:sldId id="256" r:id="rId2"/>
     <p:sldId id="266" r:id="rId3"/>
-    <p:sldId id="257" r:id="rId4"/>
-    <p:sldId id="270" r:id="rId5"/>
-    <p:sldId id="264" r:id="rId6"/>
-    <p:sldId id="258" r:id="rId7"/>
-    <p:sldId id="265" r:id="rId8"/>
-    <p:sldId id="263" r:id="rId9"/>
-    <p:sldId id="268" r:id="rId10"/>
-    <p:sldId id="269" r:id="rId11"/>
-    <p:sldId id="271" r:id="rId12"/>
-    <p:sldId id="273" r:id="rId13"/>
-    <p:sldId id="272" r:id="rId14"/>
-    <p:sldId id="274" r:id="rId15"/>
-    <p:sldId id="275" r:id="rId16"/>
-    <p:sldId id="276" r:id="rId17"/>
-    <p:sldId id="277" r:id="rId18"/>
-    <p:sldId id="261" r:id="rId19"/>
+    <p:sldId id="278" r:id="rId4"/>
+    <p:sldId id="257" r:id="rId5"/>
+    <p:sldId id="270" r:id="rId6"/>
+    <p:sldId id="264" r:id="rId7"/>
+    <p:sldId id="258" r:id="rId8"/>
+    <p:sldId id="265" r:id="rId9"/>
+    <p:sldId id="263" r:id="rId10"/>
+    <p:sldId id="268" r:id="rId11"/>
+    <p:sldId id="269" r:id="rId12"/>
+    <p:sldId id="271" r:id="rId13"/>
+    <p:sldId id="273" r:id="rId14"/>
+    <p:sldId id="272" r:id="rId15"/>
+    <p:sldId id="274" r:id="rId16"/>
+    <p:sldId id="275" r:id="rId17"/>
+    <p:sldId id="276" r:id="rId18"/>
+    <p:sldId id="277" r:id="rId19"/>
+    <p:sldId id="261" r:id="rId20"/>
   </p:sldIdLst>
   <p:sldSz cx="12192000" cy="6858000"/>
   <p:notesSz cx="6858000" cy="9144000"/>
@@ -276,7 +277,7 @@
           <a:p>
             <a:fld id="{A08D1B0F-02AC-4195-A768-B4986CE95E63}" type="datetimeFigureOut">
               <a:rPr lang="ko-KR" altLang="en-US" smtClean="0"/>
-              <a:t>2024-03-04</a:t>
+              <a:t>2024-03-05</a:t>
             </a:fld>
             <a:endParaRPr lang="ko-KR" altLang="en-US"/>
           </a:p>
@@ -474,7 +475,7 @@
           <a:p>
             <a:fld id="{A08D1B0F-02AC-4195-A768-B4986CE95E63}" type="datetimeFigureOut">
               <a:rPr lang="ko-KR" altLang="en-US" smtClean="0"/>
-              <a:t>2024-03-04</a:t>
+              <a:t>2024-03-05</a:t>
             </a:fld>
             <a:endParaRPr lang="ko-KR" altLang="en-US"/>
           </a:p>
@@ -682,7 +683,7 @@
           <a:p>
             <a:fld id="{A08D1B0F-02AC-4195-A768-B4986CE95E63}" type="datetimeFigureOut">
               <a:rPr lang="ko-KR" altLang="en-US" smtClean="0"/>
-              <a:t>2024-03-04</a:t>
+              <a:t>2024-03-05</a:t>
             </a:fld>
             <a:endParaRPr lang="ko-KR" altLang="en-US"/>
           </a:p>
@@ -880,7 +881,7 @@
           <a:p>
             <a:fld id="{A08D1B0F-02AC-4195-A768-B4986CE95E63}" type="datetimeFigureOut">
               <a:rPr lang="ko-KR" altLang="en-US" smtClean="0"/>
-              <a:t>2024-03-04</a:t>
+              <a:t>2024-03-05</a:t>
             </a:fld>
             <a:endParaRPr lang="ko-KR" altLang="en-US"/>
           </a:p>
@@ -1155,7 +1156,7 @@
           <a:p>
             <a:fld id="{A08D1B0F-02AC-4195-A768-B4986CE95E63}" type="datetimeFigureOut">
               <a:rPr lang="ko-KR" altLang="en-US" smtClean="0"/>
-              <a:t>2024-03-04</a:t>
+              <a:t>2024-03-05</a:t>
             </a:fld>
             <a:endParaRPr lang="ko-KR" altLang="en-US"/>
           </a:p>
@@ -1420,7 +1421,7 @@
           <a:p>
             <a:fld id="{A08D1B0F-02AC-4195-A768-B4986CE95E63}" type="datetimeFigureOut">
               <a:rPr lang="ko-KR" altLang="en-US" smtClean="0"/>
-              <a:t>2024-03-04</a:t>
+              <a:t>2024-03-05</a:t>
             </a:fld>
             <a:endParaRPr lang="ko-KR" altLang="en-US"/>
           </a:p>
@@ -1832,7 +1833,7 @@
           <a:p>
             <a:fld id="{A08D1B0F-02AC-4195-A768-B4986CE95E63}" type="datetimeFigureOut">
               <a:rPr lang="ko-KR" altLang="en-US" smtClean="0"/>
-              <a:t>2024-03-04</a:t>
+              <a:t>2024-03-05</a:t>
             </a:fld>
             <a:endParaRPr lang="ko-KR" altLang="en-US"/>
           </a:p>
@@ -1973,7 +1974,7 @@
           <a:p>
             <a:fld id="{A08D1B0F-02AC-4195-A768-B4986CE95E63}" type="datetimeFigureOut">
               <a:rPr lang="ko-KR" altLang="en-US" smtClean="0"/>
-              <a:t>2024-03-04</a:t>
+              <a:t>2024-03-05</a:t>
             </a:fld>
             <a:endParaRPr lang="ko-KR" altLang="en-US"/>
           </a:p>
@@ -2086,7 +2087,7 @@
           <a:p>
             <a:fld id="{A08D1B0F-02AC-4195-A768-B4986CE95E63}" type="datetimeFigureOut">
               <a:rPr lang="ko-KR" altLang="en-US" smtClean="0"/>
-              <a:t>2024-03-04</a:t>
+              <a:t>2024-03-05</a:t>
             </a:fld>
             <a:endParaRPr lang="ko-KR" altLang="en-US"/>
           </a:p>
@@ -2397,7 +2398,7 @@
           <a:p>
             <a:fld id="{A08D1B0F-02AC-4195-A768-B4986CE95E63}" type="datetimeFigureOut">
               <a:rPr lang="ko-KR" altLang="en-US" smtClean="0"/>
-              <a:t>2024-03-04</a:t>
+              <a:t>2024-03-05</a:t>
             </a:fld>
             <a:endParaRPr lang="ko-KR" altLang="en-US"/>
           </a:p>
@@ -2685,7 +2686,7 @@
           <a:p>
             <a:fld id="{A08D1B0F-02AC-4195-A768-B4986CE95E63}" type="datetimeFigureOut">
               <a:rPr lang="ko-KR" altLang="en-US" smtClean="0"/>
-              <a:t>2024-03-04</a:t>
+              <a:t>2024-03-05</a:t>
             </a:fld>
             <a:endParaRPr lang="ko-KR" altLang="en-US"/>
           </a:p>
@@ -2926,7 +2927,7 @@
           <a:p>
             <a:fld id="{A08D1B0F-02AC-4195-A768-B4986CE95E63}" type="datetimeFigureOut">
               <a:rPr lang="ko-KR" altLang="en-US" smtClean="0"/>
-              <a:t>2024-03-04</a:t>
+              <a:t>2024-03-05</a:t>
             </a:fld>
             <a:endParaRPr lang="ko-KR" altLang="en-US"/>
           </a:p>
@@ -3420,7 +3421,7 @@
         <p:spPr>
           <a:xfrm>
             <a:off x="6479177" y="3994402"/>
-            <a:ext cx="4919937" cy="869790"/>
+            <a:ext cx="5001690" cy="869790"/>
           </a:xfrm>
           <a:prstGeom prst="rect">
             <a:avLst/>
@@ -3451,7 +3452,7 @@
             </a:pPr>
             <a:r>
               <a:rPr lang="en-US" altLang="ko-KR" dirty="0"/>
-              <a:t>Alchemy Bundler &amp; Simple Contract Account</a:t>
+              <a:t>Alchemy Bundler &amp; Simple Account Contract</a:t>
             </a:r>
             <a:endParaRPr lang="ko-KR" altLang="en-US" dirty="0"/>
           </a:p>
@@ -3537,6 +3538,921 @@
 </file>
 
 <file path=ppt/slides/slide10.xml><?xml version="1.0" encoding="utf-8"?>
+<p:sld xmlns:a="http://schemas.openxmlformats.org/drawingml/2006/main" xmlns:r="http://schemas.openxmlformats.org/officeDocument/2006/relationships" xmlns:p="http://schemas.openxmlformats.org/presentationml/2006/main">
+  <p:cSld>
+    <p:spTree>
+      <p:nvGrpSpPr>
+        <p:cNvPr id="1" name="">
+          <a:extLst>
+            <a:ext uri="{FF2B5EF4-FFF2-40B4-BE49-F238E27FC236}">
+              <a16:creationId xmlns:a16="http://schemas.microsoft.com/office/drawing/2014/main" id="{6116BF07-D70E-156F-9A45-68DFC9E50DE9}"/>
+            </a:ext>
+          </a:extLst>
+        </p:cNvPr>
+        <p:cNvGrpSpPr/>
+        <p:nvPr/>
+      </p:nvGrpSpPr>
+      <p:grpSpPr>
+        <a:xfrm>
+          <a:off x="0" y="0"/>
+          <a:ext cx="0" cy="0"/>
+          <a:chOff x="0" y="0"/>
+          <a:chExt cx="0" cy="0"/>
+        </a:xfrm>
+      </p:grpSpPr>
+      <p:sp>
+        <p:nvSpPr>
+          <p:cNvPr id="6" name="TextBox 5">
+            <a:hlinkClick r:id="rId2"/>
+            <a:extLst>
+              <a:ext uri="{FF2B5EF4-FFF2-40B4-BE49-F238E27FC236}">
+                <a16:creationId xmlns:a16="http://schemas.microsoft.com/office/drawing/2014/main" id="{EE69A8F4-F83F-CD12-A4B4-3AA036F2B631}"/>
+              </a:ext>
+            </a:extLst>
+          </p:cNvPr>
+          <p:cNvSpPr txBox="1"/>
+          <p:nvPr/>
+        </p:nvSpPr>
+        <p:spPr>
+          <a:xfrm>
+            <a:off x="185923" y="200373"/>
+            <a:ext cx="7590831" cy="523220"/>
+          </a:xfrm>
+          <a:prstGeom prst="rect">
+            <a:avLst/>
+          </a:prstGeom>
+          <a:noFill/>
+        </p:spPr>
+        <p:txBody>
+          <a:bodyPr wrap="square" rtlCol="0">
+            <a:spAutoFit/>
+          </a:bodyPr>
+          <a:lstStyle/>
+          <a:p>
+            <a:pPr algn="l" fontAlgn="ctr"/>
+            <a:r>
+              <a:rPr lang="en-US" altLang="ko-KR" sz="2800" b="0" i="0" dirty="0">
+                <a:solidFill>
+                  <a:srgbClr val="212529"/>
+                </a:solidFill>
+                <a:effectLst/>
+                <a:latin typeface="system-ui"/>
+              </a:rPr>
+              <a:t>ERC-4337: Account Abstraction Using Alt </a:t>
+            </a:r>
+            <a:r>
+              <a:rPr lang="en-US" altLang="ko-KR" sz="2800" b="0" i="0" dirty="0" err="1">
+                <a:solidFill>
+                  <a:srgbClr val="212529"/>
+                </a:solidFill>
+                <a:effectLst/>
+                <a:latin typeface="system-ui"/>
+              </a:rPr>
+              <a:t>Mempool</a:t>
+            </a:r>
+            <a:r>
+              <a:rPr lang="en-US" altLang="ko-KR" sz="2800" b="0" i="0" dirty="0">
+                <a:solidFill>
+                  <a:srgbClr val="212529"/>
+                </a:solidFill>
+                <a:effectLst/>
+                <a:latin typeface="system-ui"/>
+              </a:rPr>
+              <a:t> </a:t>
+            </a:r>
+          </a:p>
+        </p:txBody>
+      </p:sp>
+      <p:sp>
+        <p:nvSpPr>
+          <p:cNvPr id="12" name="직사각형 11">
+            <a:extLst>
+              <a:ext uri="{FF2B5EF4-FFF2-40B4-BE49-F238E27FC236}">
+                <a16:creationId xmlns:a16="http://schemas.microsoft.com/office/drawing/2014/main" id="{E800DEA6-671D-86F6-228A-71D27E569135}"/>
+              </a:ext>
+            </a:extLst>
+          </p:cNvPr>
+          <p:cNvSpPr/>
+          <p:nvPr/>
+        </p:nvSpPr>
+        <p:spPr>
+          <a:xfrm>
+            <a:off x="7201988" y="2098766"/>
+            <a:ext cx="1528354" cy="661851"/>
+          </a:xfrm>
+          <a:prstGeom prst="rect">
+            <a:avLst/>
+          </a:prstGeom>
+          <a:noFill/>
+          <a:ln w="57150">
+            <a:solidFill>
+              <a:srgbClr val="FFC000"/>
+            </a:solidFill>
+          </a:ln>
+        </p:spPr>
+        <p:style>
+          <a:lnRef idx="2">
+            <a:schemeClr val="accent1">
+              <a:shade val="15000"/>
+            </a:schemeClr>
+          </a:lnRef>
+          <a:fillRef idx="1">
+            <a:schemeClr val="accent1"/>
+          </a:fillRef>
+          <a:effectRef idx="0">
+            <a:schemeClr val="accent1"/>
+          </a:effectRef>
+          <a:fontRef idx="minor">
+            <a:schemeClr val="lt1"/>
+          </a:fontRef>
+        </p:style>
+        <p:txBody>
+          <a:bodyPr rtlCol="0" anchor="ctr"/>
+          <a:lstStyle/>
+          <a:p>
+            <a:pPr algn="ctr"/>
+            <a:r>
+              <a:rPr lang="en-US" altLang="ko-KR" sz="1400" dirty="0">
+                <a:solidFill>
+                  <a:schemeClr val="tx1"/>
+                </a:solidFill>
+              </a:rPr>
+              <a:t>Validator</a:t>
+            </a:r>
+            <a:endParaRPr lang="ko-KR" altLang="en-US" sz="1400" dirty="0">
+              <a:solidFill>
+                <a:schemeClr val="tx1"/>
+              </a:solidFill>
+            </a:endParaRPr>
+          </a:p>
+        </p:txBody>
+      </p:sp>
+      <p:sp>
+        <p:nvSpPr>
+          <p:cNvPr id="13" name="직사각형 12">
+            <a:extLst>
+              <a:ext uri="{FF2B5EF4-FFF2-40B4-BE49-F238E27FC236}">
+                <a16:creationId xmlns:a16="http://schemas.microsoft.com/office/drawing/2014/main" id="{D89500BF-AA88-0EAE-DA92-C43E9D7B3183}"/>
+              </a:ext>
+            </a:extLst>
+          </p:cNvPr>
+          <p:cNvSpPr/>
+          <p:nvPr/>
+        </p:nvSpPr>
+        <p:spPr>
+          <a:xfrm>
+            <a:off x="5856515" y="2098766"/>
+            <a:ext cx="1014549" cy="661851"/>
+          </a:xfrm>
+          <a:prstGeom prst="rect">
+            <a:avLst/>
+          </a:prstGeom>
+          <a:noFill/>
+          <a:ln w="57150">
+            <a:solidFill>
+              <a:schemeClr val="accent5">
+                <a:lumMod val="75000"/>
+              </a:schemeClr>
+            </a:solidFill>
+          </a:ln>
+        </p:spPr>
+        <p:style>
+          <a:lnRef idx="2">
+            <a:schemeClr val="accent1">
+              <a:shade val="15000"/>
+            </a:schemeClr>
+          </a:lnRef>
+          <a:fillRef idx="1">
+            <a:schemeClr val="accent1"/>
+          </a:fillRef>
+          <a:effectRef idx="0">
+            <a:schemeClr val="accent1"/>
+          </a:effectRef>
+          <a:fontRef idx="minor">
+            <a:schemeClr val="lt1"/>
+          </a:fontRef>
+        </p:style>
+        <p:txBody>
+          <a:bodyPr rtlCol="0" anchor="ctr"/>
+          <a:lstStyle/>
+          <a:p>
+            <a:pPr algn="ctr"/>
+            <a:r>
+              <a:rPr lang="en-US" altLang="ko-KR" sz="1400" b="1" dirty="0">
+                <a:solidFill>
+                  <a:schemeClr val="accent4">
+                    <a:lumMod val="75000"/>
+                  </a:schemeClr>
+                </a:solidFill>
+              </a:rPr>
+              <a:t>S_A_C</a:t>
+            </a:r>
+            <a:endParaRPr lang="ko-KR" altLang="en-US" sz="1400" b="1" dirty="0">
+              <a:solidFill>
+                <a:schemeClr val="accent4">
+                  <a:lumMod val="75000"/>
+                </a:schemeClr>
+              </a:solidFill>
+            </a:endParaRPr>
+          </a:p>
+        </p:txBody>
+      </p:sp>
+      <p:sp>
+        <p:nvSpPr>
+          <p:cNvPr id="14" name="직사각형 13">
+            <a:extLst>
+              <a:ext uri="{FF2B5EF4-FFF2-40B4-BE49-F238E27FC236}">
+                <a16:creationId xmlns:a16="http://schemas.microsoft.com/office/drawing/2014/main" id="{68AD09CF-BA1A-534F-2B55-4F97EC30B7AF}"/>
+              </a:ext>
+            </a:extLst>
+          </p:cNvPr>
+          <p:cNvSpPr/>
+          <p:nvPr/>
+        </p:nvSpPr>
+        <p:spPr>
+          <a:xfrm>
+            <a:off x="4354286" y="2098766"/>
+            <a:ext cx="1258388" cy="661851"/>
+          </a:xfrm>
+          <a:prstGeom prst="rect">
+            <a:avLst/>
+          </a:prstGeom>
+          <a:noFill/>
+          <a:ln w="57150"/>
+        </p:spPr>
+        <p:style>
+          <a:lnRef idx="2">
+            <a:schemeClr val="accent1">
+              <a:shade val="15000"/>
+            </a:schemeClr>
+          </a:lnRef>
+          <a:fillRef idx="1">
+            <a:schemeClr val="accent1"/>
+          </a:fillRef>
+          <a:effectRef idx="0">
+            <a:schemeClr val="accent1"/>
+          </a:effectRef>
+          <a:fontRef idx="minor">
+            <a:schemeClr val="lt1"/>
+          </a:fontRef>
+        </p:style>
+        <p:txBody>
+          <a:bodyPr rtlCol="0" anchor="ctr"/>
+          <a:lstStyle/>
+          <a:p>
+            <a:pPr algn="ctr"/>
+            <a:r>
+              <a:rPr lang="en-US" altLang="ko-KR" sz="1400" dirty="0">
+                <a:solidFill>
+                  <a:schemeClr val="tx1"/>
+                </a:solidFill>
+              </a:rPr>
+              <a:t>Entry Point</a:t>
+            </a:r>
+            <a:endParaRPr lang="ko-KR" altLang="en-US" sz="1400" dirty="0">
+              <a:solidFill>
+                <a:schemeClr val="tx1"/>
+              </a:solidFill>
+            </a:endParaRPr>
+          </a:p>
+        </p:txBody>
+      </p:sp>
+      <p:sp>
+        <p:nvSpPr>
+          <p:cNvPr id="15" name="직사각형 14">
+            <a:extLst>
+              <a:ext uri="{FF2B5EF4-FFF2-40B4-BE49-F238E27FC236}">
+                <a16:creationId xmlns:a16="http://schemas.microsoft.com/office/drawing/2014/main" id="{2B86F342-772D-A5A3-519A-42B7F086F193}"/>
+              </a:ext>
+            </a:extLst>
+          </p:cNvPr>
+          <p:cNvSpPr/>
+          <p:nvPr/>
+        </p:nvSpPr>
+        <p:spPr>
+          <a:xfrm>
+            <a:off x="8974183" y="2098766"/>
+            <a:ext cx="1528354" cy="661851"/>
+          </a:xfrm>
+          <a:prstGeom prst="rect">
+            <a:avLst/>
+          </a:prstGeom>
+          <a:noFill/>
+          <a:ln w="57150">
+            <a:solidFill>
+              <a:schemeClr val="accent2">
+                <a:lumMod val="75000"/>
+              </a:schemeClr>
+            </a:solidFill>
+          </a:ln>
+        </p:spPr>
+        <p:style>
+          <a:lnRef idx="2">
+            <a:schemeClr val="accent1">
+              <a:shade val="15000"/>
+            </a:schemeClr>
+          </a:lnRef>
+          <a:fillRef idx="1">
+            <a:schemeClr val="accent1"/>
+          </a:fillRef>
+          <a:effectRef idx="0">
+            <a:schemeClr val="accent1"/>
+          </a:effectRef>
+          <a:fontRef idx="minor">
+            <a:schemeClr val="lt1"/>
+          </a:fontRef>
+        </p:style>
+        <p:txBody>
+          <a:bodyPr rtlCol="0" anchor="ctr"/>
+          <a:lstStyle/>
+          <a:p>
+            <a:pPr algn="ctr"/>
+            <a:r>
+              <a:rPr lang="en-US" altLang="ko-KR" sz="1400" dirty="0">
+                <a:solidFill>
+                  <a:schemeClr val="tx1"/>
+                </a:solidFill>
+              </a:rPr>
+              <a:t>Blockchain</a:t>
+            </a:r>
+            <a:endParaRPr lang="ko-KR" altLang="en-US" sz="1400" dirty="0">
+              <a:solidFill>
+                <a:schemeClr val="tx1"/>
+              </a:solidFill>
+            </a:endParaRPr>
+          </a:p>
+        </p:txBody>
+      </p:sp>
+      <p:sp>
+        <p:nvSpPr>
+          <p:cNvPr id="16" name="직사각형 15">
+            <a:extLst>
+              <a:ext uri="{FF2B5EF4-FFF2-40B4-BE49-F238E27FC236}">
+                <a16:creationId xmlns:a16="http://schemas.microsoft.com/office/drawing/2014/main" id="{71C4C3FE-32DC-9EE2-6B12-0B3EFA7A061F}"/>
+              </a:ext>
+            </a:extLst>
+          </p:cNvPr>
+          <p:cNvSpPr/>
+          <p:nvPr/>
+        </p:nvSpPr>
+        <p:spPr>
+          <a:xfrm>
+            <a:off x="1841862" y="2098766"/>
+            <a:ext cx="1014549" cy="661851"/>
+          </a:xfrm>
+          <a:prstGeom prst="rect">
+            <a:avLst/>
+          </a:prstGeom>
+          <a:noFill/>
+          <a:ln w="57150"/>
+        </p:spPr>
+        <p:style>
+          <a:lnRef idx="2">
+            <a:schemeClr val="accent1">
+              <a:shade val="15000"/>
+            </a:schemeClr>
+          </a:lnRef>
+          <a:fillRef idx="1">
+            <a:schemeClr val="accent1"/>
+          </a:fillRef>
+          <a:effectRef idx="0">
+            <a:schemeClr val="accent1"/>
+          </a:effectRef>
+          <a:fontRef idx="minor">
+            <a:schemeClr val="lt1"/>
+          </a:fontRef>
+        </p:style>
+        <p:txBody>
+          <a:bodyPr rtlCol="0" anchor="ctr"/>
+          <a:lstStyle/>
+          <a:p>
+            <a:pPr algn="ctr"/>
+            <a:r>
+              <a:rPr lang="en-US" altLang="ko-KR" sz="1400" dirty="0" err="1">
+                <a:solidFill>
+                  <a:schemeClr val="tx1"/>
+                </a:solidFill>
+              </a:rPr>
+              <a:t>userOp</a:t>
+            </a:r>
+            <a:endParaRPr lang="ko-KR" altLang="en-US" sz="1400" dirty="0">
+              <a:solidFill>
+                <a:schemeClr val="tx1"/>
+              </a:solidFill>
+            </a:endParaRPr>
+          </a:p>
+        </p:txBody>
+      </p:sp>
+      <p:sp>
+        <p:nvSpPr>
+          <p:cNvPr id="23" name="직사각형 22">
+            <a:extLst>
+              <a:ext uri="{FF2B5EF4-FFF2-40B4-BE49-F238E27FC236}">
+                <a16:creationId xmlns:a16="http://schemas.microsoft.com/office/drawing/2014/main" id="{46FC549B-EDBF-43A3-E2F2-85E701D5D895}"/>
+              </a:ext>
+            </a:extLst>
+          </p:cNvPr>
+          <p:cNvSpPr/>
+          <p:nvPr/>
+        </p:nvSpPr>
+        <p:spPr>
+          <a:xfrm>
+            <a:off x="3095896" y="2098766"/>
+            <a:ext cx="1014549" cy="661851"/>
+          </a:xfrm>
+          <a:prstGeom prst="rect">
+            <a:avLst/>
+          </a:prstGeom>
+          <a:noFill/>
+          <a:ln w="57150">
+            <a:solidFill>
+              <a:srgbClr val="00B050"/>
+            </a:solidFill>
+          </a:ln>
+        </p:spPr>
+        <p:style>
+          <a:lnRef idx="2">
+            <a:schemeClr val="accent1">
+              <a:shade val="15000"/>
+            </a:schemeClr>
+          </a:lnRef>
+          <a:fillRef idx="1">
+            <a:schemeClr val="accent1"/>
+          </a:fillRef>
+          <a:effectRef idx="0">
+            <a:schemeClr val="accent1"/>
+          </a:effectRef>
+          <a:fontRef idx="minor">
+            <a:schemeClr val="lt1"/>
+          </a:fontRef>
+        </p:style>
+        <p:txBody>
+          <a:bodyPr rtlCol="0" anchor="ctr"/>
+          <a:lstStyle/>
+          <a:p>
+            <a:pPr algn="ctr"/>
+            <a:r>
+              <a:rPr lang="en-US" altLang="ko-KR" sz="1400" b="1" dirty="0">
+                <a:solidFill>
+                  <a:schemeClr val="accent4">
+                    <a:lumMod val="75000"/>
+                  </a:schemeClr>
+                </a:solidFill>
+              </a:rPr>
+              <a:t>Bundler</a:t>
+            </a:r>
+            <a:endParaRPr lang="ko-KR" altLang="en-US" sz="1400" b="1" dirty="0">
+              <a:solidFill>
+                <a:schemeClr val="accent4">
+                  <a:lumMod val="75000"/>
+                </a:schemeClr>
+              </a:solidFill>
+            </a:endParaRPr>
+          </a:p>
+        </p:txBody>
+      </p:sp>
+      <p:sp>
+        <p:nvSpPr>
+          <p:cNvPr id="25" name="직사각형 24">
+            <a:extLst>
+              <a:ext uri="{FF2B5EF4-FFF2-40B4-BE49-F238E27FC236}">
+                <a16:creationId xmlns:a16="http://schemas.microsoft.com/office/drawing/2014/main" id="{05F97134-976F-86B7-55D4-CD38C309F86C}"/>
+              </a:ext>
+            </a:extLst>
+          </p:cNvPr>
+          <p:cNvSpPr/>
+          <p:nvPr/>
+        </p:nvSpPr>
+        <p:spPr>
+          <a:xfrm>
+            <a:off x="587828" y="2098766"/>
+            <a:ext cx="1014549" cy="661851"/>
+          </a:xfrm>
+          <a:prstGeom prst="rect">
+            <a:avLst/>
+          </a:prstGeom>
+          <a:noFill/>
+          <a:ln w="57150"/>
+        </p:spPr>
+        <p:style>
+          <a:lnRef idx="2">
+            <a:schemeClr val="accent1">
+              <a:shade val="15000"/>
+            </a:schemeClr>
+          </a:lnRef>
+          <a:fillRef idx="1">
+            <a:schemeClr val="accent1"/>
+          </a:fillRef>
+          <a:effectRef idx="0">
+            <a:schemeClr val="accent1"/>
+          </a:effectRef>
+          <a:fontRef idx="minor">
+            <a:schemeClr val="lt1"/>
+          </a:fontRef>
+        </p:style>
+        <p:txBody>
+          <a:bodyPr rtlCol="0" anchor="ctr"/>
+          <a:lstStyle/>
+          <a:p>
+            <a:pPr algn="ctr"/>
+            <a:r>
+              <a:rPr lang="en-US" altLang="ko-KR" sz="1400" dirty="0">
+                <a:solidFill>
+                  <a:schemeClr val="tx1"/>
+                </a:solidFill>
+              </a:rPr>
+              <a:t>EOA</a:t>
+            </a:r>
+            <a:endParaRPr lang="ko-KR" altLang="en-US" sz="1400" dirty="0">
+              <a:solidFill>
+                <a:schemeClr val="tx1"/>
+              </a:solidFill>
+            </a:endParaRPr>
+          </a:p>
+        </p:txBody>
+      </p:sp>
+      <p:sp>
+        <p:nvSpPr>
+          <p:cNvPr id="27" name="직사각형 26">
+            <a:extLst>
+              <a:ext uri="{FF2B5EF4-FFF2-40B4-BE49-F238E27FC236}">
+                <a16:creationId xmlns:a16="http://schemas.microsoft.com/office/drawing/2014/main" id="{7D13EF7E-A737-2A08-C2F9-BEFAC2C23630}"/>
+              </a:ext>
+            </a:extLst>
+          </p:cNvPr>
+          <p:cNvSpPr/>
+          <p:nvPr/>
+        </p:nvSpPr>
+        <p:spPr>
+          <a:xfrm>
+            <a:off x="465909" y="1500833"/>
+            <a:ext cx="1254034" cy="369332"/>
+          </a:xfrm>
+          <a:prstGeom prst="rect">
+            <a:avLst/>
+          </a:prstGeom>
+          <a:solidFill>
+            <a:schemeClr val="bg2"/>
+          </a:solidFill>
+          <a:ln>
+            <a:noFill/>
+          </a:ln>
+        </p:spPr>
+        <p:style>
+          <a:lnRef idx="2">
+            <a:schemeClr val="accent1">
+              <a:shade val="15000"/>
+            </a:schemeClr>
+          </a:lnRef>
+          <a:fillRef idx="1">
+            <a:schemeClr val="accent1"/>
+          </a:fillRef>
+          <a:effectRef idx="0">
+            <a:schemeClr val="accent1"/>
+          </a:effectRef>
+          <a:fontRef idx="minor">
+            <a:schemeClr val="lt1"/>
+          </a:fontRef>
+        </p:style>
+        <p:txBody>
+          <a:bodyPr rtlCol="0" anchor="ctr"/>
+          <a:lstStyle/>
+          <a:p>
+            <a:pPr algn="ctr"/>
+            <a:r>
+              <a:rPr lang="en-US" altLang="ko-KR" sz="1600" b="1" dirty="0">
+                <a:solidFill>
+                  <a:schemeClr val="tx1"/>
+                </a:solidFill>
+              </a:rPr>
+              <a:t>AA</a:t>
+            </a:r>
+            <a:endParaRPr lang="ko-KR" altLang="en-US" sz="1600" b="1" dirty="0">
+              <a:solidFill>
+                <a:schemeClr val="tx1"/>
+              </a:solidFill>
+            </a:endParaRPr>
+          </a:p>
+        </p:txBody>
+      </p:sp>
+      <p:sp>
+        <p:nvSpPr>
+          <p:cNvPr id="37" name="사각형: 둥근 모서리 36">
+            <a:extLst>
+              <a:ext uri="{FF2B5EF4-FFF2-40B4-BE49-F238E27FC236}">
+                <a16:creationId xmlns:a16="http://schemas.microsoft.com/office/drawing/2014/main" id="{77187872-634E-39FA-CDEC-529755E1CCDC}"/>
+              </a:ext>
+            </a:extLst>
+          </p:cNvPr>
+          <p:cNvSpPr/>
+          <p:nvPr/>
+        </p:nvSpPr>
+        <p:spPr>
+          <a:xfrm>
+            <a:off x="8991595" y="2996344"/>
+            <a:ext cx="1532712" cy="781800"/>
+          </a:xfrm>
+          <a:prstGeom prst="roundRect">
+            <a:avLst/>
+          </a:prstGeom>
+          <a:noFill/>
+          <a:ln w="57150">
+            <a:solidFill>
+              <a:schemeClr val="accent2">
+                <a:lumMod val="75000"/>
+              </a:schemeClr>
+            </a:solidFill>
+          </a:ln>
+        </p:spPr>
+        <p:style>
+          <a:lnRef idx="2">
+            <a:schemeClr val="accent1">
+              <a:shade val="15000"/>
+            </a:schemeClr>
+          </a:lnRef>
+          <a:fillRef idx="1">
+            <a:schemeClr val="accent1"/>
+          </a:fillRef>
+          <a:effectRef idx="0">
+            <a:schemeClr val="accent1"/>
+          </a:effectRef>
+          <a:fontRef idx="minor">
+            <a:schemeClr val="lt1"/>
+          </a:fontRef>
+        </p:style>
+        <p:txBody>
+          <a:bodyPr rtlCol="0" anchor="ctr"/>
+          <a:lstStyle/>
+          <a:p>
+            <a:pPr algn="ctr"/>
+            <a:r>
+              <a:rPr lang="en-US" altLang="ko-KR" sz="1400" dirty="0">
+                <a:solidFill>
+                  <a:schemeClr val="tx1"/>
+                </a:solidFill>
+              </a:rPr>
+              <a:t>Blockchain</a:t>
+            </a:r>
+          </a:p>
+          <a:p>
+            <a:pPr algn="ctr"/>
+            <a:r>
+              <a:rPr lang="en-US" altLang="ko-KR" sz="1400" b="1" dirty="0">
+                <a:solidFill>
+                  <a:schemeClr val="tx1"/>
+                </a:solidFill>
+              </a:rPr>
+              <a:t>Ethereum</a:t>
+            </a:r>
+          </a:p>
+          <a:p>
+            <a:pPr algn="ctr"/>
+            <a:r>
+              <a:rPr lang="en-US" altLang="ko-KR" sz="1400" b="1" dirty="0" err="1">
+                <a:solidFill>
+                  <a:schemeClr val="tx1"/>
+                </a:solidFill>
+              </a:rPr>
+              <a:t>Sepolia</a:t>
+            </a:r>
+            <a:endParaRPr lang="ko-KR" altLang="en-US" sz="1400" b="1" dirty="0">
+              <a:solidFill>
+                <a:schemeClr val="tx1"/>
+              </a:solidFill>
+            </a:endParaRPr>
+          </a:p>
+        </p:txBody>
+      </p:sp>
+      <p:sp>
+        <p:nvSpPr>
+          <p:cNvPr id="40" name="직사각형 39">
+            <a:extLst>
+              <a:ext uri="{FF2B5EF4-FFF2-40B4-BE49-F238E27FC236}">
+                <a16:creationId xmlns:a16="http://schemas.microsoft.com/office/drawing/2014/main" id="{02CA7F29-ACA6-A1CC-5B49-D9CCA334ED97}"/>
+              </a:ext>
+            </a:extLst>
+          </p:cNvPr>
+          <p:cNvSpPr/>
+          <p:nvPr/>
+        </p:nvSpPr>
+        <p:spPr>
+          <a:xfrm>
+            <a:off x="3001193" y="2021782"/>
+            <a:ext cx="3956954" cy="806326"/>
+          </a:xfrm>
+          <a:prstGeom prst="rect">
+            <a:avLst/>
+          </a:prstGeom>
+          <a:noFill/>
+          <a:ln w="57150">
+            <a:solidFill>
+              <a:srgbClr val="FFC000"/>
+            </a:solidFill>
+          </a:ln>
+        </p:spPr>
+        <p:style>
+          <a:lnRef idx="2">
+            <a:schemeClr val="accent1">
+              <a:shade val="15000"/>
+            </a:schemeClr>
+          </a:lnRef>
+          <a:fillRef idx="1">
+            <a:schemeClr val="accent1"/>
+          </a:fillRef>
+          <a:effectRef idx="0">
+            <a:schemeClr val="accent1"/>
+          </a:effectRef>
+          <a:fontRef idx="minor">
+            <a:schemeClr val="lt1"/>
+          </a:fontRef>
+        </p:style>
+        <p:txBody>
+          <a:bodyPr rtlCol="0" anchor="ctr"/>
+          <a:lstStyle/>
+          <a:p>
+            <a:pPr algn="ctr"/>
+            <a:endParaRPr lang="ko-KR" altLang="en-US" sz="1400" dirty="0">
+              <a:solidFill>
+                <a:schemeClr val="tx1"/>
+              </a:solidFill>
+            </a:endParaRPr>
+          </a:p>
+        </p:txBody>
+      </p:sp>
+      <p:sp>
+        <p:nvSpPr>
+          <p:cNvPr id="7" name="TextBox 6">
+            <a:extLst>
+              <a:ext uri="{FF2B5EF4-FFF2-40B4-BE49-F238E27FC236}">
+                <a16:creationId xmlns:a16="http://schemas.microsoft.com/office/drawing/2014/main" id="{0D7E04C8-006C-2675-C3FC-A24E9F41D684}"/>
+              </a:ext>
+            </a:extLst>
+          </p:cNvPr>
+          <p:cNvSpPr txBox="1"/>
+          <p:nvPr/>
+        </p:nvSpPr>
+        <p:spPr>
+          <a:xfrm>
+            <a:off x="3409475" y="3387244"/>
+            <a:ext cx="3461589" cy="923330"/>
+          </a:xfrm>
+          <a:prstGeom prst="rect">
+            <a:avLst/>
+          </a:prstGeom>
+          <a:noFill/>
+        </p:spPr>
+        <p:txBody>
+          <a:bodyPr wrap="none" rtlCol="0">
+            <a:spAutoFit/>
+          </a:bodyPr>
+          <a:lstStyle/>
+          <a:p>
+            <a:r>
+              <a:rPr lang="en-US" altLang="ko-KR" dirty="0"/>
+              <a:t>Simple Account Contract</a:t>
+            </a:r>
+          </a:p>
+          <a:p>
+            <a:pPr marL="285750" indent="-285750">
+              <a:buFont typeface="Wingdings" panose="05000000000000000000" pitchFamily="2" charset="2"/>
+              <a:buChar char="è"/>
+            </a:pPr>
+            <a:r>
+              <a:rPr lang="en-US" altLang="ko-KR" dirty="0" err="1"/>
+              <a:t>EntryPoint</a:t>
+            </a:r>
+            <a:endParaRPr lang="en-US" altLang="ko-KR" dirty="0"/>
+          </a:p>
+          <a:p>
+            <a:pPr marL="285750" indent="-285750">
+              <a:buFont typeface="Wingdings" panose="05000000000000000000" pitchFamily="2" charset="2"/>
+              <a:buChar char="è"/>
+            </a:pPr>
+            <a:r>
+              <a:rPr lang="en-US" altLang="ko-KR" dirty="0"/>
+              <a:t>beneficiary(bundler account)</a:t>
+            </a:r>
+            <a:endParaRPr lang="ko-KR" altLang="en-US" dirty="0"/>
+          </a:p>
+        </p:txBody>
+      </p:sp>
+      <p:cxnSp>
+        <p:nvCxnSpPr>
+          <p:cNvPr id="28" name="직선 화살표 연결선 27">
+            <a:extLst>
+              <a:ext uri="{FF2B5EF4-FFF2-40B4-BE49-F238E27FC236}">
+                <a16:creationId xmlns:a16="http://schemas.microsoft.com/office/drawing/2014/main" id="{F4BE0B5A-9ECF-A7C2-1AE4-C7EFC3A48E83}"/>
+              </a:ext>
+            </a:extLst>
+          </p:cNvPr>
+          <p:cNvCxnSpPr/>
+          <p:nvPr/>
+        </p:nvCxnSpPr>
+        <p:spPr>
+          <a:xfrm flipH="1">
+            <a:off x="3526790" y="3196641"/>
+            <a:ext cx="2926080" cy="0"/>
+          </a:xfrm>
+          <a:prstGeom prst="straightConnector1">
+            <a:avLst/>
+          </a:prstGeom>
+          <a:ln w="57150">
+            <a:tailEnd type="triangle"/>
+          </a:ln>
+        </p:spPr>
+        <p:style>
+          <a:lnRef idx="2">
+            <a:schemeClr val="accent1"/>
+          </a:lnRef>
+          <a:fillRef idx="0">
+            <a:schemeClr val="accent1"/>
+          </a:fillRef>
+          <a:effectRef idx="1">
+            <a:schemeClr val="accent1"/>
+          </a:effectRef>
+          <a:fontRef idx="minor">
+            <a:schemeClr val="tx1"/>
+          </a:fontRef>
+        </p:style>
+      </p:cxnSp>
+      <p:sp>
+        <p:nvSpPr>
+          <p:cNvPr id="2" name="직사각형 1">
+            <a:extLst>
+              <a:ext uri="{FF2B5EF4-FFF2-40B4-BE49-F238E27FC236}">
+                <a16:creationId xmlns:a16="http://schemas.microsoft.com/office/drawing/2014/main" id="{09EA4D73-1D5A-AA39-2B98-1E254539B3F8}"/>
+              </a:ext>
+            </a:extLst>
+          </p:cNvPr>
+          <p:cNvSpPr/>
+          <p:nvPr/>
+        </p:nvSpPr>
+        <p:spPr>
+          <a:xfrm>
+            <a:off x="465909" y="745915"/>
+            <a:ext cx="3775165" cy="369332"/>
+          </a:xfrm>
+          <a:prstGeom prst="rect">
+            <a:avLst/>
+          </a:prstGeom>
+          <a:noFill/>
+          <a:ln w="57150">
+            <a:solidFill>
+              <a:srgbClr val="0B76A0"/>
+            </a:solidFill>
+          </a:ln>
+        </p:spPr>
+        <p:style>
+          <a:lnRef idx="2">
+            <a:schemeClr val="accent1">
+              <a:shade val="15000"/>
+            </a:schemeClr>
+          </a:lnRef>
+          <a:fillRef idx="1">
+            <a:schemeClr val="accent1"/>
+          </a:fillRef>
+          <a:effectRef idx="0">
+            <a:schemeClr val="accent1"/>
+          </a:effectRef>
+          <a:fontRef idx="minor">
+            <a:schemeClr val="lt1"/>
+          </a:fontRef>
+        </p:style>
+        <p:txBody>
+          <a:bodyPr rtlCol="0" anchor="ctr"/>
+          <a:lstStyle/>
+          <a:p>
+            <a:pPr algn="ctr"/>
+            <a:r>
+              <a:rPr lang="en-US" altLang="ko-KR" sz="1600" b="1" dirty="0">
+                <a:solidFill>
+                  <a:schemeClr val="tx1"/>
+                </a:solidFill>
+              </a:rPr>
+              <a:t>Gas Fee : without Paymaster</a:t>
+            </a:r>
+            <a:endParaRPr lang="ko-KR" altLang="en-US" sz="1600" b="1" dirty="0">
+              <a:solidFill>
+                <a:schemeClr val="tx1"/>
+              </a:solidFill>
+            </a:endParaRPr>
+          </a:p>
+        </p:txBody>
+      </p:sp>
+    </p:spTree>
+    <p:extLst>
+      <p:ext uri="{BB962C8B-B14F-4D97-AF65-F5344CB8AC3E}">
+        <p14:creationId xmlns:p14="http://schemas.microsoft.com/office/powerpoint/2010/main" val="544555986"/>
+      </p:ext>
+    </p:extLst>
+  </p:cSld>
+  <p:clrMapOvr>
+    <a:masterClrMapping/>
+  </p:clrMapOvr>
+</p:sld>
+</file>
+
+<file path=ppt/slides/slide11.xml><?xml version="1.0" encoding="utf-8"?>
 <p:sld xmlns:a="http://schemas.openxmlformats.org/drawingml/2006/main" xmlns:r="http://schemas.openxmlformats.org/officeDocument/2006/relationships" xmlns:p="http://schemas.openxmlformats.org/presentationml/2006/main">
   <p:cSld>
     <p:spTree>
@@ -4175,7 +5091,7 @@
                   </a:schemeClr>
                 </a:solidFill>
               </a:rPr>
-              <a:t>S_C_A</a:t>
+              <a:t>S_A_C</a:t>
             </a:r>
             <a:endParaRPr lang="ko-KR" altLang="en-US" sz="1400" b="1" dirty="0">
               <a:solidFill>
@@ -4521,7 +5437,7 @@
 </p:sld>
 </file>
 
-<file path=ppt/slides/slide11.xml><?xml version="1.0" encoding="utf-8"?>
+<file path=ppt/slides/slide12.xml><?xml version="1.0" encoding="utf-8"?>
 <p:sld xmlns:a="http://schemas.openxmlformats.org/drawingml/2006/main" xmlns:r="http://schemas.openxmlformats.org/officeDocument/2006/relationships" xmlns:p="http://schemas.openxmlformats.org/presentationml/2006/main">
   <p:cSld>
     <p:spTree>
@@ -4702,7 +5618,7 @@
 </p:sld>
 </file>
 
-<file path=ppt/slides/slide12.xml><?xml version="1.0" encoding="utf-8"?>
+<file path=ppt/slides/slide13.xml><?xml version="1.0" encoding="utf-8"?>
 <p:sld xmlns:a="http://schemas.openxmlformats.org/drawingml/2006/main" xmlns:r="http://schemas.openxmlformats.org/officeDocument/2006/relationships" xmlns:p="http://schemas.openxmlformats.org/presentationml/2006/main">
   <p:cSld>
     <p:spTree>
@@ -5322,7 +6238,7 @@
 </p:sld>
 </file>
 
-<file path=ppt/slides/slide13.xml><?xml version="1.0" encoding="utf-8"?>
+<file path=ppt/slides/slide14.xml><?xml version="1.0" encoding="utf-8"?>
 <p:sld xmlns:a="http://schemas.openxmlformats.org/drawingml/2006/main" xmlns:r="http://schemas.openxmlformats.org/officeDocument/2006/relationships" xmlns:p="http://schemas.openxmlformats.org/presentationml/2006/main">
   <p:cSld>
     <p:spTree>
@@ -5550,7 +6466,7 @@
 </p:sld>
 </file>
 
-<file path=ppt/slides/slide14.xml><?xml version="1.0" encoding="utf-8"?>
+<file path=ppt/slides/slide15.xml><?xml version="1.0" encoding="utf-8"?>
 <p:sld xmlns:a="http://schemas.openxmlformats.org/drawingml/2006/main" xmlns:r="http://schemas.openxmlformats.org/officeDocument/2006/relationships" xmlns:p="http://schemas.openxmlformats.org/presentationml/2006/main">
   <p:cSld>
     <p:spTree>
@@ -5991,7 +6907,7 @@
 </p:sld>
 </file>
 
-<file path=ppt/slides/slide15.xml><?xml version="1.0" encoding="utf-8"?>
+<file path=ppt/slides/slide16.xml><?xml version="1.0" encoding="utf-8"?>
 <p:sld xmlns:a="http://schemas.openxmlformats.org/drawingml/2006/main" xmlns:r="http://schemas.openxmlformats.org/officeDocument/2006/relationships" xmlns:p="http://schemas.openxmlformats.org/presentationml/2006/main">
   <p:cSld>
     <p:spTree>
@@ -6256,7 +7172,7 @@
 </p:sld>
 </file>
 
-<file path=ppt/slides/slide16.xml><?xml version="1.0" encoding="utf-8"?>
+<file path=ppt/slides/slide17.xml><?xml version="1.0" encoding="utf-8"?>
 <p:sld xmlns:a="http://schemas.openxmlformats.org/drawingml/2006/main" xmlns:r="http://schemas.openxmlformats.org/officeDocument/2006/relationships" xmlns:p="http://schemas.openxmlformats.org/presentationml/2006/main">
   <p:cSld>
     <p:spTree>
@@ -6459,7 +7375,7 @@
 </p:sld>
 </file>
 
-<file path=ppt/slides/slide17.xml><?xml version="1.0" encoding="utf-8"?>
+<file path=ppt/slides/slide18.xml><?xml version="1.0" encoding="utf-8"?>
 <p:sld xmlns:a="http://schemas.openxmlformats.org/drawingml/2006/main" xmlns:r="http://schemas.openxmlformats.org/officeDocument/2006/relationships" xmlns:p="http://schemas.openxmlformats.org/presentationml/2006/main">
   <p:cSld>
     <p:spTree>
@@ -6632,7 +7548,7 @@
 </p:sld>
 </file>
 
-<file path=ppt/slides/slide18.xml><?xml version="1.0" encoding="utf-8"?>
+<file path=ppt/slides/slide19.xml><?xml version="1.0" encoding="utf-8"?>
 <p:sld xmlns:a="http://schemas.openxmlformats.org/drawingml/2006/main" xmlns:r="http://schemas.openxmlformats.org/officeDocument/2006/relationships" xmlns:p="http://schemas.openxmlformats.org/presentationml/2006/main">
   <p:cSld>
     <p:spTree>
@@ -7053,7 +7969,7 @@
         </p:nvSpPr>
         <p:spPr>
           <a:xfrm>
-            <a:off x="1549161" y="1768677"/>
+            <a:off x="1739661" y="1768677"/>
             <a:ext cx="3467937" cy="369332"/>
           </a:xfrm>
           <a:prstGeom prst="rect">
@@ -7256,7 +8172,7 @@
         </p:nvSpPr>
         <p:spPr>
           <a:xfrm>
-            <a:off x="1549161" y="2311531"/>
+            <a:off x="2231943" y="2311531"/>
             <a:ext cx="2483372" cy="954107"/>
           </a:xfrm>
           <a:prstGeom prst="rect">
@@ -7343,7 +8259,7 @@
         </p:nvSpPr>
         <p:spPr>
           <a:xfrm>
-            <a:off x="6822948" y="1768677"/>
+            <a:off x="7174904" y="1768677"/>
             <a:ext cx="2552302" cy="369332"/>
           </a:xfrm>
           <a:prstGeom prst="rect">
@@ -7408,7 +8324,7 @@
         </p:nvSpPr>
         <p:spPr>
           <a:xfrm>
-            <a:off x="6822948" y="2311531"/>
+            <a:off x="7088342" y="2311531"/>
             <a:ext cx="2725426" cy="954107"/>
           </a:xfrm>
           <a:prstGeom prst="rect">
@@ -7495,7 +8411,7 @@
         </p:nvSpPr>
         <p:spPr>
           <a:xfrm>
-            <a:off x="3483665" y="4005943"/>
+            <a:off x="4562565" y="4050984"/>
             <a:ext cx="3066865" cy="1077218"/>
           </a:xfrm>
           <a:prstGeom prst="rect">
@@ -7562,6 +8478,71 @@
               <a:t>다중 서명 트랜잭션</a:t>
             </a:r>
             <a:endParaRPr lang="en-US" altLang="ko-KR" sz="1600" dirty="0"/>
+          </a:p>
+        </p:txBody>
+      </p:sp>
+      <p:sp>
+        <p:nvSpPr>
+          <p:cNvPr id="2" name="TextBox 1">
+            <a:extLst>
+              <a:ext uri="{FF2B5EF4-FFF2-40B4-BE49-F238E27FC236}">
+                <a16:creationId xmlns:a16="http://schemas.microsoft.com/office/drawing/2014/main" id="{E2F1E1D7-B3CB-07CD-41A6-2F7AE9299A9D}"/>
+              </a:ext>
+            </a:extLst>
+          </p:cNvPr>
+          <p:cNvSpPr txBox="1"/>
+          <p:nvPr/>
+        </p:nvSpPr>
+        <p:spPr>
+          <a:xfrm>
+            <a:off x="4658746" y="3592363"/>
+            <a:ext cx="2874505" cy="369332"/>
+          </a:xfrm>
+          <a:prstGeom prst="rect">
+            <a:avLst/>
+          </a:prstGeom>
+          <a:noFill/>
+        </p:spPr>
+        <p:txBody>
+          <a:bodyPr wrap="none" rtlCol="0">
+            <a:spAutoFit/>
+          </a:bodyPr>
+          <a:lstStyle/>
+          <a:p>
+            <a:pPr algn="ctr"/>
+            <a:r>
+              <a:rPr lang="en-US" altLang="ko-KR" b="1" dirty="0">
+                <a:solidFill>
+                  <a:srgbClr val="00B050"/>
+                </a:solidFill>
+              </a:rPr>
+              <a:t>AA</a:t>
+            </a:r>
+            <a:r>
+              <a:rPr lang="en-US" altLang="ko-KR" b="1" dirty="0"/>
+              <a:t> </a:t>
+            </a:r>
+            <a:r>
+              <a:rPr lang="en-US" altLang="ko-KR" dirty="0"/>
+              <a:t>(</a:t>
+            </a:r>
+            <a:r>
+              <a:rPr lang="en-US" altLang="ko-KR" b="1" dirty="0"/>
+              <a:t>A</a:t>
+            </a:r>
+            <a:r>
+              <a:rPr lang="en-US" altLang="ko-KR" dirty="0"/>
+              <a:t>ccount </a:t>
+            </a:r>
+            <a:r>
+              <a:rPr lang="en-US" altLang="ko-KR" b="1" dirty="0"/>
+              <a:t>A</a:t>
+            </a:r>
+            <a:r>
+              <a:rPr lang="en-US" altLang="ko-KR" dirty="0"/>
+              <a:t>bstraction)</a:t>
+            </a:r>
+            <a:endParaRPr lang="ko-KR" altLang="en-US" dirty="0"/>
           </a:p>
         </p:txBody>
       </p:sp>
@@ -7597,11 +8578,11 @@
       </p:grpSpPr>
       <p:sp>
         <p:nvSpPr>
-          <p:cNvPr id="6" name="TextBox 5">
+          <p:cNvPr id="4" name="TextBox 3">
             <a:hlinkClick r:id="rId2"/>
             <a:extLst>
               <a:ext uri="{FF2B5EF4-FFF2-40B4-BE49-F238E27FC236}">
-                <a16:creationId xmlns:a16="http://schemas.microsoft.com/office/drawing/2014/main" id="{9C05001E-467F-3E86-EE9F-F0BD27B14F0D}"/>
+                <a16:creationId xmlns:a16="http://schemas.microsoft.com/office/drawing/2014/main" id="{6E39D9BB-2F9F-9BC2-284E-BA74BB9B617C}"/>
               </a:ext>
             </a:extLst>
           </p:cNvPr>
@@ -7660,10 +8641,10 @@
       </p:sp>
       <p:sp>
         <p:nvSpPr>
-          <p:cNvPr id="10" name="직사각형 9">
-            <a:extLst>
-              <a:ext uri="{FF2B5EF4-FFF2-40B4-BE49-F238E27FC236}">
-                <a16:creationId xmlns:a16="http://schemas.microsoft.com/office/drawing/2014/main" id="{FDACDFFB-9D78-9594-E24B-68C52F5FFA95}"/>
+          <p:cNvPr id="5" name="직사각형 4">
+            <a:extLst>
+              <a:ext uri="{FF2B5EF4-FFF2-40B4-BE49-F238E27FC236}">
+                <a16:creationId xmlns:a16="http://schemas.microsoft.com/office/drawing/2014/main" id="{E95A8063-61B3-F227-983F-9F8867A6F141}"/>
               </a:ext>
             </a:extLst>
           </p:cNvPr>
@@ -7672,14 +8653,18 @@
         </p:nvSpPr>
         <p:spPr>
           <a:xfrm>
-            <a:off x="587829" y="2080755"/>
-            <a:ext cx="1014549" cy="661851"/>
+            <a:off x="465909" y="745915"/>
+            <a:ext cx="2817221" cy="369332"/>
           </a:xfrm>
           <a:prstGeom prst="rect">
             <a:avLst/>
           </a:prstGeom>
           <a:noFill/>
-          <a:ln w="57150"/>
+          <a:ln w="57150">
+            <a:solidFill>
+              <a:srgbClr val="042433"/>
+            </a:solidFill>
+          </a:ln>
         </p:spPr>
         <p:style>
           <a:lnRef idx="2">
@@ -7703,14 +8688,30 @@
           <a:p>
             <a:pPr algn="ctr"/>
             <a:r>
-              <a:rPr lang="en-US" altLang="ko-KR" sz="1400" dirty="0">
-                <a:solidFill>
-                  <a:schemeClr val="tx1"/>
-                </a:solidFill>
-              </a:rPr>
-              <a:t>EOA</a:t>
-            </a:r>
-            <a:endParaRPr lang="ko-KR" altLang="en-US" sz="1400" dirty="0">
+              <a:rPr lang="en-US" altLang="ko-KR" sz="1600" b="1" dirty="0" err="1">
+                <a:solidFill>
+                  <a:schemeClr val="tx1"/>
+                </a:solidFill>
+              </a:rPr>
+              <a:t>Mempool</a:t>
+            </a:r>
+            <a:r>
+              <a:rPr lang="en-US" altLang="ko-KR" sz="1600" b="1" dirty="0">
+                <a:solidFill>
+                  <a:schemeClr val="tx1"/>
+                </a:solidFill>
+              </a:rPr>
+              <a:t> &amp; Alt </a:t>
+            </a:r>
+            <a:r>
+              <a:rPr lang="en-US" altLang="ko-KR" sz="1600" b="1" dirty="0" err="1">
+                <a:solidFill>
+                  <a:schemeClr val="tx1"/>
+                </a:solidFill>
+              </a:rPr>
+              <a:t>Mempool</a:t>
+            </a:r>
+            <a:endParaRPr lang="ko-KR" altLang="en-US" sz="1600" b="1" dirty="0">
               <a:solidFill>
                 <a:schemeClr val="tx1"/>
               </a:solidFill>
@@ -7720,10 +8721,10 @@
       </p:sp>
       <p:sp>
         <p:nvSpPr>
-          <p:cNvPr id="11" name="직사각형 10">
-            <a:extLst>
-              <a:ext uri="{FF2B5EF4-FFF2-40B4-BE49-F238E27FC236}">
-                <a16:creationId xmlns:a16="http://schemas.microsoft.com/office/drawing/2014/main" id="{D4820C75-E210-2803-7C94-ED09F12DE968}"/>
+          <p:cNvPr id="14" name="사각형: 둥근 모서리 13">
+            <a:extLst>
+              <a:ext uri="{FF2B5EF4-FFF2-40B4-BE49-F238E27FC236}">
+                <a16:creationId xmlns:a16="http://schemas.microsoft.com/office/drawing/2014/main" id="{3CC4851A-DA1E-2F33-48CE-E34B3EB63D84}"/>
               </a:ext>
             </a:extLst>
           </p:cNvPr>
@@ -7732,18 +8733,15 @@
         </p:nvSpPr>
         <p:spPr>
           <a:xfrm>
-            <a:off x="3644535" y="2080755"/>
-            <a:ext cx="1258388" cy="661851"/>
-          </a:xfrm>
-          <a:prstGeom prst="rect">
-            <a:avLst/>
-          </a:prstGeom>
-          <a:noFill/>
-          <a:ln w="57150">
-            <a:solidFill>
-              <a:srgbClr val="00B050"/>
-            </a:solidFill>
-          </a:ln>
+            <a:off x="3015445" y="1653191"/>
+            <a:ext cx="2388394" cy="1631800"/>
+          </a:xfrm>
+          <a:prstGeom prst="roundRect">
+            <a:avLst/>
+          </a:prstGeom>
+          <a:solidFill>
+            <a:srgbClr val="0B76A0"/>
+          </a:solidFill>
         </p:spPr>
         <p:style>
           <a:lnRef idx="2">
@@ -7762,36 +8760,20 @@
           </a:fontRef>
         </p:style>
         <p:txBody>
-          <a:bodyPr rtlCol="0" anchor="ctr"/>
+          <a:bodyPr rtlCol="0" anchor="t" anchorCtr="0"/>
           <a:lstStyle/>
           <a:p>
             <a:pPr algn="ctr"/>
-            <a:r>
-              <a:rPr lang="en-US" altLang="ko-KR" sz="1400" b="1" dirty="0">
-                <a:solidFill>
-                  <a:schemeClr val="accent4">
-                    <a:lumMod val="75000"/>
-                  </a:schemeClr>
-                </a:solidFill>
-              </a:rPr>
-              <a:t>Provider</a:t>
-            </a:r>
-            <a:endParaRPr lang="ko-KR" altLang="en-US" sz="1400" b="1" dirty="0">
-              <a:solidFill>
-                <a:schemeClr val="accent4">
-                  <a:lumMod val="75000"/>
-                </a:schemeClr>
-              </a:solidFill>
-            </a:endParaRPr>
-          </a:p>
-        </p:txBody>
-      </p:sp>
-      <p:sp>
-        <p:nvSpPr>
-          <p:cNvPr id="12" name="직사각형 11">
-            <a:extLst>
-              <a:ext uri="{FF2B5EF4-FFF2-40B4-BE49-F238E27FC236}">
-                <a16:creationId xmlns:a16="http://schemas.microsoft.com/office/drawing/2014/main" id="{6910294A-9AE3-2F5D-EE9A-59062856BD4E}"/>
+            <a:endParaRPr lang="ko-KR" altLang="en-US" dirty="0"/>
+          </a:p>
+        </p:txBody>
+      </p:sp>
+      <p:sp>
+        <p:nvSpPr>
+          <p:cNvPr id="7" name="직사각형 6">
+            <a:extLst>
+              <a:ext uri="{FF2B5EF4-FFF2-40B4-BE49-F238E27FC236}">
+                <a16:creationId xmlns:a16="http://schemas.microsoft.com/office/drawing/2014/main" id="{3C258ABC-CA82-0D48-622D-FC825778EC99}"/>
               </a:ext>
             </a:extLst>
           </p:cNvPr>
@@ -7800,18 +8782,15 @@
         </p:nvSpPr>
         <p:spPr>
           <a:xfrm>
-            <a:off x="7201989" y="3997235"/>
-            <a:ext cx="1528354" cy="661851"/>
+            <a:off x="3300005" y="2137906"/>
+            <a:ext cx="1819275" cy="252000"/>
           </a:xfrm>
           <a:prstGeom prst="rect">
             <a:avLst/>
           </a:prstGeom>
-          <a:noFill/>
-          <a:ln w="57150">
-            <a:solidFill>
-              <a:srgbClr val="FFC000"/>
-            </a:solidFill>
-          </a:ln>
+          <a:solidFill>
+            <a:schemeClr val="bg1"/>
+          </a:solidFill>
         </p:spPr>
         <p:style>
           <a:lnRef idx="2">
@@ -7840,7 +8819,7 @@
                   <a:schemeClr val="tx1"/>
                 </a:solidFill>
               </a:rPr>
-              <a:t>Validator</a:t>
+              <a:t>transaction</a:t>
             </a:r>
             <a:endParaRPr lang="ko-KR" altLang="en-US" sz="1400" dirty="0">
               <a:solidFill>
@@ -7852,10 +8831,10 @@
       </p:sp>
       <p:sp>
         <p:nvSpPr>
-          <p:cNvPr id="13" name="직사각형 12">
-            <a:extLst>
-              <a:ext uri="{FF2B5EF4-FFF2-40B4-BE49-F238E27FC236}">
-                <a16:creationId xmlns:a16="http://schemas.microsoft.com/office/drawing/2014/main" id="{31ADF3C8-6946-C9F3-647E-7950F1993048}"/>
+          <p:cNvPr id="9" name="직사각형 8">
+            <a:extLst>
+              <a:ext uri="{FF2B5EF4-FFF2-40B4-BE49-F238E27FC236}">
+                <a16:creationId xmlns:a16="http://schemas.microsoft.com/office/drawing/2014/main" id="{2C936A2D-B419-6907-41E2-E41B18321E52}"/>
               </a:ext>
             </a:extLst>
           </p:cNvPr>
@@ -7864,20 +8843,15 @@
         </p:nvSpPr>
         <p:spPr>
           <a:xfrm>
-            <a:off x="5856516" y="3997235"/>
-            <a:ext cx="1014549" cy="661851"/>
+            <a:off x="3300005" y="2501402"/>
+            <a:ext cx="1819275" cy="252000"/>
           </a:xfrm>
           <a:prstGeom prst="rect">
             <a:avLst/>
           </a:prstGeom>
-          <a:noFill/>
-          <a:ln w="57150">
-            <a:solidFill>
-              <a:schemeClr val="accent5">
-                <a:lumMod val="75000"/>
-              </a:schemeClr>
-            </a:solidFill>
-          </a:ln>
+          <a:solidFill>
+            <a:schemeClr val="bg1"/>
+          </a:solidFill>
         </p:spPr>
         <p:style>
           <a:lnRef idx="2">
@@ -7901,20 +8875,16 @@
           <a:p>
             <a:pPr algn="ctr"/>
             <a:r>
-              <a:rPr lang="en-US" altLang="ko-KR" sz="1400" b="1" dirty="0">
-                <a:solidFill>
-                  <a:schemeClr val="accent4">
-                    <a:lumMod val="75000"/>
-                  </a:schemeClr>
-                </a:solidFill>
-              </a:rPr>
-              <a:t>S_C_A</a:t>
-            </a:r>
-            <a:endParaRPr lang="ko-KR" altLang="en-US" sz="1400" b="1" dirty="0">
+              <a:rPr lang="en-US" altLang="ko-KR" sz="1400" dirty="0">
+                <a:solidFill>
+                  <a:schemeClr val="tx1"/>
+                </a:solidFill>
+              </a:rPr>
+              <a:t>transaction</a:t>
+            </a:r>
+            <a:endParaRPr lang="ko-KR" altLang="en-US" sz="1400" dirty="0">
               <a:solidFill>
-                <a:schemeClr val="accent4">
-                  <a:lumMod val="75000"/>
-                </a:schemeClr>
+                <a:schemeClr val="tx1"/>
               </a:solidFill>
             </a:endParaRPr>
           </a:p>
@@ -7922,10 +8892,10 @@
       </p:sp>
       <p:sp>
         <p:nvSpPr>
-          <p:cNvPr id="14" name="직사각형 13">
-            <a:extLst>
-              <a:ext uri="{FF2B5EF4-FFF2-40B4-BE49-F238E27FC236}">
-                <a16:creationId xmlns:a16="http://schemas.microsoft.com/office/drawing/2014/main" id="{BC0F4B3A-8711-D6DF-530B-51A6D144007C}"/>
+          <p:cNvPr id="10" name="직사각형 9">
+            <a:extLst>
+              <a:ext uri="{FF2B5EF4-FFF2-40B4-BE49-F238E27FC236}">
+                <a16:creationId xmlns:a16="http://schemas.microsoft.com/office/drawing/2014/main" id="{6A7BA329-DB54-DD9E-9C9C-5C147D74261F}"/>
               </a:ext>
             </a:extLst>
           </p:cNvPr>
@@ -7934,14 +8904,15 @@
         </p:nvSpPr>
         <p:spPr>
           <a:xfrm>
-            <a:off x="4354287" y="3997235"/>
-            <a:ext cx="1258388" cy="661851"/>
+            <a:off x="3300005" y="2839320"/>
+            <a:ext cx="1819275" cy="252000"/>
           </a:xfrm>
           <a:prstGeom prst="rect">
             <a:avLst/>
           </a:prstGeom>
-          <a:noFill/>
-          <a:ln w="57150"/>
+          <a:solidFill>
+            <a:schemeClr val="bg1"/>
+          </a:solidFill>
         </p:spPr>
         <p:style>
           <a:lnRef idx="2">
@@ -7970,7 +8941,7 @@
                   <a:schemeClr val="tx1"/>
                 </a:solidFill>
               </a:rPr>
-              <a:t>Entry Point</a:t>
+              <a:t>transaction</a:t>
             </a:r>
             <a:endParaRPr lang="ko-KR" altLang="en-US" sz="1400" dirty="0">
               <a:solidFill>
@@ -7982,10 +8953,10 @@
       </p:sp>
       <p:sp>
         <p:nvSpPr>
-          <p:cNvPr id="15" name="직사각형 14">
-            <a:extLst>
-              <a:ext uri="{FF2B5EF4-FFF2-40B4-BE49-F238E27FC236}">
-                <a16:creationId xmlns:a16="http://schemas.microsoft.com/office/drawing/2014/main" id="{C9D57979-AEEB-254B-65E2-FA5C9DE1F65F}"/>
+          <p:cNvPr id="15" name="사각형: 둥근 모서리 14">
+            <a:extLst>
+              <a:ext uri="{FF2B5EF4-FFF2-40B4-BE49-F238E27FC236}">
+                <a16:creationId xmlns:a16="http://schemas.microsoft.com/office/drawing/2014/main" id="{34BE7C2F-FB0B-0584-EEC0-694B32D488B2}"/>
               </a:ext>
             </a:extLst>
           </p:cNvPr>
@@ -7994,20 +8965,12 @@
         </p:nvSpPr>
         <p:spPr>
           <a:xfrm>
-            <a:off x="8974184" y="3997235"/>
-            <a:ext cx="1528354" cy="661851"/>
-          </a:xfrm>
-          <a:prstGeom prst="rect">
-            <a:avLst/>
-          </a:prstGeom>
-          <a:noFill/>
-          <a:ln w="57150">
-            <a:solidFill>
-              <a:schemeClr val="accent2">
-                <a:lumMod val="75000"/>
-              </a:schemeClr>
-            </a:solidFill>
-          </a:ln>
+            <a:off x="6603206" y="1653191"/>
+            <a:ext cx="2388394" cy="1631800"/>
+          </a:xfrm>
+          <a:prstGeom prst="roundRect">
+            <a:avLst/>
+          </a:prstGeom>
         </p:spPr>
         <p:style>
           <a:lnRef idx="2">
@@ -8026,21 +8989,215 @@
           </a:fontRef>
         </p:style>
         <p:txBody>
-          <a:bodyPr rtlCol="0" anchor="ctr"/>
+          <a:bodyPr rtlCol="0" anchor="t" anchorCtr="0"/>
           <a:lstStyle/>
           <a:p>
             <a:pPr algn="ctr"/>
-            <a:r>
-              <a:rPr lang="en-US" altLang="ko-KR" sz="1400" dirty="0">
-                <a:solidFill>
-                  <a:schemeClr val="tx1"/>
-                </a:solidFill>
-              </a:rPr>
-              <a:t>Blockchain</a:t>
-            </a:r>
-            <a:endParaRPr lang="ko-KR" altLang="en-US" sz="1400" dirty="0">
+            <a:endParaRPr lang="ko-KR" altLang="en-US" dirty="0"/>
+          </a:p>
+        </p:txBody>
+      </p:sp>
+      <p:cxnSp>
+        <p:nvCxnSpPr>
+          <p:cNvPr id="17" name="직선 화살표 연결선 16">
+            <a:extLst>
+              <a:ext uri="{FF2B5EF4-FFF2-40B4-BE49-F238E27FC236}">
+                <a16:creationId xmlns:a16="http://schemas.microsoft.com/office/drawing/2014/main" id="{E4F2042F-880E-8CD1-FF6F-8104A0FA3FAE}"/>
+              </a:ext>
+            </a:extLst>
+          </p:cNvPr>
+          <p:cNvCxnSpPr>
+            <a:cxnSpLocks/>
+            <a:stCxn id="7" idx="3"/>
+          </p:cNvCxnSpPr>
+          <p:nvPr/>
+        </p:nvCxnSpPr>
+        <p:spPr>
+          <a:xfrm>
+            <a:off x="5119280" y="2263906"/>
+            <a:ext cx="1877240" cy="237496"/>
+          </a:xfrm>
+          <a:prstGeom prst="straightConnector1">
+            <a:avLst/>
+          </a:prstGeom>
+          <a:ln w="57150">
+            <a:solidFill>
+              <a:srgbClr val="FFC000"/>
+            </a:solidFill>
+            <a:tailEnd type="triangle"/>
+          </a:ln>
+        </p:spPr>
+        <p:style>
+          <a:lnRef idx="2">
+            <a:schemeClr val="accent1"/>
+          </a:lnRef>
+          <a:fillRef idx="0">
+            <a:schemeClr val="accent1"/>
+          </a:fillRef>
+          <a:effectRef idx="1">
+            <a:schemeClr val="accent1"/>
+          </a:effectRef>
+          <a:fontRef idx="minor">
+            <a:schemeClr val="tx1"/>
+          </a:fontRef>
+        </p:style>
+      </p:cxnSp>
+      <p:cxnSp>
+        <p:nvCxnSpPr>
+          <p:cNvPr id="20" name="직선 화살표 연결선 19">
+            <a:extLst>
+              <a:ext uri="{FF2B5EF4-FFF2-40B4-BE49-F238E27FC236}">
+                <a16:creationId xmlns:a16="http://schemas.microsoft.com/office/drawing/2014/main" id="{3744E282-8844-5FC0-04CA-29725BFD02C3}"/>
+              </a:ext>
+            </a:extLst>
+          </p:cNvPr>
+          <p:cNvCxnSpPr>
+            <a:cxnSpLocks/>
+            <a:stCxn id="10" idx="3"/>
+          </p:cNvCxnSpPr>
+          <p:nvPr/>
+        </p:nvCxnSpPr>
+        <p:spPr>
+          <a:xfrm flipV="1">
+            <a:off x="5119280" y="2743436"/>
+            <a:ext cx="1953440" cy="221884"/>
+          </a:xfrm>
+          <a:prstGeom prst="straightConnector1">
+            <a:avLst/>
+          </a:prstGeom>
+          <a:ln w="57150">
+            <a:solidFill>
+              <a:srgbClr val="FFC000"/>
+            </a:solidFill>
+            <a:tailEnd type="triangle"/>
+          </a:ln>
+        </p:spPr>
+        <p:style>
+          <a:lnRef idx="2">
+            <a:schemeClr val="accent1"/>
+          </a:lnRef>
+          <a:fillRef idx="0">
+            <a:schemeClr val="accent1"/>
+          </a:fillRef>
+          <a:effectRef idx="1">
+            <a:schemeClr val="accent1"/>
+          </a:effectRef>
+          <a:fontRef idx="minor">
+            <a:schemeClr val="tx1"/>
+          </a:fontRef>
+        </p:style>
+      </p:cxnSp>
+      <p:sp>
+        <p:nvSpPr>
+          <p:cNvPr id="27" name="TextBox 26">
+            <a:extLst>
+              <a:ext uri="{FF2B5EF4-FFF2-40B4-BE49-F238E27FC236}">
+                <a16:creationId xmlns:a16="http://schemas.microsoft.com/office/drawing/2014/main" id="{4C3BEBB9-E10F-D037-AC05-20687846DF82}"/>
+              </a:ext>
+            </a:extLst>
+          </p:cNvPr>
+          <p:cNvSpPr txBox="1"/>
+          <p:nvPr/>
+        </p:nvSpPr>
+        <p:spPr>
+          <a:xfrm>
+            <a:off x="7246098" y="1283858"/>
+            <a:ext cx="1102610" cy="369332"/>
+          </a:xfrm>
+          <a:prstGeom prst="rect">
+            <a:avLst/>
+          </a:prstGeom>
+          <a:noFill/>
+        </p:spPr>
+        <p:txBody>
+          <a:bodyPr wrap="none" rtlCol="0">
+            <a:spAutoFit/>
+          </a:bodyPr>
+          <a:lstStyle/>
+          <a:p>
+            <a:r>
+              <a:rPr lang="en-US" altLang="ko-KR" dirty="0"/>
+              <a:t>Validator</a:t>
+            </a:r>
+            <a:endParaRPr lang="ko-KR" altLang="en-US" dirty="0"/>
+          </a:p>
+        </p:txBody>
+      </p:sp>
+      <p:sp>
+        <p:nvSpPr>
+          <p:cNvPr id="28" name="TextBox 27">
+            <a:extLst>
+              <a:ext uri="{FF2B5EF4-FFF2-40B4-BE49-F238E27FC236}">
+                <a16:creationId xmlns:a16="http://schemas.microsoft.com/office/drawing/2014/main" id="{2D035DC9-D9D8-DE1C-7F8F-03B8793846FC}"/>
+              </a:ext>
+            </a:extLst>
+          </p:cNvPr>
+          <p:cNvSpPr txBox="1"/>
+          <p:nvPr/>
+        </p:nvSpPr>
+        <p:spPr>
+          <a:xfrm>
+            <a:off x="3658335" y="1283858"/>
+            <a:ext cx="1070421" cy="369332"/>
+          </a:xfrm>
+          <a:prstGeom prst="rect">
+            <a:avLst/>
+          </a:prstGeom>
+          <a:noFill/>
+        </p:spPr>
+        <p:txBody>
+          <a:bodyPr wrap="none" rtlCol="0">
+            <a:spAutoFit/>
+          </a:bodyPr>
+          <a:lstStyle/>
+          <a:p>
+            <a:r>
+              <a:rPr lang="en-US" altLang="ko-KR" dirty="0"/>
+              <a:t>Network</a:t>
+            </a:r>
+            <a:endParaRPr lang="ko-KR" altLang="en-US" dirty="0"/>
+          </a:p>
+        </p:txBody>
+      </p:sp>
+      <p:sp>
+        <p:nvSpPr>
+          <p:cNvPr id="40" name="TextBox 39">
+            <a:extLst>
+              <a:ext uri="{FF2B5EF4-FFF2-40B4-BE49-F238E27FC236}">
+                <a16:creationId xmlns:a16="http://schemas.microsoft.com/office/drawing/2014/main" id="{B793E107-B188-5B7E-C764-4A50C59FA629}"/>
+              </a:ext>
+            </a:extLst>
+          </p:cNvPr>
+          <p:cNvSpPr txBox="1"/>
+          <p:nvPr/>
+        </p:nvSpPr>
+        <p:spPr>
+          <a:xfrm>
+            <a:off x="3597069" y="1657078"/>
+            <a:ext cx="1192955" cy="369332"/>
+          </a:xfrm>
+          <a:prstGeom prst="rect">
+            <a:avLst/>
+          </a:prstGeom>
+          <a:noFill/>
+        </p:spPr>
+        <p:txBody>
+          <a:bodyPr wrap="none" rtlCol="0">
+            <a:spAutoFit/>
+          </a:bodyPr>
+          <a:lstStyle/>
+          <a:p>
+            <a:r>
+              <a:rPr lang="en-US" altLang="ko-KR" dirty="0" err="1">
+                <a:solidFill>
+                  <a:schemeClr val="bg1"/>
+                </a:solidFill>
+              </a:rPr>
+              <a:t>Mempool</a:t>
+            </a:r>
+            <a:endParaRPr lang="ko-KR" altLang="en-US" dirty="0">
               <a:solidFill>
-                <a:schemeClr val="tx1"/>
+                <a:schemeClr val="bg1"/>
               </a:solidFill>
             </a:endParaRPr>
           </a:p>
@@ -8048,10 +9205,55 @@
       </p:sp>
       <p:sp>
         <p:nvSpPr>
-          <p:cNvPr id="16" name="직사각형 15">
-            <a:extLst>
-              <a:ext uri="{FF2B5EF4-FFF2-40B4-BE49-F238E27FC236}">
-                <a16:creationId xmlns:a16="http://schemas.microsoft.com/office/drawing/2014/main" id="{420200C3-C7AB-A05D-6CE0-79A19B675342}"/>
+          <p:cNvPr id="42" name="TextBox 41">
+            <a:extLst>
+              <a:ext uri="{FF2B5EF4-FFF2-40B4-BE49-F238E27FC236}">
+                <a16:creationId xmlns:a16="http://schemas.microsoft.com/office/drawing/2014/main" id="{8ECB0D97-3A7D-798E-1A00-B243F62FAC98}"/>
+              </a:ext>
+            </a:extLst>
+          </p:cNvPr>
+          <p:cNvSpPr txBox="1"/>
+          <p:nvPr/>
+        </p:nvSpPr>
+        <p:spPr>
+          <a:xfrm>
+            <a:off x="6838134" y="1653190"/>
+            <a:ext cx="1877240" cy="369332"/>
+          </a:xfrm>
+          <a:prstGeom prst="rect">
+            <a:avLst/>
+          </a:prstGeom>
+          <a:noFill/>
+        </p:spPr>
+        <p:txBody>
+          <a:bodyPr wrap="square">
+            <a:spAutoFit/>
+          </a:bodyPr>
+          <a:lstStyle/>
+          <a:p>
+            <a:pPr algn="ctr"/>
+            <a:r>
+              <a:rPr lang="en-US" altLang="ko-KR" dirty="0">
+                <a:solidFill>
+                  <a:schemeClr val="bg1"/>
+                </a:solidFill>
+              </a:rPr>
+              <a:t>Block</a:t>
+            </a:r>
+            <a:endParaRPr lang="ko-KR" altLang="en-US" dirty="0">
+              <a:solidFill>
+                <a:schemeClr val="bg1"/>
+              </a:solidFill>
+            </a:endParaRPr>
+          </a:p>
+        </p:txBody>
+      </p:sp>
+      <p:sp>
+        <p:nvSpPr>
+          <p:cNvPr id="43" name="사각형: 둥근 모서리 42">
+            <a:extLst>
+              <a:ext uri="{FF2B5EF4-FFF2-40B4-BE49-F238E27FC236}">
+                <a16:creationId xmlns:a16="http://schemas.microsoft.com/office/drawing/2014/main" id="{5E4A94F5-E956-BE1A-8D4E-30736770E099}"/>
               </a:ext>
             </a:extLst>
           </p:cNvPr>
@@ -8060,14 +9262,15 @@
         </p:nvSpPr>
         <p:spPr>
           <a:xfrm>
-            <a:off x="1841863" y="3997235"/>
-            <a:ext cx="1014549" cy="661851"/>
-          </a:xfrm>
-          <a:prstGeom prst="rect">
-            <a:avLst/>
-          </a:prstGeom>
-          <a:noFill/>
-          <a:ln w="57150"/>
+            <a:off x="3015445" y="3876027"/>
+            <a:ext cx="2388394" cy="1631800"/>
+          </a:xfrm>
+          <a:prstGeom prst="roundRect">
+            <a:avLst/>
+          </a:prstGeom>
+          <a:solidFill>
+            <a:srgbClr val="0B76A0"/>
+          </a:solidFill>
         </p:spPr>
         <p:style>
           <a:lnRef idx="2">
@@ -8086,32 +9289,20 @@
           </a:fontRef>
         </p:style>
         <p:txBody>
-          <a:bodyPr rtlCol="0" anchor="ctr"/>
+          <a:bodyPr rtlCol="0" anchor="t" anchorCtr="0"/>
           <a:lstStyle/>
           <a:p>
             <a:pPr algn="ctr"/>
-            <a:r>
-              <a:rPr lang="en-US" altLang="ko-KR" sz="1400" dirty="0" err="1">
-                <a:solidFill>
-                  <a:schemeClr val="tx1"/>
-                </a:solidFill>
-              </a:rPr>
-              <a:t>userOp</a:t>
-            </a:r>
-            <a:endParaRPr lang="ko-KR" altLang="en-US" sz="1400" dirty="0">
-              <a:solidFill>
-                <a:schemeClr val="tx1"/>
-              </a:solidFill>
-            </a:endParaRPr>
-          </a:p>
-        </p:txBody>
-      </p:sp>
-      <p:sp>
-        <p:nvSpPr>
-          <p:cNvPr id="22" name="직사각형 21">
-            <a:extLst>
-              <a:ext uri="{FF2B5EF4-FFF2-40B4-BE49-F238E27FC236}">
-                <a16:creationId xmlns:a16="http://schemas.microsoft.com/office/drawing/2014/main" id="{8FAEE614-96CB-348C-CFB6-3E3E1ABF0FD9}"/>
+            <a:endParaRPr lang="ko-KR" altLang="en-US" dirty="0"/>
+          </a:p>
+        </p:txBody>
+      </p:sp>
+      <p:sp>
+        <p:nvSpPr>
+          <p:cNvPr id="44" name="직사각형 43">
+            <a:extLst>
+              <a:ext uri="{FF2B5EF4-FFF2-40B4-BE49-F238E27FC236}">
+                <a16:creationId xmlns:a16="http://schemas.microsoft.com/office/drawing/2014/main" id="{FD089FD3-0F3F-09E3-E2F9-F1E8F563FD34}"/>
               </a:ext>
             </a:extLst>
           </p:cNvPr>
@@ -8120,14 +9311,15 @@
         </p:nvSpPr>
         <p:spPr>
           <a:xfrm>
-            <a:off x="1841863" y="2080755"/>
-            <a:ext cx="1563187" cy="661851"/>
+            <a:off x="3300005" y="4360742"/>
+            <a:ext cx="1819275" cy="252000"/>
           </a:xfrm>
           <a:prstGeom prst="rect">
             <a:avLst/>
           </a:prstGeom>
-          <a:noFill/>
-          <a:ln w="57150"/>
+          <a:solidFill>
+            <a:schemeClr val="bg1"/>
+          </a:solidFill>
         </p:spPr>
         <p:style>
           <a:lnRef idx="2">
@@ -8151,12 +9343,12 @@
           <a:p>
             <a:pPr algn="ctr"/>
             <a:r>
-              <a:rPr lang="en-US" altLang="ko-KR" sz="1400" dirty="0">
-                <a:solidFill>
-                  <a:schemeClr val="tx1"/>
-                </a:solidFill>
-              </a:rPr>
-              <a:t>Transaction</a:t>
+              <a:rPr lang="en-US" altLang="ko-KR" sz="1400" dirty="0" err="1">
+                <a:solidFill>
+                  <a:schemeClr val="tx1"/>
+                </a:solidFill>
+              </a:rPr>
+              <a:t>userOperation</a:t>
             </a:r>
             <a:endParaRPr lang="ko-KR" altLang="en-US" sz="1400" dirty="0">
               <a:solidFill>
@@ -8168,10 +9360,10 @@
       </p:sp>
       <p:sp>
         <p:nvSpPr>
-          <p:cNvPr id="23" name="직사각형 22">
-            <a:extLst>
-              <a:ext uri="{FF2B5EF4-FFF2-40B4-BE49-F238E27FC236}">
-                <a16:creationId xmlns:a16="http://schemas.microsoft.com/office/drawing/2014/main" id="{8C513436-9F11-81DA-6271-1A6B9C159562}"/>
+          <p:cNvPr id="45" name="직사각형 44">
+            <a:extLst>
+              <a:ext uri="{FF2B5EF4-FFF2-40B4-BE49-F238E27FC236}">
+                <a16:creationId xmlns:a16="http://schemas.microsoft.com/office/drawing/2014/main" id="{850D7C74-4ED6-D3C9-CB4B-A8D0B4BAC242}"/>
               </a:ext>
             </a:extLst>
           </p:cNvPr>
@@ -8180,18 +9372,15 @@
         </p:nvSpPr>
         <p:spPr>
           <a:xfrm>
-            <a:off x="3095897" y="3997235"/>
-            <a:ext cx="1014549" cy="661851"/>
+            <a:off x="3300005" y="4724238"/>
+            <a:ext cx="1819275" cy="252000"/>
           </a:xfrm>
           <a:prstGeom prst="rect">
             <a:avLst/>
           </a:prstGeom>
-          <a:noFill/>
-          <a:ln w="57150">
-            <a:solidFill>
-              <a:srgbClr val="00B050"/>
-            </a:solidFill>
-          </a:ln>
+          <a:solidFill>
+            <a:schemeClr val="bg1"/>
+          </a:solidFill>
         </p:spPr>
         <p:style>
           <a:lnRef idx="2">
@@ -8215,20 +9404,16 @@
           <a:p>
             <a:pPr algn="ctr"/>
             <a:r>
-              <a:rPr lang="en-US" altLang="ko-KR" sz="1400" b="1" dirty="0">
-                <a:solidFill>
-                  <a:schemeClr val="accent4">
-                    <a:lumMod val="75000"/>
-                  </a:schemeClr>
-                </a:solidFill>
-              </a:rPr>
-              <a:t>Bundler</a:t>
-            </a:r>
-            <a:endParaRPr lang="ko-KR" altLang="en-US" sz="1400" b="1" dirty="0">
+              <a:rPr lang="en-US" altLang="ko-KR" sz="1400" dirty="0" err="1">
+                <a:solidFill>
+                  <a:schemeClr val="tx1"/>
+                </a:solidFill>
+              </a:rPr>
+              <a:t>userOperation</a:t>
+            </a:r>
+            <a:endParaRPr lang="ko-KR" altLang="en-US" sz="1400" dirty="0">
               <a:solidFill>
-                <a:schemeClr val="accent4">
-                  <a:lumMod val="75000"/>
-                </a:schemeClr>
+                <a:schemeClr val="tx1"/>
               </a:solidFill>
             </a:endParaRPr>
           </a:p>
@@ -8236,10 +9421,10 @@
       </p:sp>
       <p:sp>
         <p:nvSpPr>
-          <p:cNvPr id="25" name="직사각형 24">
-            <a:extLst>
-              <a:ext uri="{FF2B5EF4-FFF2-40B4-BE49-F238E27FC236}">
-                <a16:creationId xmlns:a16="http://schemas.microsoft.com/office/drawing/2014/main" id="{688161B2-B6D2-C143-FEED-41C190E845E7}"/>
+          <p:cNvPr id="46" name="직사각형 45">
+            <a:extLst>
+              <a:ext uri="{FF2B5EF4-FFF2-40B4-BE49-F238E27FC236}">
+                <a16:creationId xmlns:a16="http://schemas.microsoft.com/office/drawing/2014/main" id="{2A4D716A-8AC3-7203-CD02-84DA473E43BA}"/>
               </a:ext>
             </a:extLst>
           </p:cNvPr>
@@ -8248,14 +9433,15 @@
         </p:nvSpPr>
         <p:spPr>
           <a:xfrm>
-            <a:off x="587829" y="3997235"/>
-            <a:ext cx="1014549" cy="661851"/>
+            <a:off x="3300005" y="5062156"/>
+            <a:ext cx="1819275" cy="252000"/>
           </a:xfrm>
           <a:prstGeom prst="rect">
             <a:avLst/>
           </a:prstGeom>
-          <a:noFill/>
-          <a:ln w="57150"/>
+          <a:solidFill>
+            <a:schemeClr val="bg1"/>
+          </a:solidFill>
         </p:spPr>
         <p:style>
           <a:lnRef idx="2">
@@ -8279,12 +9465,12 @@
           <a:p>
             <a:pPr algn="ctr"/>
             <a:r>
-              <a:rPr lang="en-US" altLang="ko-KR" sz="1400" dirty="0">
-                <a:solidFill>
-                  <a:schemeClr val="tx1"/>
-                </a:solidFill>
-              </a:rPr>
-              <a:t>EOA</a:t>
+              <a:rPr lang="en-US" altLang="ko-KR" sz="1400" dirty="0" err="1">
+                <a:solidFill>
+                  <a:schemeClr val="tx1"/>
+                </a:solidFill>
+              </a:rPr>
+              <a:t>userOperation</a:t>
             </a:r>
             <a:endParaRPr lang="ko-KR" altLang="en-US" sz="1400" dirty="0">
               <a:solidFill>
@@ -8296,10 +9482,10 @@
       </p:sp>
       <p:sp>
         <p:nvSpPr>
-          <p:cNvPr id="26" name="직사각형 25">
-            <a:extLst>
-              <a:ext uri="{FF2B5EF4-FFF2-40B4-BE49-F238E27FC236}">
-                <a16:creationId xmlns:a16="http://schemas.microsoft.com/office/drawing/2014/main" id="{A0687E38-4670-8D9C-7190-D415E63F3D8F}"/>
+          <p:cNvPr id="47" name="사각형: 둥근 모서리 46">
+            <a:extLst>
+              <a:ext uri="{FF2B5EF4-FFF2-40B4-BE49-F238E27FC236}">
+                <a16:creationId xmlns:a16="http://schemas.microsoft.com/office/drawing/2014/main" id="{BF31C3DE-4CA3-C206-1CAE-B3576C2678FE}"/>
               </a:ext>
             </a:extLst>
           </p:cNvPr>
@@ -8308,18 +9494,12 @@
         </p:nvSpPr>
         <p:spPr>
           <a:xfrm>
-            <a:off x="465910" y="1477203"/>
-            <a:ext cx="1254033" cy="369332"/>
-          </a:xfrm>
-          <a:prstGeom prst="rect">
-            <a:avLst/>
-          </a:prstGeom>
-          <a:solidFill>
-            <a:schemeClr val="bg2"/>
-          </a:solidFill>
-          <a:ln>
-            <a:noFill/>
-          </a:ln>
+            <a:off x="6603206" y="3876027"/>
+            <a:ext cx="2388394" cy="1631800"/>
+          </a:xfrm>
+          <a:prstGeom prst="roundRect">
+            <a:avLst/>
+          </a:prstGeom>
         </p:spPr>
         <p:style>
           <a:lnRef idx="2">
@@ -8338,611 +9518,110 @@
           </a:fontRef>
         </p:style>
         <p:txBody>
-          <a:bodyPr rtlCol="0" anchor="ctr"/>
+          <a:bodyPr rtlCol="0" anchor="t" anchorCtr="0"/>
           <a:lstStyle/>
           <a:p>
             <a:pPr algn="ctr"/>
-            <a:r>
-              <a:rPr lang="en-US" altLang="ko-KR" sz="1600" b="1" dirty="0">
-                <a:solidFill>
-                  <a:schemeClr val="tx1"/>
-                </a:solidFill>
-              </a:rPr>
-              <a:t>EOA</a:t>
-            </a:r>
-            <a:endParaRPr lang="ko-KR" altLang="en-US" sz="1600" b="1" dirty="0">
-              <a:solidFill>
-                <a:schemeClr val="tx1"/>
-              </a:solidFill>
-            </a:endParaRPr>
-          </a:p>
-        </p:txBody>
-      </p:sp>
-      <p:sp>
-        <p:nvSpPr>
-          <p:cNvPr id="27" name="직사각형 26">
-            <a:extLst>
-              <a:ext uri="{FF2B5EF4-FFF2-40B4-BE49-F238E27FC236}">
-                <a16:creationId xmlns:a16="http://schemas.microsoft.com/office/drawing/2014/main" id="{7E637A97-4A54-199C-F315-51F8D41B3927}"/>
-              </a:ext>
-            </a:extLst>
-          </p:cNvPr>
-          <p:cNvSpPr/>
-          <p:nvPr/>
-        </p:nvSpPr>
-        <p:spPr>
-          <a:xfrm>
-            <a:off x="465910" y="3399302"/>
-            <a:ext cx="1254034" cy="369332"/>
-          </a:xfrm>
-          <a:prstGeom prst="rect">
-            <a:avLst/>
-          </a:prstGeom>
-          <a:solidFill>
-            <a:schemeClr val="bg2"/>
-          </a:solidFill>
-          <a:ln>
-            <a:noFill/>
-          </a:ln>
-        </p:spPr>
-        <p:style>
-          <a:lnRef idx="2">
-            <a:schemeClr val="accent1">
-              <a:shade val="15000"/>
-            </a:schemeClr>
-          </a:lnRef>
-          <a:fillRef idx="1">
-            <a:schemeClr val="accent1"/>
-          </a:fillRef>
-          <a:effectRef idx="0">
-            <a:schemeClr val="accent1"/>
-          </a:effectRef>
-          <a:fontRef idx="minor">
-            <a:schemeClr val="lt1"/>
-          </a:fontRef>
-        </p:style>
-        <p:txBody>
-          <a:bodyPr rtlCol="0" anchor="ctr"/>
-          <a:lstStyle/>
-          <a:p>
-            <a:pPr algn="ctr"/>
-            <a:r>
-              <a:rPr lang="en-US" altLang="ko-KR" sz="1600" b="1" dirty="0">
-                <a:solidFill>
-                  <a:schemeClr val="tx1"/>
-                </a:solidFill>
-              </a:rPr>
-              <a:t>AA</a:t>
-            </a:r>
-            <a:endParaRPr lang="ko-KR" altLang="en-US" sz="1600" b="1" dirty="0">
-              <a:solidFill>
-                <a:schemeClr val="tx1"/>
-              </a:solidFill>
-            </a:endParaRPr>
-          </a:p>
-        </p:txBody>
-      </p:sp>
-      <p:sp>
-        <p:nvSpPr>
-          <p:cNvPr id="33" name="사각형: 둥근 모서리 32">
-            <a:extLst>
-              <a:ext uri="{FF2B5EF4-FFF2-40B4-BE49-F238E27FC236}">
-                <a16:creationId xmlns:a16="http://schemas.microsoft.com/office/drawing/2014/main" id="{4360CAE4-F2FF-5F3C-0564-179248331FB2}"/>
-              </a:ext>
-            </a:extLst>
-          </p:cNvPr>
-          <p:cNvSpPr/>
-          <p:nvPr/>
-        </p:nvSpPr>
-        <p:spPr>
-          <a:xfrm>
-            <a:off x="3095897" y="4894813"/>
-            <a:ext cx="1885406" cy="781800"/>
-          </a:xfrm>
-          <a:prstGeom prst="roundRect">
-            <a:avLst/>
-          </a:prstGeom>
-          <a:noFill/>
-          <a:ln w="57150">
-            <a:solidFill>
-              <a:srgbClr val="00B050"/>
-            </a:solidFill>
-          </a:ln>
-        </p:spPr>
-        <p:style>
-          <a:lnRef idx="2">
-            <a:schemeClr val="accent1">
-              <a:shade val="15000"/>
-            </a:schemeClr>
-          </a:lnRef>
-          <a:fillRef idx="1">
-            <a:schemeClr val="accent1"/>
-          </a:fillRef>
-          <a:effectRef idx="0">
-            <a:schemeClr val="accent1"/>
-          </a:effectRef>
-          <a:fontRef idx="minor">
-            <a:schemeClr val="lt1"/>
-          </a:fontRef>
-        </p:style>
-        <p:txBody>
-          <a:bodyPr rtlCol="0" anchor="ctr"/>
-          <a:lstStyle/>
-          <a:p>
-            <a:pPr algn="ctr"/>
-            <a:r>
-              <a:rPr lang="en-US" altLang="ko-KR" sz="1400" dirty="0" err="1">
-                <a:solidFill>
-                  <a:schemeClr val="tx1"/>
-                </a:solidFill>
-              </a:rPr>
-              <a:t>Mempool</a:t>
-            </a:r>
-            <a:endParaRPr lang="en-US" altLang="ko-KR" sz="1400" dirty="0">
-              <a:solidFill>
-                <a:schemeClr val="tx1"/>
-              </a:solidFill>
-            </a:endParaRPr>
-          </a:p>
-          <a:p>
-            <a:pPr algn="ctr"/>
-            <a:r>
-              <a:rPr lang="en-US" altLang="ko-KR" sz="1400" dirty="0">
-                <a:solidFill>
-                  <a:schemeClr val="tx1"/>
-                </a:solidFill>
-              </a:rPr>
-              <a:t>Bundler</a:t>
-            </a:r>
-          </a:p>
-          <a:p>
-            <a:pPr algn="ctr"/>
-            <a:r>
-              <a:rPr lang="en-US" altLang="ko-KR" sz="1400" b="1" dirty="0">
-                <a:solidFill>
-                  <a:schemeClr val="tx1"/>
-                </a:solidFill>
-              </a:rPr>
-              <a:t>Alchemy</a:t>
-            </a:r>
-            <a:endParaRPr lang="ko-KR" altLang="en-US" sz="1400" b="1" dirty="0">
-              <a:solidFill>
-                <a:schemeClr val="tx1"/>
-              </a:solidFill>
-            </a:endParaRPr>
-          </a:p>
-        </p:txBody>
-      </p:sp>
-      <p:sp>
-        <p:nvSpPr>
-          <p:cNvPr id="34" name="사각형: 둥근 모서리 33">
-            <a:hlinkClick r:id="rId3"/>
-            <a:extLst>
-              <a:ext uri="{FF2B5EF4-FFF2-40B4-BE49-F238E27FC236}">
-                <a16:creationId xmlns:a16="http://schemas.microsoft.com/office/drawing/2014/main" id="{F8FB2135-70BB-CF0E-8A91-90A861C86137}"/>
-              </a:ext>
-            </a:extLst>
-          </p:cNvPr>
-          <p:cNvSpPr/>
-          <p:nvPr/>
-        </p:nvSpPr>
-        <p:spPr>
-          <a:xfrm>
-            <a:off x="5290455" y="4894813"/>
-            <a:ext cx="1532711" cy="781800"/>
-          </a:xfrm>
-          <a:prstGeom prst="roundRect">
-            <a:avLst/>
-          </a:prstGeom>
-          <a:noFill/>
-          <a:ln w="57150">
-            <a:solidFill>
-              <a:schemeClr val="accent5">
-                <a:lumMod val="75000"/>
-              </a:schemeClr>
-            </a:solidFill>
-          </a:ln>
-        </p:spPr>
-        <p:style>
-          <a:lnRef idx="2">
-            <a:schemeClr val="accent1">
-              <a:shade val="15000"/>
-            </a:schemeClr>
-          </a:lnRef>
-          <a:fillRef idx="1">
-            <a:schemeClr val="accent1"/>
-          </a:fillRef>
-          <a:effectRef idx="0">
-            <a:schemeClr val="accent1"/>
-          </a:effectRef>
-          <a:fontRef idx="minor">
-            <a:schemeClr val="lt1"/>
-          </a:fontRef>
-        </p:style>
-        <p:txBody>
-          <a:bodyPr rtlCol="0" anchor="ctr"/>
-          <a:lstStyle/>
-          <a:p>
-            <a:pPr algn="ctr"/>
-            <a:r>
-              <a:rPr lang="en-US" altLang="ko-KR" sz="1400" dirty="0">
-                <a:solidFill>
-                  <a:schemeClr val="tx1"/>
-                </a:solidFill>
-              </a:rPr>
-              <a:t>Simple Contract Account</a:t>
-            </a:r>
-            <a:endParaRPr lang="ko-KR" altLang="en-US" sz="1400" dirty="0">
-              <a:solidFill>
-                <a:schemeClr val="tx1"/>
-              </a:solidFill>
-            </a:endParaRPr>
-          </a:p>
-        </p:txBody>
-      </p:sp>
-      <p:sp>
-        <p:nvSpPr>
-          <p:cNvPr id="37" name="사각형: 둥근 모서리 36">
-            <a:extLst>
-              <a:ext uri="{FF2B5EF4-FFF2-40B4-BE49-F238E27FC236}">
-                <a16:creationId xmlns:a16="http://schemas.microsoft.com/office/drawing/2014/main" id="{8F591058-8D4C-A2D7-0085-92EAAA35C49D}"/>
-              </a:ext>
-            </a:extLst>
-          </p:cNvPr>
-          <p:cNvSpPr/>
-          <p:nvPr/>
-        </p:nvSpPr>
-        <p:spPr>
-          <a:xfrm>
-            <a:off x="8991596" y="4894813"/>
-            <a:ext cx="1532712" cy="781800"/>
-          </a:xfrm>
-          <a:prstGeom prst="roundRect">
-            <a:avLst/>
-          </a:prstGeom>
-          <a:noFill/>
-          <a:ln w="57150">
-            <a:solidFill>
-              <a:schemeClr val="accent2">
-                <a:lumMod val="75000"/>
-              </a:schemeClr>
-            </a:solidFill>
-          </a:ln>
-        </p:spPr>
-        <p:style>
-          <a:lnRef idx="2">
-            <a:schemeClr val="accent1">
-              <a:shade val="15000"/>
-            </a:schemeClr>
-          </a:lnRef>
-          <a:fillRef idx="1">
-            <a:schemeClr val="accent1"/>
-          </a:fillRef>
-          <a:effectRef idx="0">
-            <a:schemeClr val="accent1"/>
-          </a:effectRef>
-          <a:fontRef idx="minor">
-            <a:schemeClr val="lt1"/>
-          </a:fontRef>
-        </p:style>
-        <p:txBody>
-          <a:bodyPr rtlCol="0" anchor="ctr"/>
-          <a:lstStyle/>
-          <a:p>
-            <a:pPr algn="ctr"/>
-            <a:r>
-              <a:rPr lang="en-US" altLang="ko-KR" sz="1400" dirty="0">
-                <a:solidFill>
-                  <a:schemeClr val="tx1"/>
-                </a:solidFill>
-              </a:rPr>
-              <a:t>Blockchain</a:t>
-            </a:r>
-          </a:p>
-          <a:p>
-            <a:pPr algn="ctr"/>
-            <a:r>
-              <a:rPr lang="en-US" altLang="ko-KR" sz="1400" b="1" dirty="0">
-                <a:solidFill>
-                  <a:schemeClr val="tx1"/>
-                </a:solidFill>
-              </a:rPr>
-              <a:t>Ethereum</a:t>
-            </a:r>
-          </a:p>
-          <a:p>
-            <a:pPr algn="ctr"/>
-            <a:r>
-              <a:rPr lang="en-US" altLang="ko-KR" sz="1400" b="1" dirty="0" err="1">
-                <a:solidFill>
-                  <a:schemeClr val="tx1"/>
-                </a:solidFill>
-              </a:rPr>
-              <a:t>Sepolia</a:t>
-            </a:r>
-            <a:endParaRPr lang="ko-KR" altLang="en-US" sz="1400" b="1" dirty="0">
-              <a:solidFill>
-                <a:schemeClr val="tx1"/>
-              </a:solidFill>
-            </a:endParaRPr>
-          </a:p>
-        </p:txBody>
-      </p:sp>
-      <p:sp>
-        <p:nvSpPr>
-          <p:cNvPr id="39" name="직사각형 38">
-            <a:extLst>
-              <a:ext uri="{FF2B5EF4-FFF2-40B4-BE49-F238E27FC236}">
-                <a16:creationId xmlns:a16="http://schemas.microsoft.com/office/drawing/2014/main" id="{3292ECEA-02F0-856F-D871-B529F97C6FCB}"/>
-              </a:ext>
-            </a:extLst>
-          </p:cNvPr>
-          <p:cNvSpPr/>
-          <p:nvPr/>
-        </p:nvSpPr>
-        <p:spPr>
-          <a:xfrm>
-            <a:off x="6910247" y="2080754"/>
-            <a:ext cx="1528354" cy="661851"/>
-          </a:xfrm>
-          <a:prstGeom prst="rect">
-            <a:avLst/>
-          </a:prstGeom>
-          <a:noFill/>
-          <a:ln w="57150">
-            <a:solidFill>
-              <a:schemeClr val="accent2">
-                <a:lumMod val="75000"/>
-              </a:schemeClr>
-            </a:solidFill>
-          </a:ln>
-        </p:spPr>
-        <p:style>
-          <a:lnRef idx="2">
-            <a:schemeClr val="accent1">
-              <a:shade val="15000"/>
-            </a:schemeClr>
-          </a:lnRef>
-          <a:fillRef idx="1">
-            <a:schemeClr val="accent1"/>
-          </a:fillRef>
-          <a:effectRef idx="0">
-            <a:schemeClr val="accent1"/>
-          </a:effectRef>
-          <a:fontRef idx="minor">
-            <a:schemeClr val="lt1"/>
-          </a:fontRef>
-        </p:style>
-        <p:txBody>
-          <a:bodyPr rtlCol="0" anchor="ctr"/>
-          <a:lstStyle/>
-          <a:p>
-            <a:pPr algn="ctr"/>
-            <a:r>
-              <a:rPr lang="en-US" altLang="ko-KR" sz="1400" dirty="0">
-                <a:solidFill>
-                  <a:schemeClr val="tx1"/>
-                </a:solidFill>
-              </a:rPr>
-              <a:t>Blockchain</a:t>
-            </a:r>
-            <a:endParaRPr lang="ko-KR" altLang="en-US" sz="1400" dirty="0">
-              <a:solidFill>
-                <a:schemeClr val="tx1"/>
-              </a:solidFill>
-            </a:endParaRPr>
-          </a:p>
-        </p:txBody>
-      </p:sp>
-      <p:sp>
-        <p:nvSpPr>
-          <p:cNvPr id="40" name="직사각형 39">
-            <a:extLst>
-              <a:ext uri="{FF2B5EF4-FFF2-40B4-BE49-F238E27FC236}">
-                <a16:creationId xmlns:a16="http://schemas.microsoft.com/office/drawing/2014/main" id="{FD7E9F56-2522-B924-D924-CEF5778E2258}"/>
-              </a:ext>
-            </a:extLst>
-          </p:cNvPr>
-          <p:cNvSpPr/>
-          <p:nvPr/>
-        </p:nvSpPr>
-        <p:spPr>
-          <a:xfrm>
-            <a:off x="3001194" y="3920251"/>
-            <a:ext cx="3956954" cy="806326"/>
-          </a:xfrm>
-          <a:prstGeom prst="rect">
-            <a:avLst/>
-          </a:prstGeom>
-          <a:noFill/>
+            <a:endParaRPr lang="ko-KR" altLang="en-US" dirty="0"/>
+          </a:p>
+        </p:txBody>
+      </p:sp>
+      <p:cxnSp>
+        <p:nvCxnSpPr>
+          <p:cNvPr id="48" name="직선 화살표 연결선 47">
+            <a:extLst>
+              <a:ext uri="{FF2B5EF4-FFF2-40B4-BE49-F238E27FC236}">
+                <a16:creationId xmlns:a16="http://schemas.microsoft.com/office/drawing/2014/main" id="{CB0F25BD-B68D-F60D-2ED1-0FE588EE2687}"/>
+              </a:ext>
+            </a:extLst>
+          </p:cNvPr>
+          <p:cNvCxnSpPr>
+            <a:cxnSpLocks/>
+            <a:stCxn id="44" idx="3"/>
+          </p:cNvCxnSpPr>
+          <p:nvPr/>
+        </p:nvCxnSpPr>
+        <p:spPr>
+          <a:xfrm>
+            <a:off x="5119280" y="4486742"/>
+            <a:ext cx="1877240" cy="237496"/>
+          </a:xfrm>
+          <a:prstGeom prst="straightConnector1">
+            <a:avLst/>
+          </a:prstGeom>
           <a:ln w="57150">
             <a:solidFill>
               <a:srgbClr val="FFC000"/>
             </a:solidFill>
+            <a:tailEnd type="triangle"/>
           </a:ln>
         </p:spPr>
         <p:style>
           <a:lnRef idx="2">
-            <a:schemeClr val="accent1">
-              <a:shade val="15000"/>
-            </a:schemeClr>
+            <a:schemeClr val="accent1"/>
           </a:lnRef>
-          <a:fillRef idx="1">
+          <a:fillRef idx="0">
             <a:schemeClr val="accent1"/>
           </a:fillRef>
-          <a:effectRef idx="0">
+          <a:effectRef idx="1">
             <a:schemeClr val="accent1"/>
           </a:effectRef>
           <a:fontRef idx="minor">
-            <a:schemeClr val="lt1"/>
+            <a:schemeClr val="tx1"/>
           </a:fontRef>
         </p:style>
-        <p:txBody>
-          <a:bodyPr rtlCol="0" anchor="ctr"/>
-          <a:lstStyle/>
-          <a:p>
-            <a:pPr algn="ctr"/>
-            <a:endParaRPr lang="ko-KR" altLang="en-US" sz="1400" dirty="0">
-              <a:solidFill>
-                <a:schemeClr val="tx1"/>
-              </a:solidFill>
-            </a:endParaRPr>
-          </a:p>
-        </p:txBody>
-      </p:sp>
-      <p:sp>
-        <p:nvSpPr>
-          <p:cNvPr id="41" name="직사각형 40">
-            <a:extLst>
-              <a:ext uri="{FF2B5EF4-FFF2-40B4-BE49-F238E27FC236}">
-                <a16:creationId xmlns:a16="http://schemas.microsoft.com/office/drawing/2014/main" id="{62818D4C-3978-F7F7-D9DE-A2BCE23D35F1}"/>
-              </a:ext>
-            </a:extLst>
-          </p:cNvPr>
-          <p:cNvSpPr/>
-          <p:nvPr/>
-        </p:nvSpPr>
-        <p:spPr>
-          <a:xfrm>
-            <a:off x="465909" y="745915"/>
-            <a:ext cx="3775165" cy="369332"/>
-          </a:xfrm>
-          <a:prstGeom prst="rect">
-            <a:avLst/>
-          </a:prstGeom>
-          <a:noFill/>
-          <a:ln w="57150">
-            <a:solidFill>
-              <a:srgbClr val="042433"/>
-            </a:solidFill>
-          </a:ln>
-        </p:spPr>
-        <p:style>
-          <a:lnRef idx="2">
-            <a:schemeClr val="accent1">
-              <a:shade val="15000"/>
-            </a:schemeClr>
-          </a:lnRef>
-          <a:fillRef idx="1">
-            <a:schemeClr val="accent1"/>
-          </a:fillRef>
-          <a:effectRef idx="0">
-            <a:schemeClr val="accent1"/>
-          </a:effectRef>
-          <a:fontRef idx="minor">
-            <a:schemeClr val="lt1"/>
-          </a:fontRef>
-        </p:style>
-        <p:txBody>
-          <a:bodyPr rtlCol="0" anchor="ctr"/>
-          <a:lstStyle/>
-          <a:p>
-            <a:pPr algn="ctr"/>
-            <a:r>
-              <a:rPr lang="en-US" altLang="ko-KR" sz="1600" b="1" dirty="0">
-                <a:solidFill>
-                  <a:schemeClr val="tx1"/>
-                </a:solidFill>
-              </a:rPr>
-              <a:t>Alt </a:t>
-            </a:r>
-            <a:r>
-              <a:rPr lang="en-US" altLang="ko-KR" sz="1600" b="1" dirty="0" err="1">
-                <a:solidFill>
-                  <a:schemeClr val="tx1"/>
-                </a:solidFill>
-              </a:rPr>
-              <a:t>Mempool</a:t>
-            </a:r>
-            <a:r>
-              <a:rPr lang="en-US" altLang="ko-KR" sz="1600" b="1" dirty="0">
-                <a:solidFill>
-                  <a:schemeClr val="tx1"/>
-                </a:solidFill>
-              </a:rPr>
-              <a:t> : Transaction </a:t>
-            </a:r>
-            <a:r>
-              <a:rPr lang="ko-KR" altLang="en-US" sz="1600" b="1" dirty="0">
-                <a:solidFill>
-                  <a:schemeClr val="tx1"/>
-                </a:solidFill>
-              </a:rPr>
-              <a:t>전송</a:t>
-            </a:r>
-          </a:p>
-        </p:txBody>
-      </p:sp>
-      <p:sp>
-        <p:nvSpPr>
-          <p:cNvPr id="2" name="직사각형 1">
-            <a:extLst>
-              <a:ext uri="{FF2B5EF4-FFF2-40B4-BE49-F238E27FC236}">
-                <a16:creationId xmlns:a16="http://schemas.microsoft.com/office/drawing/2014/main" id="{0E9A6E43-ACEA-0E52-9140-1B5D9D61B6DC}"/>
-              </a:ext>
-            </a:extLst>
-          </p:cNvPr>
-          <p:cNvSpPr/>
-          <p:nvPr/>
-        </p:nvSpPr>
-        <p:spPr>
-          <a:xfrm>
-            <a:off x="5142408" y="2080754"/>
-            <a:ext cx="1528354" cy="661851"/>
-          </a:xfrm>
-          <a:prstGeom prst="rect">
-            <a:avLst/>
-          </a:prstGeom>
-          <a:noFill/>
+      </p:cxnSp>
+      <p:cxnSp>
+        <p:nvCxnSpPr>
+          <p:cNvPr id="49" name="직선 화살표 연결선 48">
+            <a:extLst>
+              <a:ext uri="{FF2B5EF4-FFF2-40B4-BE49-F238E27FC236}">
+                <a16:creationId xmlns:a16="http://schemas.microsoft.com/office/drawing/2014/main" id="{E418850D-5286-94BB-FD1B-7B78232A1E45}"/>
+              </a:ext>
+            </a:extLst>
+          </p:cNvPr>
+          <p:cNvCxnSpPr>
+            <a:cxnSpLocks/>
+            <a:stCxn id="46" idx="3"/>
+          </p:cNvCxnSpPr>
+          <p:nvPr/>
+        </p:nvCxnSpPr>
+        <p:spPr>
+          <a:xfrm flipV="1">
+            <a:off x="5119280" y="4966272"/>
+            <a:ext cx="1953440" cy="221884"/>
+          </a:xfrm>
+          <a:prstGeom prst="straightConnector1">
+            <a:avLst/>
+          </a:prstGeom>
           <a:ln w="57150">
             <a:solidFill>
               <a:srgbClr val="FFC000"/>
             </a:solidFill>
+            <a:tailEnd type="triangle"/>
           </a:ln>
         </p:spPr>
         <p:style>
           <a:lnRef idx="2">
-            <a:schemeClr val="accent1">
-              <a:shade val="15000"/>
-            </a:schemeClr>
+            <a:schemeClr val="accent1"/>
           </a:lnRef>
-          <a:fillRef idx="1">
+          <a:fillRef idx="0">
             <a:schemeClr val="accent1"/>
           </a:fillRef>
-          <a:effectRef idx="0">
+          <a:effectRef idx="1">
             <a:schemeClr val="accent1"/>
           </a:effectRef>
           <a:fontRef idx="minor">
-            <a:schemeClr val="lt1"/>
+            <a:schemeClr val="tx1"/>
           </a:fontRef>
         </p:style>
-        <p:txBody>
-          <a:bodyPr rtlCol="0" anchor="ctr"/>
-          <a:lstStyle/>
-          <a:p>
-            <a:pPr algn="ctr"/>
-            <a:r>
-              <a:rPr lang="en-US" altLang="ko-KR" sz="1400" dirty="0">
-                <a:solidFill>
-                  <a:schemeClr val="tx1"/>
-                </a:solidFill>
-              </a:rPr>
-              <a:t>Validator</a:t>
-            </a:r>
-            <a:endParaRPr lang="ko-KR" altLang="en-US" sz="1400" dirty="0">
-              <a:solidFill>
-                <a:schemeClr val="tx1"/>
-              </a:solidFill>
-            </a:endParaRPr>
-          </a:p>
-        </p:txBody>
-      </p:sp>
-      <p:sp>
-        <p:nvSpPr>
-          <p:cNvPr id="3" name="TextBox 2">
-            <a:extLst>
-              <a:ext uri="{FF2B5EF4-FFF2-40B4-BE49-F238E27FC236}">
-                <a16:creationId xmlns:a16="http://schemas.microsoft.com/office/drawing/2014/main" id="{36D03FBD-3EED-FCAC-0E82-E8338D816B59}"/>
+      </p:cxnSp>
+      <p:sp>
+        <p:nvSpPr>
+          <p:cNvPr id="51" name="TextBox 50">
+            <a:extLst>
+              <a:ext uri="{FF2B5EF4-FFF2-40B4-BE49-F238E27FC236}">
+                <a16:creationId xmlns:a16="http://schemas.microsoft.com/office/drawing/2014/main" id="{7C8B65E5-1E40-E193-3EDE-A94A01F9BA44}"/>
               </a:ext>
             </a:extLst>
           </p:cNvPr>
@@ -8951,8 +9630,8 @@
         </p:nvSpPr>
         <p:spPr>
           <a:xfrm>
-            <a:off x="9721844" y="930581"/>
-            <a:ext cx="1604927" cy="369332"/>
+            <a:off x="7304319" y="3505390"/>
+            <a:ext cx="986167" cy="369332"/>
           </a:xfrm>
           <a:prstGeom prst="rect">
             <a:avLst/>
@@ -8966,50 +9645,198 @@
           <a:lstStyle/>
           <a:p>
             <a:r>
-              <a:rPr lang="ko-KR" altLang="en-US" sz="1400" b="1" dirty="0">
-                <a:solidFill>
-                  <a:schemeClr val="accent4">
-                    <a:lumMod val="75000"/>
-                  </a:schemeClr>
-                </a:solidFill>
-              </a:rPr>
-              <a:t>커스텀</a:t>
-            </a:r>
-            <a:r>
-              <a:rPr lang="ko-KR" altLang="en-US" dirty="0"/>
-              <a:t> </a:t>
-            </a:r>
-            <a:r>
-              <a:rPr lang="ko-KR" altLang="en-US" sz="1400" b="1" dirty="0">
-                <a:solidFill>
-                  <a:schemeClr val="accent4">
-                    <a:lumMod val="75000"/>
-                  </a:schemeClr>
-                </a:solidFill>
-              </a:rPr>
-              <a:t>가능</a:t>
-            </a:r>
-            <a:r>
-              <a:rPr lang="ko-KR" altLang="en-US" dirty="0"/>
-              <a:t> </a:t>
-            </a:r>
-            <a:r>
-              <a:rPr lang="ko-KR" altLang="en-US" sz="1400" b="1" dirty="0">
-                <a:solidFill>
-                  <a:schemeClr val="accent4">
-                    <a:lumMod val="75000"/>
-                  </a:schemeClr>
-                </a:solidFill>
-              </a:rPr>
-              <a:t>영역</a:t>
-            </a:r>
+              <a:rPr lang="en-US" altLang="ko-KR" dirty="0"/>
+              <a:t>Bundler</a:t>
+            </a:r>
+            <a:endParaRPr lang="ko-KR" altLang="en-US" dirty="0"/>
+          </a:p>
+        </p:txBody>
+      </p:sp>
+      <p:sp>
+        <p:nvSpPr>
+          <p:cNvPr id="52" name="TextBox 51">
+            <a:extLst>
+              <a:ext uri="{FF2B5EF4-FFF2-40B4-BE49-F238E27FC236}">
+                <a16:creationId xmlns:a16="http://schemas.microsoft.com/office/drawing/2014/main" id="{15AF89B0-45C0-E48D-45E2-4DEF8122F729}"/>
+              </a:ext>
+            </a:extLst>
+          </p:cNvPr>
+          <p:cNvSpPr txBox="1"/>
+          <p:nvPr/>
+        </p:nvSpPr>
+        <p:spPr>
+          <a:xfrm>
+            <a:off x="3411922" y="3874722"/>
+            <a:ext cx="1563248" cy="369332"/>
+          </a:xfrm>
+          <a:prstGeom prst="rect">
+            <a:avLst/>
+          </a:prstGeom>
+          <a:noFill/>
+        </p:spPr>
+        <p:txBody>
+          <a:bodyPr wrap="none" rtlCol="0">
+            <a:spAutoFit/>
+          </a:bodyPr>
+          <a:lstStyle/>
+          <a:p>
+            <a:r>
+              <a:rPr lang="en-US" altLang="ko-KR" dirty="0">
+                <a:solidFill>
+                  <a:schemeClr val="bg1"/>
+                </a:solidFill>
+              </a:rPr>
+              <a:t>Alt </a:t>
+            </a:r>
+            <a:r>
+              <a:rPr lang="en-US" altLang="ko-KR" dirty="0" err="1">
+                <a:solidFill>
+                  <a:schemeClr val="bg1"/>
+                </a:solidFill>
+              </a:rPr>
+              <a:t>Mempool</a:t>
+            </a:r>
+            <a:endParaRPr lang="ko-KR" altLang="en-US" dirty="0">
+              <a:solidFill>
+                <a:schemeClr val="bg1"/>
+              </a:solidFill>
+            </a:endParaRPr>
+          </a:p>
+        </p:txBody>
+      </p:sp>
+      <p:sp>
+        <p:nvSpPr>
+          <p:cNvPr id="53" name="TextBox 52">
+            <a:extLst>
+              <a:ext uri="{FF2B5EF4-FFF2-40B4-BE49-F238E27FC236}">
+                <a16:creationId xmlns:a16="http://schemas.microsoft.com/office/drawing/2014/main" id="{B1695FEA-EF69-E932-3503-DC66F2248FCB}"/>
+              </a:ext>
+            </a:extLst>
+          </p:cNvPr>
+          <p:cNvSpPr txBox="1"/>
+          <p:nvPr/>
+        </p:nvSpPr>
+        <p:spPr>
+          <a:xfrm>
+            <a:off x="6858782" y="3874722"/>
+            <a:ext cx="1877240" cy="369332"/>
+          </a:xfrm>
+          <a:prstGeom prst="rect">
+            <a:avLst/>
+          </a:prstGeom>
+          <a:noFill/>
+        </p:spPr>
+        <p:txBody>
+          <a:bodyPr wrap="square">
+            <a:spAutoFit/>
+          </a:bodyPr>
+          <a:lstStyle/>
+          <a:p>
+            <a:pPr algn="ctr"/>
+            <a:r>
+              <a:rPr lang="en-US" altLang="ko-KR" dirty="0">
+                <a:solidFill>
+                  <a:schemeClr val="bg1"/>
+                </a:solidFill>
+              </a:rPr>
+              <a:t>Bundle</a:t>
+            </a:r>
+            <a:endParaRPr lang="ko-KR" altLang="en-US" dirty="0">
+              <a:solidFill>
+                <a:schemeClr val="bg1"/>
+              </a:solidFill>
+            </a:endParaRPr>
+          </a:p>
+        </p:txBody>
+      </p:sp>
+      <p:sp>
+        <p:nvSpPr>
+          <p:cNvPr id="56" name="TextBox 55">
+            <a:extLst>
+              <a:ext uri="{FF2B5EF4-FFF2-40B4-BE49-F238E27FC236}">
+                <a16:creationId xmlns:a16="http://schemas.microsoft.com/office/drawing/2014/main" id="{987B02FA-DFED-44AD-9736-1219A2CDE1B0}"/>
+              </a:ext>
+            </a:extLst>
+          </p:cNvPr>
+          <p:cNvSpPr txBox="1"/>
+          <p:nvPr/>
+        </p:nvSpPr>
+        <p:spPr>
+          <a:xfrm>
+            <a:off x="9176555" y="4420824"/>
+            <a:ext cx="1563248" cy="369332"/>
+          </a:xfrm>
+          <a:prstGeom prst="rect">
+            <a:avLst/>
+          </a:prstGeom>
+          <a:noFill/>
+        </p:spPr>
+        <p:txBody>
+          <a:bodyPr wrap="none" rtlCol="0">
+            <a:spAutoFit/>
+          </a:bodyPr>
+          <a:lstStyle/>
+          <a:p>
+            <a:r>
+              <a:rPr lang="en-US" altLang="ko-KR" dirty="0">
+                <a:hlinkClick r:id="rId3"/>
+              </a:rPr>
+              <a:t>Alt </a:t>
+            </a:r>
+            <a:r>
+              <a:rPr lang="en-US" altLang="ko-KR" dirty="0" err="1">
+                <a:hlinkClick r:id="rId3"/>
+              </a:rPr>
+              <a:t>Mempool</a:t>
+            </a:r>
+            <a:endParaRPr lang="ko-KR" altLang="en-US" dirty="0"/>
+          </a:p>
+        </p:txBody>
+      </p:sp>
+      <p:sp>
+        <p:nvSpPr>
+          <p:cNvPr id="57" name="TextBox 56">
+            <a:extLst>
+              <a:ext uri="{FF2B5EF4-FFF2-40B4-BE49-F238E27FC236}">
+                <a16:creationId xmlns:a16="http://schemas.microsoft.com/office/drawing/2014/main" id="{175D2BC4-DC1F-DB86-C81A-82D429981975}"/>
+              </a:ext>
+            </a:extLst>
+          </p:cNvPr>
+          <p:cNvSpPr txBox="1"/>
+          <p:nvPr/>
+        </p:nvSpPr>
+        <p:spPr>
+          <a:xfrm>
+            <a:off x="3206736" y="3505390"/>
+            <a:ext cx="1973617" cy="369332"/>
+          </a:xfrm>
+          <a:prstGeom prst="rect">
+            <a:avLst/>
+          </a:prstGeom>
+          <a:noFill/>
+        </p:spPr>
+        <p:txBody>
+          <a:bodyPr wrap="none" rtlCol="0">
+            <a:spAutoFit/>
+          </a:bodyPr>
+          <a:lstStyle/>
+          <a:p>
+            <a:r>
+              <a:rPr lang="en-US" altLang="ko-KR" dirty="0"/>
+              <a:t>Private </a:t>
+            </a:r>
+            <a:r>
+              <a:rPr lang="en-US" altLang="ko-KR" dirty="0" err="1"/>
+              <a:t>Mempool</a:t>
+            </a:r>
+            <a:endParaRPr lang="ko-KR" altLang="en-US" dirty="0"/>
           </a:p>
         </p:txBody>
       </p:sp>
     </p:spTree>
     <p:extLst>
       <p:ext uri="{BB962C8B-B14F-4D97-AF65-F5344CB8AC3E}">
-        <p14:creationId xmlns:p14="http://schemas.microsoft.com/office/powerpoint/2010/main" val="2046199980"/>
+        <p14:creationId xmlns:p14="http://schemas.microsoft.com/office/powerpoint/2010/main" val="3564840173"/>
       </p:ext>
     </p:extLst>
   </p:cSld>
@@ -9036,43 +9863,13 @@
           <a:chExt cx="0" cy="0"/>
         </a:xfrm>
       </p:grpSpPr>
-      <p:pic>
-        <p:nvPicPr>
-          <p:cNvPr id="5" name="그림 4">
-            <a:extLst>
-              <a:ext uri="{FF2B5EF4-FFF2-40B4-BE49-F238E27FC236}">
-                <a16:creationId xmlns:a16="http://schemas.microsoft.com/office/drawing/2014/main" id="{A6B58353-5ED0-DC7D-2F0D-7D477B490E79}"/>
-              </a:ext>
-            </a:extLst>
-          </p:cNvPr>
-          <p:cNvPicPr>
-            <a:picLocks noChangeAspect="1"/>
-          </p:cNvPicPr>
-          <p:nvPr/>
-        </p:nvPicPr>
-        <p:blipFill>
-          <a:blip r:embed="rId2"/>
-          <a:stretch>
-            <a:fillRect/>
-          </a:stretch>
-        </p:blipFill>
-        <p:spPr>
-          <a:xfrm>
-            <a:off x="2414073" y="1501342"/>
-            <a:ext cx="7363853" cy="4610743"/>
-          </a:xfrm>
-          <a:prstGeom prst="rect">
-            <a:avLst/>
-          </a:prstGeom>
-        </p:spPr>
-      </p:pic>
       <p:sp>
         <p:nvSpPr>
           <p:cNvPr id="6" name="TextBox 5">
-            <a:hlinkClick r:id="rId3"/>
-            <a:extLst>
-              <a:ext uri="{FF2B5EF4-FFF2-40B4-BE49-F238E27FC236}">
-                <a16:creationId xmlns:a16="http://schemas.microsoft.com/office/drawing/2014/main" id="{C493B750-75CE-DAEE-8BD3-85552854C0CF}"/>
+            <a:hlinkClick r:id="rId2"/>
+            <a:extLst>
+              <a:ext uri="{FF2B5EF4-FFF2-40B4-BE49-F238E27FC236}">
+                <a16:creationId xmlns:a16="http://schemas.microsoft.com/office/drawing/2014/main" id="{9C05001E-467F-3E86-EE9F-F0BD27B14F0D}"/>
               </a:ext>
             </a:extLst>
           </p:cNvPr>
@@ -9131,10 +9928,10 @@
       </p:sp>
       <p:sp>
         <p:nvSpPr>
-          <p:cNvPr id="7" name="직사각형 6">
-            <a:extLst>
-              <a:ext uri="{FF2B5EF4-FFF2-40B4-BE49-F238E27FC236}">
-                <a16:creationId xmlns:a16="http://schemas.microsoft.com/office/drawing/2014/main" id="{9B4B8F1E-10A8-11F5-9996-351EF1544448}"/>
+          <p:cNvPr id="10" name="직사각형 9">
+            <a:extLst>
+              <a:ext uri="{FF2B5EF4-FFF2-40B4-BE49-F238E27FC236}">
+                <a16:creationId xmlns:a16="http://schemas.microsoft.com/office/drawing/2014/main" id="{FDACDFFB-9D78-9594-E24B-68C52F5FFA95}"/>
               </a:ext>
             </a:extLst>
           </p:cNvPr>
@@ -9143,18 +9940,14 @@
         </p:nvSpPr>
         <p:spPr>
           <a:xfrm>
-            <a:off x="465909" y="745915"/>
-            <a:ext cx="3775165" cy="369332"/>
+            <a:off x="587829" y="2080755"/>
+            <a:ext cx="1014549" cy="661851"/>
           </a:xfrm>
           <a:prstGeom prst="rect">
             <a:avLst/>
           </a:prstGeom>
           <a:noFill/>
-          <a:ln w="57150">
-            <a:solidFill>
-              <a:srgbClr val="042433"/>
-            </a:solidFill>
-          </a:ln>
+          <a:ln w="57150"/>
         </p:spPr>
         <p:style>
           <a:lnRef idx="2">
@@ -9178,14 +9971,1180 @@
           <a:p>
             <a:pPr algn="ctr"/>
             <a:r>
+              <a:rPr lang="en-US" altLang="ko-KR" sz="1400" dirty="0">
+                <a:solidFill>
+                  <a:schemeClr val="tx1"/>
+                </a:solidFill>
+              </a:rPr>
+              <a:t>EOA</a:t>
+            </a:r>
+            <a:endParaRPr lang="ko-KR" altLang="en-US" sz="1400" dirty="0">
+              <a:solidFill>
+                <a:schemeClr val="tx1"/>
+              </a:solidFill>
+            </a:endParaRPr>
+          </a:p>
+        </p:txBody>
+      </p:sp>
+      <p:sp>
+        <p:nvSpPr>
+          <p:cNvPr id="11" name="직사각형 10">
+            <a:extLst>
+              <a:ext uri="{FF2B5EF4-FFF2-40B4-BE49-F238E27FC236}">
+                <a16:creationId xmlns:a16="http://schemas.microsoft.com/office/drawing/2014/main" id="{D4820C75-E210-2803-7C94-ED09F12DE968}"/>
+              </a:ext>
+            </a:extLst>
+          </p:cNvPr>
+          <p:cNvSpPr/>
+          <p:nvPr/>
+        </p:nvSpPr>
+        <p:spPr>
+          <a:xfrm>
+            <a:off x="3644535" y="2080755"/>
+            <a:ext cx="1258388" cy="661851"/>
+          </a:xfrm>
+          <a:prstGeom prst="rect">
+            <a:avLst/>
+          </a:prstGeom>
+          <a:noFill/>
+          <a:ln w="57150">
+            <a:solidFill>
+              <a:srgbClr val="00B050"/>
+            </a:solidFill>
+          </a:ln>
+        </p:spPr>
+        <p:style>
+          <a:lnRef idx="2">
+            <a:schemeClr val="accent1">
+              <a:shade val="15000"/>
+            </a:schemeClr>
+          </a:lnRef>
+          <a:fillRef idx="1">
+            <a:schemeClr val="accent1"/>
+          </a:fillRef>
+          <a:effectRef idx="0">
+            <a:schemeClr val="accent1"/>
+          </a:effectRef>
+          <a:fontRef idx="minor">
+            <a:schemeClr val="lt1"/>
+          </a:fontRef>
+        </p:style>
+        <p:txBody>
+          <a:bodyPr rtlCol="0" anchor="ctr"/>
+          <a:lstStyle/>
+          <a:p>
+            <a:pPr algn="ctr"/>
+            <a:r>
+              <a:rPr lang="en-US" altLang="ko-KR" sz="1400" b="1" dirty="0">
+                <a:solidFill>
+                  <a:schemeClr val="accent4">
+                    <a:lumMod val="75000"/>
+                  </a:schemeClr>
+                </a:solidFill>
+              </a:rPr>
+              <a:t>Provider</a:t>
+            </a:r>
+            <a:endParaRPr lang="ko-KR" altLang="en-US" sz="1400" b="1" dirty="0">
+              <a:solidFill>
+                <a:schemeClr val="accent4">
+                  <a:lumMod val="75000"/>
+                </a:schemeClr>
+              </a:solidFill>
+            </a:endParaRPr>
+          </a:p>
+        </p:txBody>
+      </p:sp>
+      <p:sp>
+        <p:nvSpPr>
+          <p:cNvPr id="12" name="직사각형 11">
+            <a:extLst>
+              <a:ext uri="{FF2B5EF4-FFF2-40B4-BE49-F238E27FC236}">
+                <a16:creationId xmlns:a16="http://schemas.microsoft.com/office/drawing/2014/main" id="{6910294A-9AE3-2F5D-EE9A-59062856BD4E}"/>
+              </a:ext>
+            </a:extLst>
+          </p:cNvPr>
+          <p:cNvSpPr/>
+          <p:nvPr/>
+        </p:nvSpPr>
+        <p:spPr>
+          <a:xfrm>
+            <a:off x="7201989" y="3997235"/>
+            <a:ext cx="1528354" cy="661851"/>
+          </a:xfrm>
+          <a:prstGeom prst="rect">
+            <a:avLst/>
+          </a:prstGeom>
+          <a:noFill/>
+          <a:ln w="57150">
+            <a:solidFill>
+              <a:srgbClr val="FFC000"/>
+            </a:solidFill>
+          </a:ln>
+        </p:spPr>
+        <p:style>
+          <a:lnRef idx="2">
+            <a:schemeClr val="accent1">
+              <a:shade val="15000"/>
+            </a:schemeClr>
+          </a:lnRef>
+          <a:fillRef idx="1">
+            <a:schemeClr val="accent1"/>
+          </a:fillRef>
+          <a:effectRef idx="0">
+            <a:schemeClr val="accent1"/>
+          </a:effectRef>
+          <a:fontRef idx="minor">
+            <a:schemeClr val="lt1"/>
+          </a:fontRef>
+        </p:style>
+        <p:txBody>
+          <a:bodyPr rtlCol="0" anchor="ctr"/>
+          <a:lstStyle/>
+          <a:p>
+            <a:pPr algn="ctr"/>
+            <a:r>
+              <a:rPr lang="en-US" altLang="ko-KR" sz="1400" dirty="0">
+                <a:solidFill>
+                  <a:schemeClr val="tx1"/>
+                </a:solidFill>
+              </a:rPr>
+              <a:t>Validator</a:t>
+            </a:r>
+            <a:endParaRPr lang="ko-KR" altLang="en-US" sz="1400" dirty="0">
+              <a:solidFill>
+                <a:schemeClr val="tx1"/>
+              </a:solidFill>
+            </a:endParaRPr>
+          </a:p>
+        </p:txBody>
+      </p:sp>
+      <p:sp>
+        <p:nvSpPr>
+          <p:cNvPr id="13" name="직사각형 12">
+            <a:extLst>
+              <a:ext uri="{FF2B5EF4-FFF2-40B4-BE49-F238E27FC236}">
+                <a16:creationId xmlns:a16="http://schemas.microsoft.com/office/drawing/2014/main" id="{31ADF3C8-6946-C9F3-647E-7950F1993048}"/>
+              </a:ext>
+            </a:extLst>
+          </p:cNvPr>
+          <p:cNvSpPr/>
+          <p:nvPr/>
+        </p:nvSpPr>
+        <p:spPr>
+          <a:xfrm>
+            <a:off x="5856516" y="3997235"/>
+            <a:ext cx="1014549" cy="661851"/>
+          </a:xfrm>
+          <a:prstGeom prst="rect">
+            <a:avLst/>
+          </a:prstGeom>
+          <a:noFill/>
+          <a:ln w="57150">
+            <a:solidFill>
+              <a:schemeClr val="accent5">
+                <a:lumMod val="75000"/>
+              </a:schemeClr>
+            </a:solidFill>
+          </a:ln>
+        </p:spPr>
+        <p:style>
+          <a:lnRef idx="2">
+            <a:schemeClr val="accent1">
+              <a:shade val="15000"/>
+            </a:schemeClr>
+          </a:lnRef>
+          <a:fillRef idx="1">
+            <a:schemeClr val="accent1"/>
+          </a:fillRef>
+          <a:effectRef idx="0">
+            <a:schemeClr val="accent1"/>
+          </a:effectRef>
+          <a:fontRef idx="minor">
+            <a:schemeClr val="lt1"/>
+          </a:fontRef>
+        </p:style>
+        <p:txBody>
+          <a:bodyPr rtlCol="0" anchor="ctr"/>
+          <a:lstStyle/>
+          <a:p>
+            <a:pPr algn="ctr"/>
+            <a:r>
+              <a:rPr lang="en-US" altLang="ko-KR" sz="1400" b="1" dirty="0">
+                <a:solidFill>
+                  <a:schemeClr val="accent4">
+                    <a:lumMod val="75000"/>
+                  </a:schemeClr>
+                </a:solidFill>
+              </a:rPr>
+              <a:t>S_A_C</a:t>
+            </a:r>
+            <a:endParaRPr lang="ko-KR" altLang="en-US" sz="1400" b="1" dirty="0">
+              <a:solidFill>
+                <a:schemeClr val="accent4">
+                  <a:lumMod val="75000"/>
+                </a:schemeClr>
+              </a:solidFill>
+            </a:endParaRPr>
+          </a:p>
+        </p:txBody>
+      </p:sp>
+      <p:sp>
+        <p:nvSpPr>
+          <p:cNvPr id="14" name="직사각형 13">
+            <a:extLst>
+              <a:ext uri="{FF2B5EF4-FFF2-40B4-BE49-F238E27FC236}">
+                <a16:creationId xmlns:a16="http://schemas.microsoft.com/office/drawing/2014/main" id="{BC0F4B3A-8711-D6DF-530B-51A6D144007C}"/>
+              </a:ext>
+            </a:extLst>
+          </p:cNvPr>
+          <p:cNvSpPr/>
+          <p:nvPr/>
+        </p:nvSpPr>
+        <p:spPr>
+          <a:xfrm>
+            <a:off x="4354287" y="3997235"/>
+            <a:ext cx="1258388" cy="661851"/>
+          </a:xfrm>
+          <a:prstGeom prst="rect">
+            <a:avLst/>
+          </a:prstGeom>
+          <a:noFill/>
+          <a:ln w="57150"/>
+        </p:spPr>
+        <p:style>
+          <a:lnRef idx="2">
+            <a:schemeClr val="accent1">
+              <a:shade val="15000"/>
+            </a:schemeClr>
+          </a:lnRef>
+          <a:fillRef idx="1">
+            <a:schemeClr val="accent1"/>
+          </a:fillRef>
+          <a:effectRef idx="0">
+            <a:schemeClr val="accent1"/>
+          </a:effectRef>
+          <a:fontRef idx="minor">
+            <a:schemeClr val="lt1"/>
+          </a:fontRef>
+        </p:style>
+        <p:txBody>
+          <a:bodyPr rtlCol="0" anchor="ctr"/>
+          <a:lstStyle/>
+          <a:p>
+            <a:pPr algn="ctr"/>
+            <a:r>
+              <a:rPr lang="en-US" altLang="ko-KR" sz="1400" dirty="0">
+                <a:solidFill>
+                  <a:schemeClr val="tx1"/>
+                </a:solidFill>
+              </a:rPr>
+              <a:t>Entry Point</a:t>
+            </a:r>
+            <a:endParaRPr lang="ko-KR" altLang="en-US" sz="1400" dirty="0">
+              <a:solidFill>
+                <a:schemeClr val="tx1"/>
+              </a:solidFill>
+            </a:endParaRPr>
+          </a:p>
+        </p:txBody>
+      </p:sp>
+      <p:sp>
+        <p:nvSpPr>
+          <p:cNvPr id="15" name="직사각형 14">
+            <a:extLst>
+              <a:ext uri="{FF2B5EF4-FFF2-40B4-BE49-F238E27FC236}">
+                <a16:creationId xmlns:a16="http://schemas.microsoft.com/office/drawing/2014/main" id="{C9D57979-AEEB-254B-65E2-FA5C9DE1F65F}"/>
+              </a:ext>
+            </a:extLst>
+          </p:cNvPr>
+          <p:cNvSpPr/>
+          <p:nvPr/>
+        </p:nvSpPr>
+        <p:spPr>
+          <a:xfrm>
+            <a:off x="8974184" y="3997235"/>
+            <a:ext cx="1528354" cy="661851"/>
+          </a:xfrm>
+          <a:prstGeom prst="rect">
+            <a:avLst/>
+          </a:prstGeom>
+          <a:noFill/>
+          <a:ln w="57150">
+            <a:solidFill>
+              <a:schemeClr val="accent2">
+                <a:lumMod val="75000"/>
+              </a:schemeClr>
+            </a:solidFill>
+          </a:ln>
+        </p:spPr>
+        <p:style>
+          <a:lnRef idx="2">
+            <a:schemeClr val="accent1">
+              <a:shade val="15000"/>
+            </a:schemeClr>
+          </a:lnRef>
+          <a:fillRef idx="1">
+            <a:schemeClr val="accent1"/>
+          </a:fillRef>
+          <a:effectRef idx="0">
+            <a:schemeClr val="accent1"/>
+          </a:effectRef>
+          <a:fontRef idx="minor">
+            <a:schemeClr val="lt1"/>
+          </a:fontRef>
+        </p:style>
+        <p:txBody>
+          <a:bodyPr rtlCol="0" anchor="ctr"/>
+          <a:lstStyle/>
+          <a:p>
+            <a:pPr algn="ctr"/>
+            <a:r>
+              <a:rPr lang="en-US" altLang="ko-KR" sz="1400" dirty="0">
+                <a:solidFill>
+                  <a:schemeClr val="tx1"/>
+                </a:solidFill>
+              </a:rPr>
+              <a:t>Blockchain</a:t>
+            </a:r>
+            <a:endParaRPr lang="ko-KR" altLang="en-US" sz="1400" dirty="0">
+              <a:solidFill>
+                <a:schemeClr val="tx1"/>
+              </a:solidFill>
+            </a:endParaRPr>
+          </a:p>
+        </p:txBody>
+      </p:sp>
+      <p:sp>
+        <p:nvSpPr>
+          <p:cNvPr id="16" name="직사각형 15">
+            <a:extLst>
+              <a:ext uri="{FF2B5EF4-FFF2-40B4-BE49-F238E27FC236}">
+                <a16:creationId xmlns:a16="http://schemas.microsoft.com/office/drawing/2014/main" id="{420200C3-C7AB-A05D-6CE0-79A19B675342}"/>
+              </a:ext>
+            </a:extLst>
+          </p:cNvPr>
+          <p:cNvSpPr/>
+          <p:nvPr/>
+        </p:nvSpPr>
+        <p:spPr>
+          <a:xfrm>
+            <a:off x="1841863" y="3997235"/>
+            <a:ext cx="1014549" cy="661851"/>
+          </a:xfrm>
+          <a:prstGeom prst="rect">
+            <a:avLst/>
+          </a:prstGeom>
+          <a:noFill/>
+          <a:ln w="57150"/>
+        </p:spPr>
+        <p:style>
+          <a:lnRef idx="2">
+            <a:schemeClr val="accent1">
+              <a:shade val="15000"/>
+            </a:schemeClr>
+          </a:lnRef>
+          <a:fillRef idx="1">
+            <a:schemeClr val="accent1"/>
+          </a:fillRef>
+          <a:effectRef idx="0">
+            <a:schemeClr val="accent1"/>
+          </a:effectRef>
+          <a:fontRef idx="minor">
+            <a:schemeClr val="lt1"/>
+          </a:fontRef>
+        </p:style>
+        <p:txBody>
+          <a:bodyPr rtlCol="0" anchor="ctr"/>
+          <a:lstStyle/>
+          <a:p>
+            <a:pPr algn="ctr"/>
+            <a:r>
+              <a:rPr lang="en-US" altLang="ko-KR" sz="1400" dirty="0" err="1">
+                <a:solidFill>
+                  <a:schemeClr val="tx1"/>
+                </a:solidFill>
+              </a:rPr>
+              <a:t>userOp</a:t>
+            </a:r>
+            <a:endParaRPr lang="ko-KR" altLang="en-US" sz="1400" dirty="0">
+              <a:solidFill>
+                <a:schemeClr val="tx1"/>
+              </a:solidFill>
+            </a:endParaRPr>
+          </a:p>
+        </p:txBody>
+      </p:sp>
+      <p:sp>
+        <p:nvSpPr>
+          <p:cNvPr id="22" name="직사각형 21">
+            <a:extLst>
+              <a:ext uri="{FF2B5EF4-FFF2-40B4-BE49-F238E27FC236}">
+                <a16:creationId xmlns:a16="http://schemas.microsoft.com/office/drawing/2014/main" id="{8FAEE614-96CB-348C-CFB6-3E3E1ABF0FD9}"/>
+              </a:ext>
+            </a:extLst>
+          </p:cNvPr>
+          <p:cNvSpPr/>
+          <p:nvPr/>
+        </p:nvSpPr>
+        <p:spPr>
+          <a:xfrm>
+            <a:off x="1841863" y="2080755"/>
+            <a:ext cx="1563187" cy="661851"/>
+          </a:xfrm>
+          <a:prstGeom prst="rect">
+            <a:avLst/>
+          </a:prstGeom>
+          <a:noFill/>
+          <a:ln w="57150"/>
+        </p:spPr>
+        <p:style>
+          <a:lnRef idx="2">
+            <a:schemeClr val="accent1">
+              <a:shade val="15000"/>
+            </a:schemeClr>
+          </a:lnRef>
+          <a:fillRef idx="1">
+            <a:schemeClr val="accent1"/>
+          </a:fillRef>
+          <a:effectRef idx="0">
+            <a:schemeClr val="accent1"/>
+          </a:effectRef>
+          <a:fontRef idx="minor">
+            <a:schemeClr val="lt1"/>
+          </a:fontRef>
+        </p:style>
+        <p:txBody>
+          <a:bodyPr rtlCol="0" anchor="ctr"/>
+          <a:lstStyle/>
+          <a:p>
+            <a:pPr algn="ctr"/>
+            <a:r>
+              <a:rPr lang="en-US" altLang="ko-KR" sz="1400" dirty="0">
+                <a:solidFill>
+                  <a:schemeClr val="tx1"/>
+                </a:solidFill>
+              </a:rPr>
+              <a:t>Transaction</a:t>
+            </a:r>
+            <a:endParaRPr lang="ko-KR" altLang="en-US" sz="1400" dirty="0">
+              <a:solidFill>
+                <a:schemeClr val="tx1"/>
+              </a:solidFill>
+            </a:endParaRPr>
+          </a:p>
+        </p:txBody>
+      </p:sp>
+      <p:sp>
+        <p:nvSpPr>
+          <p:cNvPr id="23" name="직사각형 22">
+            <a:extLst>
+              <a:ext uri="{FF2B5EF4-FFF2-40B4-BE49-F238E27FC236}">
+                <a16:creationId xmlns:a16="http://schemas.microsoft.com/office/drawing/2014/main" id="{8C513436-9F11-81DA-6271-1A6B9C159562}"/>
+              </a:ext>
+            </a:extLst>
+          </p:cNvPr>
+          <p:cNvSpPr/>
+          <p:nvPr/>
+        </p:nvSpPr>
+        <p:spPr>
+          <a:xfrm>
+            <a:off x="3095897" y="3997235"/>
+            <a:ext cx="1014549" cy="661851"/>
+          </a:xfrm>
+          <a:prstGeom prst="rect">
+            <a:avLst/>
+          </a:prstGeom>
+          <a:noFill/>
+          <a:ln w="57150">
+            <a:solidFill>
+              <a:srgbClr val="00B050"/>
+            </a:solidFill>
+          </a:ln>
+        </p:spPr>
+        <p:style>
+          <a:lnRef idx="2">
+            <a:schemeClr val="accent1">
+              <a:shade val="15000"/>
+            </a:schemeClr>
+          </a:lnRef>
+          <a:fillRef idx="1">
+            <a:schemeClr val="accent1"/>
+          </a:fillRef>
+          <a:effectRef idx="0">
+            <a:schemeClr val="accent1"/>
+          </a:effectRef>
+          <a:fontRef idx="minor">
+            <a:schemeClr val="lt1"/>
+          </a:fontRef>
+        </p:style>
+        <p:txBody>
+          <a:bodyPr rtlCol="0" anchor="ctr"/>
+          <a:lstStyle/>
+          <a:p>
+            <a:pPr algn="ctr"/>
+            <a:r>
+              <a:rPr lang="en-US" altLang="ko-KR" sz="1400" b="1" dirty="0">
+                <a:solidFill>
+                  <a:schemeClr val="accent4">
+                    <a:lumMod val="75000"/>
+                  </a:schemeClr>
+                </a:solidFill>
+              </a:rPr>
+              <a:t>Bundler</a:t>
+            </a:r>
+            <a:endParaRPr lang="ko-KR" altLang="en-US" sz="1400" b="1" dirty="0">
+              <a:solidFill>
+                <a:schemeClr val="accent4">
+                  <a:lumMod val="75000"/>
+                </a:schemeClr>
+              </a:solidFill>
+            </a:endParaRPr>
+          </a:p>
+        </p:txBody>
+      </p:sp>
+      <p:sp>
+        <p:nvSpPr>
+          <p:cNvPr id="25" name="직사각형 24">
+            <a:extLst>
+              <a:ext uri="{FF2B5EF4-FFF2-40B4-BE49-F238E27FC236}">
+                <a16:creationId xmlns:a16="http://schemas.microsoft.com/office/drawing/2014/main" id="{688161B2-B6D2-C143-FEED-41C190E845E7}"/>
+              </a:ext>
+            </a:extLst>
+          </p:cNvPr>
+          <p:cNvSpPr/>
+          <p:nvPr/>
+        </p:nvSpPr>
+        <p:spPr>
+          <a:xfrm>
+            <a:off x="587829" y="3997235"/>
+            <a:ext cx="1014549" cy="661851"/>
+          </a:xfrm>
+          <a:prstGeom prst="rect">
+            <a:avLst/>
+          </a:prstGeom>
+          <a:noFill/>
+          <a:ln w="57150"/>
+        </p:spPr>
+        <p:style>
+          <a:lnRef idx="2">
+            <a:schemeClr val="accent1">
+              <a:shade val="15000"/>
+            </a:schemeClr>
+          </a:lnRef>
+          <a:fillRef idx="1">
+            <a:schemeClr val="accent1"/>
+          </a:fillRef>
+          <a:effectRef idx="0">
+            <a:schemeClr val="accent1"/>
+          </a:effectRef>
+          <a:fontRef idx="minor">
+            <a:schemeClr val="lt1"/>
+          </a:fontRef>
+        </p:style>
+        <p:txBody>
+          <a:bodyPr rtlCol="0" anchor="ctr"/>
+          <a:lstStyle/>
+          <a:p>
+            <a:pPr algn="ctr"/>
+            <a:r>
+              <a:rPr lang="en-US" altLang="ko-KR" sz="1400" dirty="0">
+                <a:solidFill>
+                  <a:schemeClr val="tx1"/>
+                </a:solidFill>
+              </a:rPr>
+              <a:t>EOA</a:t>
+            </a:r>
+            <a:endParaRPr lang="ko-KR" altLang="en-US" sz="1400" dirty="0">
+              <a:solidFill>
+                <a:schemeClr val="tx1"/>
+              </a:solidFill>
+            </a:endParaRPr>
+          </a:p>
+        </p:txBody>
+      </p:sp>
+      <p:sp>
+        <p:nvSpPr>
+          <p:cNvPr id="26" name="직사각형 25">
+            <a:extLst>
+              <a:ext uri="{FF2B5EF4-FFF2-40B4-BE49-F238E27FC236}">
+                <a16:creationId xmlns:a16="http://schemas.microsoft.com/office/drawing/2014/main" id="{A0687E38-4670-8D9C-7190-D415E63F3D8F}"/>
+              </a:ext>
+            </a:extLst>
+          </p:cNvPr>
+          <p:cNvSpPr/>
+          <p:nvPr/>
+        </p:nvSpPr>
+        <p:spPr>
+          <a:xfrm>
+            <a:off x="465910" y="1477203"/>
+            <a:ext cx="1254033" cy="369332"/>
+          </a:xfrm>
+          <a:prstGeom prst="rect">
+            <a:avLst/>
+          </a:prstGeom>
+          <a:solidFill>
+            <a:schemeClr val="bg2"/>
+          </a:solidFill>
+          <a:ln>
+            <a:noFill/>
+          </a:ln>
+        </p:spPr>
+        <p:style>
+          <a:lnRef idx="2">
+            <a:schemeClr val="accent1">
+              <a:shade val="15000"/>
+            </a:schemeClr>
+          </a:lnRef>
+          <a:fillRef idx="1">
+            <a:schemeClr val="accent1"/>
+          </a:fillRef>
+          <a:effectRef idx="0">
+            <a:schemeClr val="accent1"/>
+          </a:effectRef>
+          <a:fontRef idx="minor">
+            <a:schemeClr val="lt1"/>
+          </a:fontRef>
+        </p:style>
+        <p:txBody>
+          <a:bodyPr rtlCol="0" anchor="ctr"/>
+          <a:lstStyle/>
+          <a:p>
+            <a:pPr algn="ctr"/>
+            <a:r>
               <a:rPr lang="en-US" altLang="ko-KR" sz="1600" b="1" dirty="0">
                 <a:solidFill>
                   <a:schemeClr val="tx1"/>
                 </a:solidFill>
               </a:rPr>
+              <a:t>EOA</a:t>
+            </a:r>
+            <a:endParaRPr lang="ko-KR" altLang="en-US" sz="1600" b="1" dirty="0">
+              <a:solidFill>
+                <a:schemeClr val="tx1"/>
+              </a:solidFill>
+            </a:endParaRPr>
+          </a:p>
+        </p:txBody>
+      </p:sp>
+      <p:sp>
+        <p:nvSpPr>
+          <p:cNvPr id="27" name="직사각형 26">
+            <a:extLst>
+              <a:ext uri="{FF2B5EF4-FFF2-40B4-BE49-F238E27FC236}">
+                <a16:creationId xmlns:a16="http://schemas.microsoft.com/office/drawing/2014/main" id="{7E637A97-4A54-199C-F315-51F8D41B3927}"/>
+              </a:ext>
+            </a:extLst>
+          </p:cNvPr>
+          <p:cNvSpPr/>
+          <p:nvPr/>
+        </p:nvSpPr>
+        <p:spPr>
+          <a:xfrm>
+            <a:off x="465910" y="3399302"/>
+            <a:ext cx="1254034" cy="369332"/>
+          </a:xfrm>
+          <a:prstGeom prst="rect">
+            <a:avLst/>
+          </a:prstGeom>
+          <a:solidFill>
+            <a:schemeClr val="bg2"/>
+          </a:solidFill>
+          <a:ln>
+            <a:noFill/>
+          </a:ln>
+        </p:spPr>
+        <p:style>
+          <a:lnRef idx="2">
+            <a:schemeClr val="accent1">
+              <a:shade val="15000"/>
+            </a:schemeClr>
+          </a:lnRef>
+          <a:fillRef idx="1">
+            <a:schemeClr val="accent1"/>
+          </a:fillRef>
+          <a:effectRef idx="0">
+            <a:schemeClr val="accent1"/>
+          </a:effectRef>
+          <a:fontRef idx="minor">
+            <a:schemeClr val="lt1"/>
+          </a:fontRef>
+        </p:style>
+        <p:txBody>
+          <a:bodyPr rtlCol="0" anchor="ctr"/>
+          <a:lstStyle/>
+          <a:p>
+            <a:pPr algn="ctr"/>
+            <a:r>
+              <a:rPr lang="en-US" altLang="ko-KR" sz="1600" b="1" dirty="0">
+                <a:solidFill>
+                  <a:schemeClr val="tx1"/>
+                </a:solidFill>
+              </a:rPr>
+              <a:t>AA</a:t>
+            </a:r>
+            <a:endParaRPr lang="ko-KR" altLang="en-US" sz="1600" b="1" dirty="0">
+              <a:solidFill>
+                <a:schemeClr val="tx1"/>
+              </a:solidFill>
+            </a:endParaRPr>
+          </a:p>
+        </p:txBody>
+      </p:sp>
+      <p:sp>
+        <p:nvSpPr>
+          <p:cNvPr id="33" name="사각형: 둥근 모서리 32">
+            <a:extLst>
+              <a:ext uri="{FF2B5EF4-FFF2-40B4-BE49-F238E27FC236}">
+                <a16:creationId xmlns:a16="http://schemas.microsoft.com/office/drawing/2014/main" id="{4360CAE4-F2FF-5F3C-0564-179248331FB2}"/>
+              </a:ext>
+            </a:extLst>
+          </p:cNvPr>
+          <p:cNvSpPr/>
+          <p:nvPr/>
+        </p:nvSpPr>
+        <p:spPr>
+          <a:xfrm>
+            <a:off x="3095897" y="4894813"/>
+            <a:ext cx="1885406" cy="781800"/>
+          </a:xfrm>
+          <a:prstGeom prst="roundRect">
+            <a:avLst/>
+          </a:prstGeom>
+          <a:noFill/>
+          <a:ln w="57150">
+            <a:solidFill>
+              <a:srgbClr val="00B050"/>
+            </a:solidFill>
+          </a:ln>
+        </p:spPr>
+        <p:style>
+          <a:lnRef idx="2">
+            <a:schemeClr val="accent1">
+              <a:shade val="15000"/>
+            </a:schemeClr>
+          </a:lnRef>
+          <a:fillRef idx="1">
+            <a:schemeClr val="accent1"/>
+          </a:fillRef>
+          <a:effectRef idx="0">
+            <a:schemeClr val="accent1"/>
+          </a:effectRef>
+          <a:fontRef idx="minor">
+            <a:schemeClr val="lt1"/>
+          </a:fontRef>
+        </p:style>
+        <p:txBody>
+          <a:bodyPr rtlCol="0" anchor="ctr"/>
+          <a:lstStyle/>
+          <a:p>
+            <a:pPr algn="ctr"/>
+            <a:r>
+              <a:rPr lang="en-US" altLang="ko-KR" sz="1400" dirty="0">
+                <a:solidFill>
+                  <a:schemeClr val="tx1"/>
+                </a:solidFill>
+              </a:rPr>
               <a:t>Alt </a:t>
             </a:r>
             <a:r>
+              <a:rPr lang="en-US" altLang="ko-KR" sz="1400" dirty="0" err="1">
+                <a:solidFill>
+                  <a:schemeClr val="tx1"/>
+                </a:solidFill>
+              </a:rPr>
+              <a:t>Mempool</a:t>
+            </a:r>
+            <a:endParaRPr lang="en-US" altLang="ko-KR" sz="1400" dirty="0">
+              <a:solidFill>
+                <a:schemeClr val="tx1"/>
+              </a:solidFill>
+            </a:endParaRPr>
+          </a:p>
+          <a:p>
+            <a:pPr algn="ctr"/>
+            <a:r>
+              <a:rPr lang="en-US" altLang="ko-KR" sz="1400" dirty="0">
+                <a:solidFill>
+                  <a:schemeClr val="tx1"/>
+                </a:solidFill>
+              </a:rPr>
+              <a:t>Bundler</a:t>
+            </a:r>
+          </a:p>
+          <a:p>
+            <a:pPr algn="ctr"/>
+            <a:r>
+              <a:rPr lang="en-US" altLang="ko-KR" sz="1400" b="1" dirty="0">
+                <a:solidFill>
+                  <a:schemeClr val="tx1"/>
+                </a:solidFill>
+              </a:rPr>
+              <a:t>Alchemy</a:t>
+            </a:r>
+            <a:endParaRPr lang="ko-KR" altLang="en-US" sz="1400" b="1" dirty="0">
+              <a:solidFill>
+                <a:schemeClr val="tx1"/>
+              </a:solidFill>
+            </a:endParaRPr>
+          </a:p>
+        </p:txBody>
+      </p:sp>
+      <p:sp>
+        <p:nvSpPr>
+          <p:cNvPr id="34" name="사각형: 둥근 모서리 33">
+            <a:hlinkClick r:id="rId3"/>
+            <a:extLst>
+              <a:ext uri="{FF2B5EF4-FFF2-40B4-BE49-F238E27FC236}">
+                <a16:creationId xmlns:a16="http://schemas.microsoft.com/office/drawing/2014/main" id="{F8FB2135-70BB-CF0E-8A91-90A861C86137}"/>
+              </a:ext>
+            </a:extLst>
+          </p:cNvPr>
+          <p:cNvSpPr/>
+          <p:nvPr/>
+        </p:nvSpPr>
+        <p:spPr>
+          <a:xfrm>
+            <a:off x="5290455" y="4894813"/>
+            <a:ext cx="1532711" cy="781800"/>
+          </a:xfrm>
+          <a:prstGeom prst="roundRect">
+            <a:avLst/>
+          </a:prstGeom>
+          <a:noFill/>
+          <a:ln w="57150">
+            <a:solidFill>
+              <a:schemeClr val="accent5">
+                <a:lumMod val="75000"/>
+              </a:schemeClr>
+            </a:solidFill>
+          </a:ln>
+        </p:spPr>
+        <p:style>
+          <a:lnRef idx="2">
+            <a:schemeClr val="accent1">
+              <a:shade val="15000"/>
+            </a:schemeClr>
+          </a:lnRef>
+          <a:fillRef idx="1">
+            <a:schemeClr val="accent1"/>
+          </a:fillRef>
+          <a:effectRef idx="0">
+            <a:schemeClr val="accent1"/>
+          </a:effectRef>
+          <a:fontRef idx="minor">
+            <a:schemeClr val="lt1"/>
+          </a:fontRef>
+        </p:style>
+        <p:txBody>
+          <a:bodyPr rtlCol="0" anchor="ctr"/>
+          <a:lstStyle/>
+          <a:p>
+            <a:pPr algn="ctr"/>
+            <a:r>
+              <a:rPr lang="en-US" altLang="ko-KR" sz="1400" dirty="0">
+                <a:solidFill>
+                  <a:schemeClr val="tx1"/>
+                </a:solidFill>
+              </a:rPr>
+              <a:t>Simple</a:t>
+            </a:r>
+          </a:p>
+          <a:p>
+            <a:pPr algn="ctr"/>
+            <a:r>
+              <a:rPr lang="en-US" altLang="ko-KR" sz="1400" dirty="0">
+                <a:solidFill>
+                  <a:schemeClr val="tx1"/>
+                </a:solidFill>
+              </a:rPr>
+              <a:t>Account</a:t>
+            </a:r>
+          </a:p>
+          <a:p>
+            <a:pPr algn="ctr"/>
+            <a:r>
+              <a:rPr lang="en-US" altLang="ko-KR" sz="1400" dirty="0">
+                <a:solidFill>
+                  <a:schemeClr val="tx1"/>
+                </a:solidFill>
+              </a:rPr>
+              <a:t>Contract</a:t>
+            </a:r>
+            <a:endParaRPr lang="ko-KR" altLang="en-US" sz="1400" dirty="0">
+              <a:solidFill>
+                <a:schemeClr val="tx1"/>
+              </a:solidFill>
+            </a:endParaRPr>
+          </a:p>
+        </p:txBody>
+      </p:sp>
+      <p:sp>
+        <p:nvSpPr>
+          <p:cNvPr id="37" name="사각형: 둥근 모서리 36">
+            <a:extLst>
+              <a:ext uri="{FF2B5EF4-FFF2-40B4-BE49-F238E27FC236}">
+                <a16:creationId xmlns:a16="http://schemas.microsoft.com/office/drawing/2014/main" id="{8F591058-8D4C-A2D7-0085-92EAAA35C49D}"/>
+              </a:ext>
+            </a:extLst>
+          </p:cNvPr>
+          <p:cNvSpPr/>
+          <p:nvPr/>
+        </p:nvSpPr>
+        <p:spPr>
+          <a:xfrm>
+            <a:off x="8991596" y="4894813"/>
+            <a:ext cx="1532712" cy="781800"/>
+          </a:xfrm>
+          <a:prstGeom prst="roundRect">
+            <a:avLst/>
+          </a:prstGeom>
+          <a:noFill/>
+          <a:ln w="57150">
+            <a:solidFill>
+              <a:schemeClr val="accent2">
+                <a:lumMod val="75000"/>
+              </a:schemeClr>
+            </a:solidFill>
+          </a:ln>
+        </p:spPr>
+        <p:style>
+          <a:lnRef idx="2">
+            <a:schemeClr val="accent1">
+              <a:shade val="15000"/>
+            </a:schemeClr>
+          </a:lnRef>
+          <a:fillRef idx="1">
+            <a:schemeClr val="accent1"/>
+          </a:fillRef>
+          <a:effectRef idx="0">
+            <a:schemeClr val="accent1"/>
+          </a:effectRef>
+          <a:fontRef idx="minor">
+            <a:schemeClr val="lt1"/>
+          </a:fontRef>
+        </p:style>
+        <p:txBody>
+          <a:bodyPr rtlCol="0" anchor="ctr"/>
+          <a:lstStyle/>
+          <a:p>
+            <a:pPr algn="ctr"/>
+            <a:r>
+              <a:rPr lang="en-US" altLang="ko-KR" sz="1400" dirty="0">
+                <a:solidFill>
+                  <a:schemeClr val="tx1"/>
+                </a:solidFill>
+              </a:rPr>
+              <a:t>Blockchain</a:t>
+            </a:r>
+          </a:p>
+          <a:p>
+            <a:pPr algn="ctr"/>
+            <a:r>
+              <a:rPr lang="en-US" altLang="ko-KR" sz="1400" b="1" dirty="0">
+                <a:solidFill>
+                  <a:schemeClr val="tx1"/>
+                </a:solidFill>
+              </a:rPr>
+              <a:t>Ethereum</a:t>
+            </a:r>
+          </a:p>
+          <a:p>
+            <a:pPr algn="ctr"/>
+            <a:r>
+              <a:rPr lang="en-US" altLang="ko-KR" sz="1400" b="1" dirty="0" err="1">
+                <a:solidFill>
+                  <a:schemeClr val="tx1"/>
+                </a:solidFill>
+              </a:rPr>
+              <a:t>Sepolia</a:t>
+            </a:r>
+            <a:endParaRPr lang="ko-KR" altLang="en-US" sz="1400" b="1" dirty="0">
+              <a:solidFill>
+                <a:schemeClr val="tx1"/>
+              </a:solidFill>
+            </a:endParaRPr>
+          </a:p>
+        </p:txBody>
+      </p:sp>
+      <p:sp>
+        <p:nvSpPr>
+          <p:cNvPr id="39" name="직사각형 38">
+            <a:extLst>
+              <a:ext uri="{FF2B5EF4-FFF2-40B4-BE49-F238E27FC236}">
+                <a16:creationId xmlns:a16="http://schemas.microsoft.com/office/drawing/2014/main" id="{3292ECEA-02F0-856F-D871-B529F97C6FCB}"/>
+              </a:ext>
+            </a:extLst>
+          </p:cNvPr>
+          <p:cNvSpPr/>
+          <p:nvPr/>
+        </p:nvSpPr>
+        <p:spPr>
+          <a:xfrm>
+            <a:off x="6910247" y="2080754"/>
+            <a:ext cx="1528354" cy="661851"/>
+          </a:xfrm>
+          <a:prstGeom prst="rect">
+            <a:avLst/>
+          </a:prstGeom>
+          <a:noFill/>
+          <a:ln w="57150">
+            <a:solidFill>
+              <a:schemeClr val="accent2">
+                <a:lumMod val="75000"/>
+              </a:schemeClr>
+            </a:solidFill>
+          </a:ln>
+        </p:spPr>
+        <p:style>
+          <a:lnRef idx="2">
+            <a:schemeClr val="accent1">
+              <a:shade val="15000"/>
+            </a:schemeClr>
+          </a:lnRef>
+          <a:fillRef idx="1">
+            <a:schemeClr val="accent1"/>
+          </a:fillRef>
+          <a:effectRef idx="0">
+            <a:schemeClr val="accent1"/>
+          </a:effectRef>
+          <a:fontRef idx="minor">
+            <a:schemeClr val="lt1"/>
+          </a:fontRef>
+        </p:style>
+        <p:txBody>
+          <a:bodyPr rtlCol="0" anchor="ctr"/>
+          <a:lstStyle/>
+          <a:p>
+            <a:pPr algn="ctr"/>
+            <a:r>
+              <a:rPr lang="en-US" altLang="ko-KR" sz="1400" dirty="0">
+                <a:solidFill>
+                  <a:schemeClr val="tx1"/>
+                </a:solidFill>
+              </a:rPr>
+              <a:t>Blockchain</a:t>
+            </a:r>
+            <a:endParaRPr lang="ko-KR" altLang="en-US" sz="1400" dirty="0">
+              <a:solidFill>
+                <a:schemeClr val="tx1"/>
+              </a:solidFill>
+            </a:endParaRPr>
+          </a:p>
+        </p:txBody>
+      </p:sp>
+      <p:sp>
+        <p:nvSpPr>
+          <p:cNvPr id="40" name="직사각형 39">
+            <a:extLst>
+              <a:ext uri="{FF2B5EF4-FFF2-40B4-BE49-F238E27FC236}">
+                <a16:creationId xmlns:a16="http://schemas.microsoft.com/office/drawing/2014/main" id="{FD7E9F56-2522-B924-D924-CEF5778E2258}"/>
+              </a:ext>
+            </a:extLst>
+          </p:cNvPr>
+          <p:cNvSpPr/>
+          <p:nvPr/>
+        </p:nvSpPr>
+        <p:spPr>
+          <a:xfrm>
+            <a:off x="3001194" y="3920251"/>
+            <a:ext cx="3956954" cy="806326"/>
+          </a:xfrm>
+          <a:prstGeom prst="rect">
+            <a:avLst/>
+          </a:prstGeom>
+          <a:noFill/>
+          <a:ln w="57150">
+            <a:solidFill>
+              <a:srgbClr val="FFC000"/>
+            </a:solidFill>
+          </a:ln>
+        </p:spPr>
+        <p:style>
+          <a:lnRef idx="2">
+            <a:schemeClr val="accent1">
+              <a:shade val="15000"/>
+            </a:schemeClr>
+          </a:lnRef>
+          <a:fillRef idx="1">
+            <a:schemeClr val="accent1"/>
+          </a:fillRef>
+          <a:effectRef idx="0">
+            <a:schemeClr val="accent1"/>
+          </a:effectRef>
+          <a:fontRef idx="minor">
+            <a:schemeClr val="lt1"/>
+          </a:fontRef>
+        </p:style>
+        <p:txBody>
+          <a:bodyPr rtlCol="0" anchor="ctr"/>
+          <a:lstStyle/>
+          <a:p>
+            <a:pPr algn="ctr"/>
+            <a:endParaRPr lang="ko-KR" altLang="en-US" sz="1400" dirty="0">
+              <a:solidFill>
+                <a:schemeClr val="tx1"/>
+              </a:solidFill>
+            </a:endParaRPr>
+          </a:p>
+        </p:txBody>
+      </p:sp>
+      <p:sp>
+        <p:nvSpPr>
+          <p:cNvPr id="41" name="직사각형 40">
+            <a:extLst>
+              <a:ext uri="{FF2B5EF4-FFF2-40B4-BE49-F238E27FC236}">
+                <a16:creationId xmlns:a16="http://schemas.microsoft.com/office/drawing/2014/main" id="{62818D4C-3978-F7F7-D9DE-A2BCE23D35F1}"/>
+              </a:ext>
+            </a:extLst>
+          </p:cNvPr>
+          <p:cNvSpPr/>
+          <p:nvPr/>
+        </p:nvSpPr>
+        <p:spPr>
+          <a:xfrm>
+            <a:off x="465909" y="745915"/>
+            <a:ext cx="3775165" cy="369332"/>
+          </a:xfrm>
+          <a:prstGeom prst="rect">
+            <a:avLst/>
+          </a:prstGeom>
+          <a:noFill/>
+          <a:ln w="57150">
+            <a:solidFill>
+              <a:srgbClr val="042433"/>
+            </a:solidFill>
+          </a:ln>
+        </p:spPr>
+        <p:style>
+          <a:lnRef idx="2">
+            <a:schemeClr val="accent1">
+              <a:shade val="15000"/>
+            </a:schemeClr>
+          </a:lnRef>
+          <a:fillRef idx="1">
+            <a:schemeClr val="accent1"/>
+          </a:fillRef>
+          <a:effectRef idx="0">
+            <a:schemeClr val="accent1"/>
+          </a:effectRef>
+          <a:fontRef idx="minor">
+            <a:schemeClr val="lt1"/>
+          </a:fontRef>
+        </p:style>
+        <p:txBody>
+          <a:bodyPr rtlCol="0" anchor="ctr"/>
+          <a:lstStyle/>
+          <a:p>
+            <a:pPr algn="ctr"/>
+            <a:r>
+              <a:rPr lang="en-US" altLang="ko-KR" sz="1600" b="1" dirty="0">
+                <a:solidFill>
+                  <a:schemeClr val="tx1"/>
+                </a:solidFill>
+              </a:rPr>
+              <a:t>Alt </a:t>
+            </a:r>
+            <a:r>
               <a:rPr lang="en-US" altLang="ko-KR" sz="1600" b="1" dirty="0" err="1">
                 <a:solidFill>
                   <a:schemeClr val="tx1"/>
@@ -9208,6 +11167,139 @@
                 </a:solidFill>
               </a:rPr>
               <a:t>전송</a:t>
+            </a:r>
+          </a:p>
+        </p:txBody>
+      </p:sp>
+      <p:sp>
+        <p:nvSpPr>
+          <p:cNvPr id="2" name="직사각형 1">
+            <a:extLst>
+              <a:ext uri="{FF2B5EF4-FFF2-40B4-BE49-F238E27FC236}">
+                <a16:creationId xmlns:a16="http://schemas.microsoft.com/office/drawing/2014/main" id="{0E9A6E43-ACEA-0E52-9140-1B5D9D61B6DC}"/>
+              </a:ext>
+            </a:extLst>
+          </p:cNvPr>
+          <p:cNvSpPr/>
+          <p:nvPr/>
+        </p:nvSpPr>
+        <p:spPr>
+          <a:xfrm>
+            <a:off x="5142408" y="2080754"/>
+            <a:ext cx="1528354" cy="661851"/>
+          </a:xfrm>
+          <a:prstGeom prst="rect">
+            <a:avLst/>
+          </a:prstGeom>
+          <a:noFill/>
+          <a:ln w="57150">
+            <a:solidFill>
+              <a:srgbClr val="FFC000"/>
+            </a:solidFill>
+          </a:ln>
+        </p:spPr>
+        <p:style>
+          <a:lnRef idx="2">
+            <a:schemeClr val="accent1">
+              <a:shade val="15000"/>
+            </a:schemeClr>
+          </a:lnRef>
+          <a:fillRef idx="1">
+            <a:schemeClr val="accent1"/>
+          </a:fillRef>
+          <a:effectRef idx="0">
+            <a:schemeClr val="accent1"/>
+          </a:effectRef>
+          <a:fontRef idx="minor">
+            <a:schemeClr val="lt1"/>
+          </a:fontRef>
+        </p:style>
+        <p:txBody>
+          <a:bodyPr rtlCol="0" anchor="ctr"/>
+          <a:lstStyle/>
+          <a:p>
+            <a:pPr algn="ctr"/>
+            <a:r>
+              <a:rPr lang="en-US" altLang="ko-KR" sz="1400" dirty="0">
+                <a:solidFill>
+                  <a:schemeClr val="tx1"/>
+                </a:solidFill>
+              </a:rPr>
+              <a:t>Validator</a:t>
+            </a:r>
+            <a:endParaRPr lang="ko-KR" altLang="en-US" sz="1400" dirty="0">
+              <a:solidFill>
+                <a:schemeClr val="tx1"/>
+              </a:solidFill>
+            </a:endParaRPr>
+          </a:p>
+        </p:txBody>
+      </p:sp>
+      <p:sp>
+        <p:nvSpPr>
+          <p:cNvPr id="3" name="TextBox 2">
+            <a:extLst>
+              <a:ext uri="{FF2B5EF4-FFF2-40B4-BE49-F238E27FC236}">
+                <a16:creationId xmlns:a16="http://schemas.microsoft.com/office/drawing/2014/main" id="{36D03FBD-3EED-FCAC-0E82-E8338D816B59}"/>
+              </a:ext>
+            </a:extLst>
+          </p:cNvPr>
+          <p:cNvSpPr txBox="1"/>
+          <p:nvPr/>
+        </p:nvSpPr>
+        <p:spPr>
+          <a:xfrm>
+            <a:off x="9721844" y="930581"/>
+            <a:ext cx="1604927" cy="369332"/>
+          </a:xfrm>
+          <a:prstGeom prst="rect">
+            <a:avLst/>
+          </a:prstGeom>
+          <a:noFill/>
+        </p:spPr>
+        <p:txBody>
+          <a:bodyPr wrap="none" rtlCol="0">
+            <a:spAutoFit/>
+          </a:bodyPr>
+          <a:lstStyle/>
+          <a:p>
+            <a:r>
+              <a:rPr lang="ko-KR" altLang="en-US" sz="1400" b="1" dirty="0">
+                <a:solidFill>
+                  <a:schemeClr val="accent4">
+                    <a:lumMod val="75000"/>
+                  </a:schemeClr>
+                </a:solidFill>
+              </a:rPr>
+              <a:t>커스텀</a:t>
+            </a:r>
+            <a:r>
+              <a:rPr lang="ko-KR" altLang="en-US" dirty="0"/>
+              <a:t> </a:t>
+            </a:r>
+            <a:r>
+              <a:rPr lang="ko-KR" altLang="en-US" sz="1400" b="1" dirty="0">
+                <a:solidFill>
+                  <a:schemeClr val="accent4">
+                    <a:lumMod val="75000"/>
+                  </a:schemeClr>
+                </a:solidFill>
+              </a:rPr>
+              <a:t>가능</a:t>
+            </a:r>
+            <a:r>
+              <a:rPr lang="ko-KR" altLang="en-US" dirty="0"/>
+              <a:t> </a:t>
+            </a:r>
+            <a:r>
+              <a:rPr lang="ko-KR" altLang="en-US" sz="1400" b="1" dirty="0">
+                <a:solidFill>
+                  <a:schemeClr val="accent4">
+                    <a:lumMod val="75000"/>
+                  </a:schemeClr>
+                </a:solidFill>
+              </a:rPr>
+              <a:t>영역</a:t>
             </a:r>
           </a:p>
         </p:txBody>
@@ -9215,7 +11307,7 @@
     </p:spTree>
     <p:extLst>
       <p:ext uri="{BB962C8B-B14F-4D97-AF65-F5344CB8AC3E}">
-        <p14:creationId xmlns:p14="http://schemas.microsoft.com/office/powerpoint/2010/main" val="2410508104"/>
+        <p14:creationId xmlns:p14="http://schemas.microsoft.com/office/powerpoint/2010/main" val="2046199980"/>
       </p:ext>
     </p:extLst>
   </p:cSld>
@@ -9247,7 +11339,7 @@
           <p:cNvPr id="5" name="그림 4">
             <a:extLst>
               <a:ext uri="{FF2B5EF4-FFF2-40B4-BE49-F238E27FC236}">
-                <a16:creationId xmlns:a16="http://schemas.microsoft.com/office/drawing/2014/main" id="{D258838C-176B-84DA-6ED3-18E158ADBDEF}"/>
+                <a16:creationId xmlns:a16="http://schemas.microsoft.com/office/drawing/2014/main" id="{A6B58353-5ED0-DC7D-2F0D-7D477B490E79}"/>
               </a:ext>
             </a:extLst>
           </p:cNvPr>
@@ -9264,8 +11356,8 @@
         </p:blipFill>
         <p:spPr>
           <a:xfrm>
-            <a:off x="465909" y="1423898"/>
-            <a:ext cx="7287954" cy="4374204"/>
+            <a:off x="2414073" y="1501342"/>
+            <a:ext cx="7363853" cy="4610743"/>
           </a:xfrm>
           <a:prstGeom prst="rect">
             <a:avLst/>
@@ -9278,7 +11370,7 @@
             <a:hlinkClick r:id="rId3"/>
             <a:extLst>
               <a:ext uri="{FF2B5EF4-FFF2-40B4-BE49-F238E27FC236}">
-                <a16:creationId xmlns:a16="http://schemas.microsoft.com/office/drawing/2014/main" id="{699FBD54-9E94-FD6F-616A-A182BE4BE0AA}"/>
+                <a16:creationId xmlns:a16="http://schemas.microsoft.com/office/drawing/2014/main" id="{C493B750-75CE-DAEE-8BD3-85552854C0CF}"/>
               </a:ext>
             </a:extLst>
           </p:cNvPr>
@@ -9340,7 +11432,7 @@
           <p:cNvPr id="7" name="직사각형 6">
             <a:extLst>
               <a:ext uri="{FF2B5EF4-FFF2-40B4-BE49-F238E27FC236}">
-                <a16:creationId xmlns:a16="http://schemas.microsoft.com/office/drawing/2014/main" id="{FD616AEA-BCDB-FCD0-00A5-2DDC681BA717}"/>
+                <a16:creationId xmlns:a16="http://schemas.microsoft.com/office/drawing/2014/main" id="{9B4B8F1E-10A8-11F5-9996-351EF1544448}"/>
               </a:ext>
             </a:extLst>
           </p:cNvPr>
@@ -9350,7 +11442,7 @@
         <p:spPr>
           <a:xfrm>
             <a:off x="465909" y="745915"/>
-            <a:ext cx="2817221" cy="369332"/>
+            <a:ext cx="3775165" cy="369332"/>
           </a:xfrm>
           <a:prstGeom prst="rect">
             <a:avLst/>
@@ -9384,129 +11476,44 @@
           <a:p>
             <a:pPr algn="ctr"/>
             <a:r>
+              <a:rPr lang="en-US" altLang="ko-KR" sz="1600" b="1" dirty="0">
+                <a:solidFill>
+                  <a:schemeClr val="tx1"/>
+                </a:solidFill>
+              </a:rPr>
+              <a:t>Alt </a:t>
+            </a:r>
+            <a:r>
               <a:rPr lang="en-US" altLang="ko-KR" sz="1600" b="1" dirty="0" err="1">
                 <a:solidFill>
                   <a:schemeClr val="tx1"/>
                 </a:solidFill>
               </a:rPr>
-              <a:t>userOperation</a:t>
-            </a:r>
-            <a:endParaRPr lang="ko-KR" altLang="en-US" sz="1600" b="1" dirty="0">
-              <a:solidFill>
-                <a:schemeClr val="tx1"/>
-              </a:solidFill>
-            </a:endParaRPr>
-          </a:p>
-        </p:txBody>
-      </p:sp>
-      <p:sp>
-        <p:nvSpPr>
-          <p:cNvPr id="8" name="직사각형 7">
-            <a:extLst>
-              <a:ext uri="{FF2B5EF4-FFF2-40B4-BE49-F238E27FC236}">
-                <a16:creationId xmlns:a16="http://schemas.microsoft.com/office/drawing/2014/main" id="{40492CCA-CDAA-CB4E-E29F-F09E66CE8D43}"/>
-              </a:ext>
-            </a:extLst>
-          </p:cNvPr>
-          <p:cNvSpPr/>
-          <p:nvPr/>
-        </p:nvSpPr>
-        <p:spPr>
-          <a:xfrm>
-            <a:off x="465909" y="2385426"/>
-            <a:ext cx="1404000" cy="432000"/>
-          </a:xfrm>
-          <a:prstGeom prst="rect">
-            <a:avLst/>
-          </a:prstGeom>
-          <a:noFill/>
-          <a:ln w="57150">
-            <a:solidFill>
-              <a:srgbClr val="042433"/>
-            </a:solidFill>
-          </a:ln>
-        </p:spPr>
-        <p:style>
-          <a:lnRef idx="2">
-            <a:schemeClr val="accent1">
-              <a:shade val="15000"/>
-            </a:schemeClr>
-          </a:lnRef>
-          <a:fillRef idx="1">
-            <a:schemeClr val="accent1"/>
-          </a:fillRef>
-          <a:effectRef idx="0">
-            <a:schemeClr val="accent1"/>
-          </a:effectRef>
-          <a:fontRef idx="minor">
-            <a:schemeClr val="lt1"/>
-          </a:fontRef>
-        </p:style>
-        <p:txBody>
-          <a:bodyPr rtlCol="0" anchor="ctr"/>
-          <a:lstStyle/>
-          <a:p>
-            <a:pPr algn="ctr"/>
-            <a:endParaRPr lang="ko-KR" altLang="en-US"/>
-          </a:p>
-        </p:txBody>
-      </p:sp>
-      <p:sp>
-        <p:nvSpPr>
-          <p:cNvPr id="9" name="직사각형 8">
-            <a:extLst>
-              <a:ext uri="{FF2B5EF4-FFF2-40B4-BE49-F238E27FC236}">
-                <a16:creationId xmlns:a16="http://schemas.microsoft.com/office/drawing/2014/main" id="{4277F21E-A15A-4393-3D73-F985CD8FA18F}"/>
-              </a:ext>
-            </a:extLst>
-          </p:cNvPr>
-          <p:cNvSpPr/>
-          <p:nvPr/>
-        </p:nvSpPr>
-        <p:spPr>
-          <a:xfrm>
-            <a:off x="461390" y="2825750"/>
-            <a:ext cx="1404000" cy="432000"/>
-          </a:xfrm>
-          <a:prstGeom prst="rect">
-            <a:avLst/>
-          </a:prstGeom>
-          <a:noFill/>
-          <a:ln w="57150">
-            <a:solidFill>
-              <a:srgbClr val="042433"/>
-            </a:solidFill>
-          </a:ln>
-        </p:spPr>
-        <p:style>
-          <a:lnRef idx="2">
-            <a:schemeClr val="accent1">
-              <a:shade val="15000"/>
-            </a:schemeClr>
-          </a:lnRef>
-          <a:fillRef idx="1">
-            <a:schemeClr val="accent1"/>
-          </a:fillRef>
-          <a:effectRef idx="0">
-            <a:schemeClr val="accent1"/>
-          </a:effectRef>
-          <a:fontRef idx="minor">
-            <a:schemeClr val="lt1"/>
-          </a:fontRef>
-        </p:style>
-        <p:txBody>
-          <a:bodyPr rtlCol="0" anchor="ctr"/>
-          <a:lstStyle/>
-          <a:p>
-            <a:pPr algn="ctr"/>
-            <a:endParaRPr lang="ko-KR" altLang="en-US"/>
+              <a:t>Mempool</a:t>
+            </a:r>
+            <a:r>
+              <a:rPr lang="en-US" altLang="ko-KR" sz="1600" b="1" dirty="0">
+                <a:solidFill>
+                  <a:schemeClr val="tx1"/>
+                </a:solidFill>
+              </a:rPr>
+              <a:t> : Transaction </a:t>
+            </a:r>
+            <a:r>
+              <a:rPr lang="ko-KR" altLang="en-US" sz="1600" b="1" dirty="0">
+                <a:solidFill>
+                  <a:schemeClr val="tx1"/>
+                </a:solidFill>
+              </a:rPr>
+              <a:t>전송</a:t>
+            </a:r>
           </a:p>
         </p:txBody>
       </p:sp>
     </p:spTree>
     <p:extLst>
       <p:ext uri="{BB962C8B-B14F-4D97-AF65-F5344CB8AC3E}">
-        <p14:creationId xmlns:p14="http://schemas.microsoft.com/office/powerpoint/2010/main" val="809834667"/>
+        <p14:creationId xmlns:p14="http://schemas.microsoft.com/office/powerpoint/2010/main" val="2410508104"/>
       </p:ext>
     </p:extLst>
   </p:cSld>
@@ -9533,13 +11540,43 @@
           <a:chExt cx="0" cy="0"/>
         </a:xfrm>
       </p:grpSpPr>
-      <p:sp>
-        <p:nvSpPr>
-          <p:cNvPr id="21" name="TextBox 20">
-            <a:hlinkClick r:id="rId2"/>
-            <a:extLst>
-              <a:ext uri="{FF2B5EF4-FFF2-40B4-BE49-F238E27FC236}">
-                <a16:creationId xmlns:a16="http://schemas.microsoft.com/office/drawing/2014/main" id="{80931277-73EC-607D-F8BE-F34836E58113}"/>
+      <p:pic>
+        <p:nvPicPr>
+          <p:cNvPr id="5" name="그림 4">
+            <a:extLst>
+              <a:ext uri="{FF2B5EF4-FFF2-40B4-BE49-F238E27FC236}">
+                <a16:creationId xmlns:a16="http://schemas.microsoft.com/office/drawing/2014/main" id="{D258838C-176B-84DA-6ED3-18E158ADBDEF}"/>
+              </a:ext>
+            </a:extLst>
+          </p:cNvPr>
+          <p:cNvPicPr>
+            <a:picLocks noChangeAspect="1"/>
+          </p:cNvPicPr>
+          <p:nvPr/>
+        </p:nvPicPr>
+        <p:blipFill>
+          <a:blip r:embed="rId2"/>
+          <a:stretch>
+            <a:fillRect/>
+          </a:stretch>
+        </p:blipFill>
+        <p:spPr>
+          <a:xfrm>
+            <a:off x="465909" y="1423898"/>
+            <a:ext cx="7287954" cy="4374204"/>
+          </a:xfrm>
+          <a:prstGeom prst="rect">
+            <a:avLst/>
+          </a:prstGeom>
+        </p:spPr>
+      </p:pic>
+      <p:sp>
+        <p:nvSpPr>
+          <p:cNvPr id="6" name="TextBox 5">
+            <a:hlinkClick r:id="rId3"/>
+            <a:extLst>
+              <a:ext uri="{FF2B5EF4-FFF2-40B4-BE49-F238E27FC236}">
+                <a16:creationId xmlns:a16="http://schemas.microsoft.com/office/drawing/2014/main" id="{699FBD54-9E94-FD6F-616A-A182BE4BE0AA}"/>
               </a:ext>
             </a:extLst>
           </p:cNvPr>
@@ -9598,10 +11635,10 @@
       </p:sp>
       <p:sp>
         <p:nvSpPr>
-          <p:cNvPr id="33" name="직사각형 32">
-            <a:extLst>
-              <a:ext uri="{FF2B5EF4-FFF2-40B4-BE49-F238E27FC236}">
-                <a16:creationId xmlns:a16="http://schemas.microsoft.com/office/drawing/2014/main" id="{5C85DCC0-CAE6-9B44-D98B-5BAC5E56F7AC}"/>
+          <p:cNvPr id="7" name="직사각형 6">
+            <a:extLst>
+              <a:ext uri="{FF2B5EF4-FFF2-40B4-BE49-F238E27FC236}">
+                <a16:creationId xmlns:a16="http://schemas.microsoft.com/office/drawing/2014/main" id="{FD616AEA-BCDB-FCD0-00A5-2DDC681BA717}"/>
               </a:ext>
             </a:extLst>
           </p:cNvPr>
@@ -9610,17 +11647,17 @@
         </p:nvSpPr>
         <p:spPr>
           <a:xfrm>
-            <a:off x="465910" y="1465994"/>
-            <a:ext cx="1254034" cy="369332"/>
+            <a:off x="465909" y="745915"/>
+            <a:ext cx="2817221" cy="369332"/>
           </a:xfrm>
           <a:prstGeom prst="rect">
             <a:avLst/>
           </a:prstGeom>
-          <a:solidFill>
-            <a:schemeClr val="bg2"/>
-          </a:solidFill>
-          <a:ln>
-            <a:noFill/>
+          <a:noFill/>
+          <a:ln w="57150">
+            <a:solidFill>
+              <a:srgbClr val="042433"/>
+            </a:solidFill>
           </a:ln>
         </p:spPr>
         <p:style>
@@ -9645,12 +11682,12 @@
           <a:p>
             <a:pPr algn="ctr"/>
             <a:r>
-              <a:rPr lang="en-US" altLang="ko-KR" sz="1600" b="1" dirty="0">
-                <a:solidFill>
-                  <a:schemeClr val="tx1"/>
-                </a:solidFill>
-              </a:rPr>
-              <a:t>AA</a:t>
+              <a:rPr lang="en-US" altLang="ko-KR" sz="1600" b="1" dirty="0" err="1">
+                <a:solidFill>
+                  <a:schemeClr val="tx1"/>
+                </a:solidFill>
+              </a:rPr>
+              <a:t>userOperation</a:t>
             </a:r>
             <a:endParaRPr lang="ko-KR" altLang="en-US" sz="1600" b="1" dirty="0">
               <a:solidFill>
@@ -9662,10 +11699,10 @@
       </p:sp>
       <p:sp>
         <p:nvSpPr>
-          <p:cNvPr id="39" name="직사각형 38">
-            <a:extLst>
-              <a:ext uri="{FF2B5EF4-FFF2-40B4-BE49-F238E27FC236}">
-                <a16:creationId xmlns:a16="http://schemas.microsoft.com/office/drawing/2014/main" id="{2F42A979-9B5A-EE29-244E-E53BB5103CA1}"/>
+          <p:cNvPr id="8" name="직사각형 7">
+            <a:extLst>
+              <a:ext uri="{FF2B5EF4-FFF2-40B4-BE49-F238E27FC236}">
+                <a16:creationId xmlns:a16="http://schemas.microsoft.com/office/drawing/2014/main" id="{40492CCA-CDAA-CB4E-E29F-F09E66CE8D43}"/>
               </a:ext>
             </a:extLst>
           </p:cNvPr>
@@ -9674,8 +11711,8 @@
         </p:nvSpPr>
         <p:spPr>
           <a:xfrm>
-            <a:off x="465909" y="745915"/>
-            <a:ext cx="2817221" cy="369332"/>
+            <a:off x="468000" y="2412000"/>
+            <a:ext cx="1404000" cy="432000"/>
           </a:xfrm>
           <a:prstGeom prst="rect">
             <a:avLst/>
@@ -9683,7 +11720,7 @@
           <a:noFill/>
           <a:ln w="57150">
             <a:solidFill>
-              <a:srgbClr val="78206E"/>
+              <a:srgbClr val="042433"/>
             </a:solidFill>
           </a:ln>
         </p:spPr>
@@ -9708,28 +11745,16 @@
           <a:lstStyle/>
           <a:p>
             <a:pPr algn="ctr"/>
-            <a:r>
-              <a:rPr lang="en-US" altLang="ko-KR" sz="1600" b="1" dirty="0">
-                <a:solidFill>
-                  <a:schemeClr val="tx1"/>
-                </a:solidFill>
-              </a:rPr>
-              <a:t>Simple Account Factory</a:t>
-            </a:r>
-            <a:endParaRPr lang="ko-KR" altLang="en-US" sz="1600" b="1" dirty="0">
-              <a:solidFill>
-                <a:schemeClr val="tx1"/>
-              </a:solidFill>
-            </a:endParaRPr>
-          </a:p>
-        </p:txBody>
-      </p:sp>
-      <p:sp>
-        <p:nvSpPr>
-          <p:cNvPr id="43" name="직사각형 42">
-            <a:extLst>
-              <a:ext uri="{FF2B5EF4-FFF2-40B4-BE49-F238E27FC236}">
-                <a16:creationId xmlns:a16="http://schemas.microsoft.com/office/drawing/2014/main" id="{3FD2DEF9-21F2-332F-8928-B45438179525}"/>
+            <a:endParaRPr lang="ko-KR" altLang="en-US"/>
+          </a:p>
+        </p:txBody>
+      </p:sp>
+      <p:sp>
+        <p:nvSpPr>
+          <p:cNvPr id="9" name="직사각형 8">
+            <a:extLst>
+              <a:ext uri="{FF2B5EF4-FFF2-40B4-BE49-F238E27FC236}">
+                <a16:creationId xmlns:a16="http://schemas.microsoft.com/office/drawing/2014/main" id="{4277F21E-A15A-4393-3D73-F985CD8FA18F}"/>
               </a:ext>
             </a:extLst>
           </p:cNvPr>
@@ -9738,14 +11763,18 @@
         </p:nvSpPr>
         <p:spPr>
           <a:xfrm>
-            <a:off x="2852058" y="2063926"/>
-            <a:ext cx="3875314" cy="4101738"/>
+            <a:off x="468000" y="2808000"/>
+            <a:ext cx="1404000" cy="432000"/>
           </a:xfrm>
           <a:prstGeom prst="rect">
             <a:avLst/>
           </a:prstGeom>
           <a:noFill/>
-          <a:ln w="57150"/>
+          <a:ln w="57150">
+            <a:solidFill>
+              <a:srgbClr val="042433"/>
+            </a:solidFill>
+          </a:ln>
         </p:spPr>
         <p:style>
           <a:lnRef idx="2">
@@ -9764,643 +11793,18 @@
           </a:fontRef>
         </p:style>
         <p:txBody>
-          <a:bodyPr rtlCol="0" anchor="t"/>
-          <a:lstStyle/>
-          <a:p>
-            <a:r>
-              <a:rPr lang="en-US" altLang="ko-KR" sz="1400" b="1" dirty="0">
-                <a:solidFill>
-                  <a:schemeClr val="tx1"/>
-                </a:solidFill>
-              </a:rPr>
-              <a:t>Entry Point</a:t>
-            </a:r>
-            <a:endParaRPr lang="ko-KR" altLang="en-US" sz="1400" b="1" dirty="0">
-              <a:solidFill>
-                <a:schemeClr val="tx1"/>
-              </a:solidFill>
-            </a:endParaRPr>
-          </a:p>
-          <a:p>
-            <a:endParaRPr lang="en-US" altLang="ko-KR" sz="1400" dirty="0">
-              <a:solidFill>
-                <a:schemeClr val="tx1"/>
-              </a:solidFill>
-            </a:endParaRPr>
-          </a:p>
-          <a:p>
-            <a:r>
-              <a:rPr lang="en-US" altLang="ko-KR" sz="1400" dirty="0" err="1">
-                <a:solidFill>
-                  <a:schemeClr val="tx1"/>
-                </a:solidFill>
-              </a:rPr>
-              <a:t>handleOps</a:t>
-            </a:r>
-            <a:r>
-              <a:rPr lang="en-US" altLang="ko-KR" sz="1400" dirty="0">
-                <a:solidFill>
-                  <a:schemeClr val="tx1"/>
-                </a:solidFill>
-              </a:rPr>
-              <a:t>(ops[], beneficiary)</a:t>
-            </a:r>
-          </a:p>
-          <a:p>
-            <a:endParaRPr lang="en-US" altLang="ko-KR" sz="1400" dirty="0">
-              <a:solidFill>
-                <a:schemeClr val="tx1"/>
-              </a:solidFill>
-            </a:endParaRPr>
-          </a:p>
-          <a:p>
-            <a:r>
-              <a:rPr lang="en-US" altLang="ko-KR" sz="1400" dirty="0" err="1">
-                <a:solidFill>
-                  <a:schemeClr val="tx1"/>
-                </a:solidFill>
-              </a:rPr>
-              <a:t>balanceOf</a:t>
-            </a:r>
-            <a:r>
-              <a:rPr lang="en-US" altLang="ko-KR" sz="1400" dirty="0">
-                <a:solidFill>
-                  <a:schemeClr val="tx1"/>
-                </a:solidFill>
-              </a:rPr>
-              <a:t>(AA Address)</a:t>
-            </a:r>
-          </a:p>
-          <a:p>
-            <a:r>
-              <a:rPr lang="en-US" altLang="ko-KR" sz="1400" dirty="0" err="1">
-                <a:solidFill>
-                  <a:schemeClr val="tx1"/>
-                </a:solidFill>
-              </a:rPr>
-              <a:t>getNonce</a:t>
-            </a:r>
-            <a:r>
-              <a:rPr lang="en-US" altLang="ko-KR" sz="1400" dirty="0">
-                <a:solidFill>
-                  <a:schemeClr val="tx1"/>
-                </a:solidFill>
-              </a:rPr>
-              <a:t>(AA Address, key)</a:t>
-            </a:r>
-          </a:p>
-          <a:p>
-            <a:r>
-              <a:rPr lang="en-US" altLang="ko-KR" sz="1400" dirty="0" err="1">
-                <a:solidFill>
-                  <a:schemeClr val="tx1"/>
-                </a:solidFill>
-              </a:rPr>
-              <a:t>nonceSequenceNumber</a:t>
-            </a:r>
-            <a:r>
-              <a:rPr lang="en-US" altLang="ko-KR" sz="1400" dirty="0">
-                <a:solidFill>
-                  <a:schemeClr val="tx1"/>
-                </a:solidFill>
-              </a:rPr>
-              <a:t>(AA Address, key)</a:t>
-            </a:r>
-          </a:p>
-          <a:p>
-            <a:endParaRPr lang="en-US" altLang="ko-KR" sz="1400" dirty="0">
-              <a:solidFill>
-                <a:schemeClr val="tx1"/>
-              </a:solidFill>
-            </a:endParaRPr>
-          </a:p>
-          <a:p>
-            <a:r>
-              <a:rPr lang="en-US" altLang="ko-KR" sz="1400" dirty="0" err="1">
-                <a:solidFill>
-                  <a:schemeClr val="tx1"/>
-                </a:solidFill>
-              </a:rPr>
-              <a:t>addStake</a:t>
-            </a:r>
-            <a:r>
-              <a:rPr lang="en-US" altLang="ko-KR" sz="1400" dirty="0">
-                <a:solidFill>
-                  <a:schemeClr val="tx1"/>
-                </a:solidFill>
-              </a:rPr>
-              <a:t>(</a:t>
-            </a:r>
-            <a:r>
-              <a:rPr lang="en-US" altLang="ko-KR" sz="1400" dirty="0" err="1">
-                <a:solidFill>
-                  <a:schemeClr val="tx1"/>
-                </a:solidFill>
-              </a:rPr>
-              <a:t>payableAmount</a:t>
-            </a:r>
-            <a:r>
-              <a:rPr lang="en-US" altLang="ko-KR" sz="1400" dirty="0">
-                <a:solidFill>
-                  <a:schemeClr val="tx1"/>
-                </a:solidFill>
-              </a:rPr>
-              <a:t>, </a:t>
-            </a:r>
-            <a:r>
-              <a:rPr lang="en-US" altLang="ko-KR" sz="1400" dirty="0" err="1">
-                <a:solidFill>
-                  <a:schemeClr val="tx1"/>
-                </a:solidFill>
-              </a:rPr>
-              <a:t>unstakeDelaySec</a:t>
-            </a:r>
-            <a:r>
-              <a:rPr lang="en-US" altLang="ko-KR" sz="1400" dirty="0">
-                <a:solidFill>
-                  <a:schemeClr val="tx1"/>
-                </a:solidFill>
-              </a:rPr>
-              <a:t>)</a:t>
-            </a:r>
-          </a:p>
-          <a:p>
-            <a:r>
-              <a:rPr lang="en-US" altLang="ko-KR" sz="1400" dirty="0" err="1">
-                <a:solidFill>
-                  <a:schemeClr val="tx1"/>
-                </a:solidFill>
-              </a:rPr>
-              <a:t>withdrawStake</a:t>
-            </a:r>
-            <a:r>
-              <a:rPr lang="en-US" altLang="ko-KR" sz="1400" dirty="0">
-                <a:solidFill>
-                  <a:schemeClr val="tx1"/>
-                </a:solidFill>
-              </a:rPr>
-              <a:t>()</a:t>
-            </a:r>
-          </a:p>
-          <a:p>
-            <a:endParaRPr lang="en-US" altLang="ko-KR" sz="1400" dirty="0">
-              <a:solidFill>
-                <a:schemeClr val="tx1"/>
-              </a:solidFill>
-            </a:endParaRPr>
-          </a:p>
-          <a:p>
-            <a:r>
-              <a:rPr lang="en-US" altLang="ko-KR" sz="1400" dirty="0" err="1">
-                <a:solidFill>
-                  <a:schemeClr val="tx1"/>
-                </a:solidFill>
-              </a:rPr>
-              <a:t>depositTo</a:t>
-            </a:r>
-            <a:r>
-              <a:rPr lang="en-US" altLang="ko-KR" sz="1400" dirty="0">
-                <a:solidFill>
-                  <a:schemeClr val="tx1"/>
-                </a:solidFill>
-              </a:rPr>
-              <a:t>(</a:t>
-            </a:r>
-            <a:r>
-              <a:rPr lang="en-US" altLang="ko-KR" sz="1400" dirty="0" err="1">
-                <a:solidFill>
-                  <a:schemeClr val="tx1"/>
-                </a:solidFill>
-              </a:rPr>
-              <a:t>payableAmount</a:t>
-            </a:r>
-            <a:r>
-              <a:rPr lang="en-US" altLang="ko-KR" sz="1400" dirty="0">
-                <a:solidFill>
-                  <a:schemeClr val="tx1"/>
-                </a:solidFill>
-              </a:rPr>
-              <a:t>, account)</a:t>
-            </a:r>
-          </a:p>
-          <a:p>
-            <a:r>
-              <a:rPr lang="en-US" altLang="ko-KR" sz="1400" dirty="0" err="1">
-                <a:solidFill>
-                  <a:schemeClr val="tx1"/>
-                </a:solidFill>
-              </a:rPr>
-              <a:t>withdrawTo</a:t>
-            </a:r>
-            <a:r>
-              <a:rPr lang="en-US" altLang="ko-KR" sz="1400" dirty="0">
-                <a:solidFill>
-                  <a:schemeClr val="tx1"/>
-                </a:solidFill>
-              </a:rPr>
-              <a:t>()</a:t>
-            </a:r>
-            <a:endParaRPr lang="ko-KR" altLang="en-US" sz="1400" dirty="0">
-              <a:solidFill>
-                <a:schemeClr val="tx1"/>
-              </a:solidFill>
-            </a:endParaRPr>
-          </a:p>
-        </p:txBody>
-      </p:sp>
-      <p:sp>
-        <p:nvSpPr>
-          <p:cNvPr id="44" name="직사각형 43">
-            <a:extLst>
-              <a:ext uri="{FF2B5EF4-FFF2-40B4-BE49-F238E27FC236}">
-                <a16:creationId xmlns:a16="http://schemas.microsoft.com/office/drawing/2014/main" id="{933A4B5C-9769-8269-8F2E-BB092C3D4758}"/>
-              </a:ext>
-            </a:extLst>
-          </p:cNvPr>
-          <p:cNvSpPr/>
-          <p:nvPr/>
-        </p:nvSpPr>
-        <p:spPr>
-          <a:xfrm>
-            <a:off x="6999513" y="2063928"/>
-            <a:ext cx="2338251" cy="1759131"/>
-          </a:xfrm>
-          <a:prstGeom prst="rect">
-            <a:avLst/>
-          </a:prstGeom>
-          <a:noFill/>
-          <a:ln w="57150">
-            <a:solidFill>
-              <a:schemeClr val="accent5">
-                <a:lumMod val="75000"/>
-              </a:schemeClr>
-            </a:solidFill>
-          </a:ln>
-        </p:spPr>
-        <p:style>
-          <a:lnRef idx="2">
-            <a:schemeClr val="accent1">
-              <a:shade val="15000"/>
-            </a:schemeClr>
-          </a:lnRef>
-          <a:fillRef idx="1">
-            <a:schemeClr val="accent1"/>
-          </a:fillRef>
-          <a:effectRef idx="0">
-            <a:schemeClr val="accent1"/>
-          </a:effectRef>
-          <a:fontRef idx="minor">
-            <a:schemeClr val="lt1"/>
-          </a:fontRef>
-        </p:style>
-        <p:txBody>
-          <a:bodyPr rtlCol="0" anchor="t"/>
-          <a:lstStyle/>
-          <a:p>
-            <a:r>
-              <a:rPr lang="en-US" altLang="ko-KR" sz="1400" b="1" dirty="0" err="1">
-                <a:solidFill>
-                  <a:schemeClr val="tx1"/>
-                </a:solidFill>
-              </a:rPr>
-              <a:t>SimpleAccountFactory</a:t>
-            </a:r>
-            <a:endParaRPr lang="en-US" altLang="ko-KR" sz="1400" b="1" dirty="0">
-              <a:solidFill>
-                <a:schemeClr val="tx1"/>
-              </a:solidFill>
-            </a:endParaRPr>
-          </a:p>
-          <a:p>
-            <a:endParaRPr lang="en-US" altLang="ko-KR" sz="1400" dirty="0">
-              <a:solidFill>
-                <a:schemeClr val="tx1"/>
-              </a:solidFill>
-            </a:endParaRPr>
-          </a:p>
-          <a:p>
-            <a:r>
-              <a:rPr lang="en-US" altLang="ko-KR" sz="1400" dirty="0" err="1">
-                <a:solidFill>
-                  <a:schemeClr val="tx1"/>
-                </a:solidFill>
-              </a:rPr>
-              <a:t>getAddress</a:t>
-            </a:r>
-            <a:r>
-              <a:rPr lang="en-US" altLang="ko-KR" sz="1400" dirty="0">
-                <a:solidFill>
-                  <a:schemeClr val="tx1"/>
-                </a:solidFill>
-              </a:rPr>
-              <a:t>(owner, salt)</a:t>
-            </a:r>
-          </a:p>
-          <a:p>
-            <a:endParaRPr lang="en-US" altLang="ko-KR" sz="1400" dirty="0">
-              <a:solidFill>
-                <a:schemeClr val="tx1"/>
-              </a:solidFill>
-            </a:endParaRPr>
-          </a:p>
-          <a:p>
-            <a:r>
-              <a:rPr lang="en-US" altLang="ko-KR" sz="1400" dirty="0" err="1">
-                <a:solidFill>
-                  <a:schemeClr val="tx1"/>
-                </a:solidFill>
-              </a:rPr>
-              <a:t>createAccount</a:t>
-            </a:r>
-            <a:r>
-              <a:rPr lang="en-US" altLang="ko-KR" sz="1400" dirty="0">
-                <a:solidFill>
-                  <a:schemeClr val="tx1"/>
-                </a:solidFill>
-              </a:rPr>
-              <a:t>(owner, salt)</a:t>
-            </a:r>
-            <a:endParaRPr lang="ko-KR" altLang="en-US" sz="1400" dirty="0">
-              <a:solidFill>
-                <a:schemeClr val="tx1"/>
-              </a:solidFill>
-            </a:endParaRPr>
-          </a:p>
-        </p:txBody>
-      </p:sp>
-      <p:sp>
-        <p:nvSpPr>
-          <p:cNvPr id="46" name="직사각형 45">
-            <a:extLst>
-              <a:ext uri="{FF2B5EF4-FFF2-40B4-BE49-F238E27FC236}">
-                <a16:creationId xmlns:a16="http://schemas.microsoft.com/office/drawing/2014/main" id="{07137E34-786A-D2F0-6D5A-3B64695DCABB}"/>
-              </a:ext>
-            </a:extLst>
-          </p:cNvPr>
-          <p:cNvSpPr/>
-          <p:nvPr/>
-        </p:nvSpPr>
-        <p:spPr>
-          <a:xfrm>
-            <a:off x="9609905" y="2063926"/>
-            <a:ext cx="2338251" cy="1759131"/>
-          </a:xfrm>
-          <a:prstGeom prst="rect">
-            <a:avLst/>
-          </a:prstGeom>
-          <a:noFill/>
-          <a:ln w="57150">
-            <a:solidFill>
-              <a:schemeClr val="accent5">
-                <a:lumMod val="75000"/>
-              </a:schemeClr>
-            </a:solidFill>
-          </a:ln>
-        </p:spPr>
-        <p:style>
-          <a:lnRef idx="2">
-            <a:schemeClr val="accent1">
-              <a:shade val="15000"/>
-            </a:schemeClr>
-          </a:lnRef>
-          <a:fillRef idx="1">
-            <a:schemeClr val="accent1"/>
-          </a:fillRef>
-          <a:effectRef idx="0">
-            <a:schemeClr val="accent1"/>
-          </a:effectRef>
-          <a:fontRef idx="minor">
-            <a:schemeClr val="lt1"/>
-          </a:fontRef>
-        </p:style>
-        <p:txBody>
-          <a:bodyPr rtlCol="0" anchor="t"/>
-          <a:lstStyle/>
-          <a:p>
-            <a:r>
-              <a:rPr lang="en-US" altLang="ko-KR" sz="1400" b="1" dirty="0" err="1">
-                <a:solidFill>
-                  <a:schemeClr val="tx1"/>
-                </a:solidFill>
-              </a:rPr>
-              <a:t>SimpleContractAccount</a:t>
-            </a:r>
-            <a:endParaRPr lang="en-US" altLang="ko-KR" sz="1400" b="1" dirty="0">
-              <a:solidFill>
-                <a:schemeClr val="tx1"/>
-              </a:solidFill>
-            </a:endParaRPr>
-          </a:p>
-          <a:p>
-            <a:endParaRPr lang="en-US" altLang="ko-KR" sz="1400" dirty="0">
-              <a:solidFill>
-                <a:schemeClr val="tx1"/>
-              </a:solidFill>
-            </a:endParaRPr>
-          </a:p>
-          <a:p>
-            <a:r>
-              <a:rPr lang="en-US" altLang="ko-KR" sz="1400" dirty="0">
-                <a:solidFill>
-                  <a:schemeClr val="tx1"/>
-                </a:solidFill>
-              </a:rPr>
-              <a:t>execute(</a:t>
-            </a:r>
-            <a:r>
-              <a:rPr lang="en-US" altLang="ko-KR" sz="1400" dirty="0" err="1">
-                <a:solidFill>
-                  <a:schemeClr val="tx1"/>
-                </a:solidFill>
-              </a:rPr>
-              <a:t>dest</a:t>
-            </a:r>
-            <a:r>
-              <a:rPr lang="en-US" altLang="ko-KR" sz="1400" dirty="0">
-                <a:solidFill>
-                  <a:schemeClr val="tx1"/>
-                </a:solidFill>
-              </a:rPr>
-              <a:t>, value, </a:t>
-            </a:r>
-            <a:r>
-              <a:rPr lang="en-US" altLang="ko-KR" sz="1400" dirty="0" err="1">
-                <a:solidFill>
-                  <a:schemeClr val="tx1"/>
-                </a:solidFill>
-              </a:rPr>
-              <a:t>func</a:t>
-            </a:r>
-            <a:r>
-              <a:rPr lang="en-US" altLang="ko-KR" sz="1400" dirty="0">
-                <a:solidFill>
-                  <a:schemeClr val="tx1"/>
-                </a:solidFill>
-              </a:rPr>
-              <a:t>)</a:t>
-            </a:r>
-          </a:p>
-        </p:txBody>
-      </p:sp>
-      <p:sp>
-        <p:nvSpPr>
-          <p:cNvPr id="47" name="직사각형 46">
-            <a:extLst>
-              <a:ext uri="{FF2B5EF4-FFF2-40B4-BE49-F238E27FC236}">
-                <a16:creationId xmlns:a16="http://schemas.microsoft.com/office/drawing/2014/main" id="{D37735CB-79B3-164E-5512-BBE93252CE45}"/>
-              </a:ext>
-            </a:extLst>
-          </p:cNvPr>
-          <p:cNvSpPr/>
-          <p:nvPr/>
-        </p:nvSpPr>
-        <p:spPr>
-          <a:xfrm>
-            <a:off x="465909" y="2063926"/>
-            <a:ext cx="2114008" cy="4101738"/>
-          </a:xfrm>
-          <a:prstGeom prst="rect">
-            <a:avLst/>
-          </a:prstGeom>
-          <a:noFill/>
-          <a:ln w="57150"/>
-        </p:spPr>
-        <p:style>
-          <a:lnRef idx="2">
-            <a:schemeClr val="accent1">
-              <a:shade val="15000"/>
-            </a:schemeClr>
-          </a:lnRef>
-          <a:fillRef idx="1">
-            <a:schemeClr val="accent1"/>
-          </a:fillRef>
-          <a:effectRef idx="0">
-            <a:schemeClr val="accent1"/>
-          </a:effectRef>
-          <a:fontRef idx="minor">
-            <a:schemeClr val="lt1"/>
-          </a:fontRef>
-        </p:style>
-        <p:txBody>
-          <a:bodyPr rtlCol="0" anchor="t"/>
-          <a:lstStyle/>
-          <a:p>
-            <a:r>
-              <a:rPr lang="en-US" altLang="ko-KR" sz="1400" b="1" dirty="0" err="1">
-                <a:solidFill>
-                  <a:schemeClr val="tx1"/>
-                </a:solidFill>
-              </a:rPr>
-              <a:t>init</a:t>
-            </a:r>
-            <a:r>
-              <a:rPr lang="en-US" altLang="ko-KR" sz="1400" b="1" dirty="0">
-                <a:solidFill>
-                  <a:schemeClr val="tx1"/>
-                </a:solidFill>
-              </a:rPr>
-              <a:t> code</a:t>
-            </a:r>
-            <a:endParaRPr lang="ko-KR" altLang="en-US" sz="1400" b="1" dirty="0">
-              <a:solidFill>
-                <a:schemeClr val="tx1"/>
-              </a:solidFill>
-            </a:endParaRPr>
-          </a:p>
-          <a:p>
-            <a:endParaRPr lang="en-US" altLang="ko-KR" sz="1400" dirty="0">
-              <a:solidFill>
-                <a:schemeClr val="tx1"/>
-              </a:solidFill>
-            </a:endParaRPr>
-          </a:p>
-          <a:p>
-            <a:r>
-              <a:rPr lang="en-US" altLang="ko-KR" sz="1400" dirty="0">
-                <a:solidFill>
-                  <a:schemeClr val="tx1"/>
-                </a:solidFill>
-              </a:rPr>
-              <a:t>S.A.F address</a:t>
-            </a:r>
-          </a:p>
-          <a:p>
-            <a:r>
-              <a:rPr lang="en-US" altLang="ko-KR" sz="1400" dirty="0">
-                <a:solidFill>
-                  <a:schemeClr val="tx1"/>
-                </a:solidFill>
-              </a:rPr>
-              <a:t>+ interface(</a:t>
-            </a:r>
-            <a:r>
-              <a:rPr lang="en-US" altLang="ko-KR" sz="1400" dirty="0" err="1">
-                <a:solidFill>
-                  <a:schemeClr val="tx1"/>
-                </a:solidFill>
-              </a:rPr>
-              <a:t>createAccount</a:t>
-            </a:r>
-            <a:r>
-              <a:rPr lang="en-US" altLang="ko-KR" sz="1400" dirty="0">
-                <a:solidFill>
-                  <a:schemeClr val="tx1"/>
-                </a:solidFill>
-              </a:rPr>
-              <a:t>)</a:t>
-            </a:r>
-          </a:p>
-          <a:p>
-            <a:r>
-              <a:rPr lang="en-US" altLang="ko-KR" sz="1400" dirty="0">
-                <a:solidFill>
-                  <a:schemeClr val="tx1"/>
-                </a:solidFill>
-              </a:rPr>
-              <a:t>+</a:t>
-            </a:r>
-          </a:p>
-          <a:p>
-            <a:r>
-              <a:rPr lang="en-US" altLang="ko-KR" sz="1400" dirty="0">
-                <a:solidFill>
-                  <a:schemeClr val="tx1"/>
-                </a:solidFill>
-              </a:rPr>
-              <a:t>address EOA account</a:t>
-            </a:r>
-            <a:br>
-              <a:rPr lang="en-US" altLang="ko-KR" sz="1400" dirty="0">
-                <a:solidFill>
-                  <a:schemeClr val="tx1"/>
-                </a:solidFill>
-              </a:rPr>
-            </a:br>
-            <a:r>
-              <a:rPr lang="en-US" altLang="ko-KR" sz="1400" dirty="0">
-                <a:solidFill>
-                  <a:schemeClr val="tx1"/>
-                </a:solidFill>
-              </a:rPr>
-              <a:t>+</a:t>
-            </a:r>
-          </a:p>
-          <a:p>
-            <a:r>
-              <a:rPr lang="en-US" altLang="ko-KR" sz="1400" dirty="0">
-                <a:solidFill>
-                  <a:schemeClr val="tx1"/>
-                </a:solidFill>
-              </a:rPr>
-              <a:t>uint256 salt</a:t>
-            </a:r>
+          <a:bodyPr rtlCol="0" anchor="ctr"/>
+          <a:lstStyle/>
+          <a:p>
+            <a:pPr algn="ctr"/>
+            <a:endParaRPr lang="ko-KR" altLang="en-US"/>
           </a:p>
         </p:txBody>
       </p:sp>
     </p:spTree>
     <p:extLst>
       <p:ext uri="{BB962C8B-B14F-4D97-AF65-F5344CB8AC3E}">
-        <p14:creationId xmlns:p14="http://schemas.microsoft.com/office/powerpoint/2010/main" val="4184422644"/>
+        <p14:creationId xmlns:p14="http://schemas.microsoft.com/office/powerpoint/2010/main" val="809834667"/>
       </p:ext>
     </p:extLst>
   </p:cSld>
@@ -10427,6 +11831,900 @@
           <a:chExt cx="0" cy="0"/>
         </a:xfrm>
       </p:grpSpPr>
+      <p:sp>
+        <p:nvSpPr>
+          <p:cNvPr id="21" name="TextBox 20">
+            <a:hlinkClick r:id="rId2"/>
+            <a:extLst>
+              <a:ext uri="{FF2B5EF4-FFF2-40B4-BE49-F238E27FC236}">
+                <a16:creationId xmlns:a16="http://schemas.microsoft.com/office/drawing/2014/main" id="{80931277-73EC-607D-F8BE-F34836E58113}"/>
+              </a:ext>
+            </a:extLst>
+          </p:cNvPr>
+          <p:cNvSpPr txBox="1"/>
+          <p:nvPr/>
+        </p:nvSpPr>
+        <p:spPr>
+          <a:xfrm>
+            <a:off x="185923" y="200373"/>
+            <a:ext cx="7590831" cy="523220"/>
+          </a:xfrm>
+          <a:prstGeom prst="rect">
+            <a:avLst/>
+          </a:prstGeom>
+          <a:noFill/>
+        </p:spPr>
+        <p:txBody>
+          <a:bodyPr wrap="square" rtlCol="0">
+            <a:spAutoFit/>
+          </a:bodyPr>
+          <a:lstStyle/>
+          <a:p>
+            <a:pPr algn="l" fontAlgn="ctr"/>
+            <a:r>
+              <a:rPr lang="en-US" altLang="ko-KR" sz="2800" b="0" i="0" dirty="0">
+                <a:solidFill>
+                  <a:srgbClr val="212529"/>
+                </a:solidFill>
+                <a:effectLst/>
+                <a:latin typeface="system-ui"/>
+              </a:rPr>
+              <a:t>ERC-4337: Account Abstraction Using Alt </a:t>
+            </a:r>
+            <a:r>
+              <a:rPr lang="en-US" altLang="ko-KR" sz="2800" b="0" i="0" dirty="0" err="1">
+                <a:solidFill>
+                  <a:srgbClr val="212529"/>
+                </a:solidFill>
+                <a:effectLst/>
+                <a:latin typeface="system-ui"/>
+              </a:rPr>
+              <a:t>Mempool</a:t>
+            </a:r>
+            <a:r>
+              <a:rPr lang="en-US" altLang="ko-KR" sz="2800" b="0" i="0" dirty="0">
+                <a:solidFill>
+                  <a:srgbClr val="212529"/>
+                </a:solidFill>
+                <a:effectLst/>
+                <a:latin typeface="system-ui"/>
+              </a:rPr>
+              <a:t> </a:t>
+            </a:r>
+          </a:p>
+        </p:txBody>
+      </p:sp>
+      <p:sp>
+        <p:nvSpPr>
+          <p:cNvPr id="33" name="직사각형 32">
+            <a:extLst>
+              <a:ext uri="{FF2B5EF4-FFF2-40B4-BE49-F238E27FC236}">
+                <a16:creationId xmlns:a16="http://schemas.microsoft.com/office/drawing/2014/main" id="{5C85DCC0-CAE6-9B44-D98B-5BAC5E56F7AC}"/>
+              </a:ext>
+            </a:extLst>
+          </p:cNvPr>
+          <p:cNvSpPr/>
+          <p:nvPr/>
+        </p:nvSpPr>
+        <p:spPr>
+          <a:xfrm>
+            <a:off x="465910" y="1465994"/>
+            <a:ext cx="1254034" cy="369332"/>
+          </a:xfrm>
+          <a:prstGeom prst="rect">
+            <a:avLst/>
+          </a:prstGeom>
+          <a:solidFill>
+            <a:schemeClr val="bg2"/>
+          </a:solidFill>
+          <a:ln>
+            <a:noFill/>
+          </a:ln>
+        </p:spPr>
+        <p:style>
+          <a:lnRef idx="2">
+            <a:schemeClr val="accent1">
+              <a:shade val="15000"/>
+            </a:schemeClr>
+          </a:lnRef>
+          <a:fillRef idx="1">
+            <a:schemeClr val="accent1"/>
+          </a:fillRef>
+          <a:effectRef idx="0">
+            <a:schemeClr val="accent1"/>
+          </a:effectRef>
+          <a:fontRef idx="minor">
+            <a:schemeClr val="lt1"/>
+          </a:fontRef>
+        </p:style>
+        <p:txBody>
+          <a:bodyPr rtlCol="0" anchor="ctr"/>
+          <a:lstStyle/>
+          <a:p>
+            <a:pPr algn="ctr"/>
+            <a:r>
+              <a:rPr lang="en-US" altLang="ko-KR" sz="1600" b="1" dirty="0">
+                <a:solidFill>
+                  <a:schemeClr val="tx1"/>
+                </a:solidFill>
+              </a:rPr>
+              <a:t>AA</a:t>
+            </a:r>
+            <a:endParaRPr lang="ko-KR" altLang="en-US" sz="1600" b="1" dirty="0">
+              <a:solidFill>
+                <a:schemeClr val="tx1"/>
+              </a:solidFill>
+            </a:endParaRPr>
+          </a:p>
+        </p:txBody>
+      </p:sp>
+      <p:sp>
+        <p:nvSpPr>
+          <p:cNvPr id="39" name="직사각형 38">
+            <a:extLst>
+              <a:ext uri="{FF2B5EF4-FFF2-40B4-BE49-F238E27FC236}">
+                <a16:creationId xmlns:a16="http://schemas.microsoft.com/office/drawing/2014/main" id="{2F42A979-9B5A-EE29-244E-E53BB5103CA1}"/>
+              </a:ext>
+            </a:extLst>
+          </p:cNvPr>
+          <p:cNvSpPr/>
+          <p:nvPr/>
+        </p:nvSpPr>
+        <p:spPr>
+          <a:xfrm>
+            <a:off x="465909" y="745915"/>
+            <a:ext cx="2817221" cy="369332"/>
+          </a:xfrm>
+          <a:prstGeom prst="rect">
+            <a:avLst/>
+          </a:prstGeom>
+          <a:noFill/>
+          <a:ln w="57150">
+            <a:solidFill>
+              <a:srgbClr val="78206E"/>
+            </a:solidFill>
+          </a:ln>
+        </p:spPr>
+        <p:style>
+          <a:lnRef idx="2">
+            <a:schemeClr val="accent1">
+              <a:shade val="15000"/>
+            </a:schemeClr>
+          </a:lnRef>
+          <a:fillRef idx="1">
+            <a:schemeClr val="accent1"/>
+          </a:fillRef>
+          <a:effectRef idx="0">
+            <a:schemeClr val="accent1"/>
+          </a:effectRef>
+          <a:fontRef idx="minor">
+            <a:schemeClr val="lt1"/>
+          </a:fontRef>
+        </p:style>
+        <p:txBody>
+          <a:bodyPr rtlCol="0" anchor="ctr"/>
+          <a:lstStyle/>
+          <a:p>
+            <a:pPr algn="ctr"/>
+            <a:r>
+              <a:rPr lang="en-US" altLang="ko-KR" sz="1600" b="1" dirty="0">
+                <a:solidFill>
+                  <a:schemeClr val="tx1"/>
+                </a:solidFill>
+              </a:rPr>
+              <a:t>Simple Account Factory</a:t>
+            </a:r>
+            <a:endParaRPr lang="ko-KR" altLang="en-US" sz="1600" b="1" dirty="0">
+              <a:solidFill>
+                <a:schemeClr val="tx1"/>
+              </a:solidFill>
+            </a:endParaRPr>
+          </a:p>
+        </p:txBody>
+      </p:sp>
+      <p:sp>
+        <p:nvSpPr>
+          <p:cNvPr id="43" name="직사각형 42">
+            <a:extLst>
+              <a:ext uri="{FF2B5EF4-FFF2-40B4-BE49-F238E27FC236}">
+                <a16:creationId xmlns:a16="http://schemas.microsoft.com/office/drawing/2014/main" id="{3FD2DEF9-21F2-332F-8928-B45438179525}"/>
+              </a:ext>
+            </a:extLst>
+          </p:cNvPr>
+          <p:cNvSpPr/>
+          <p:nvPr/>
+        </p:nvSpPr>
+        <p:spPr>
+          <a:xfrm>
+            <a:off x="2852058" y="2063926"/>
+            <a:ext cx="3875314" cy="4101738"/>
+          </a:xfrm>
+          <a:prstGeom prst="rect">
+            <a:avLst/>
+          </a:prstGeom>
+          <a:noFill/>
+          <a:ln w="57150"/>
+        </p:spPr>
+        <p:style>
+          <a:lnRef idx="2">
+            <a:schemeClr val="accent1">
+              <a:shade val="15000"/>
+            </a:schemeClr>
+          </a:lnRef>
+          <a:fillRef idx="1">
+            <a:schemeClr val="accent1"/>
+          </a:fillRef>
+          <a:effectRef idx="0">
+            <a:schemeClr val="accent1"/>
+          </a:effectRef>
+          <a:fontRef idx="minor">
+            <a:schemeClr val="lt1"/>
+          </a:fontRef>
+        </p:style>
+        <p:txBody>
+          <a:bodyPr rtlCol="0" anchor="t"/>
+          <a:lstStyle/>
+          <a:p>
+            <a:r>
+              <a:rPr lang="en-US" altLang="ko-KR" sz="1400" b="1" dirty="0">
+                <a:solidFill>
+                  <a:schemeClr val="tx1"/>
+                </a:solidFill>
+              </a:rPr>
+              <a:t>Entry Point</a:t>
+            </a:r>
+            <a:endParaRPr lang="ko-KR" altLang="en-US" sz="1400" b="1" dirty="0">
+              <a:solidFill>
+                <a:schemeClr val="tx1"/>
+              </a:solidFill>
+            </a:endParaRPr>
+          </a:p>
+          <a:p>
+            <a:endParaRPr lang="en-US" altLang="ko-KR" sz="1400" dirty="0">
+              <a:solidFill>
+                <a:schemeClr val="tx1"/>
+              </a:solidFill>
+            </a:endParaRPr>
+          </a:p>
+          <a:p>
+            <a:r>
+              <a:rPr lang="en-US" altLang="ko-KR" sz="1400" dirty="0" err="1">
+                <a:solidFill>
+                  <a:schemeClr val="tx1"/>
+                </a:solidFill>
+              </a:rPr>
+              <a:t>handleOps</a:t>
+            </a:r>
+            <a:r>
+              <a:rPr lang="en-US" altLang="ko-KR" sz="1400" dirty="0">
+                <a:solidFill>
+                  <a:schemeClr val="tx1"/>
+                </a:solidFill>
+              </a:rPr>
+              <a:t>(ops[], beneficiary)</a:t>
+            </a:r>
+          </a:p>
+          <a:p>
+            <a:endParaRPr lang="en-US" altLang="ko-KR" sz="1400" dirty="0">
+              <a:solidFill>
+                <a:schemeClr val="tx1"/>
+              </a:solidFill>
+            </a:endParaRPr>
+          </a:p>
+          <a:p>
+            <a:r>
+              <a:rPr lang="en-US" altLang="ko-KR" sz="1400" dirty="0" err="1">
+                <a:solidFill>
+                  <a:schemeClr val="tx1"/>
+                </a:solidFill>
+              </a:rPr>
+              <a:t>balanceOf</a:t>
+            </a:r>
+            <a:r>
+              <a:rPr lang="en-US" altLang="ko-KR" sz="1400" dirty="0">
+                <a:solidFill>
+                  <a:schemeClr val="tx1"/>
+                </a:solidFill>
+              </a:rPr>
+              <a:t>(AA Address)</a:t>
+            </a:r>
+          </a:p>
+          <a:p>
+            <a:r>
+              <a:rPr lang="en-US" altLang="ko-KR" sz="1400" dirty="0" err="1">
+                <a:solidFill>
+                  <a:schemeClr val="tx1"/>
+                </a:solidFill>
+              </a:rPr>
+              <a:t>getNonce</a:t>
+            </a:r>
+            <a:r>
+              <a:rPr lang="en-US" altLang="ko-KR" sz="1400" dirty="0">
+                <a:solidFill>
+                  <a:schemeClr val="tx1"/>
+                </a:solidFill>
+              </a:rPr>
+              <a:t>(AA Address, key)</a:t>
+            </a:r>
+          </a:p>
+          <a:p>
+            <a:r>
+              <a:rPr lang="en-US" altLang="ko-KR" sz="1400" dirty="0" err="1">
+                <a:solidFill>
+                  <a:schemeClr val="tx1"/>
+                </a:solidFill>
+              </a:rPr>
+              <a:t>nonceSequenceNumber</a:t>
+            </a:r>
+            <a:r>
+              <a:rPr lang="en-US" altLang="ko-KR" sz="1400" dirty="0">
+                <a:solidFill>
+                  <a:schemeClr val="tx1"/>
+                </a:solidFill>
+              </a:rPr>
+              <a:t>(AA Address, key)</a:t>
+            </a:r>
+          </a:p>
+          <a:p>
+            <a:endParaRPr lang="en-US" altLang="ko-KR" sz="1400" dirty="0">
+              <a:solidFill>
+                <a:schemeClr val="tx1"/>
+              </a:solidFill>
+            </a:endParaRPr>
+          </a:p>
+          <a:p>
+            <a:r>
+              <a:rPr lang="en-US" altLang="ko-KR" sz="1400" dirty="0" err="1">
+                <a:solidFill>
+                  <a:schemeClr val="tx1"/>
+                </a:solidFill>
+              </a:rPr>
+              <a:t>addStake</a:t>
+            </a:r>
+            <a:r>
+              <a:rPr lang="en-US" altLang="ko-KR" sz="1400" dirty="0">
+                <a:solidFill>
+                  <a:schemeClr val="tx1"/>
+                </a:solidFill>
+              </a:rPr>
+              <a:t>(</a:t>
+            </a:r>
+            <a:r>
+              <a:rPr lang="en-US" altLang="ko-KR" sz="1400" dirty="0" err="1">
+                <a:solidFill>
+                  <a:schemeClr val="tx1"/>
+                </a:solidFill>
+              </a:rPr>
+              <a:t>payableAmount</a:t>
+            </a:r>
+            <a:r>
+              <a:rPr lang="en-US" altLang="ko-KR" sz="1400" dirty="0">
+                <a:solidFill>
+                  <a:schemeClr val="tx1"/>
+                </a:solidFill>
+              </a:rPr>
+              <a:t>, </a:t>
+            </a:r>
+            <a:r>
+              <a:rPr lang="en-US" altLang="ko-KR" sz="1400" dirty="0" err="1">
+                <a:solidFill>
+                  <a:schemeClr val="tx1"/>
+                </a:solidFill>
+              </a:rPr>
+              <a:t>unstakeDelaySec</a:t>
+            </a:r>
+            <a:r>
+              <a:rPr lang="en-US" altLang="ko-KR" sz="1400" dirty="0">
+                <a:solidFill>
+                  <a:schemeClr val="tx1"/>
+                </a:solidFill>
+              </a:rPr>
+              <a:t>)</a:t>
+            </a:r>
+          </a:p>
+          <a:p>
+            <a:r>
+              <a:rPr lang="en-US" altLang="ko-KR" sz="1400" dirty="0" err="1">
+                <a:solidFill>
+                  <a:schemeClr val="tx1"/>
+                </a:solidFill>
+              </a:rPr>
+              <a:t>withdrawStake</a:t>
+            </a:r>
+            <a:r>
+              <a:rPr lang="en-US" altLang="ko-KR" sz="1400" dirty="0">
+                <a:solidFill>
+                  <a:schemeClr val="tx1"/>
+                </a:solidFill>
+              </a:rPr>
+              <a:t>()</a:t>
+            </a:r>
+          </a:p>
+          <a:p>
+            <a:endParaRPr lang="en-US" altLang="ko-KR" sz="1400" dirty="0">
+              <a:solidFill>
+                <a:schemeClr val="tx1"/>
+              </a:solidFill>
+            </a:endParaRPr>
+          </a:p>
+          <a:p>
+            <a:r>
+              <a:rPr lang="en-US" altLang="ko-KR" sz="1400" dirty="0" err="1">
+                <a:solidFill>
+                  <a:schemeClr val="tx1"/>
+                </a:solidFill>
+              </a:rPr>
+              <a:t>depositTo</a:t>
+            </a:r>
+            <a:r>
+              <a:rPr lang="en-US" altLang="ko-KR" sz="1400" dirty="0">
+                <a:solidFill>
+                  <a:schemeClr val="tx1"/>
+                </a:solidFill>
+              </a:rPr>
+              <a:t>(</a:t>
+            </a:r>
+            <a:r>
+              <a:rPr lang="en-US" altLang="ko-KR" sz="1400" dirty="0" err="1">
+                <a:solidFill>
+                  <a:schemeClr val="tx1"/>
+                </a:solidFill>
+              </a:rPr>
+              <a:t>payableAmount</a:t>
+            </a:r>
+            <a:r>
+              <a:rPr lang="en-US" altLang="ko-KR" sz="1400" dirty="0">
+                <a:solidFill>
+                  <a:schemeClr val="tx1"/>
+                </a:solidFill>
+              </a:rPr>
+              <a:t>, account)</a:t>
+            </a:r>
+          </a:p>
+          <a:p>
+            <a:r>
+              <a:rPr lang="en-US" altLang="ko-KR" sz="1400" dirty="0" err="1">
+                <a:solidFill>
+                  <a:schemeClr val="tx1"/>
+                </a:solidFill>
+              </a:rPr>
+              <a:t>withdrawTo</a:t>
+            </a:r>
+            <a:r>
+              <a:rPr lang="en-US" altLang="ko-KR" sz="1400" dirty="0">
+                <a:solidFill>
+                  <a:schemeClr val="tx1"/>
+                </a:solidFill>
+              </a:rPr>
+              <a:t>()</a:t>
+            </a:r>
+            <a:endParaRPr lang="ko-KR" altLang="en-US" sz="1400" dirty="0">
+              <a:solidFill>
+                <a:schemeClr val="tx1"/>
+              </a:solidFill>
+            </a:endParaRPr>
+          </a:p>
+        </p:txBody>
+      </p:sp>
+      <p:sp>
+        <p:nvSpPr>
+          <p:cNvPr id="44" name="직사각형 43">
+            <a:extLst>
+              <a:ext uri="{FF2B5EF4-FFF2-40B4-BE49-F238E27FC236}">
+                <a16:creationId xmlns:a16="http://schemas.microsoft.com/office/drawing/2014/main" id="{933A4B5C-9769-8269-8F2E-BB092C3D4758}"/>
+              </a:ext>
+            </a:extLst>
+          </p:cNvPr>
+          <p:cNvSpPr/>
+          <p:nvPr/>
+        </p:nvSpPr>
+        <p:spPr>
+          <a:xfrm>
+            <a:off x="6999513" y="2063928"/>
+            <a:ext cx="2338251" cy="1759131"/>
+          </a:xfrm>
+          <a:prstGeom prst="rect">
+            <a:avLst/>
+          </a:prstGeom>
+          <a:noFill/>
+          <a:ln w="57150">
+            <a:solidFill>
+              <a:schemeClr val="accent5">
+                <a:lumMod val="75000"/>
+              </a:schemeClr>
+            </a:solidFill>
+          </a:ln>
+        </p:spPr>
+        <p:style>
+          <a:lnRef idx="2">
+            <a:schemeClr val="accent1">
+              <a:shade val="15000"/>
+            </a:schemeClr>
+          </a:lnRef>
+          <a:fillRef idx="1">
+            <a:schemeClr val="accent1"/>
+          </a:fillRef>
+          <a:effectRef idx="0">
+            <a:schemeClr val="accent1"/>
+          </a:effectRef>
+          <a:fontRef idx="minor">
+            <a:schemeClr val="lt1"/>
+          </a:fontRef>
+        </p:style>
+        <p:txBody>
+          <a:bodyPr rtlCol="0" anchor="t"/>
+          <a:lstStyle/>
+          <a:p>
+            <a:r>
+              <a:rPr lang="en-US" altLang="ko-KR" sz="1400" b="1" dirty="0" err="1">
+                <a:solidFill>
+                  <a:schemeClr val="tx1"/>
+                </a:solidFill>
+              </a:rPr>
+              <a:t>SimpleAccountFactory</a:t>
+            </a:r>
+            <a:endParaRPr lang="en-US" altLang="ko-KR" sz="1400" b="1" dirty="0">
+              <a:solidFill>
+                <a:schemeClr val="tx1"/>
+              </a:solidFill>
+            </a:endParaRPr>
+          </a:p>
+          <a:p>
+            <a:endParaRPr lang="en-US" altLang="ko-KR" sz="1400" dirty="0">
+              <a:solidFill>
+                <a:schemeClr val="tx1"/>
+              </a:solidFill>
+            </a:endParaRPr>
+          </a:p>
+          <a:p>
+            <a:r>
+              <a:rPr lang="en-US" altLang="ko-KR" sz="1400" dirty="0" err="1">
+                <a:solidFill>
+                  <a:schemeClr val="tx1"/>
+                </a:solidFill>
+              </a:rPr>
+              <a:t>getAddress</a:t>
+            </a:r>
+            <a:r>
+              <a:rPr lang="en-US" altLang="ko-KR" sz="1400" dirty="0">
+                <a:solidFill>
+                  <a:schemeClr val="tx1"/>
+                </a:solidFill>
+              </a:rPr>
+              <a:t>(owner, salt)</a:t>
+            </a:r>
+          </a:p>
+          <a:p>
+            <a:endParaRPr lang="en-US" altLang="ko-KR" sz="1400" dirty="0">
+              <a:solidFill>
+                <a:schemeClr val="tx1"/>
+              </a:solidFill>
+            </a:endParaRPr>
+          </a:p>
+          <a:p>
+            <a:r>
+              <a:rPr lang="en-US" altLang="ko-KR" sz="1400" dirty="0" err="1">
+                <a:solidFill>
+                  <a:schemeClr val="tx1"/>
+                </a:solidFill>
+              </a:rPr>
+              <a:t>createAccount</a:t>
+            </a:r>
+            <a:r>
+              <a:rPr lang="en-US" altLang="ko-KR" sz="1400" dirty="0">
+                <a:solidFill>
+                  <a:schemeClr val="tx1"/>
+                </a:solidFill>
+              </a:rPr>
+              <a:t>(owner, salt)</a:t>
+            </a:r>
+            <a:endParaRPr lang="ko-KR" altLang="en-US" sz="1400" dirty="0">
+              <a:solidFill>
+                <a:schemeClr val="tx1"/>
+              </a:solidFill>
+            </a:endParaRPr>
+          </a:p>
+        </p:txBody>
+      </p:sp>
+      <p:sp>
+        <p:nvSpPr>
+          <p:cNvPr id="46" name="직사각형 45">
+            <a:extLst>
+              <a:ext uri="{FF2B5EF4-FFF2-40B4-BE49-F238E27FC236}">
+                <a16:creationId xmlns:a16="http://schemas.microsoft.com/office/drawing/2014/main" id="{07137E34-786A-D2F0-6D5A-3B64695DCABB}"/>
+              </a:ext>
+            </a:extLst>
+          </p:cNvPr>
+          <p:cNvSpPr/>
+          <p:nvPr/>
+        </p:nvSpPr>
+        <p:spPr>
+          <a:xfrm>
+            <a:off x="9609905" y="2063926"/>
+            <a:ext cx="2338251" cy="1759131"/>
+          </a:xfrm>
+          <a:prstGeom prst="rect">
+            <a:avLst/>
+          </a:prstGeom>
+          <a:noFill/>
+          <a:ln w="57150">
+            <a:solidFill>
+              <a:schemeClr val="accent5">
+                <a:lumMod val="75000"/>
+              </a:schemeClr>
+            </a:solidFill>
+          </a:ln>
+        </p:spPr>
+        <p:style>
+          <a:lnRef idx="2">
+            <a:schemeClr val="accent1">
+              <a:shade val="15000"/>
+            </a:schemeClr>
+          </a:lnRef>
+          <a:fillRef idx="1">
+            <a:schemeClr val="accent1"/>
+          </a:fillRef>
+          <a:effectRef idx="0">
+            <a:schemeClr val="accent1"/>
+          </a:effectRef>
+          <a:fontRef idx="minor">
+            <a:schemeClr val="lt1"/>
+          </a:fontRef>
+        </p:style>
+        <p:txBody>
+          <a:bodyPr rtlCol="0" anchor="t"/>
+          <a:lstStyle/>
+          <a:p>
+            <a:r>
+              <a:rPr lang="en-US" altLang="ko-KR" sz="1400" b="1" dirty="0" err="1">
+                <a:solidFill>
+                  <a:schemeClr val="tx1"/>
+                </a:solidFill>
+              </a:rPr>
+              <a:t>SimpleAccountContract</a:t>
+            </a:r>
+            <a:endParaRPr lang="en-US" altLang="ko-KR" sz="1400" b="1" dirty="0">
+              <a:solidFill>
+                <a:schemeClr val="tx1"/>
+              </a:solidFill>
+            </a:endParaRPr>
+          </a:p>
+          <a:p>
+            <a:endParaRPr lang="en-US" altLang="ko-KR" sz="1400" dirty="0">
+              <a:solidFill>
+                <a:schemeClr val="tx1"/>
+              </a:solidFill>
+            </a:endParaRPr>
+          </a:p>
+          <a:p>
+            <a:r>
+              <a:rPr lang="en-US" altLang="ko-KR" sz="1400" dirty="0">
+                <a:solidFill>
+                  <a:schemeClr val="tx1"/>
+                </a:solidFill>
+              </a:rPr>
+              <a:t>execute(</a:t>
+            </a:r>
+            <a:r>
+              <a:rPr lang="en-US" altLang="ko-KR" sz="1400" dirty="0" err="1">
+                <a:solidFill>
+                  <a:schemeClr val="tx1"/>
+                </a:solidFill>
+              </a:rPr>
+              <a:t>dest</a:t>
+            </a:r>
+            <a:r>
+              <a:rPr lang="en-US" altLang="ko-KR" sz="1400" dirty="0">
+                <a:solidFill>
+                  <a:schemeClr val="tx1"/>
+                </a:solidFill>
+              </a:rPr>
+              <a:t>, value, </a:t>
+            </a:r>
+            <a:r>
+              <a:rPr lang="en-US" altLang="ko-KR" sz="1400" dirty="0" err="1">
+                <a:solidFill>
+                  <a:schemeClr val="tx1"/>
+                </a:solidFill>
+              </a:rPr>
+              <a:t>func</a:t>
+            </a:r>
+            <a:r>
+              <a:rPr lang="en-US" altLang="ko-KR" sz="1400" dirty="0">
+                <a:solidFill>
+                  <a:schemeClr val="tx1"/>
+                </a:solidFill>
+              </a:rPr>
+              <a:t>)</a:t>
+            </a:r>
+          </a:p>
+        </p:txBody>
+      </p:sp>
+      <p:sp>
+        <p:nvSpPr>
+          <p:cNvPr id="47" name="직사각형 46">
+            <a:extLst>
+              <a:ext uri="{FF2B5EF4-FFF2-40B4-BE49-F238E27FC236}">
+                <a16:creationId xmlns:a16="http://schemas.microsoft.com/office/drawing/2014/main" id="{D37735CB-79B3-164E-5512-BBE93252CE45}"/>
+              </a:ext>
+            </a:extLst>
+          </p:cNvPr>
+          <p:cNvSpPr/>
+          <p:nvPr/>
+        </p:nvSpPr>
+        <p:spPr>
+          <a:xfrm>
+            <a:off x="465909" y="2063926"/>
+            <a:ext cx="2114008" cy="4101738"/>
+          </a:xfrm>
+          <a:prstGeom prst="rect">
+            <a:avLst/>
+          </a:prstGeom>
+          <a:noFill/>
+          <a:ln w="57150"/>
+        </p:spPr>
+        <p:style>
+          <a:lnRef idx="2">
+            <a:schemeClr val="accent1">
+              <a:shade val="15000"/>
+            </a:schemeClr>
+          </a:lnRef>
+          <a:fillRef idx="1">
+            <a:schemeClr val="accent1"/>
+          </a:fillRef>
+          <a:effectRef idx="0">
+            <a:schemeClr val="accent1"/>
+          </a:effectRef>
+          <a:fontRef idx="minor">
+            <a:schemeClr val="lt1"/>
+          </a:fontRef>
+        </p:style>
+        <p:txBody>
+          <a:bodyPr rtlCol="0" anchor="t"/>
+          <a:lstStyle/>
+          <a:p>
+            <a:r>
+              <a:rPr lang="en-US" altLang="ko-KR" sz="1400" b="1" dirty="0" err="1">
+                <a:solidFill>
+                  <a:schemeClr val="tx1"/>
+                </a:solidFill>
+              </a:rPr>
+              <a:t>init</a:t>
+            </a:r>
+            <a:r>
+              <a:rPr lang="en-US" altLang="ko-KR" sz="1400" b="1" dirty="0">
+                <a:solidFill>
+                  <a:schemeClr val="tx1"/>
+                </a:solidFill>
+              </a:rPr>
+              <a:t> code</a:t>
+            </a:r>
+            <a:endParaRPr lang="ko-KR" altLang="en-US" sz="1400" b="1" dirty="0">
+              <a:solidFill>
+                <a:schemeClr val="tx1"/>
+              </a:solidFill>
+            </a:endParaRPr>
+          </a:p>
+          <a:p>
+            <a:endParaRPr lang="en-US" altLang="ko-KR" sz="1400" dirty="0">
+              <a:solidFill>
+                <a:schemeClr val="tx1"/>
+              </a:solidFill>
+            </a:endParaRPr>
+          </a:p>
+          <a:p>
+            <a:r>
+              <a:rPr lang="en-US" altLang="ko-KR" sz="1400" dirty="0">
+                <a:solidFill>
+                  <a:schemeClr val="tx1"/>
+                </a:solidFill>
+              </a:rPr>
+              <a:t>S.A.F address</a:t>
+            </a:r>
+          </a:p>
+          <a:p>
+            <a:r>
+              <a:rPr lang="en-US" altLang="ko-KR" sz="1400" dirty="0">
+                <a:solidFill>
+                  <a:schemeClr val="tx1"/>
+                </a:solidFill>
+              </a:rPr>
+              <a:t>+ interface(</a:t>
+            </a:r>
+            <a:r>
+              <a:rPr lang="en-US" altLang="ko-KR" sz="1400" dirty="0" err="1">
+                <a:solidFill>
+                  <a:schemeClr val="tx1"/>
+                </a:solidFill>
+              </a:rPr>
+              <a:t>createAccount</a:t>
+            </a:r>
+            <a:r>
+              <a:rPr lang="en-US" altLang="ko-KR" sz="1400" dirty="0">
+                <a:solidFill>
+                  <a:schemeClr val="tx1"/>
+                </a:solidFill>
+              </a:rPr>
+              <a:t>)</a:t>
+            </a:r>
+          </a:p>
+          <a:p>
+            <a:r>
+              <a:rPr lang="en-US" altLang="ko-KR" sz="1400" dirty="0">
+                <a:solidFill>
+                  <a:schemeClr val="tx1"/>
+                </a:solidFill>
+              </a:rPr>
+              <a:t>+</a:t>
+            </a:r>
+          </a:p>
+          <a:p>
+            <a:r>
+              <a:rPr lang="en-US" altLang="ko-KR" sz="1400" dirty="0">
+                <a:solidFill>
+                  <a:schemeClr val="tx1"/>
+                </a:solidFill>
+              </a:rPr>
+              <a:t>address EOA account</a:t>
+            </a:r>
+            <a:br>
+              <a:rPr lang="en-US" altLang="ko-KR" sz="1400" dirty="0">
+                <a:solidFill>
+                  <a:schemeClr val="tx1"/>
+                </a:solidFill>
+              </a:rPr>
+            </a:br>
+            <a:r>
+              <a:rPr lang="en-US" altLang="ko-KR" sz="1400" dirty="0">
+                <a:solidFill>
+                  <a:schemeClr val="tx1"/>
+                </a:solidFill>
+              </a:rPr>
+              <a:t>+</a:t>
+            </a:r>
+          </a:p>
+          <a:p>
+            <a:r>
+              <a:rPr lang="en-US" altLang="ko-KR" sz="1400" dirty="0">
+                <a:solidFill>
+                  <a:schemeClr val="tx1"/>
+                </a:solidFill>
+              </a:rPr>
+              <a:t>uint256 salt</a:t>
+            </a:r>
+          </a:p>
+        </p:txBody>
+      </p:sp>
+    </p:spTree>
+    <p:extLst>
+      <p:ext uri="{BB962C8B-B14F-4D97-AF65-F5344CB8AC3E}">
+        <p14:creationId xmlns:p14="http://schemas.microsoft.com/office/powerpoint/2010/main" val="4184422644"/>
+      </p:ext>
+    </p:extLst>
+  </p:cSld>
+  <p:clrMapOvr>
+    <a:masterClrMapping/>
+  </p:clrMapOvr>
+</p:sld>
+</file>
+
+<file path=ppt/slides/slide8.xml><?xml version="1.0" encoding="utf-8"?>
+<p:sld xmlns:a="http://schemas.openxmlformats.org/drawingml/2006/main" xmlns:r="http://schemas.openxmlformats.org/officeDocument/2006/relationships" xmlns:p="http://schemas.openxmlformats.org/presentationml/2006/main">
+  <p:cSld>
+    <p:spTree>
+      <p:nvGrpSpPr>
+        <p:cNvPr id="1" name=""/>
+        <p:cNvGrpSpPr/>
+        <p:nvPr/>
+      </p:nvGrpSpPr>
+      <p:grpSpPr>
+        <a:xfrm>
+          <a:off x="0" y="0"/>
+          <a:ext cx="0" cy="0"/>
+          <a:chOff x="0" y="0"/>
+          <a:chExt cx="0" cy="0"/>
+        </a:xfrm>
+      </p:grpSpPr>
       <p:pic>
         <p:nvPicPr>
           <p:cNvPr id="5" name="그림 4">
@@ -10818,7 +13116,7 @@
                   <a:schemeClr val="tx1"/>
                 </a:solidFill>
               </a:rPr>
-              <a:t>Simple Contract Account – execute()</a:t>
+              <a:t>Simple Account Contract – execute()</a:t>
             </a:r>
             <a:endParaRPr lang="ko-KR" altLang="en-US" dirty="0">
               <a:solidFill>
@@ -10900,7 +13198,7 @@
 </p:sld>
 </file>
 
-<file path=ppt/slides/slide8.xml><?xml version="1.0" encoding="utf-8"?>
+<file path=ppt/slides/slide9.xml><?xml version="1.0" encoding="utf-8"?>
 <p:sld xmlns:a="http://schemas.openxmlformats.org/drawingml/2006/main" xmlns:r="http://schemas.openxmlformats.org/officeDocument/2006/relationships" xmlns:p="http://schemas.openxmlformats.org/presentationml/2006/main">
   <p:cSld>
     <p:spTree>
@@ -11958,921 +14256,6 @@
     <p:extLst>
       <p:ext uri="{BB962C8B-B14F-4D97-AF65-F5344CB8AC3E}">
         <p14:creationId xmlns:p14="http://schemas.microsoft.com/office/powerpoint/2010/main" val="2537612274"/>
-      </p:ext>
-    </p:extLst>
-  </p:cSld>
-  <p:clrMapOvr>
-    <a:masterClrMapping/>
-  </p:clrMapOvr>
-</p:sld>
-</file>
-
-<file path=ppt/slides/slide9.xml><?xml version="1.0" encoding="utf-8"?>
-<p:sld xmlns:a="http://schemas.openxmlformats.org/drawingml/2006/main" xmlns:r="http://schemas.openxmlformats.org/officeDocument/2006/relationships" xmlns:p="http://schemas.openxmlformats.org/presentationml/2006/main">
-  <p:cSld>
-    <p:spTree>
-      <p:nvGrpSpPr>
-        <p:cNvPr id="1" name="">
-          <a:extLst>
-            <a:ext uri="{FF2B5EF4-FFF2-40B4-BE49-F238E27FC236}">
-              <a16:creationId xmlns:a16="http://schemas.microsoft.com/office/drawing/2014/main" id="{6116BF07-D70E-156F-9A45-68DFC9E50DE9}"/>
-            </a:ext>
-          </a:extLst>
-        </p:cNvPr>
-        <p:cNvGrpSpPr/>
-        <p:nvPr/>
-      </p:nvGrpSpPr>
-      <p:grpSpPr>
-        <a:xfrm>
-          <a:off x="0" y="0"/>
-          <a:ext cx="0" cy="0"/>
-          <a:chOff x="0" y="0"/>
-          <a:chExt cx="0" cy="0"/>
-        </a:xfrm>
-      </p:grpSpPr>
-      <p:sp>
-        <p:nvSpPr>
-          <p:cNvPr id="6" name="TextBox 5">
-            <a:hlinkClick r:id="rId2"/>
-            <a:extLst>
-              <a:ext uri="{FF2B5EF4-FFF2-40B4-BE49-F238E27FC236}">
-                <a16:creationId xmlns:a16="http://schemas.microsoft.com/office/drawing/2014/main" id="{EE69A8F4-F83F-CD12-A4B4-3AA036F2B631}"/>
-              </a:ext>
-            </a:extLst>
-          </p:cNvPr>
-          <p:cNvSpPr txBox="1"/>
-          <p:nvPr/>
-        </p:nvSpPr>
-        <p:spPr>
-          <a:xfrm>
-            <a:off x="185923" y="200373"/>
-            <a:ext cx="7590831" cy="523220"/>
-          </a:xfrm>
-          <a:prstGeom prst="rect">
-            <a:avLst/>
-          </a:prstGeom>
-          <a:noFill/>
-        </p:spPr>
-        <p:txBody>
-          <a:bodyPr wrap="square" rtlCol="0">
-            <a:spAutoFit/>
-          </a:bodyPr>
-          <a:lstStyle/>
-          <a:p>
-            <a:pPr algn="l" fontAlgn="ctr"/>
-            <a:r>
-              <a:rPr lang="en-US" altLang="ko-KR" sz="2800" b="0" i="0" dirty="0">
-                <a:solidFill>
-                  <a:srgbClr val="212529"/>
-                </a:solidFill>
-                <a:effectLst/>
-                <a:latin typeface="system-ui"/>
-              </a:rPr>
-              <a:t>ERC-4337: Account Abstraction Using Alt </a:t>
-            </a:r>
-            <a:r>
-              <a:rPr lang="en-US" altLang="ko-KR" sz="2800" b="0" i="0" dirty="0" err="1">
-                <a:solidFill>
-                  <a:srgbClr val="212529"/>
-                </a:solidFill>
-                <a:effectLst/>
-                <a:latin typeface="system-ui"/>
-              </a:rPr>
-              <a:t>Mempool</a:t>
-            </a:r>
-            <a:r>
-              <a:rPr lang="en-US" altLang="ko-KR" sz="2800" b="0" i="0" dirty="0">
-                <a:solidFill>
-                  <a:srgbClr val="212529"/>
-                </a:solidFill>
-                <a:effectLst/>
-                <a:latin typeface="system-ui"/>
-              </a:rPr>
-              <a:t> </a:t>
-            </a:r>
-          </a:p>
-        </p:txBody>
-      </p:sp>
-      <p:sp>
-        <p:nvSpPr>
-          <p:cNvPr id="12" name="직사각형 11">
-            <a:extLst>
-              <a:ext uri="{FF2B5EF4-FFF2-40B4-BE49-F238E27FC236}">
-                <a16:creationId xmlns:a16="http://schemas.microsoft.com/office/drawing/2014/main" id="{E800DEA6-671D-86F6-228A-71D27E569135}"/>
-              </a:ext>
-            </a:extLst>
-          </p:cNvPr>
-          <p:cNvSpPr/>
-          <p:nvPr/>
-        </p:nvSpPr>
-        <p:spPr>
-          <a:xfrm>
-            <a:off x="7201988" y="2098766"/>
-            <a:ext cx="1528354" cy="661851"/>
-          </a:xfrm>
-          <a:prstGeom prst="rect">
-            <a:avLst/>
-          </a:prstGeom>
-          <a:noFill/>
-          <a:ln w="57150">
-            <a:solidFill>
-              <a:srgbClr val="FFC000"/>
-            </a:solidFill>
-          </a:ln>
-        </p:spPr>
-        <p:style>
-          <a:lnRef idx="2">
-            <a:schemeClr val="accent1">
-              <a:shade val="15000"/>
-            </a:schemeClr>
-          </a:lnRef>
-          <a:fillRef idx="1">
-            <a:schemeClr val="accent1"/>
-          </a:fillRef>
-          <a:effectRef idx="0">
-            <a:schemeClr val="accent1"/>
-          </a:effectRef>
-          <a:fontRef idx="minor">
-            <a:schemeClr val="lt1"/>
-          </a:fontRef>
-        </p:style>
-        <p:txBody>
-          <a:bodyPr rtlCol="0" anchor="ctr"/>
-          <a:lstStyle/>
-          <a:p>
-            <a:pPr algn="ctr"/>
-            <a:r>
-              <a:rPr lang="en-US" altLang="ko-KR" sz="1400" dirty="0">
-                <a:solidFill>
-                  <a:schemeClr val="tx1"/>
-                </a:solidFill>
-              </a:rPr>
-              <a:t>Validator</a:t>
-            </a:r>
-            <a:endParaRPr lang="ko-KR" altLang="en-US" sz="1400" dirty="0">
-              <a:solidFill>
-                <a:schemeClr val="tx1"/>
-              </a:solidFill>
-            </a:endParaRPr>
-          </a:p>
-        </p:txBody>
-      </p:sp>
-      <p:sp>
-        <p:nvSpPr>
-          <p:cNvPr id="13" name="직사각형 12">
-            <a:extLst>
-              <a:ext uri="{FF2B5EF4-FFF2-40B4-BE49-F238E27FC236}">
-                <a16:creationId xmlns:a16="http://schemas.microsoft.com/office/drawing/2014/main" id="{D89500BF-AA88-0EAE-DA92-C43E9D7B3183}"/>
-              </a:ext>
-            </a:extLst>
-          </p:cNvPr>
-          <p:cNvSpPr/>
-          <p:nvPr/>
-        </p:nvSpPr>
-        <p:spPr>
-          <a:xfrm>
-            <a:off x="5856515" y="2098766"/>
-            <a:ext cx="1014549" cy="661851"/>
-          </a:xfrm>
-          <a:prstGeom prst="rect">
-            <a:avLst/>
-          </a:prstGeom>
-          <a:noFill/>
-          <a:ln w="57150">
-            <a:solidFill>
-              <a:schemeClr val="accent5">
-                <a:lumMod val="75000"/>
-              </a:schemeClr>
-            </a:solidFill>
-          </a:ln>
-        </p:spPr>
-        <p:style>
-          <a:lnRef idx="2">
-            <a:schemeClr val="accent1">
-              <a:shade val="15000"/>
-            </a:schemeClr>
-          </a:lnRef>
-          <a:fillRef idx="1">
-            <a:schemeClr val="accent1"/>
-          </a:fillRef>
-          <a:effectRef idx="0">
-            <a:schemeClr val="accent1"/>
-          </a:effectRef>
-          <a:fontRef idx="minor">
-            <a:schemeClr val="lt1"/>
-          </a:fontRef>
-        </p:style>
-        <p:txBody>
-          <a:bodyPr rtlCol="0" anchor="ctr"/>
-          <a:lstStyle/>
-          <a:p>
-            <a:pPr algn="ctr"/>
-            <a:r>
-              <a:rPr lang="en-US" altLang="ko-KR" sz="1400" b="1" dirty="0">
-                <a:solidFill>
-                  <a:schemeClr val="accent4">
-                    <a:lumMod val="75000"/>
-                  </a:schemeClr>
-                </a:solidFill>
-              </a:rPr>
-              <a:t>S_C_A</a:t>
-            </a:r>
-            <a:endParaRPr lang="ko-KR" altLang="en-US" sz="1400" b="1" dirty="0">
-              <a:solidFill>
-                <a:schemeClr val="accent4">
-                  <a:lumMod val="75000"/>
-                </a:schemeClr>
-              </a:solidFill>
-            </a:endParaRPr>
-          </a:p>
-        </p:txBody>
-      </p:sp>
-      <p:sp>
-        <p:nvSpPr>
-          <p:cNvPr id="14" name="직사각형 13">
-            <a:extLst>
-              <a:ext uri="{FF2B5EF4-FFF2-40B4-BE49-F238E27FC236}">
-                <a16:creationId xmlns:a16="http://schemas.microsoft.com/office/drawing/2014/main" id="{68AD09CF-BA1A-534F-2B55-4F97EC30B7AF}"/>
-              </a:ext>
-            </a:extLst>
-          </p:cNvPr>
-          <p:cNvSpPr/>
-          <p:nvPr/>
-        </p:nvSpPr>
-        <p:spPr>
-          <a:xfrm>
-            <a:off x="4354286" y="2098766"/>
-            <a:ext cx="1258388" cy="661851"/>
-          </a:xfrm>
-          <a:prstGeom prst="rect">
-            <a:avLst/>
-          </a:prstGeom>
-          <a:noFill/>
-          <a:ln w="57150"/>
-        </p:spPr>
-        <p:style>
-          <a:lnRef idx="2">
-            <a:schemeClr val="accent1">
-              <a:shade val="15000"/>
-            </a:schemeClr>
-          </a:lnRef>
-          <a:fillRef idx="1">
-            <a:schemeClr val="accent1"/>
-          </a:fillRef>
-          <a:effectRef idx="0">
-            <a:schemeClr val="accent1"/>
-          </a:effectRef>
-          <a:fontRef idx="minor">
-            <a:schemeClr val="lt1"/>
-          </a:fontRef>
-        </p:style>
-        <p:txBody>
-          <a:bodyPr rtlCol="0" anchor="ctr"/>
-          <a:lstStyle/>
-          <a:p>
-            <a:pPr algn="ctr"/>
-            <a:r>
-              <a:rPr lang="en-US" altLang="ko-KR" sz="1400" dirty="0">
-                <a:solidFill>
-                  <a:schemeClr val="tx1"/>
-                </a:solidFill>
-              </a:rPr>
-              <a:t>Entry Point</a:t>
-            </a:r>
-            <a:endParaRPr lang="ko-KR" altLang="en-US" sz="1400" dirty="0">
-              <a:solidFill>
-                <a:schemeClr val="tx1"/>
-              </a:solidFill>
-            </a:endParaRPr>
-          </a:p>
-        </p:txBody>
-      </p:sp>
-      <p:sp>
-        <p:nvSpPr>
-          <p:cNvPr id="15" name="직사각형 14">
-            <a:extLst>
-              <a:ext uri="{FF2B5EF4-FFF2-40B4-BE49-F238E27FC236}">
-                <a16:creationId xmlns:a16="http://schemas.microsoft.com/office/drawing/2014/main" id="{2B86F342-772D-A5A3-519A-42B7F086F193}"/>
-              </a:ext>
-            </a:extLst>
-          </p:cNvPr>
-          <p:cNvSpPr/>
-          <p:nvPr/>
-        </p:nvSpPr>
-        <p:spPr>
-          <a:xfrm>
-            <a:off x="8974183" y="2098766"/>
-            <a:ext cx="1528354" cy="661851"/>
-          </a:xfrm>
-          <a:prstGeom prst="rect">
-            <a:avLst/>
-          </a:prstGeom>
-          <a:noFill/>
-          <a:ln w="57150">
-            <a:solidFill>
-              <a:schemeClr val="accent2">
-                <a:lumMod val="75000"/>
-              </a:schemeClr>
-            </a:solidFill>
-          </a:ln>
-        </p:spPr>
-        <p:style>
-          <a:lnRef idx="2">
-            <a:schemeClr val="accent1">
-              <a:shade val="15000"/>
-            </a:schemeClr>
-          </a:lnRef>
-          <a:fillRef idx="1">
-            <a:schemeClr val="accent1"/>
-          </a:fillRef>
-          <a:effectRef idx="0">
-            <a:schemeClr val="accent1"/>
-          </a:effectRef>
-          <a:fontRef idx="minor">
-            <a:schemeClr val="lt1"/>
-          </a:fontRef>
-        </p:style>
-        <p:txBody>
-          <a:bodyPr rtlCol="0" anchor="ctr"/>
-          <a:lstStyle/>
-          <a:p>
-            <a:pPr algn="ctr"/>
-            <a:r>
-              <a:rPr lang="en-US" altLang="ko-KR" sz="1400" dirty="0">
-                <a:solidFill>
-                  <a:schemeClr val="tx1"/>
-                </a:solidFill>
-              </a:rPr>
-              <a:t>Blockchain</a:t>
-            </a:r>
-            <a:endParaRPr lang="ko-KR" altLang="en-US" sz="1400" dirty="0">
-              <a:solidFill>
-                <a:schemeClr val="tx1"/>
-              </a:solidFill>
-            </a:endParaRPr>
-          </a:p>
-        </p:txBody>
-      </p:sp>
-      <p:sp>
-        <p:nvSpPr>
-          <p:cNvPr id="16" name="직사각형 15">
-            <a:extLst>
-              <a:ext uri="{FF2B5EF4-FFF2-40B4-BE49-F238E27FC236}">
-                <a16:creationId xmlns:a16="http://schemas.microsoft.com/office/drawing/2014/main" id="{71C4C3FE-32DC-9EE2-6B12-0B3EFA7A061F}"/>
-              </a:ext>
-            </a:extLst>
-          </p:cNvPr>
-          <p:cNvSpPr/>
-          <p:nvPr/>
-        </p:nvSpPr>
-        <p:spPr>
-          <a:xfrm>
-            <a:off x="1841862" y="2098766"/>
-            <a:ext cx="1014549" cy="661851"/>
-          </a:xfrm>
-          <a:prstGeom prst="rect">
-            <a:avLst/>
-          </a:prstGeom>
-          <a:noFill/>
-          <a:ln w="57150"/>
-        </p:spPr>
-        <p:style>
-          <a:lnRef idx="2">
-            <a:schemeClr val="accent1">
-              <a:shade val="15000"/>
-            </a:schemeClr>
-          </a:lnRef>
-          <a:fillRef idx="1">
-            <a:schemeClr val="accent1"/>
-          </a:fillRef>
-          <a:effectRef idx="0">
-            <a:schemeClr val="accent1"/>
-          </a:effectRef>
-          <a:fontRef idx="minor">
-            <a:schemeClr val="lt1"/>
-          </a:fontRef>
-        </p:style>
-        <p:txBody>
-          <a:bodyPr rtlCol="0" anchor="ctr"/>
-          <a:lstStyle/>
-          <a:p>
-            <a:pPr algn="ctr"/>
-            <a:r>
-              <a:rPr lang="en-US" altLang="ko-KR" sz="1400" dirty="0" err="1">
-                <a:solidFill>
-                  <a:schemeClr val="tx1"/>
-                </a:solidFill>
-              </a:rPr>
-              <a:t>userOp</a:t>
-            </a:r>
-            <a:endParaRPr lang="ko-KR" altLang="en-US" sz="1400" dirty="0">
-              <a:solidFill>
-                <a:schemeClr val="tx1"/>
-              </a:solidFill>
-            </a:endParaRPr>
-          </a:p>
-        </p:txBody>
-      </p:sp>
-      <p:sp>
-        <p:nvSpPr>
-          <p:cNvPr id="23" name="직사각형 22">
-            <a:extLst>
-              <a:ext uri="{FF2B5EF4-FFF2-40B4-BE49-F238E27FC236}">
-                <a16:creationId xmlns:a16="http://schemas.microsoft.com/office/drawing/2014/main" id="{46FC549B-EDBF-43A3-E2F2-85E701D5D895}"/>
-              </a:ext>
-            </a:extLst>
-          </p:cNvPr>
-          <p:cNvSpPr/>
-          <p:nvPr/>
-        </p:nvSpPr>
-        <p:spPr>
-          <a:xfrm>
-            <a:off x="3095896" y="2098766"/>
-            <a:ext cx="1014549" cy="661851"/>
-          </a:xfrm>
-          <a:prstGeom prst="rect">
-            <a:avLst/>
-          </a:prstGeom>
-          <a:noFill/>
-          <a:ln w="57150">
-            <a:solidFill>
-              <a:srgbClr val="00B050"/>
-            </a:solidFill>
-          </a:ln>
-        </p:spPr>
-        <p:style>
-          <a:lnRef idx="2">
-            <a:schemeClr val="accent1">
-              <a:shade val="15000"/>
-            </a:schemeClr>
-          </a:lnRef>
-          <a:fillRef idx="1">
-            <a:schemeClr val="accent1"/>
-          </a:fillRef>
-          <a:effectRef idx="0">
-            <a:schemeClr val="accent1"/>
-          </a:effectRef>
-          <a:fontRef idx="minor">
-            <a:schemeClr val="lt1"/>
-          </a:fontRef>
-        </p:style>
-        <p:txBody>
-          <a:bodyPr rtlCol="0" anchor="ctr"/>
-          <a:lstStyle/>
-          <a:p>
-            <a:pPr algn="ctr"/>
-            <a:r>
-              <a:rPr lang="en-US" altLang="ko-KR" sz="1400" b="1" dirty="0">
-                <a:solidFill>
-                  <a:schemeClr val="accent4">
-                    <a:lumMod val="75000"/>
-                  </a:schemeClr>
-                </a:solidFill>
-              </a:rPr>
-              <a:t>Bundler</a:t>
-            </a:r>
-            <a:endParaRPr lang="ko-KR" altLang="en-US" sz="1400" b="1" dirty="0">
-              <a:solidFill>
-                <a:schemeClr val="accent4">
-                  <a:lumMod val="75000"/>
-                </a:schemeClr>
-              </a:solidFill>
-            </a:endParaRPr>
-          </a:p>
-        </p:txBody>
-      </p:sp>
-      <p:sp>
-        <p:nvSpPr>
-          <p:cNvPr id="25" name="직사각형 24">
-            <a:extLst>
-              <a:ext uri="{FF2B5EF4-FFF2-40B4-BE49-F238E27FC236}">
-                <a16:creationId xmlns:a16="http://schemas.microsoft.com/office/drawing/2014/main" id="{05F97134-976F-86B7-55D4-CD38C309F86C}"/>
-              </a:ext>
-            </a:extLst>
-          </p:cNvPr>
-          <p:cNvSpPr/>
-          <p:nvPr/>
-        </p:nvSpPr>
-        <p:spPr>
-          <a:xfrm>
-            <a:off x="587828" y="2098766"/>
-            <a:ext cx="1014549" cy="661851"/>
-          </a:xfrm>
-          <a:prstGeom prst="rect">
-            <a:avLst/>
-          </a:prstGeom>
-          <a:noFill/>
-          <a:ln w="57150"/>
-        </p:spPr>
-        <p:style>
-          <a:lnRef idx="2">
-            <a:schemeClr val="accent1">
-              <a:shade val="15000"/>
-            </a:schemeClr>
-          </a:lnRef>
-          <a:fillRef idx="1">
-            <a:schemeClr val="accent1"/>
-          </a:fillRef>
-          <a:effectRef idx="0">
-            <a:schemeClr val="accent1"/>
-          </a:effectRef>
-          <a:fontRef idx="minor">
-            <a:schemeClr val="lt1"/>
-          </a:fontRef>
-        </p:style>
-        <p:txBody>
-          <a:bodyPr rtlCol="0" anchor="ctr"/>
-          <a:lstStyle/>
-          <a:p>
-            <a:pPr algn="ctr"/>
-            <a:r>
-              <a:rPr lang="en-US" altLang="ko-KR" sz="1400" dirty="0">
-                <a:solidFill>
-                  <a:schemeClr val="tx1"/>
-                </a:solidFill>
-              </a:rPr>
-              <a:t>EOA</a:t>
-            </a:r>
-            <a:endParaRPr lang="ko-KR" altLang="en-US" sz="1400" dirty="0">
-              <a:solidFill>
-                <a:schemeClr val="tx1"/>
-              </a:solidFill>
-            </a:endParaRPr>
-          </a:p>
-        </p:txBody>
-      </p:sp>
-      <p:sp>
-        <p:nvSpPr>
-          <p:cNvPr id="27" name="직사각형 26">
-            <a:extLst>
-              <a:ext uri="{FF2B5EF4-FFF2-40B4-BE49-F238E27FC236}">
-                <a16:creationId xmlns:a16="http://schemas.microsoft.com/office/drawing/2014/main" id="{7D13EF7E-A737-2A08-C2F9-BEFAC2C23630}"/>
-              </a:ext>
-            </a:extLst>
-          </p:cNvPr>
-          <p:cNvSpPr/>
-          <p:nvPr/>
-        </p:nvSpPr>
-        <p:spPr>
-          <a:xfrm>
-            <a:off x="465909" y="1500833"/>
-            <a:ext cx="1254034" cy="369332"/>
-          </a:xfrm>
-          <a:prstGeom prst="rect">
-            <a:avLst/>
-          </a:prstGeom>
-          <a:solidFill>
-            <a:schemeClr val="bg2"/>
-          </a:solidFill>
-          <a:ln>
-            <a:noFill/>
-          </a:ln>
-        </p:spPr>
-        <p:style>
-          <a:lnRef idx="2">
-            <a:schemeClr val="accent1">
-              <a:shade val="15000"/>
-            </a:schemeClr>
-          </a:lnRef>
-          <a:fillRef idx="1">
-            <a:schemeClr val="accent1"/>
-          </a:fillRef>
-          <a:effectRef idx="0">
-            <a:schemeClr val="accent1"/>
-          </a:effectRef>
-          <a:fontRef idx="minor">
-            <a:schemeClr val="lt1"/>
-          </a:fontRef>
-        </p:style>
-        <p:txBody>
-          <a:bodyPr rtlCol="0" anchor="ctr"/>
-          <a:lstStyle/>
-          <a:p>
-            <a:pPr algn="ctr"/>
-            <a:r>
-              <a:rPr lang="en-US" altLang="ko-KR" sz="1600" b="1" dirty="0">
-                <a:solidFill>
-                  <a:schemeClr val="tx1"/>
-                </a:solidFill>
-              </a:rPr>
-              <a:t>AA</a:t>
-            </a:r>
-            <a:endParaRPr lang="ko-KR" altLang="en-US" sz="1600" b="1" dirty="0">
-              <a:solidFill>
-                <a:schemeClr val="tx1"/>
-              </a:solidFill>
-            </a:endParaRPr>
-          </a:p>
-        </p:txBody>
-      </p:sp>
-      <p:sp>
-        <p:nvSpPr>
-          <p:cNvPr id="37" name="사각형: 둥근 모서리 36">
-            <a:extLst>
-              <a:ext uri="{FF2B5EF4-FFF2-40B4-BE49-F238E27FC236}">
-                <a16:creationId xmlns:a16="http://schemas.microsoft.com/office/drawing/2014/main" id="{77187872-634E-39FA-CDEC-529755E1CCDC}"/>
-              </a:ext>
-            </a:extLst>
-          </p:cNvPr>
-          <p:cNvSpPr/>
-          <p:nvPr/>
-        </p:nvSpPr>
-        <p:spPr>
-          <a:xfrm>
-            <a:off x="8991595" y="2996344"/>
-            <a:ext cx="1532712" cy="781800"/>
-          </a:xfrm>
-          <a:prstGeom prst="roundRect">
-            <a:avLst/>
-          </a:prstGeom>
-          <a:noFill/>
-          <a:ln w="57150">
-            <a:solidFill>
-              <a:schemeClr val="accent2">
-                <a:lumMod val="75000"/>
-              </a:schemeClr>
-            </a:solidFill>
-          </a:ln>
-        </p:spPr>
-        <p:style>
-          <a:lnRef idx="2">
-            <a:schemeClr val="accent1">
-              <a:shade val="15000"/>
-            </a:schemeClr>
-          </a:lnRef>
-          <a:fillRef idx="1">
-            <a:schemeClr val="accent1"/>
-          </a:fillRef>
-          <a:effectRef idx="0">
-            <a:schemeClr val="accent1"/>
-          </a:effectRef>
-          <a:fontRef idx="minor">
-            <a:schemeClr val="lt1"/>
-          </a:fontRef>
-        </p:style>
-        <p:txBody>
-          <a:bodyPr rtlCol="0" anchor="ctr"/>
-          <a:lstStyle/>
-          <a:p>
-            <a:pPr algn="ctr"/>
-            <a:r>
-              <a:rPr lang="en-US" altLang="ko-KR" sz="1400" dirty="0">
-                <a:solidFill>
-                  <a:schemeClr val="tx1"/>
-                </a:solidFill>
-              </a:rPr>
-              <a:t>Blockchain</a:t>
-            </a:r>
-          </a:p>
-          <a:p>
-            <a:pPr algn="ctr"/>
-            <a:r>
-              <a:rPr lang="en-US" altLang="ko-KR" sz="1400" b="1" dirty="0">
-                <a:solidFill>
-                  <a:schemeClr val="tx1"/>
-                </a:solidFill>
-              </a:rPr>
-              <a:t>Ethereum</a:t>
-            </a:r>
-          </a:p>
-          <a:p>
-            <a:pPr algn="ctr"/>
-            <a:r>
-              <a:rPr lang="en-US" altLang="ko-KR" sz="1400" b="1" dirty="0" err="1">
-                <a:solidFill>
-                  <a:schemeClr val="tx1"/>
-                </a:solidFill>
-              </a:rPr>
-              <a:t>Sepolia</a:t>
-            </a:r>
-            <a:endParaRPr lang="ko-KR" altLang="en-US" sz="1400" b="1" dirty="0">
-              <a:solidFill>
-                <a:schemeClr val="tx1"/>
-              </a:solidFill>
-            </a:endParaRPr>
-          </a:p>
-        </p:txBody>
-      </p:sp>
-      <p:sp>
-        <p:nvSpPr>
-          <p:cNvPr id="40" name="직사각형 39">
-            <a:extLst>
-              <a:ext uri="{FF2B5EF4-FFF2-40B4-BE49-F238E27FC236}">
-                <a16:creationId xmlns:a16="http://schemas.microsoft.com/office/drawing/2014/main" id="{02CA7F29-ACA6-A1CC-5B49-D9CCA334ED97}"/>
-              </a:ext>
-            </a:extLst>
-          </p:cNvPr>
-          <p:cNvSpPr/>
-          <p:nvPr/>
-        </p:nvSpPr>
-        <p:spPr>
-          <a:xfrm>
-            <a:off x="3001193" y="2021782"/>
-            <a:ext cx="3956954" cy="806326"/>
-          </a:xfrm>
-          <a:prstGeom prst="rect">
-            <a:avLst/>
-          </a:prstGeom>
-          <a:noFill/>
-          <a:ln w="57150">
-            <a:solidFill>
-              <a:srgbClr val="FFC000"/>
-            </a:solidFill>
-          </a:ln>
-        </p:spPr>
-        <p:style>
-          <a:lnRef idx="2">
-            <a:schemeClr val="accent1">
-              <a:shade val="15000"/>
-            </a:schemeClr>
-          </a:lnRef>
-          <a:fillRef idx="1">
-            <a:schemeClr val="accent1"/>
-          </a:fillRef>
-          <a:effectRef idx="0">
-            <a:schemeClr val="accent1"/>
-          </a:effectRef>
-          <a:fontRef idx="minor">
-            <a:schemeClr val="lt1"/>
-          </a:fontRef>
-        </p:style>
-        <p:txBody>
-          <a:bodyPr rtlCol="0" anchor="ctr"/>
-          <a:lstStyle/>
-          <a:p>
-            <a:pPr algn="ctr"/>
-            <a:endParaRPr lang="ko-KR" altLang="en-US" sz="1400" dirty="0">
-              <a:solidFill>
-                <a:schemeClr val="tx1"/>
-              </a:solidFill>
-            </a:endParaRPr>
-          </a:p>
-        </p:txBody>
-      </p:sp>
-      <p:sp>
-        <p:nvSpPr>
-          <p:cNvPr id="7" name="TextBox 6">
-            <a:extLst>
-              <a:ext uri="{FF2B5EF4-FFF2-40B4-BE49-F238E27FC236}">
-                <a16:creationId xmlns:a16="http://schemas.microsoft.com/office/drawing/2014/main" id="{0D7E04C8-006C-2675-C3FC-A24E9F41D684}"/>
-              </a:ext>
-            </a:extLst>
-          </p:cNvPr>
-          <p:cNvSpPr txBox="1"/>
-          <p:nvPr/>
-        </p:nvSpPr>
-        <p:spPr>
-          <a:xfrm>
-            <a:off x="3409475" y="3387244"/>
-            <a:ext cx="3461589" cy="923330"/>
-          </a:xfrm>
-          <a:prstGeom prst="rect">
-            <a:avLst/>
-          </a:prstGeom>
-          <a:noFill/>
-        </p:spPr>
-        <p:txBody>
-          <a:bodyPr wrap="none" rtlCol="0">
-            <a:spAutoFit/>
-          </a:bodyPr>
-          <a:lstStyle/>
-          <a:p>
-            <a:r>
-              <a:rPr lang="en-US" altLang="ko-KR" dirty="0"/>
-              <a:t>Simple Contract Account</a:t>
-            </a:r>
-          </a:p>
-          <a:p>
-            <a:pPr marL="285750" indent="-285750">
-              <a:buFont typeface="Wingdings" panose="05000000000000000000" pitchFamily="2" charset="2"/>
-              <a:buChar char="è"/>
-            </a:pPr>
-            <a:r>
-              <a:rPr lang="en-US" altLang="ko-KR" dirty="0" err="1"/>
-              <a:t>EntryPoint</a:t>
-            </a:r>
-            <a:endParaRPr lang="en-US" altLang="ko-KR" dirty="0"/>
-          </a:p>
-          <a:p>
-            <a:pPr marL="285750" indent="-285750">
-              <a:buFont typeface="Wingdings" panose="05000000000000000000" pitchFamily="2" charset="2"/>
-              <a:buChar char="è"/>
-            </a:pPr>
-            <a:r>
-              <a:rPr lang="en-US" altLang="ko-KR" dirty="0"/>
-              <a:t>beneficiary(bundler account)</a:t>
-            </a:r>
-            <a:endParaRPr lang="ko-KR" altLang="en-US" dirty="0"/>
-          </a:p>
-        </p:txBody>
-      </p:sp>
-      <p:cxnSp>
-        <p:nvCxnSpPr>
-          <p:cNvPr id="28" name="직선 화살표 연결선 27">
-            <a:extLst>
-              <a:ext uri="{FF2B5EF4-FFF2-40B4-BE49-F238E27FC236}">
-                <a16:creationId xmlns:a16="http://schemas.microsoft.com/office/drawing/2014/main" id="{F4BE0B5A-9ECF-A7C2-1AE4-C7EFC3A48E83}"/>
-              </a:ext>
-            </a:extLst>
-          </p:cNvPr>
-          <p:cNvCxnSpPr/>
-          <p:nvPr/>
-        </p:nvCxnSpPr>
-        <p:spPr>
-          <a:xfrm flipH="1">
-            <a:off x="3526790" y="3196641"/>
-            <a:ext cx="2926080" cy="0"/>
-          </a:xfrm>
-          <a:prstGeom prst="straightConnector1">
-            <a:avLst/>
-          </a:prstGeom>
-          <a:ln w="57150">
-            <a:tailEnd type="triangle"/>
-          </a:ln>
-        </p:spPr>
-        <p:style>
-          <a:lnRef idx="2">
-            <a:schemeClr val="accent1"/>
-          </a:lnRef>
-          <a:fillRef idx="0">
-            <a:schemeClr val="accent1"/>
-          </a:fillRef>
-          <a:effectRef idx="1">
-            <a:schemeClr val="accent1"/>
-          </a:effectRef>
-          <a:fontRef idx="minor">
-            <a:schemeClr val="tx1"/>
-          </a:fontRef>
-        </p:style>
-      </p:cxnSp>
-      <p:sp>
-        <p:nvSpPr>
-          <p:cNvPr id="2" name="직사각형 1">
-            <a:extLst>
-              <a:ext uri="{FF2B5EF4-FFF2-40B4-BE49-F238E27FC236}">
-                <a16:creationId xmlns:a16="http://schemas.microsoft.com/office/drawing/2014/main" id="{09EA4D73-1D5A-AA39-2B98-1E254539B3F8}"/>
-              </a:ext>
-            </a:extLst>
-          </p:cNvPr>
-          <p:cNvSpPr/>
-          <p:nvPr/>
-        </p:nvSpPr>
-        <p:spPr>
-          <a:xfrm>
-            <a:off x="465909" y="745915"/>
-            <a:ext cx="3775165" cy="369332"/>
-          </a:xfrm>
-          <a:prstGeom prst="rect">
-            <a:avLst/>
-          </a:prstGeom>
-          <a:noFill/>
-          <a:ln w="57150">
-            <a:solidFill>
-              <a:srgbClr val="0B76A0"/>
-            </a:solidFill>
-          </a:ln>
-        </p:spPr>
-        <p:style>
-          <a:lnRef idx="2">
-            <a:schemeClr val="accent1">
-              <a:shade val="15000"/>
-            </a:schemeClr>
-          </a:lnRef>
-          <a:fillRef idx="1">
-            <a:schemeClr val="accent1"/>
-          </a:fillRef>
-          <a:effectRef idx="0">
-            <a:schemeClr val="accent1"/>
-          </a:effectRef>
-          <a:fontRef idx="minor">
-            <a:schemeClr val="lt1"/>
-          </a:fontRef>
-        </p:style>
-        <p:txBody>
-          <a:bodyPr rtlCol="0" anchor="ctr"/>
-          <a:lstStyle/>
-          <a:p>
-            <a:pPr algn="ctr"/>
-            <a:r>
-              <a:rPr lang="en-US" altLang="ko-KR" sz="1600" b="1" dirty="0">
-                <a:solidFill>
-                  <a:schemeClr val="tx1"/>
-                </a:solidFill>
-              </a:rPr>
-              <a:t>Gas Fee : without Paymaster</a:t>
-            </a:r>
-            <a:endParaRPr lang="ko-KR" altLang="en-US" sz="1600" b="1" dirty="0">
-              <a:solidFill>
-                <a:schemeClr val="tx1"/>
-              </a:solidFill>
-            </a:endParaRPr>
-          </a:p>
-        </p:txBody>
-      </p:sp>
-    </p:spTree>
-    <p:extLst>
-      <p:ext uri="{BB962C8B-B14F-4D97-AF65-F5344CB8AC3E}">
-        <p14:creationId xmlns:p14="http://schemas.microsoft.com/office/powerpoint/2010/main" val="544555986"/>
       </p:ext>
     </p:extLst>
   </p:cSld>

--- a/ERC4337.pptx
+++ b/ERC4337.pptx
@@ -277,7 +277,7 @@
           <a:p>
             <a:fld id="{A08D1B0F-02AC-4195-A768-B4986CE95E63}" type="datetimeFigureOut">
               <a:rPr lang="ko-KR" altLang="en-US" smtClean="0"/>
-              <a:t>2024-03-05</a:t>
+              <a:t>2024-03-14</a:t>
             </a:fld>
             <a:endParaRPr lang="ko-KR" altLang="en-US"/>
           </a:p>
@@ -475,7 +475,7 @@
           <a:p>
             <a:fld id="{A08D1B0F-02AC-4195-A768-B4986CE95E63}" type="datetimeFigureOut">
               <a:rPr lang="ko-KR" altLang="en-US" smtClean="0"/>
-              <a:t>2024-03-05</a:t>
+              <a:t>2024-03-14</a:t>
             </a:fld>
             <a:endParaRPr lang="ko-KR" altLang="en-US"/>
           </a:p>
@@ -683,7 +683,7 @@
           <a:p>
             <a:fld id="{A08D1B0F-02AC-4195-A768-B4986CE95E63}" type="datetimeFigureOut">
               <a:rPr lang="ko-KR" altLang="en-US" smtClean="0"/>
-              <a:t>2024-03-05</a:t>
+              <a:t>2024-03-14</a:t>
             </a:fld>
             <a:endParaRPr lang="ko-KR" altLang="en-US"/>
           </a:p>
@@ -881,7 +881,7 @@
           <a:p>
             <a:fld id="{A08D1B0F-02AC-4195-A768-B4986CE95E63}" type="datetimeFigureOut">
               <a:rPr lang="ko-KR" altLang="en-US" smtClean="0"/>
-              <a:t>2024-03-05</a:t>
+              <a:t>2024-03-14</a:t>
             </a:fld>
             <a:endParaRPr lang="ko-KR" altLang="en-US"/>
           </a:p>
@@ -1156,7 +1156,7 @@
           <a:p>
             <a:fld id="{A08D1B0F-02AC-4195-A768-B4986CE95E63}" type="datetimeFigureOut">
               <a:rPr lang="ko-KR" altLang="en-US" smtClean="0"/>
-              <a:t>2024-03-05</a:t>
+              <a:t>2024-03-14</a:t>
             </a:fld>
             <a:endParaRPr lang="ko-KR" altLang="en-US"/>
           </a:p>
@@ -1421,7 +1421,7 @@
           <a:p>
             <a:fld id="{A08D1B0F-02AC-4195-A768-B4986CE95E63}" type="datetimeFigureOut">
               <a:rPr lang="ko-KR" altLang="en-US" smtClean="0"/>
-              <a:t>2024-03-05</a:t>
+              <a:t>2024-03-14</a:t>
             </a:fld>
             <a:endParaRPr lang="ko-KR" altLang="en-US"/>
           </a:p>
@@ -1833,7 +1833,7 @@
           <a:p>
             <a:fld id="{A08D1B0F-02AC-4195-A768-B4986CE95E63}" type="datetimeFigureOut">
               <a:rPr lang="ko-KR" altLang="en-US" smtClean="0"/>
-              <a:t>2024-03-05</a:t>
+              <a:t>2024-03-14</a:t>
             </a:fld>
             <a:endParaRPr lang="ko-KR" altLang="en-US"/>
           </a:p>
@@ -1974,7 +1974,7 @@
           <a:p>
             <a:fld id="{A08D1B0F-02AC-4195-A768-B4986CE95E63}" type="datetimeFigureOut">
               <a:rPr lang="ko-KR" altLang="en-US" smtClean="0"/>
-              <a:t>2024-03-05</a:t>
+              <a:t>2024-03-14</a:t>
             </a:fld>
             <a:endParaRPr lang="ko-KR" altLang="en-US"/>
           </a:p>
@@ -2087,7 +2087,7 @@
           <a:p>
             <a:fld id="{A08D1B0F-02AC-4195-A768-B4986CE95E63}" type="datetimeFigureOut">
               <a:rPr lang="ko-KR" altLang="en-US" smtClean="0"/>
-              <a:t>2024-03-05</a:t>
+              <a:t>2024-03-14</a:t>
             </a:fld>
             <a:endParaRPr lang="ko-KR" altLang="en-US"/>
           </a:p>
@@ -2398,7 +2398,7 @@
           <a:p>
             <a:fld id="{A08D1B0F-02AC-4195-A768-B4986CE95E63}" type="datetimeFigureOut">
               <a:rPr lang="ko-KR" altLang="en-US" smtClean="0"/>
-              <a:t>2024-03-05</a:t>
+              <a:t>2024-03-14</a:t>
             </a:fld>
             <a:endParaRPr lang="ko-KR" altLang="en-US"/>
           </a:p>
@@ -2686,7 +2686,7 @@
           <a:p>
             <a:fld id="{A08D1B0F-02AC-4195-A768-B4986CE95E63}" type="datetimeFigureOut">
               <a:rPr lang="ko-KR" altLang="en-US" smtClean="0"/>
-              <a:t>2024-03-05</a:t>
+              <a:t>2024-03-14</a:t>
             </a:fld>
             <a:endParaRPr lang="ko-KR" altLang="en-US"/>
           </a:p>
@@ -2927,7 +2927,7 @@
           <a:p>
             <a:fld id="{A08D1B0F-02AC-4195-A768-B4986CE95E63}" type="datetimeFigureOut">
               <a:rPr lang="ko-KR" altLang="en-US" smtClean="0"/>
-              <a:t>2024-03-05</a:t>
+              <a:t>2024-03-14</a:t>
             </a:fld>
             <a:endParaRPr lang="ko-KR" altLang="en-US"/>
           </a:p>
@@ -4237,8 +4237,8 @@
         </p:nvSpPr>
         <p:spPr>
           <a:xfrm>
-            <a:off x="3001193" y="2021782"/>
-            <a:ext cx="3956954" cy="806326"/>
+            <a:off x="4241073" y="2021782"/>
+            <a:ext cx="2717073" cy="806326"/>
           </a:xfrm>
           <a:prstGeom prst="rect">
             <a:avLst/>
@@ -4552,7 +4552,7 @@
         </p:nvSpPr>
         <p:spPr>
           <a:xfrm>
-            <a:off x="7102929" y="2479604"/>
+            <a:off x="5773913" y="2479604"/>
             <a:ext cx="1101632" cy="661851"/>
           </a:xfrm>
           <a:prstGeom prst="rect">
@@ -4615,7 +4615,7 @@
         </p:nvSpPr>
         <p:spPr>
           <a:xfrm>
-            <a:off x="4354286" y="2484351"/>
+            <a:off x="3025270" y="2484351"/>
             <a:ext cx="1258388" cy="661851"/>
           </a:xfrm>
           <a:prstGeom prst="rect">
@@ -4675,7 +4675,7 @@
         </p:nvSpPr>
         <p:spPr>
           <a:xfrm>
-            <a:off x="1841862" y="2484351"/>
+            <a:off x="512846" y="2484351"/>
             <a:ext cx="1014549" cy="661851"/>
           </a:xfrm>
           <a:prstGeom prst="rect">
@@ -4735,7 +4735,7 @@
         </p:nvSpPr>
         <p:spPr>
           <a:xfrm>
-            <a:off x="3095896" y="2484351"/>
+            <a:off x="1766880" y="2484351"/>
             <a:ext cx="1014549" cy="661851"/>
           </a:xfrm>
           <a:prstGeom prst="rect">
@@ -4791,10 +4791,10 @@
       </p:sp>
       <p:sp>
         <p:nvSpPr>
-          <p:cNvPr id="25" name="직사각형 24">
-            <a:extLst>
-              <a:ext uri="{FF2B5EF4-FFF2-40B4-BE49-F238E27FC236}">
-                <a16:creationId xmlns:a16="http://schemas.microsoft.com/office/drawing/2014/main" id="{BE8F756D-4106-DF54-C1F0-8B48BB0C21AD}"/>
+          <p:cNvPr id="40" name="직사각형 39">
+            <a:extLst>
+              <a:ext uri="{FF2B5EF4-FFF2-40B4-BE49-F238E27FC236}">
+                <a16:creationId xmlns:a16="http://schemas.microsoft.com/office/drawing/2014/main" id="{2BD9E991-9F64-3EB0-71D9-7710BE232967}"/>
               </a:ext>
             </a:extLst>
           </p:cNvPr>
@@ -4803,14 +4803,18 @@
         </p:nvSpPr>
         <p:spPr>
           <a:xfrm>
-            <a:off x="587828" y="2484351"/>
-            <a:ext cx="1014549" cy="661851"/>
+            <a:off x="2912057" y="2407367"/>
+            <a:ext cx="2717073" cy="806326"/>
           </a:xfrm>
           <a:prstGeom prst="rect">
             <a:avLst/>
           </a:prstGeom>
           <a:noFill/>
-          <a:ln w="57150"/>
+          <a:ln w="57150">
+            <a:solidFill>
+              <a:srgbClr val="FFC000"/>
+            </a:solidFill>
+          </a:ln>
         </p:spPr>
         <p:style>
           <a:lnRef idx="2">
@@ -4833,14 +4837,6 @@
           <a:lstStyle/>
           <a:p>
             <a:pPr algn="ctr"/>
-            <a:r>
-              <a:rPr lang="en-US" altLang="ko-KR" sz="1400" dirty="0">
-                <a:solidFill>
-                  <a:schemeClr val="tx1"/>
-                </a:solidFill>
-              </a:rPr>
-              <a:t>EOA</a:t>
-            </a:r>
             <a:endParaRPr lang="ko-KR" altLang="en-US" sz="1400" dirty="0">
               <a:solidFill>
                 <a:schemeClr val="tx1"/>
@@ -4851,10 +4847,10 @@
       </p:sp>
       <p:sp>
         <p:nvSpPr>
-          <p:cNvPr id="27" name="직사각형 26">
-            <a:extLst>
-              <a:ext uri="{FF2B5EF4-FFF2-40B4-BE49-F238E27FC236}">
-                <a16:creationId xmlns:a16="http://schemas.microsoft.com/office/drawing/2014/main" id="{91004ADC-72CB-2A3E-07A6-6D3348F11380}"/>
+          <p:cNvPr id="41" name="직사각형 40">
+            <a:extLst>
+              <a:ext uri="{FF2B5EF4-FFF2-40B4-BE49-F238E27FC236}">
+                <a16:creationId xmlns:a16="http://schemas.microsoft.com/office/drawing/2014/main" id="{A9125ACA-CA40-32DA-2706-1AD3B4BF451E}"/>
               </a:ext>
             </a:extLst>
           </p:cNvPr>
@@ -4863,17 +4859,17 @@
         </p:nvSpPr>
         <p:spPr>
           <a:xfrm>
-            <a:off x="465909" y="1500833"/>
-            <a:ext cx="1254034" cy="369332"/>
+            <a:off x="465909" y="745915"/>
+            <a:ext cx="3775165" cy="369332"/>
           </a:xfrm>
           <a:prstGeom prst="rect">
             <a:avLst/>
           </a:prstGeom>
-          <a:solidFill>
-            <a:schemeClr val="bg2"/>
-          </a:solidFill>
-          <a:ln>
-            <a:noFill/>
+          <a:noFill/>
+          <a:ln w="57150">
+            <a:solidFill>
+              <a:srgbClr val="0B76A0"/>
+            </a:solidFill>
           </a:ln>
         </p:spPr>
         <p:style>
@@ -4903,7 +4899,7 @@
                   <a:schemeClr val="tx1"/>
                 </a:solidFill>
               </a:rPr>
-              <a:t>AA</a:t>
+              <a:t>Gas Fee : with Paymaster</a:t>
             </a:r>
             <a:endParaRPr lang="ko-KR" altLang="en-US" sz="1600" b="1" dirty="0">
               <a:solidFill>
@@ -4915,10 +4911,10 @@
       </p:sp>
       <p:sp>
         <p:nvSpPr>
-          <p:cNvPr id="40" name="직사각형 39">
-            <a:extLst>
-              <a:ext uri="{FF2B5EF4-FFF2-40B4-BE49-F238E27FC236}">
-                <a16:creationId xmlns:a16="http://schemas.microsoft.com/office/drawing/2014/main" id="{2BD9E991-9F64-3EB0-71D9-7710BE232967}"/>
+          <p:cNvPr id="2" name="직사각형 1">
+            <a:extLst>
+              <a:ext uri="{FF2B5EF4-FFF2-40B4-BE49-F238E27FC236}">
+                <a16:creationId xmlns:a16="http://schemas.microsoft.com/office/drawing/2014/main" id="{502CCAF8-47AC-D398-397C-6F6E1CF4E5F5}"/>
               </a:ext>
             </a:extLst>
           </p:cNvPr>
@@ -4927,127 +4923,7 @@
         </p:nvSpPr>
         <p:spPr>
           <a:xfrm>
-            <a:off x="3001193" y="2407367"/>
-            <a:ext cx="3956954" cy="806326"/>
-          </a:xfrm>
-          <a:prstGeom prst="rect">
-            <a:avLst/>
-          </a:prstGeom>
-          <a:noFill/>
-          <a:ln w="57150">
-            <a:solidFill>
-              <a:srgbClr val="FFC000"/>
-            </a:solidFill>
-          </a:ln>
-        </p:spPr>
-        <p:style>
-          <a:lnRef idx="2">
-            <a:schemeClr val="accent1">
-              <a:shade val="15000"/>
-            </a:schemeClr>
-          </a:lnRef>
-          <a:fillRef idx="1">
-            <a:schemeClr val="accent1"/>
-          </a:fillRef>
-          <a:effectRef idx="0">
-            <a:schemeClr val="accent1"/>
-          </a:effectRef>
-          <a:fontRef idx="minor">
-            <a:schemeClr val="lt1"/>
-          </a:fontRef>
-        </p:style>
-        <p:txBody>
-          <a:bodyPr rtlCol="0" anchor="ctr"/>
-          <a:lstStyle/>
-          <a:p>
-            <a:pPr algn="ctr"/>
-            <a:endParaRPr lang="ko-KR" altLang="en-US" sz="1400" dirty="0">
-              <a:solidFill>
-                <a:schemeClr val="tx1"/>
-              </a:solidFill>
-            </a:endParaRPr>
-          </a:p>
-        </p:txBody>
-      </p:sp>
-      <p:sp>
-        <p:nvSpPr>
-          <p:cNvPr id="41" name="직사각형 40">
-            <a:extLst>
-              <a:ext uri="{FF2B5EF4-FFF2-40B4-BE49-F238E27FC236}">
-                <a16:creationId xmlns:a16="http://schemas.microsoft.com/office/drawing/2014/main" id="{A9125ACA-CA40-32DA-2706-1AD3B4BF451E}"/>
-              </a:ext>
-            </a:extLst>
-          </p:cNvPr>
-          <p:cNvSpPr/>
-          <p:nvPr/>
-        </p:nvSpPr>
-        <p:spPr>
-          <a:xfrm>
-            <a:off x="465909" y="745915"/>
-            <a:ext cx="3775165" cy="369332"/>
-          </a:xfrm>
-          <a:prstGeom prst="rect">
-            <a:avLst/>
-          </a:prstGeom>
-          <a:noFill/>
-          <a:ln w="57150">
-            <a:solidFill>
-              <a:srgbClr val="0B76A0"/>
-            </a:solidFill>
-          </a:ln>
-        </p:spPr>
-        <p:style>
-          <a:lnRef idx="2">
-            <a:schemeClr val="accent1">
-              <a:shade val="15000"/>
-            </a:schemeClr>
-          </a:lnRef>
-          <a:fillRef idx="1">
-            <a:schemeClr val="accent1"/>
-          </a:fillRef>
-          <a:effectRef idx="0">
-            <a:schemeClr val="accent1"/>
-          </a:effectRef>
-          <a:fontRef idx="minor">
-            <a:schemeClr val="lt1"/>
-          </a:fontRef>
-        </p:style>
-        <p:txBody>
-          <a:bodyPr rtlCol="0" anchor="ctr"/>
-          <a:lstStyle/>
-          <a:p>
-            <a:pPr algn="ctr"/>
-            <a:r>
-              <a:rPr lang="en-US" altLang="ko-KR" sz="1600" b="1" dirty="0">
-                <a:solidFill>
-                  <a:schemeClr val="tx1"/>
-                </a:solidFill>
-              </a:rPr>
-              <a:t>Gas Fee : with Paymaster</a:t>
-            </a:r>
-            <a:endParaRPr lang="ko-KR" altLang="en-US" sz="1600" b="1" dirty="0">
-              <a:solidFill>
-                <a:schemeClr val="tx1"/>
-              </a:solidFill>
-            </a:endParaRPr>
-          </a:p>
-        </p:txBody>
-      </p:sp>
-      <p:sp>
-        <p:nvSpPr>
-          <p:cNvPr id="2" name="직사각형 1">
-            <a:extLst>
-              <a:ext uri="{FF2B5EF4-FFF2-40B4-BE49-F238E27FC236}">
-                <a16:creationId xmlns:a16="http://schemas.microsoft.com/office/drawing/2014/main" id="{502CCAF8-47AC-D398-397C-6F6E1CF4E5F5}"/>
-              </a:ext>
-            </a:extLst>
-          </p:cNvPr>
-          <p:cNvSpPr/>
-          <p:nvPr/>
-        </p:nvSpPr>
-        <p:spPr>
-          <a:xfrm>
-            <a:off x="5856515" y="2484946"/>
+            <a:off x="4527499" y="2484946"/>
             <a:ext cx="1014549" cy="661851"/>
           </a:xfrm>
           <a:prstGeom prst="rect">
@@ -5117,16 +4993,15 @@
           </p:cNvPicPr>
           <p:nvPr/>
         </p:nvPicPr>
-        <p:blipFill>
+        <p:blipFill rotWithShape="1">
           <a:blip r:embed="rId3"/>
-          <a:stretch>
-            <a:fillRect/>
-          </a:stretch>
+          <a:srcRect r="4343"/>
+          <a:stretch/>
         </p:blipFill>
         <p:spPr>
           <a:xfrm>
-            <a:off x="1888799" y="1409235"/>
-            <a:ext cx="7935432" cy="552527"/>
+            <a:off x="512846" y="1409235"/>
+            <a:ext cx="7590828" cy="552527"/>
           </a:xfrm>
           <a:prstGeom prst="rect">
             <a:avLst/>
@@ -5149,7 +5024,7 @@
         </p:nvCxnSpPr>
         <p:spPr>
           <a:xfrm flipV="1">
-            <a:off x="2349137" y="1987889"/>
+            <a:off x="973184" y="1987889"/>
             <a:ext cx="0" cy="432000"/>
           </a:xfrm>
           <a:prstGeom prst="straightConnector1">
@@ -5194,7 +5069,7 @@
         </p:nvSpPr>
         <p:spPr>
           <a:xfrm>
-            <a:off x="7102929" y="3873300"/>
+            <a:off x="5773913" y="4262388"/>
             <a:ext cx="1101632" cy="661851"/>
           </a:xfrm>
           <a:prstGeom prst="rect">
@@ -5258,10 +5133,10 @@
       </p:sp>
       <p:sp>
         <p:nvSpPr>
-          <p:cNvPr id="19" name="TextBox 18">
-            <a:extLst>
-              <a:ext uri="{FF2B5EF4-FFF2-40B4-BE49-F238E27FC236}">
-                <a16:creationId xmlns:a16="http://schemas.microsoft.com/office/drawing/2014/main" id="{3E8B8E68-1D3E-9935-47B2-55C956DD7AFD}"/>
+          <p:cNvPr id="3" name="TextBox 2">
+            <a:extLst>
+              <a:ext uri="{FF2B5EF4-FFF2-40B4-BE49-F238E27FC236}">
+                <a16:creationId xmlns:a16="http://schemas.microsoft.com/office/drawing/2014/main" id="{FE814D4A-CE58-9E4B-0A46-34215DFCDDF2}"/>
               </a:ext>
             </a:extLst>
           </p:cNvPr>
@@ -5270,8 +5145,8 @@
         </p:nvSpPr>
         <p:spPr>
           <a:xfrm>
-            <a:off x="7330579" y="3322711"/>
-            <a:ext cx="646331" cy="369332"/>
+            <a:off x="472170" y="3334963"/>
+            <a:ext cx="1055225" cy="738664"/>
           </a:xfrm>
           <a:prstGeom prst="rect">
             <a:avLst/>
@@ -5285,115 +5160,26 @@
           <a:lstStyle/>
           <a:p>
             <a:r>
-              <a:rPr lang="ko-KR" altLang="en-US" dirty="0"/>
-              <a:t>또는</a:t>
-            </a:r>
-          </a:p>
-        </p:txBody>
-      </p:sp>
-      <p:sp>
-        <p:nvSpPr>
-          <p:cNvPr id="3" name="TextBox 2">
-            <a:extLst>
-              <a:ext uri="{FF2B5EF4-FFF2-40B4-BE49-F238E27FC236}">
-                <a16:creationId xmlns:a16="http://schemas.microsoft.com/office/drawing/2014/main" id="{FE814D4A-CE58-9E4B-0A46-34215DFCDDF2}"/>
-              </a:ext>
-            </a:extLst>
-          </p:cNvPr>
-          <p:cNvSpPr txBox="1"/>
-          <p:nvPr/>
-        </p:nvSpPr>
-        <p:spPr>
-          <a:xfrm>
-            <a:off x="4354286" y="3692043"/>
-            <a:ext cx="1766574" cy="923330"/>
-          </a:xfrm>
-          <a:prstGeom prst="rect">
-            <a:avLst/>
-          </a:prstGeom>
-          <a:noFill/>
-        </p:spPr>
-        <p:txBody>
-          <a:bodyPr wrap="none" rtlCol="0">
-            <a:spAutoFit/>
-          </a:bodyPr>
-          <a:lstStyle/>
-          <a:p>
-            <a:r>
-              <a:rPr lang="ko-KR" altLang="en-US" dirty="0"/>
-              <a:t>검증</a:t>
-            </a:r>
-            <a:endParaRPr lang="en-US" altLang="ko-KR" dirty="0"/>
-          </a:p>
-          <a:p>
-            <a:pPr marL="285750" indent="-285750">
-              <a:buFont typeface="Wingdings" panose="05000000000000000000" pitchFamily="2" charset="2"/>
-              <a:buChar char="è"/>
-            </a:pPr>
-            <a:r>
-              <a:rPr lang="en-US" altLang="ko-KR" dirty="0"/>
-              <a:t>ERC-20 </a:t>
-            </a:r>
-            <a:r>
-              <a:rPr lang="ko-KR" altLang="en-US" dirty="0"/>
-              <a:t>잔액</a:t>
-            </a:r>
-            <a:endParaRPr lang="en-US" altLang="ko-KR" dirty="0"/>
-          </a:p>
-          <a:p>
-            <a:pPr marL="285750" indent="-285750">
-              <a:buFont typeface="Wingdings" panose="05000000000000000000" pitchFamily="2" charset="2"/>
-              <a:buChar char="è"/>
-            </a:pPr>
-            <a:r>
-              <a:rPr lang="en-US" altLang="ko-KR" dirty="0"/>
-              <a:t>whitelist</a:t>
-            </a:r>
-            <a:endParaRPr lang="ko-KR" altLang="en-US" dirty="0"/>
-          </a:p>
-        </p:txBody>
-      </p:sp>
-      <p:cxnSp>
-        <p:nvCxnSpPr>
-          <p:cNvPr id="5" name="직선 화살표 연결선 4">
-            <a:extLst>
-              <a:ext uri="{FF2B5EF4-FFF2-40B4-BE49-F238E27FC236}">
-                <a16:creationId xmlns:a16="http://schemas.microsoft.com/office/drawing/2014/main" id="{4235305D-2B24-FB68-A756-F4C5D1FF2747}"/>
-              </a:ext>
-            </a:extLst>
-          </p:cNvPr>
-          <p:cNvCxnSpPr>
-            <a:cxnSpLocks/>
-          </p:cNvCxnSpPr>
-          <p:nvPr/>
-        </p:nvCxnSpPr>
-        <p:spPr>
-          <a:xfrm flipH="1">
-            <a:off x="3526790" y="3501440"/>
-            <a:ext cx="3431357" cy="0"/>
-          </a:xfrm>
-          <a:prstGeom prst="straightConnector1">
-            <a:avLst/>
-          </a:prstGeom>
-          <a:ln w="57150">
-            <a:tailEnd type="triangle"/>
-          </a:ln>
-        </p:spPr>
-        <p:style>
-          <a:lnRef idx="2">
-            <a:schemeClr val="accent1"/>
-          </a:lnRef>
-          <a:fillRef idx="0">
-            <a:schemeClr val="accent1"/>
-          </a:fillRef>
-          <a:effectRef idx="1">
-            <a:schemeClr val="accent1"/>
-          </a:effectRef>
-          <a:fontRef idx="minor">
-            <a:schemeClr val="tx1"/>
-          </a:fontRef>
-        </p:style>
-      </p:cxnSp>
+              <a:rPr lang="ko-KR" altLang="en-US" sz="1400" dirty="0"/>
+              <a:t>검증 방법</a:t>
+            </a:r>
+            <a:endParaRPr lang="en-US" altLang="ko-KR" sz="1400" dirty="0"/>
+          </a:p>
+          <a:p>
+            <a:r>
+              <a:rPr lang="en-US" altLang="ko-KR" sz="1400" dirty="0"/>
+              <a:t>1. ERC-20</a:t>
+            </a:r>
+          </a:p>
+          <a:p>
+            <a:r>
+              <a:rPr lang="en-US" altLang="ko-KR" sz="1400" dirty="0"/>
+              <a:t>2. whitelist</a:t>
+            </a:r>
+            <a:endParaRPr lang="ko-KR" altLang="en-US" sz="1400" dirty="0"/>
+          </a:p>
+        </p:txBody>
+      </p:sp>
       <p:pic>
         <p:nvPicPr>
           <p:cNvPr id="11" name="그림 10">
@@ -5416,14 +5202,588 @@
         </p:blipFill>
         <p:spPr>
           <a:xfrm>
-            <a:off x="8356963" y="2422776"/>
-            <a:ext cx="3667252" cy="2901048"/>
+            <a:off x="7244572" y="2014244"/>
+            <a:ext cx="4499282" cy="3559241"/>
           </a:xfrm>
           <a:prstGeom prst="rect">
             <a:avLst/>
           </a:prstGeom>
         </p:spPr>
       </p:pic>
+      <p:cxnSp>
+        <p:nvCxnSpPr>
+          <p:cNvPr id="10" name="연결선: 구부러짐 9">
+            <a:extLst>
+              <a:ext uri="{FF2B5EF4-FFF2-40B4-BE49-F238E27FC236}">
+                <a16:creationId xmlns:a16="http://schemas.microsoft.com/office/drawing/2014/main" id="{6090A60D-74E9-EE26-609F-C1701BF66CF9}"/>
+              </a:ext>
+            </a:extLst>
+          </p:cNvPr>
+          <p:cNvCxnSpPr>
+            <a:stCxn id="13" idx="0"/>
+            <a:endCxn id="14" idx="0"/>
+          </p:cNvCxnSpPr>
+          <p:nvPr/>
+        </p:nvCxnSpPr>
+        <p:spPr>
+          <a:xfrm rot="16200000" flipH="1" flipV="1">
+            <a:off x="4987223" y="1146844"/>
+            <a:ext cx="4747" cy="2670265"/>
+          </a:xfrm>
+          <a:prstGeom prst="curvedConnector3">
+            <a:avLst>
+              <a:gd name="adj1" fmla="val -7017106"/>
+            </a:avLst>
+          </a:prstGeom>
+          <a:ln w="57150">
+            <a:tailEnd type="triangle"/>
+          </a:ln>
+        </p:spPr>
+        <p:style>
+          <a:lnRef idx="2">
+            <a:schemeClr val="accent1"/>
+          </a:lnRef>
+          <a:fillRef idx="0">
+            <a:schemeClr val="accent1"/>
+          </a:fillRef>
+          <a:effectRef idx="1">
+            <a:schemeClr val="accent1"/>
+          </a:effectRef>
+          <a:fontRef idx="minor">
+            <a:schemeClr val="tx1"/>
+          </a:fontRef>
+        </p:style>
+      </p:cxnSp>
+      <p:cxnSp>
+        <p:nvCxnSpPr>
+          <p:cNvPr id="12" name="연결선: 구부러짐 11">
+            <a:extLst>
+              <a:ext uri="{FF2B5EF4-FFF2-40B4-BE49-F238E27FC236}">
+                <a16:creationId xmlns:a16="http://schemas.microsoft.com/office/drawing/2014/main" id="{205BFF45-48D7-4145-0736-F36ACCBEBD2A}"/>
+              </a:ext>
+            </a:extLst>
+          </p:cNvPr>
+          <p:cNvCxnSpPr>
+            <a:cxnSpLocks/>
+            <a:stCxn id="14" idx="0"/>
+            <a:endCxn id="23" idx="0"/>
+          </p:cNvCxnSpPr>
+          <p:nvPr/>
+        </p:nvCxnSpPr>
+        <p:spPr>
+          <a:xfrm rot="16200000" flipV="1">
+            <a:off x="2964310" y="1794196"/>
+            <a:ext cx="12700" cy="1380309"/>
+          </a:xfrm>
+          <a:prstGeom prst="curvedConnector3">
+            <a:avLst>
+              <a:gd name="adj1" fmla="val 2485693"/>
+            </a:avLst>
+          </a:prstGeom>
+          <a:ln w="57150">
+            <a:tailEnd type="triangle"/>
+          </a:ln>
+        </p:spPr>
+        <p:style>
+          <a:lnRef idx="2">
+            <a:schemeClr val="accent1"/>
+          </a:lnRef>
+          <a:fillRef idx="0">
+            <a:schemeClr val="accent1"/>
+          </a:fillRef>
+          <a:effectRef idx="1">
+            <a:schemeClr val="accent1"/>
+          </a:effectRef>
+          <a:fontRef idx="minor">
+            <a:schemeClr val="tx1"/>
+          </a:fontRef>
+        </p:style>
+      </p:cxnSp>
+      <p:sp>
+        <p:nvSpPr>
+          <p:cNvPr id="21" name="직사각형 20">
+            <a:extLst>
+              <a:ext uri="{FF2B5EF4-FFF2-40B4-BE49-F238E27FC236}">
+                <a16:creationId xmlns:a16="http://schemas.microsoft.com/office/drawing/2014/main" id="{24B1D4BF-5098-CB7C-9564-352F4E41084A}"/>
+              </a:ext>
+            </a:extLst>
+          </p:cNvPr>
+          <p:cNvSpPr/>
+          <p:nvPr/>
+        </p:nvSpPr>
+        <p:spPr>
+          <a:xfrm>
+            <a:off x="3025270" y="4262388"/>
+            <a:ext cx="1258388" cy="661851"/>
+          </a:xfrm>
+          <a:prstGeom prst="rect">
+            <a:avLst/>
+          </a:prstGeom>
+          <a:noFill/>
+          <a:ln w="57150"/>
+        </p:spPr>
+        <p:style>
+          <a:lnRef idx="2">
+            <a:schemeClr val="accent1">
+              <a:shade val="15000"/>
+            </a:schemeClr>
+          </a:lnRef>
+          <a:fillRef idx="1">
+            <a:schemeClr val="accent1"/>
+          </a:fillRef>
+          <a:effectRef idx="0">
+            <a:schemeClr val="accent1"/>
+          </a:effectRef>
+          <a:fontRef idx="minor">
+            <a:schemeClr val="lt1"/>
+          </a:fontRef>
+        </p:style>
+        <p:txBody>
+          <a:bodyPr rtlCol="0" anchor="ctr"/>
+          <a:lstStyle/>
+          <a:p>
+            <a:pPr algn="ctr"/>
+            <a:r>
+              <a:rPr lang="en-US" altLang="ko-KR" sz="1400" dirty="0">
+                <a:solidFill>
+                  <a:schemeClr val="tx1"/>
+                </a:solidFill>
+              </a:rPr>
+              <a:t>Entry Point</a:t>
+            </a:r>
+            <a:endParaRPr lang="ko-KR" altLang="en-US" sz="1400" dirty="0">
+              <a:solidFill>
+                <a:schemeClr val="tx1"/>
+              </a:solidFill>
+            </a:endParaRPr>
+          </a:p>
+        </p:txBody>
+      </p:sp>
+      <p:sp>
+        <p:nvSpPr>
+          <p:cNvPr id="22" name="직사각형 21">
+            <a:extLst>
+              <a:ext uri="{FF2B5EF4-FFF2-40B4-BE49-F238E27FC236}">
+                <a16:creationId xmlns:a16="http://schemas.microsoft.com/office/drawing/2014/main" id="{172C51DC-EDD8-12B8-BC58-496846221A25}"/>
+              </a:ext>
+            </a:extLst>
+          </p:cNvPr>
+          <p:cNvSpPr/>
+          <p:nvPr/>
+        </p:nvSpPr>
+        <p:spPr>
+          <a:xfrm>
+            <a:off x="512846" y="4262388"/>
+            <a:ext cx="1014549" cy="661851"/>
+          </a:xfrm>
+          <a:prstGeom prst="rect">
+            <a:avLst/>
+          </a:prstGeom>
+          <a:noFill/>
+          <a:ln w="57150"/>
+        </p:spPr>
+        <p:style>
+          <a:lnRef idx="2">
+            <a:schemeClr val="accent1">
+              <a:shade val="15000"/>
+            </a:schemeClr>
+          </a:lnRef>
+          <a:fillRef idx="1">
+            <a:schemeClr val="accent1"/>
+          </a:fillRef>
+          <a:effectRef idx="0">
+            <a:schemeClr val="accent1"/>
+          </a:effectRef>
+          <a:fontRef idx="minor">
+            <a:schemeClr val="lt1"/>
+          </a:fontRef>
+        </p:style>
+        <p:txBody>
+          <a:bodyPr rtlCol="0" anchor="ctr"/>
+          <a:lstStyle/>
+          <a:p>
+            <a:pPr algn="ctr"/>
+            <a:r>
+              <a:rPr lang="en-US" altLang="ko-KR" sz="1400" dirty="0" err="1">
+                <a:solidFill>
+                  <a:schemeClr val="tx1"/>
+                </a:solidFill>
+              </a:rPr>
+              <a:t>userOp</a:t>
+            </a:r>
+            <a:endParaRPr lang="ko-KR" altLang="en-US" sz="1400" dirty="0">
+              <a:solidFill>
+                <a:schemeClr val="tx1"/>
+              </a:solidFill>
+            </a:endParaRPr>
+          </a:p>
+        </p:txBody>
+      </p:sp>
+      <p:sp>
+        <p:nvSpPr>
+          <p:cNvPr id="24" name="직사각형 23">
+            <a:extLst>
+              <a:ext uri="{FF2B5EF4-FFF2-40B4-BE49-F238E27FC236}">
+                <a16:creationId xmlns:a16="http://schemas.microsoft.com/office/drawing/2014/main" id="{06B39B95-9DCF-66DA-82BB-3FDBFE17136D}"/>
+              </a:ext>
+            </a:extLst>
+          </p:cNvPr>
+          <p:cNvSpPr/>
+          <p:nvPr/>
+        </p:nvSpPr>
+        <p:spPr>
+          <a:xfrm>
+            <a:off x="1766880" y="4262388"/>
+            <a:ext cx="1014549" cy="661851"/>
+          </a:xfrm>
+          <a:prstGeom prst="rect">
+            <a:avLst/>
+          </a:prstGeom>
+          <a:noFill/>
+          <a:ln w="57150">
+            <a:solidFill>
+              <a:srgbClr val="00B050"/>
+            </a:solidFill>
+          </a:ln>
+        </p:spPr>
+        <p:style>
+          <a:lnRef idx="2">
+            <a:schemeClr val="accent1">
+              <a:shade val="15000"/>
+            </a:schemeClr>
+          </a:lnRef>
+          <a:fillRef idx="1">
+            <a:schemeClr val="accent1"/>
+          </a:fillRef>
+          <a:effectRef idx="0">
+            <a:schemeClr val="accent1"/>
+          </a:effectRef>
+          <a:fontRef idx="minor">
+            <a:schemeClr val="lt1"/>
+          </a:fontRef>
+        </p:style>
+        <p:txBody>
+          <a:bodyPr rtlCol="0" anchor="ctr"/>
+          <a:lstStyle/>
+          <a:p>
+            <a:pPr algn="ctr"/>
+            <a:r>
+              <a:rPr lang="en-US" altLang="ko-KR" sz="1400" b="1" dirty="0">
+                <a:solidFill>
+                  <a:schemeClr val="accent4">
+                    <a:lumMod val="75000"/>
+                  </a:schemeClr>
+                </a:solidFill>
+              </a:rPr>
+              <a:t>Bundler</a:t>
+            </a:r>
+            <a:endParaRPr lang="ko-KR" altLang="en-US" sz="1400" b="1" dirty="0">
+              <a:solidFill>
+                <a:schemeClr val="accent4">
+                  <a:lumMod val="75000"/>
+                </a:schemeClr>
+              </a:solidFill>
+            </a:endParaRPr>
+          </a:p>
+        </p:txBody>
+      </p:sp>
+      <p:sp>
+        <p:nvSpPr>
+          <p:cNvPr id="26" name="직사각형 25">
+            <a:extLst>
+              <a:ext uri="{FF2B5EF4-FFF2-40B4-BE49-F238E27FC236}">
+                <a16:creationId xmlns:a16="http://schemas.microsoft.com/office/drawing/2014/main" id="{F39CABFA-4A9B-7463-F33A-8D2CB5E3E1D8}"/>
+              </a:ext>
+            </a:extLst>
+          </p:cNvPr>
+          <p:cNvSpPr/>
+          <p:nvPr/>
+        </p:nvSpPr>
+        <p:spPr>
+          <a:xfrm>
+            <a:off x="2912057" y="4185404"/>
+            <a:ext cx="2717073" cy="806326"/>
+          </a:xfrm>
+          <a:prstGeom prst="rect">
+            <a:avLst/>
+          </a:prstGeom>
+          <a:noFill/>
+          <a:ln w="57150">
+            <a:solidFill>
+              <a:srgbClr val="FFC000"/>
+            </a:solidFill>
+          </a:ln>
+        </p:spPr>
+        <p:style>
+          <a:lnRef idx="2">
+            <a:schemeClr val="accent1">
+              <a:shade val="15000"/>
+            </a:schemeClr>
+          </a:lnRef>
+          <a:fillRef idx="1">
+            <a:schemeClr val="accent1"/>
+          </a:fillRef>
+          <a:effectRef idx="0">
+            <a:schemeClr val="accent1"/>
+          </a:effectRef>
+          <a:fontRef idx="minor">
+            <a:schemeClr val="lt1"/>
+          </a:fontRef>
+        </p:style>
+        <p:txBody>
+          <a:bodyPr rtlCol="0" anchor="ctr"/>
+          <a:lstStyle/>
+          <a:p>
+            <a:pPr algn="ctr"/>
+            <a:endParaRPr lang="ko-KR" altLang="en-US" sz="1400" dirty="0">
+              <a:solidFill>
+                <a:schemeClr val="tx1"/>
+              </a:solidFill>
+            </a:endParaRPr>
+          </a:p>
+        </p:txBody>
+      </p:sp>
+      <p:sp>
+        <p:nvSpPr>
+          <p:cNvPr id="28" name="직사각형 27">
+            <a:extLst>
+              <a:ext uri="{FF2B5EF4-FFF2-40B4-BE49-F238E27FC236}">
+                <a16:creationId xmlns:a16="http://schemas.microsoft.com/office/drawing/2014/main" id="{917C9EDD-28FA-598D-1C11-1DB1AACF7770}"/>
+              </a:ext>
+            </a:extLst>
+          </p:cNvPr>
+          <p:cNvSpPr/>
+          <p:nvPr/>
+        </p:nvSpPr>
+        <p:spPr>
+          <a:xfrm>
+            <a:off x="4527499" y="4262983"/>
+            <a:ext cx="1014549" cy="661851"/>
+          </a:xfrm>
+          <a:prstGeom prst="rect">
+            <a:avLst/>
+          </a:prstGeom>
+          <a:noFill/>
+          <a:ln w="57150">
+            <a:solidFill>
+              <a:schemeClr val="accent5">
+                <a:lumMod val="75000"/>
+              </a:schemeClr>
+            </a:solidFill>
+          </a:ln>
+        </p:spPr>
+        <p:style>
+          <a:lnRef idx="2">
+            <a:schemeClr val="accent1">
+              <a:shade val="15000"/>
+            </a:schemeClr>
+          </a:lnRef>
+          <a:fillRef idx="1">
+            <a:schemeClr val="accent1"/>
+          </a:fillRef>
+          <a:effectRef idx="0">
+            <a:schemeClr val="accent1"/>
+          </a:effectRef>
+          <a:fontRef idx="minor">
+            <a:schemeClr val="lt1"/>
+          </a:fontRef>
+        </p:style>
+        <p:txBody>
+          <a:bodyPr rtlCol="0" anchor="ctr"/>
+          <a:lstStyle/>
+          <a:p>
+            <a:pPr algn="ctr"/>
+            <a:r>
+              <a:rPr lang="en-US" altLang="ko-KR" sz="1400" b="1" dirty="0">
+                <a:solidFill>
+                  <a:schemeClr val="accent4">
+                    <a:lumMod val="75000"/>
+                  </a:schemeClr>
+                </a:solidFill>
+              </a:rPr>
+              <a:t>S_A_C</a:t>
+            </a:r>
+            <a:endParaRPr lang="ko-KR" altLang="en-US" sz="1400" b="1" dirty="0">
+              <a:solidFill>
+                <a:schemeClr val="accent4">
+                  <a:lumMod val="75000"/>
+                </a:schemeClr>
+              </a:solidFill>
+            </a:endParaRPr>
+          </a:p>
+        </p:txBody>
+      </p:sp>
+      <p:cxnSp>
+        <p:nvCxnSpPr>
+          <p:cNvPr id="29" name="연결선: 구부러짐 28">
+            <a:extLst>
+              <a:ext uri="{FF2B5EF4-FFF2-40B4-BE49-F238E27FC236}">
+                <a16:creationId xmlns:a16="http://schemas.microsoft.com/office/drawing/2014/main" id="{274E822B-8216-67AF-EAFB-A50C6EE05B21}"/>
+              </a:ext>
+            </a:extLst>
+          </p:cNvPr>
+          <p:cNvCxnSpPr>
+            <a:cxnSpLocks/>
+            <a:stCxn id="18" idx="2"/>
+            <a:endCxn id="21" idx="2"/>
+          </p:cNvCxnSpPr>
+          <p:nvPr/>
+        </p:nvCxnSpPr>
+        <p:spPr>
+          <a:xfrm rot="5400000">
+            <a:off x="4989597" y="3589107"/>
+            <a:ext cx="12700" cy="2670265"/>
+          </a:xfrm>
+          <a:prstGeom prst="curvedConnector3">
+            <a:avLst>
+              <a:gd name="adj1" fmla="val 3308575"/>
+            </a:avLst>
+          </a:prstGeom>
+          <a:ln w="57150">
+            <a:tailEnd type="triangle"/>
+          </a:ln>
+        </p:spPr>
+        <p:style>
+          <a:lnRef idx="2">
+            <a:schemeClr val="accent1"/>
+          </a:lnRef>
+          <a:fillRef idx="0">
+            <a:schemeClr val="accent1"/>
+          </a:fillRef>
+          <a:effectRef idx="1">
+            <a:schemeClr val="accent1"/>
+          </a:effectRef>
+          <a:fontRef idx="minor">
+            <a:schemeClr val="tx1"/>
+          </a:fontRef>
+        </p:style>
+      </p:cxnSp>
+      <p:cxnSp>
+        <p:nvCxnSpPr>
+          <p:cNvPr id="30" name="연결선: 구부러짐 29">
+            <a:extLst>
+              <a:ext uri="{FF2B5EF4-FFF2-40B4-BE49-F238E27FC236}">
+                <a16:creationId xmlns:a16="http://schemas.microsoft.com/office/drawing/2014/main" id="{FE72DE54-F977-0C76-39E6-393AC9342DBA}"/>
+              </a:ext>
+            </a:extLst>
+          </p:cNvPr>
+          <p:cNvCxnSpPr>
+            <a:cxnSpLocks/>
+            <a:stCxn id="28" idx="0"/>
+            <a:endCxn id="18" idx="0"/>
+          </p:cNvCxnSpPr>
+          <p:nvPr/>
+        </p:nvCxnSpPr>
+        <p:spPr>
+          <a:xfrm rot="5400000" flipH="1" flipV="1">
+            <a:off x="5679454" y="3617709"/>
+            <a:ext cx="595" cy="1289955"/>
+          </a:xfrm>
+          <a:prstGeom prst="curvedConnector3">
+            <a:avLst>
+              <a:gd name="adj1" fmla="val 47301849"/>
+            </a:avLst>
+          </a:prstGeom>
+          <a:ln w="57150">
+            <a:tailEnd type="triangle"/>
+          </a:ln>
+        </p:spPr>
+        <p:style>
+          <a:lnRef idx="2">
+            <a:schemeClr val="accent1"/>
+          </a:lnRef>
+          <a:fillRef idx="0">
+            <a:schemeClr val="accent1"/>
+          </a:fillRef>
+          <a:effectRef idx="1">
+            <a:schemeClr val="accent1"/>
+          </a:effectRef>
+          <a:fontRef idx="minor">
+            <a:schemeClr val="tx1"/>
+          </a:fontRef>
+        </p:style>
+      </p:cxnSp>
+      <p:sp>
+        <p:nvSpPr>
+          <p:cNvPr id="42" name="TextBox 41">
+            <a:extLst>
+              <a:ext uri="{FF2B5EF4-FFF2-40B4-BE49-F238E27FC236}">
+                <a16:creationId xmlns:a16="http://schemas.microsoft.com/office/drawing/2014/main" id="{B9B9A1EE-FE5C-1E3A-702D-75226EE7F3E6}"/>
+              </a:ext>
+            </a:extLst>
+          </p:cNvPr>
+          <p:cNvSpPr txBox="1"/>
+          <p:nvPr/>
+        </p:nvSpPr>
+        <p:spPr>
+          <a:xfrm>
+            <a:off x="5106677" y="3711799"/>
+            <a:ext cx="1146148" cy="276999"/>
+          </a:xfrm>
+          <a:prstGeom prst="rect">
+            <a:avLst/>
+          </a:prstGeom>
+          <a:noFill/>
+        </p:spPr>
+        <p:txBody>
+          <a:bodyPr wrap="none" rtlCol="0">
+            <a:spAutoFit/>
+          </a:bodyPr>
+          <a:lstStyle/>
+          <a:p>
+            <a:r>
+              <a:rPr lang="en-US" altLang="ko-KR" sz="1200" dirty="0"/>
+              <a:t>ERC-20 Token</a:t>
+            </a:r>
+            <a:endParaRPr lang="ko-KR" altLang="en-US" sz="1200" dirty="0"/>
+          </a:p>
+        </p:txBody>
+      </p:sp>
+      <p:cxnSp>
+        <p:nvCxnSpPr>
+          <p:cNvPr id="43" name="연결선: 구부러짐 42">
+            <a:extLst>
+              <a:ext uri="{FF2B5EF4-FFF2-40B4-BE49-F238E27FC236}">
+                <a16:creationId xmlns:a16="http://schemas.microsoft.com/office/drawing/2014/main" id="{4C9F236E-B284-F81A-06AE-741E5BCA9122}"/>
+              </a:ext>
+            </a:extLst>
+          </p:cNvPr>
+          <p:cNvCxnSpPr>
+            <a:cxnSpLocks/>
+            <a:stCxn id="21" idx="2"/>
+            <a:endCxn id="24" idx="2"/>
+          </p:cNvCxnSpPr>
+          <p:nvPr/>
+        </p:nvCxnSpPr>
+        <p:spPr>
+          <a:xfrm rot="5400000">
+            <a:off x="2964310" y="4234085"/>
+            <a:ext cx="12700" cy="1380309"/>
+          </a:xfrm>
+          <a:prstGeom prst="curvedConnector3">
+            <a:avLst>
+              <a:gd name="adj1" fmla="val 3171425"/>
+            </a:avLst>
+          </a:prstGeom>
+          <a:ln w="57150">
+            <a:tailEnd type="triangle"/>
+          </a:ln>
+        </p:spPr>
+        <p:style>
+          <a:lnRef idx="2">
+            <a:schemeClr val="accent1"/>
+          </a:lnRef>
+          <a:fillRef idx="0">
+            <a:schemeClr val="accent1"/>
+          </a:fillRef>
+          <a:effectRef idx="1">
+            <a:schemeClr val="accent1"/>
+          </a:effectRef>
+          <a:fontRef idx="minor">
+            <a:schemeClr val="tx1"/>
+          </a:fontRef>
+        </p:style>
+      </p:cxnSp>
     </p:spTree>
     <p:extLst>
       <p:ext uri="{BB962C8B-B14F-4D97-AF65-F5344CB8AC3E}">
@@ -5597,8 +5957,38 @@
         </p:blipFill>
         <p:spPr>
           <a:xfrm>
-            <a:off x="1537699" y="830916"/>
-            <a:ext cx="9116601" cy="5620197"/>
+            <a:off x="4844318" y="1489185"/>
+            <a:ext cx="6293201" cy="3879629"/>
+          </a:xfrm>
+          <a:prstGeom prst="rect">
+            <a:avLst/>
+          </a:prstGeom>
+        </p:spPr>
+      </p:pic>
+      <p:pic>
+        <p:nvPicPr>
+          <p:cNvPr id="3" name="그림 2">
+            <a:extLst>
+              <a:ext uri="{FF2B5EF4-FFF2-40B4-BE49-F238E27FC236}">
+                <a16:creationId xmlns:a16="http://schemas.microsoft.com/office/drawing/2014/main" id="{771535DF-A722-A08E-0F8E-0BC7EC5886B1}"/>
+              </a:ext>
+            </a:extLst>
+          </p:cNvPr>
+          <p:cNvPicPr>
+            <a:picLocks noChangeAspect="1"/>
+          </p:cNvPicPr>
+          <p:nvPr/>
+        </p:nvPicPr>
+        <p:blipFill>
+          <a:blip r:embed="rId5"/>
+          <a:stretch>
+            <a:fillRect/>
+          </a:stretch>
+        </p:blipFill>
+        <p:spPr>
+          <a:xfrm>
+            <a:off x="754878" y="1239138"/>
+            <a:ext cx="3372321" cy="5115639"/>
           </a:xfrm>
           <a:prstGeom prst="rect">
             <a:avLst/>
@@ -5677,7 +6067,7 @@
                 </a:solidFill>
                 <a:latin typeface="system-ui"/>
               </a:rPr>
-              <a:t>활용 방안</a:t>
+              <a:t>활용 방안 제안</a:t>
             </a:r>
             <a:endParaRPr lang="en-US" altLang="ko-KR" sz="2800" b="0" i="0" dirty="0">
               <a:solidFill>
@@ -5703,7 +6093,7 @@
         </p:nvSpPr>
         <p:spPr>
           <a:xfrm>
-            <a:off x="2005149" y="307696"/>
+            <a:off x="3058239" y="307696"/>
             <a:ext cx="4595948" cy="369332"/>
           </a:xfrm>
           <a:prstGeom prst="rect">
@@ -5803,7 +6193,7 @@
         <p:spPr>
           <a:xfrm>
             <a:off x="425147" y="1041439"/>
-            <a:ext cx="5266185" cy="369332"/>
+            <a:ext cx="5908990" cy="369332"/>
           </a:xfrm>
           <a:prstGeom prst="rect">
             <a:avLst/>
@@ -5817,8 +6207,12 @@
           <a:lstStyle/>
           <a:p>
             <a:r>
+              <a:rPr lang="en-US" altLang="ko-KR" dirty="0" err="1"/>
+              <a:t>DApp</a:t>
+            </a:r>
+            <a:r>
               <a:rPr lang="ko-KR" altLang="en-US" dirty="0"/>
-              <a:t>서비스 소유 </a:t>
+              <a:t>이 관리하는 </a:t>
             </a:r>
             <a:r>
               <a:rPr lang="en-US" altLang="ko-KR" dirty="0"/>
@@ -6019,14 +6413,13 @@
             </a:endParaRPr>
           </a:p>
           <a:p>
-            <a:pPr algn="ctr"/>
             <a:r>
               <a:rPr lang="en-US" altLang="ko-KR" dirty="0">
                 <a:solidFill>
                   <a:schemeClr val="tx1"/>
                 </a:solidFill>
               </a:rPr>
-              <a:t>user </a:t>
+              <a:t>salt = user </a:t>
             </a:r>
             <a:r>
               <a:rPr lang="en-US" altLang="ko-KR" dirty="0" err="1">
@@ -6034,19 +6427,15 @@
                   <a:schemeClr val="tx1"/>
                 </a:solidFill>
               </a:rPr>
-              <a:t>Idx</a:t>
-            </a:r>
-            <a:r>
-              <a:rPr lang="en-US" altLang="ko-KR" dirty="0">
-                <a:solidFill>
-                  <a:schemeClr val="tx1"/>
-                </a:solidFill>
-              </a:rPr>
-              <a:t> = salt</a:t>
-            </a:r>
-          </a:p>
-          <a:p>
-            <a:pPr algn="ctr"/>
+              <a:t>cid</a:t>
+            </a:r>
+            <a:endParaRPr lang="en-US" altLang="ko-KR" dirty="0">
+              <a:solidFill>
+                <a:schemeClr val="tx1"/>
+              </a:solidFill>
+            </a:endParaRPr>
+          </a:p>
+          <a:p>
             <a:r>
               <a:rPr lang="en-US" altLang="ko-KR" dirty="0" err="1">
                 <a:solidFill>
@@ -6263,10 +6652,154 @@
       </p:grpSpPr>
       <p:sp>
         <p:nvSpPr>
-          <p:cNvPr id="6" name="TextBox 5">
-            <a:extLst>
-              <a:ext uri="{FF2B5EF4-FFF2-40B4-BE49-F238E27FC236}">
-                <a16:creationId xmlns:a16="http://schemas.microsoft.com/office/drawing/2014/main" id="{3EFB4F48-F84F-6810-BAB8-EEB134EA1F60}"/>
+          <p:cNvPr id="41" name="직사각형 40">
+            <a:extLst>
+              <a:ext uri="{FF2B5EF4-FFF2-40B4-BE49-F238E27FC236}">
+                <a16:creationId xmlns:a16="http://schemas.microsoft.com/office/drawing/2014/main" id="{69424613-E35A-146D-B416-646AFCDB61EE}"/>
+              </a:ext>
+            </a:extLst>
+          </p:cNvPr>
+          <p:cNvSpPr/>
+          <p:nvPr/>
+        </p:nvSpPr>
+        <p:spPr>
+          <a:xfrm>
+            <a:off x="3058884" y="307696"/>
+            <a:ext cx="3775165" cy="369332"/>
+          </a:xfrm>
+          <a:prstGeom prst="rect">
+            <a:avLst/>
+          </a:prstGeom>
+          <a:noFill/>
+          <a:ln w="57150">
+            <a:solidFill>
+              <a:srgbClr val="0B76A0"/>
+            </a:solidFill>
+          </a:ln>
+        </p:spPr>
+        <p:style>
+          <a:lnRef idx="2">
+            <a:schemeClr val="accent1">
+              <a:shade val="15000"/>
+            </a:schemeClr>
+          </a:lnRef>
+          <a:fillRef idx="1">
+            <a:schemeClr val="accent1"/>
+          </a:fillRef>
+          <a:effectRef idx="0">
+            <a:schemeClr val="accent1"/>
+          </a:effectRef>
+          <a:fontRef idx="minor">
+            <a:schemeClr val="lt1"/>
+          </a:fontRef>
+        </p:style>
+        <p:txBody>
+          <a:bodyPr rtlCol="0" anchor="ctr"/>
+          <a:lstStyle/>
+          <a:p>
+            <a:pPr algn="ctr"/>
+            <a:r>
+              <a:rPr lang="ko-KR" altLang="en-US" sz="1600" b="1" dirty="0">
+                <a:solidFill>
+                  <a:schemeClr val="tx1"/>
+                </a:solidFill>
+              </a:rPr>
+              <a:t>공동 지갑 혹은 소셜 복구</a:t>
+            </a:r>
+          </a:p>
+        </p:txBody>
+      </p:sp>
+      <p:pic>
+        <p:nvPicPr>
+          <p:cNvPr id="3" name="그림 2">
+            <a:extLst>
+              <a:ext uri="{FF2B5EF4-FFF2-40B4-BE49-F238E27FC236}">
+                <a16:creationId xmlns:a16="http://schemas.microsoft.com/office/drawing/2014/main" id="{68C0A247-F6F2-A1DC-5C56-049D5C28A808}"/>
+              </a:ext>
+            </a:extLst>
+          </p:cNvPr>
+          <p:cNvPicPr>
+            <a:picLocks noChangeAspect="1"/>
+          </p:cNvPicPr>
+          <p:nvPr/>
+        </p:nvPicPr>
+        <p:blipFill>
+          <a:blip r:embed="rId2"/>
+          <a:stretch>
+            <a:fillRect/>
+          </a:stretch>
+        </p:blipFill>
+        <p:spPr>
+          <a:xfrm>
+            <a:off x="425147" y="1728618"/>
+            <a:ext cx="6935168" cy="2429214"/>
+          </a:xfrm>
+          <a:prstGeom prst="rect">
+            <a:avLst/>
+          </a:prstGeom>
+        </p:spPr>
+      </p:pic>
+      <p:sp>
+        <p:nvSpPr>
+          <p:cNvPr id="4" name="TextBox 3">
+            <a:extLst>
+              <a:ext uri="{FF2B5EF4-FFF2-40B4-BE49-F238E27FC236}">
+                <a16:creationId xmlns:a16="http://schemas.microsoft.com/office/drawing/2014/main" id="{84EF2FE9-8F63-C96C-FB3F-639181F806AF}"/>
+              </a:ext>
+            </a:extLst>
+          </p:cNvPr>
+          <p:cNvSpPr txBox="1"/>
+          <p:nvPr/>
+        </p:nvSpPr>
+        <p:spPr>
+          <a:xfrm>
+            <a:off x="425147" y="1041439"/>
+            <a:ext cx="6605911" cy="369332"/>
+          </a:xfrm>
+          <a:prstGeom prst="rect">
+            <a:avLst/>
+          </a:prstGeom>
+          <a:noFill/>
+        </p:spPr>
+        <p:txBody>
+          <a:bodyPr wrap="none" rtlCol="0">
+            <a:spAutoFit/>
+          </a:bodyPr>
+          <a:lstStyle/>
+          <a:p>
+            <a:r>
+              <a:rPr lang="en-US" altLang="ko-KR" dirty="0"/>
+              <a:t>_</a:t>
+            </a:r>
+            <a:r>
+              <a:rPr lang="en-US" altLang="ko-KR" dirty="0" err="1"/>
+              <a:t>validateSignature</a:t>
+            </a:r>
+            <a:r>
+              <a:rPr lang="en-US" altLang="ko-KR" dirty="0"/>
+              <a:t>()</a:t>
+            </a:r>
+            <a:r>
+              <a:rPr lang="ko-KR" altLang="en-US" dirty="0"/>
+              <a:t>를 </a:t>
+            </a:r>
+            <a:r>
+              <a:rPr lang="en-US" altLang="ko-KR" dirty="0"/>
+              <a:t>Customizing – owner</a:t>
+            </a:r>
+            <a:r>
+              <a:rPr lang="ko-KR" altLang="en-US" dirty="0"/>
+              <a:t> 체크 방식을 변경</a:t>
+            </a:r>
+          </a:p>
+        </p:txBody>
+      </p:sp>
+      <p:sp>
+        <p:nvSpPr>
+          <p:cNvPr id="2" name="TextBox 1">
+            <a:extLst>
+              <a:ext uri="{FF2B5EF4-FFF2-40B4-BE49-F238E27FC236}">
+                <a16:creationId xmlns:a16="http://schemas.microsoft.com/office/drawing/2014/main" id="{AB795D19-5305-5B57-87D1-C66D7A5F3311}"/>
               </a:ext>
             </a:extLst>
           </p:cNvPr>
@@ -6297,7 +6830,7 @@
                 </a:solidFill>
                 <a:latin typeface="system-ui"/>
               </a:rPr>
-              <a:t>활용 방안</a:t>
+              <a:t>활용 방안 제안</a:t>
             </a:r>
             <a:endParaRPr lang="en-US" altLang="ko-KR" sz="2800" b="0" i="0" dirty="0">
               <a:solidFill>
@@ -6306,150 +6839,6 @@
               <a:effectLst/>
               <a:latin typeface="system-ui"/>
             </a:endParaRPr>
-          </a:p>
-        </p:txBody>
-      </p:sp>
-      <p:sp>
-        <p:nvSpPr>
-          <p:cNvPr id="41" name="직사각형 40">
-            <a:extLst>
-              <a:ext uri="{FF2B5EF4-FFF2-40B4-BE49-F238E27FC236}">
-                <a16:creationId xmlns:a16="http://schemas.microsoft.com/office/drawing/2014/main" id="{69424613-E35A-146D-B416-646AFCDB61EE}"/>
-              </a:ext>
-            </a:extLst>
-          </p:cNvPr>
-          <p:cNvSpPr/>
-          <p:nvPr/>
-        </p:nvSpPr>
-        <p:spPr>
-          <a:xfrm>
-            <a:off x="2005149" y="307696"/>
-            <a:ext cx="3775165" cy="369332"/>
-          </a:xfrm>
-          <a:prstGeom prst="rect">
-            <a:avLst/>
-          </a:prstGeom>
-          <a:noFill/>
-          <a:ln w="57150">
-            <a:solidFill>
-              <a:srgbClr val="0B76A0"/>
-            </a:solidFill>
-          </a:ln>
-        </p:spPr>
-        <p:style>
-          <a:lnRef idx="2">
-            <a:schemeClr val="accent1">
-              <a:shade val="15000"/>
-            </a:schemeClr>
-          </a:lnRef>
-          <a:fillRef idx="1">
-            <a:schemeClr val="accent1"/>
-          </a:fillRef>
-          <a:effectRef idx="0">
-            <a:schemeClr val="accent1"/>
-          </a:effectRef>
-          <a:fontRef idx="minor">
-            <a:schemeClr val="lt1"/>
-          </a:fontRef>
-        </p:style>
-        <p:txBody>
-          <a:bodyPr rtlCol="0" anchor="ctr"/>
-          <a:lstStyle/>
-          <a:p>
-            <a:pPr algn="ctr"/>
-            <a:r>
-              <a:rPr lang="ko-KR" altLang="en-US" sz="1600" b="1" dirty="0">
-                <a:solidFill>
-                  <a:schemeClr val="tx1"/>
-                </a:solidFill>
-              </a:rPr>
-              <a:t>공동 지갑 혹은 소셜 복구</a:t>
-            </a:r>
-          </a:p>
-        </p:txBody>
-      </p:sp>
-      <p:pic>
-        <p:nvPicPr>
-          <p:cNvPr id="3" name="그림 2">
-            <a:extLst>
-              <a:ext uri="{FF2B5EF4-FFF2-40B4-BE49-F238E27FC236}">
-                <a16:creationId xmlns:a16="http://schemas.microsoft.com/office/drawing/2014/main" id="{68C0A247-F6F2-A1DC-5C56-049D5C28A808}"/>
-              </a:ext>
-            </a:extLst>
-          </p:cNvPr>
-          <p:cNvPicPr>
-            <a:picLocks noChangeAspect="1"/>
-          </p:cNvPicPr>
-          <p:nvPr/>
-        </p:nvPicPr>
-        <p:blipFill>
-          <a:blip r:embed="rId2"/>
-          <a:stretch>
-            <a:fillRect/>
-          </a:stretch>
-        </p:blipFill>
-        <p:spPr>
-          <a:xfrm>
-            <a:off x="425147" y="1728618"/>
-            <a:ext cx="6935168" cy="2429214"/>
-          </a:xfrm>
-          <a:prstGeom prst="rect">
-            <a:avLst/>
-          </a:prstGeom>
-        </p:spPr>
-      </p:pic>
-      <p:sp>
-        <p:nvSpPr>
-          <p:cNvPr id="4" name="TextBox 3">
-            <a:extLst>
-              <a:ext uri="{FF2B5EF4-FFF2-40B4-BE49-F238E27FC236}">
-                <a16:creationId xmlns:a16="http://schemas.microsoft.com/office/drawing/2014/main" id="{84EF2FE9-8F63-C96C-FB3F-639181F806AF}"/>
-              </a:ext>
-            </a:extLst>
-          </p:cNvPr>
-          <p:cNvSpPr txBox="1"/>
-          <p:nvPr/>
-        </p:nvSpPr>
-        <p:spPr>
-          <a:xfrm>
-            <a:off x="425147" y="1041439"/>
-            <a:ext cx="6605911" cy="369332"/>
-          </a:xfrm>
-          <a:prstGeom prst="rect">
-            <a:avLst/>
-          </a:prstGeom>
-          <a:noFill/>
-        </p:spPr>
-        <p:txBody>
-          <a:bodyPr wrap="none" rtlCol="0">
-            <a:spAutoFit/>
-          </a:bodyPr>
-          <a:lstStyle/>
-          <a:p>
-            <a:r>
-              <a:rPr lang="en-US" altLang="ko-KR" dirty="0"/>
-              <a:t>_</a:t>
-            </a:r>
-            <a:r>
-              <a:rPr lang="en-US" altLang="ko-KR" dirty="0" err="1"/>
-              <a:t>validateSignature</a:t>
-            </a:r>
-            <a:r>
-              <a:rPr lang="en-US" altLang="ko-KR" dirty="0"/>
-              <a:t>()</a:t>
-            </a:r>
-            <a:r>
-              <a:rPr lang="ko-KR" altLang="en-US" dirty="0"/>
-              <a:t>를 </a:t>
-            </a:r>
-            <a:r>
-              <a:rPr lang="en-US" altLang="ko-KR" dirty="0"/>
-              <a:t>Customizing – owner</a:t>
-            </a:r>
-            <a:r>
-              <a:rPr lang="ko-KR" altLang="en-US" dirty="0"/>
-              <a:t> 체크 방식을 변경</a:t>
-            </a:r>
           </a:p>
         </p:txBody>
       </p:sp>
@@ -6643,18 +7032,18 @@
           <a:lstStyle/>
           <a:p>
             <a:r>
-              <a:rPr lang="ko-KR" altLang="en-US" dirty="0"/>
+              <a:rPr lang="ko-KR" altLang="en-US" b="1" dirty="0"/>
               <a:t>신뢰할 수 있는 </a:t>
             </a:r>
             <a:r>
-              <a:rPr lang="en-US" altLang="ko-KR" dirty="0"/>
+              <a:rPr lang="en-US" altLang="ko-KR" b="1" dirty="0"/>
               <a:t>Bundler</a:t>
             </a:r>
             <a:r>
-              <a:rPr lang="ko-KR" altLang="en-US" dirty="0"/>
+              <a:rPr lang="ko-KR" altLang="en-US" b="1" dirty="0"/>
               <a:t>의 필요성</a:t>
             </a:r>
-            <a:endParaRPr lang="en-US" altLang="ko-KR" dirty="0"/>
+            <a:endParaRPr lang="en-US" altLang="ko-KR" b="1" dirty="0"/>
           </a:p>
           <a:p>
             <a:r>
@@ -6695,22 +7084,22 @@
           </a:p>
           <a:p>
             <a:r>
-              <a:rPr lang="en-US" altLang="ko-KR" dirty="0"/>
+              <a:rPr lang="en-US" altLang="ko-KR" b="1" dirty="0"/>
               <a:t>Auditing</a:t>
             </a:r>
             <a:r>
-              <a:rPr lang="ko-KR" altLang="en-US" dirty="0"/>
+              <a:rPr lang="ko-KR" altLang="en-US" b="1" dirty="0"/>
               <a:t>된</a:t>
             </a:r>
             <a:r>
-              <a:rPr lang="en-US" altLang="ko-KR" dirty="0"/>
+              <a:rPr lang="en-US" altLang="ko-KR" b="1" dirty="0"/>
               <a:t> Contract Factory </a:t>
             </a:r>
             <a:r>
-              <a:rPr lang="ko-KR" altLang="en-US" dirty="0"/>
+              <a:rPr lang="ko-KR" altLang="en-US" b="1" dirty="0"/>
               <a:t>코드 사용의 필요성</a:t>
             </a:r>
-            <a:endParaRPr lang="en-US" altLang="ko-KR" dirty="0"/>
+            <a:endParaRPr lang="en-US" altLang="ko-KR" b="1" dirty="0"/>
           </a:p>
           <a:p>
             <a:r>
@@ -6736,11 +7125,11 @@
           </a:p>
           <a:p>
             <a:r>
-              <a:rPr lang="ko-KR" altLang="en-US" dirty="0"/>
+              <a:rPr lang="ko-KR" altLang="en-US" b="1" dirty="0"/>
               <a:t>증가하는 </a:t>
             </a:r>
             <a:r>
-              <a:rPr lang="en-US" altLang="ko-KR" dirty="0"/>
+              <a:rPr lang="en-US" altLang="ko-KR" b="1" dirty="0"/>
               <a:t>Gas fee</a:t>
             </a:r>
           </a:p>
@@ -6831,14 +7220,14 @@
           </a:p>
           <a:p>
             <a:r>
-              <a:rPr lang="en-US" altLang="ko-KR" dirty="0"/>
+              <a:rPr lang="en-US" altLang="ko-KR" b="1" dirty="0"/>
               <a:t>Transaction Tracking</a:t>
             </a:r>
             <a:r>
-              <a:rPr lang="ko-KR" altLang="en-US" dirty="0"/>
+              <a:rPr lang="ko-KR" altLang="en-US" b="1" dirty="0"/>
               <a:t> 어려움</a:t>
             </a:r>
-            <a:endParaRPr lang="en-US" altLang="ko-KR" dirty="0"/>
+            <a:endParaRPr lang="en-US" altLang="ko-KR" b="1" dirty="0"/>
           </a:p>
           <a:p>
             <a:r>
@@ -7535,6 +7924,276 @@
           </a:p>
         </p:txBody>
       </p:sp>
+      <p:sp>
+        <p:nvSpPr>
+          <p:cNvPr id="2" name="사각형: 둥근 모서리 1">
+            <a:extLst>
+              <a:ext uri="{FF2B5EF4-FFF2-40B4-BE49-F238E27FC236}">
+                <a16:creationId xmlns:a16="http://schemas.microsoft.com/office/drawing/2014/main" id="{1FCA8819-BDFF-9156-DF4F-4727D6B0E6C8}"/>
+              </a:ext>
+            </a:extLst>
+          </p:cNvPr>
+          <p:cNvSpPr/>
+          <p:nvPr/>
+        </p:nvSpPr>
+        <p:spPr>
+          <a:xfrm>
+            <a:off x="6345120" y="2682239"/>
+            <a:ext cx="3413760" cy="1689463"/>
+          </a:xfrm>
+          <a:prstGeom prst="roundRect">
+            <a:avLst/>
+          </a:prstGeom>
+        </p:spPr>
+        <p:style>
+          <a:lnRef idx="2">
+            <a:schemeClr val="accent1">
+              <a:shade val="15000"/>
+            </a:schemeClr>
+          </a:lnRef>
+          <a:fillRef idx="1">
+            <a:schemeClr val="accent1"/>
+          </a:fillRef>
+          <a:effectRef idx="0">
+            <a:schemeClr val="accent1"/>
+          </a:effectRef>
+          <a:fontRef idx="minor">
+            <a:schemeClr val="lt1"/>
+          </a:fontRef>
+        </p:style>
+        <p:txBody>
+          <a:bodyPr rtlCol="0" anchor="t" anchorCtr="0"/>
+          <a:lstStyle/>
+          <a:p>
+            <a:pPr algn="ctr"/>
+            <a:r>
+              <a:rPr lang="en-US" altLang="ko-KR" dirty="0"/>
+              <a:t>EVM Blockchain</a:t>
+            </a:r>
+            <a:endParaRPr lang="ko-KR" altLang="en-US" dirty="0"/>
+          </a:p>
+        </p:txBody>
+      </p:sp>
+      <p:sp>
+        <p:nvSpPr>
+          <p:cNvPr id="3" name="사각형: 둥근 모서리 2">
+            <a:extLst>
+              <a:ext uri="{FF2B5EF4-FFF2-40B4-BE49-F238E27FC236}">
+                <a16:creationId xmlns:a16="http://schemas.microsoft.com/office/drawing/2014/main" id="{D1952CC0-4AE3-26D1-01AE-B48F6696F134}"/>
+              </a:ext>
+            </a:extLst>
+          </p:cNvPr>
+          <p:cNvSpPr/>
+          <p:nvPr/>
+        </p:nvSpPr>
+        <p:spPr>
+          <a:xfrm>
+            <a:off x="1413832" y="3050177"/>
+            <a:ext cx="1672046" cy="757646"/>
+          </a:xfrm>
+          <a:prstGeom prst="roundRect">
+            <a:avLst/>
+          </a:prstGeom>
+        </p:spPr>
+        <p:style>
+          <a:lnRef idx="2">
+            <a:schemeClr val="accent1">
+              <a:shade val="15000"/>
+            </a:schemeClr>
+          </a:lnRef>
+          <a:fillRef idx="1">
+            <a:schemeClr val="accent1"/>
+          </a:fillRef>
+          <a:effectRef idx="0">
+            <a:schemeClr val="accent1"/>
+          </a:effectRef>
+          <a:fontRef idx="minor">
+            <a:schemeClr val="lt1"/>
+          </a:fontRef>
+        </p:style>
+        <p:txBody>
+          <a:bodyPr rtlCol="0" anchor="ctr"/>
+          <a:lstStyle/>
+          <a:p>
+            <a:pPr algn="ctr"/>
+            <a:r>
+              <a:rPr lang="en-US" altLang="ko-KR" dirty="0"/>
+              <a:t>Non-EVM Blockchain</a:t>
+            </a:r>
+            <a:endParaRPr lang="ko-KR" altLang="en-US" dirty="0"/>
+          </a:p>
+        </p:txBody>
+      </p:sp>
+      <p:sp>
+        <p:nvSpPr>
+          <p:cNvPr id="4" name="사각형: 둥근 모서리 3">
+            <a:extLst>
+              <a:ext uri="{FF2B5EF4-FFF2-40B4-BE49-F238E27FC236}">
+                <a16:creationId xmlns:a16="http://schemas.microsoft.com/office/drawing/2014/main" id="{AAE3F51E-3265-42B4-00E0-5C6DB7A0E130}"/>
+              </a:ext>
+            </a:extLst>
+          </p:cNvPr>
+          <p:cNvSpPr/>
+          <p:nvPr/>
+        </p:nvSpPr>
+        <p:spPr>
+          <a:xfrm>
+            <a:off x="6620364" y="3189514"/>
+            <a:ext cx="914400" cy="914400"/>
+          </a:xfrm>
+          <a:prstGeom prst="roundRect">
+            <a:avLst/>
+          </a:prstGeom>
+          <a:solidFill>
+            <a:srgbClr val="002060"/>
+          </a:solidFill>
+        </p:spPr>
+        <p:style>
+          <a:lnRef idx="2">
+            <a:schemeClr val="accent1">
+              <a:shade val="15000"/>
+            </a:schemeClr>
+          </a:lnRef>
+          <a:fillRef idx="1">
+            <a:schemeClr val="accent1"/>
+          </a:fillRef>
+          <a:effectRef idx="0">
+            <a:schemeClr val="accent1"/>
+          </a:effectRef>
+          <a:fontRef idx="minor">
+            <a:schemeClr val="lt1"/>
+          </a:fontRef>
+        </p:style>
+        <p:txBody>
+          <a:bodyPr rtlCol="0" anchor="ctr"/>
+          <a:lstStyle/>
+          <a:p>
+            <a:pPr algn="ctr"/>
+            <a:r>
+              <a:rPr lang="en-US" altLang="ko-KR" dirty="0" err="1"/>
+              <a:t>EntryPoint</a:t>
+            </a:r>
+            <a:endParaRPr lang="ko-KR" altLang="en-US" dirty="0"/>
+          </a:p>
+        </p:txBody>
+      </p:sp>
+      <p:sp>
+        <p:nvSpPr>
+          <p:cNvPr id="5" name="사각형: 둥근 모서리 4">
+            <a:extLst>
+              <a:ext uri="{FF2B5EF4-FFF2-40B4-BE49-F238E27FC236}">
+                <a16:creationId xmlns:a16="http://schemas.microsoft.com/office/drawing/2014/main" id="{425AC9F2-B83C-759E-4B47-5BCFBF0F22A7}"/>
+              </a:ext>
+            </a:extLst>
+          </p:cNvPr>
+          <p:cNvSpPr/>
+          <p:nvPr/>
+        </p:nvSpPr>
+        <p:spPr>
+          <a:xfrm>
+            <a:off x="7783882" y="3189514"/>
+            <a:ext cx="1755438" cy="914400"/>
+          </a:xfrm>
+          <a:prstGeom prst="roundRect">
+            <a:avLst/>
+          </a:prstGeom>
+          <a:solidFill>
+            <a:srgbClr val="002060"/>
+          </a:solidFill>
+        </p:spPr>
+        <p:style>
+          <a:lnRef idx="2">
+            <a:schemeClr val="accent1">
+              <a:shade val="15000"/>
+            </a:schemeClr>
+          </a:lnRef>
+          <a:fillRef idx="1">
+            <a:schemeClr val="accent1"/>
+          </a:fillRef>
+          <a:effectRef idx="0">
+            <a:schemeClr val="accent1"/>
+          </a:effectRef>
+          <a:fontRef idx="minor">
+            <a:schemeClr val="lt1"/>
+          </a:fontRef>
+        </p:style>
+        <p:txBody>
+          <a:bodyPr rtlCol="0" anchor="ctr"/>
+          <a:lstStyle/>
+          <a:p>
+            <a:pPr algn="ctr"/>
+            <a:r>
+              <a:rPr lang="en-US" altLang="ko-KR" dirty="0"/>
+              <a:t>Customized</a:t>
+            </a:r>
+            <a:br>
+              <a:rPr lang="en-US" altLang="ko-KR" dirty="0"/>
+            </a:br>
+            <a:r>
+              <a:rPr lang="en-US" altLang="ko-KR" dirty="0"/>
+              <a:t>AA</a:t>
+            </a:r>
+            <a:br>
+              <a:rPr lang="en-US" altLang="ko-KR" dirty="0"/>
+            </a:br>
+            <a:r>
+              <a:rPr lang="en-US" altLang="ko-KR" dirty="0"/>
+              <a:t>Contract</a:t>
+            </a:r>
+            <a:endParaRPr lang="ko-KR" altLang="en-US" dirty="0"/>
+          </a:p>
+        </p:txBody>
+      </p:sp>
+      <p:sp>
+        <p:nvSpPr>
+          <p:cNvPr id="8" name="사각형: 둥근 모서리 7">
+            <a:extLst>
+              <a:ext uri="{FF2B5EF4-FFF2-40B4-BE49-F238E27FC236}">
+                <a16:creationId xmlns:a16="http://schemas.microsoft.com/office/drawing/2014/main" id="{0FFB3321-7C67-25B3-287E-F397BC9DE7EA}"/>
+              </a:ext>
+            </a:extLst>
+          </p:cNvPr>
+          <p:cNvSpPr/>
+          <p:nvPr/>
+        </p:nvSpPr>
+        <p:spPr>
+          <a:xfrm>
+            <a:off x="3831770" y="2971800"/>
+            <a:ext cx="1672046" cy="914400"/>
+          </a:xfrm>
+          <a:prstGeom prst="roundRect">
+            <a:avLst/>
+          </a:prstGeom>
+        </p:spPr>
+        <p:style>
+          <a:lnRef idx="2">
+            <a:schemeClr val="accent1">
+              <a:shade val="15000"/>
+            </a:schemeClr>
+          </a:lnRef>
+          <a:fillRef idx="1">
+            <a:schemeClr val="accent1"/>
+          </a:fillRef>
+          <a:effectRef idx="0">
+            <a:schemeClr val="accent1"/>
+          </a:effectRef>
+          <a:fontRef idx="minor">
+            <a:schemeClr val="lt1"/>
+          </a:fontRef>
+        </p:style>
+        <p:txBody>
+          <a:bodyPr rtlCol="0" anchor="ctr"/>
+          <a:lstStyle/>
+          <a:p>
+            <a:pPr algn="ctr"/>
+            <a:r>
+              <a:rPr lang="en-US" altLang="ko-KR" dirty="0"/>
+              <a:t>Bundler</a:t>
+            </a:r>
+            <a:endParaRPr lang="ko-KR" altLang="en-US" dirty="0"/>
+          </a:p>
+        </p:txBody>
+      </p:sp>
     </p:spTree>
     <p:extLst>
       <p:ext uri="{BB962C8B-B14F-4D97-AF65-F5344CB8AC3E}">
@@ -10705,7 +11364,7 @@
         <p:spPr>
           <a:xfrm>
             <a:off x="3095897" y="4894813"/>
-            <a:ext cx="1885406" cy="781800"/>
+            <a:ext cx="1532711" cy="781800"/>
           </a:xfrm>
           <a:prstGeom prst="roundRect">
             <a:avLst/>
@@ -11046,8 +11705,8 @@
         </p:nvSpPr>
         <p:spPr>
           <a:xfrm>
-            <a:off x="3001194" y="3920251"/>
-            <a:ext cx="3956954" cy="806326"/>
+            <a:off x="4241074" y="3920251"/>
+            <a:ext cx="2717074" cy="806326"/>
           </a:xfrm>
           <a:prstGeom prst="rect">
             <a:avLst/>
@@ -13340,7 +13999,7 @@
                   <a:schemeClr val="tx1"/>
                 </a:solidFill>
               </a:rPr>
-              <a:t>S_C_A</a:t>
+              <a:t>S_A_C</a:t>
             </a:r>
             <a:endParaRPr lang="ko-KR" altLang="en-US" sz="1400" dirty="0">
               <a:solidFill>
@@ -13738,8 +14397,8 @@
         </p:nvSpPr>
         <p:spPr>
           <a:xfrm>
-            <a:off x="4708072" y="2002971"/>
-            <a:ext cx="3956954" cy="806326"/>
+            <a:off x="5956663" y="2002971"/>
+            <a:ext cx="2708362" cy="806326"/>
           </a:xfrm>
           <a:prstGeom prst="rect">
             <a:avLst/>
